--- a/doc/test/AgendaSlidesTextAfterSync.pptx
+++ b/doc/test/AgendaSlidesTextAfterSync.pptx
@@ -194,7 +194,7 @@
       </p14:sectionLst>
     </p:ext>
     <p:ext uri="{EFAFB233-063F-42B5-8137-9DF3F51BA10A}">
-      <p15:sldGuideLst xmlns="" xmlns:p15="http://schemas.microsoft.com/office/powerpoint/2012/main">
+      <p15:sldGuideLst xmlns:p15="http://schemas.microsoft.com/office/powerpoint/2012/main" xmlns="">
         <p15:guide id="1" orient="horz" pos="2160">
           <p15:clr>
             <a:srgbClr val="A4A3A4"/>
@@ -607,7 +607,7 @@
           <a:p>
             <a:r>
               <a:rPr lang="en-US" smtClean="0"/>
-              <a:t>This notes page is used to store data - Do not edit the notes. T2JqZWN0cyB3aXRoIHNhbWUgbmFtZQ==@VW5uYW1lZCBTaGFwZSAyMDE1MDYxOTE2NDc1NTY2ODcy@VW5uYW1lZCBTaGFwZSAyMDE1MDYxOTE2NDc1NTY2ODcz@UFBUVGVtcGxhdGVNYXJrZXI=@UHB0TGFic0FnZW5kYV8mXkBDb250ZW50U2hhcGVfJl5AMjAxNTA2MTkxNjI4Mzg3Nzg1MA==@VW5uYW1lZCBTaGFwZSAyMDE1MDYxOTE2NDc1NTY2Njcw@VW5uYW1lZCBTaGFwZSAyMDE1MDYxOTE2NDc1NTY2Nzcx@-805424442</a:t>
+              <a:t>This notes page is used to store data - Do not edit the notes. T2JqZWN0cyB3aXRoIHNhbWUgbmFtZQ==@VW5uYW1lZCBTaGFwZSAyMDE1MDYxOTE4NTgzOTA3MTIy@VW5uYW1lZCBTaGFwZSAyMDE1MDYxOTE4NTgzOTA3MTIz@UFBUVGVtcGxhdGVNYXJrZXI=@UHB0TGFic0FnZW5kYV8mXkBDb250ZW50U2hhcGVfJl5AMjAxNTA2MTkxNjI4Mzg3Nzg1MA==@VW5uYW1lZCBTaGFwZSAyMDE1MDYxOTE4NTgzOTA1NTYw@VW5uYW1lZCBTaGFwZSAyMDE1MDYxOTE4NTgzOTA1NTYx@-1841862451</a:t>
             </a:r>
             <a:endParaRPr lang="en-US"/>
           </a:p>
@@ -10233,7 +10233,7 @@
       </p:sp>
       <p:sp>
         <p:nvSpPr>
-          <p:cNvPr id="11" name="Unnamed Shape 2015061916475566872"/>
+          <p:cNvPr id="11" name="Unnamed Shape 2015061918583907122"/>
           <p:cNvSpPr/>
           <p:nvPr/>
         </p:nvSpPr>
@@ -10276,7 +10276,7 @@
       </p:sp>
       <p:sp>
         <p:nvSpPr>
-          <p:cNvPr id="12" name="Unnamed Shape 2015061916475566873"/>
+          <p:cNvPr id="12" name="Unnamed Shape 2015061918583907123"/>
           <p:cNvSpPr/>
           <p:nvPr/>
         </p:nvSpPr>
@@ -10488,7 +10488,7 @@
       </p:sp>
       <p:sp>
         <p:nvSpPr>
-          <p:cNvPr id="13" name="Unnamed Shape 2015061916475566670"/>
+          <p:cNvPr id="13" name="Unnamed Shape 2015061918583905560"/>
           <p:cNvSpPr/>
           <p:nvPr/>
         </p:nvSpPr>
@@ -10531,7 +10531,7 @@
       </p:sp>
       <p:sp>
         <p:nvSpPr>
-          <p:cNvPr id="14" name="Unnamed Shape 2015061916475566771"/>
+          <p:cNvPr id="14" name="Unnamed Shape 2015061918583905561"/>
           <p:cNvSpPr txBox="1"/>
           <p:nvPr/>
         </p:nvSpPr>
@@ -10958,7 +10958,7 @@
       </p:sp>
       <p:sp>
         <p:nvSpPr>
-          <p:cNvPr id="8" name="Unnamed Shape 2015061916475566872"/>
+          <p:cNvPr id="8" name="Unnamed Shape 2015061918583907122"/>
           <p:cNvSpPr>
             <a:spLocks/>
           </p:cNvSpPr>
@@ -11003,7 +11003,7 @@
       </p:sp>
       <p:sp>
         <p:nvSpPr>
-          <p:cNvPr id="9" name="Unnamed Shape 2015061916475566873"/>
+          <p:cNvPr id="9" name="Unnamed Shape 2015061918583907123"/>
           <p:cNvSpPr>
             <a:spLocks/>
           </p:cNvSpPr>
@@ -11248,7 +11248,7 @@
       </p:sp>
       <p:sp>
         <p:nvSpPr>
-          <p:cNvPr id="10" name="Unnamed Shape 2015061916475566670"/>
+          <p:cNvPr id="10" name="Unnamed Shape 2015061918583905560"/>
           <p:cNvSpPr>
             <a:spLocks/>
           </p:cNvSpPr>
@@ -11293,7 +11293,7 @@
       </p:sp>
       <p:sp>
         <p:nvSpPr>
-          <p:cNvPr id="11" name="Unnamed Shape 2015061916475566771"/>
+          <p:cNvPr id="11" name="Unnamed Shape 2015061918583905561"/>
           <p:cNvSpPr txBox="1">
             <a:spLocks/>
           </p:cNvSpPr>
@@ -11737,7 +11737,7 @@
       </p:sp>
       <p:sp>
         <p:nvSpPr>
-          <p:cNvPr id="8" name="Unnamed Shape 2015061916475566872"/>
+          <p:cNvPr id="8" name="Unnamed Shape 2015061918583907122"/>
           <p:cNvSpPr>
             <a:spLocks/>
           </p:cNvSpPr>
@@ -11782,7 +11782,7 @@
       </p:sp>
       <p:sp>
         <p:nvSpPr>
-          <p:cNvPr id="9" name="Unnamed Shape 2015061916475566873"/>
+          <p:cNvPr id="9" name="Unnamed Shape 2015061918583907123"/>
           <p:cNvSpPr>
             <a:spLocks/>
           </p:cNvSpPr>
@@ -12019,7 +12019,7 @@
       </p:sp>
       <p:sp>
         <p:nvSpPr>
-          <p:cNvPr id="10" name="Unnamed Shape 2015061916475566670"/>
+          <p:cNvPr id="10" name="Unnamed Shape 2015061918583905560"/>
           <p:cNvSpPr>
             <a:spLocks/>
           </p:cNvSpPr>
@@ -12064,7 +12064,7 @@
       </p:sp>
       <p:sp>
         <p:nvSpPr>
-          <p:cNvPr id="11" name="Unnamed Shape 2015061916475566771"/>
+          <p:cNvPr id="11" name="Unnamed Shape 2015061918583905561"/>
           <p:cNvSpPr txBox="1">
             <a:spLocks/>
           </p:cNvSpPr>
@@ -12935,7 +12935,7 @@
       </p:sp>
       <p:sp>
         <p:nvSpPr>
-          <p:cNvPr id="8" name="Unnamed Shape 2015061916475566872"/>
+          <p:cNvPr id="8" name="Unnamed Shape 2015061918583907122"/>
           <p:cNvSpPr>
             <a:spLocks/>
           </p:cNvSpPr>
@@ -12980,7 +12980,7 @@
       </p:sp>
       <p:sp>
         <p:nvSpPr>
-          <p:cNvPr id="9" name="Unnamed Shape 2015061916475566873"/>
+          <p:cNvPr id="9" name="Unnamed Shape 2015061918583907123"/>
           <p:cNvSpPr>
             <a:spLocks/>
           </p:cNvSpPr>
@@ -13217,7 +13217,7 @@
       </p:sp>
       <p:sp>
         <p:nvSpPr>
-          <p:cNvPr id="10" name="Unnamed Shape 2015061916475566670"/>
+          <p:cNvPr id="10" name="Unnamed Shape 2015061918583905560"/>
           <p:cNvSpPr>
             <a:spLocks/>
           </p:cNvSpPr>
@@ -13262,7 +13262,7 @@
       </p:sp>
       <p:sp>
         <p:nvSpPr>
-          <p:cNvPr id="11" name="Unnamed Shape 2015061916475566771"/>
+          <p:cNvPr id="11" name="Unnamed Shape 2015061918583905561"/>
           <p:cNvSpPr txBox="1">
             <a:spLocks/>
           </p:cNvSpPr>
@@ -13631,7 +13631,7 @@
       </p:grpSpPr>
       <p:pic>
         <p:nvPicPr>
-          <p:cNvPr id="2" name="PPTIndicator201506191647573608"/>
+          <p:cNvPr id="2" name="PPTIndicator201506191858409276"/>
           <p:cNvPicPr>
             <a:picLocks/>
           </p:cNvPicPr>
@@ -13706,7 +13706,7 @@
       </p:sp>
       <p:sp>
         <p:nvSpPr>
-          <p:cNvPr id="6" name="Unnamed Shape 2015061916475566872"/>
+          <p:cNvPr id="6" name="Unnamed Shape 2015061918583907122"/>
           <p:cNvSpPr>
             <a:spLocks/>
           </p:cNvSpPr>
@@ -13751,7 +13751,7 @@
       </p:sp>
       <p:sp>
         <p:nvSpPr>
-          <p:cNvPr id="7" name="Unnamed Shape 2015061916475566873"/>
+          <p:cNvPr id="7" name="Unnamed Shape 2015061918583907123"/>
           <p:cNvSpPr>
             <a:spLocks/>
           </p:cNvSpPr>
@@ -13980,7 +13980,7 @@
       </p:sp>
       <p:sp>
         <p:nvSpPr>
-          <p:cNvPr id="9" name="Unnamed Shape 2015061916475566670"/>
+          <p:cNvPr id="9" name="Unnamed Shape 2015061918583905560"/>
           <p:cNvSpPr>
             <a:spLocks/>
           </p:cNvSpPr>
@@ -14025,7 +14025,7 @@
       </p:sp>
       <p:sp>
         <p:nvSpPr>
-          <p:cNvPr id="10" name="Unnamed Shape 2015061916475566771"/>
+          <p:cNvPr id="10" name="Unnamed Shape 2015061918583905561"/>
           <p:cNvSpPr txBox="1">
             <a:spLocks/>
           </p:cNvSpPr>
@@ -14248,7 +14248,7 @@
     </p:spTree>
     <p:extLst>
       <p:ext uri="{BB962C8B-B14F-4D97-AF65-F5344CB8AC3E}">
-        <p14:creationId xmlns:p14="http://schemas.microsoft.com/office/powerpoint/2010/main" val="705234651"/>
+        <p14:creationId xmlns:p14="http://schemas.microsoft.com/office/powerpoint/2010/main" val="3285958563"/>
       </p:ext>
     </p:extLst>
   </p:cSld>
@@ -14756,7 +14756,7 @@
       </p:sp>
       <p:sp>
         <p:nvSpPr>
-          <p:cNvPr id="8" name="Unnamed Shape 2015061916475566872"/>
+          <p:cNvPr id="8" name="Unnamed Shape 2015061918583907122"/>
           <p:cNvSpPr>
             <a:spLocks/>
           </p:cNvSpPr>
@@ -14801,7 +14801,7 @@
       </p:sp>
       <p:sp>
         <p:nvSpPr>
-          <p:cNvPr id="9" name="Unnamed Shape 2015061916475566873"/>
+          <p:cNvPr id="9" name="Unnamed Shape 2015061918583907123"/>
           <p:cNvSpPr>
             <a:spLocks/>
           </p:cNvSpPr>
@@ -15030,7 +15030,7 @@
       </p:sp>
       <p:sp>
         <p:nvSpPr>
-          <p:cNvPr id="10" name="Unnamed Shape 2015061916475566670"/>
+          <p:cNvPr id="10" name="Unnamed Shape 2015061918583905560"/>
           <p:cNvSpPr>
             <a:spLocks/>
           </p:cNvSpPr>
@@ -15075,7 +15075,7 @@
       </p:sp>
       <p:sp>
         <p:nvSpPr>
-          <p:cNvPr id="11" name="Unnamed Shape 2015061916475566771"/>
+          <p:cNvPr id="11" name="Unnamed Shape 2015061918583905561"/>
           <p:cNvSpPr txBox="1">
             <a:spLocks/>
           </p:cNvSpPr>
@@ -15519,7 +15519,7 @@
       </p:sp>
       <p:sp>
         <p:nvSpPr>
-          <p:cNvPr id="8" name="Unnamed Shape 2015061916475566872"/>
+          <p:cNvPr id="8" name="Unnamed Shape 2015061918583907122"/>
           <p:cNvSpPr>
             <a:spLocks/>
           </p:cNvSpPr>
@@ -15564,7 +15564,7 @@
       </p:sp>
       <p:sp>
         <p:nvSpPr>
-          <p:cNvPr id="9" name="Unnamed Shape 2015061916475566873"/>
+          <p:cNvPr id="9" name="Unnamed Shape 2015061918583907123"/>
           <p:cNvSpPr>
             <a:spLocks/>
           </p:cNvSpPr>
@@ -15789,7 +15789,7 @@
       </p:sp>
       <p:sp>
         <p:nvSpPr>
-          <p:cNvPr id="10" name="Unnamed Shape 2015061916475566670"/>
+          <p:cNvPr id="10" name="Unnamed Shape 2015061918583905560"/>
           <p:cNvSpPr>
             <a:spLocks/>
           </p:cNvSpPr>
@@ -15834,7 +15834,7 @@
       </p:sp>
       <p:sp>
         <p:nvSpPr>
-          <p:cNvPr id="11" name="Unnamed Shape 2015061916475566771"/>
+          <p:cNvPr id="11" name="Unnamed Shape 2015061918583905561"/>
           <p:cNvSpPr txBox="1">
             <a:spLocks/>
           </p:cNvSpPr>
@@ -16323,7 +16323,7 @@
       </p:sp>
       <p:sp>
         <p:nvSpPr>
-          <p:cNvPr id="8" name="Unnamed Shape 2015061916475566872"/>
+          <p:cNvPr id="8" name="Unnamed Shape 2015061918583907122"/>
           <p:cNvSpPr>
             <a:spLocks/>
           </p:cNvSpPr>
@@ -16368,7 +16368,7 @@
       </p:sp>
       <p:sp>
         <p:nvSpPr>
-          <p:cNvPr id="9" name="Unnamed Shape 2015061916475566873"/>
+          <p:cNvPr id="9" name="Unnamed Shape 2015061918583907123"/>
           <p:cNvSpPr>
             <a:spLocks/>
           </p:cNvSpPr>
@@ -16593,7 +16593,7 @@
       </p:sp>
       <p:sp>
         <p:nvSpPr>
-          <p:cNvPr id="10" name="Unnamed Shape 2015061916475566670"/>
+          <p:cNvPr id="10" name="Unnamed Shape 2015061918583905560"/>
           <p:cNvSpPr>
             <a:spLocks/>
           </p:cNvSpPr>
@@ -16638,7 +16638,7 @@
       </p:sp>
       <p:sp>
         <p:nvSpPr>
-          <p:cNvPr id="11" name="Unnamed Shape 2015061916475566771"/>
+          <p:cNvPr id="11" name="Unnamed Shape 2015061918583905561"/>
           <p:cNvSpPr txBox="1">
             <a:spLocks/>
           </p:cNvSpPr>
@@ -17038,7 +17038,7 @@
     </p:spTree>
     <p:extLst>
       <p:ext uri="{BB962C8B-B14F-4D97-AF65-F5344CB8AC3E}">
-        <p14:creationId xmlns:p14="http://schemas.microsoft.com/office/powerpoint/2010/main" val="2726673739"/>
+        <p14:creationId xmlns:p14="http://schemas.microsoft.com/office/powerpoint/2010/main" val="863350807"/>
       </p:ext>
     </p:extLst>
   </p:cSld>
@@ -17150,7 +17150,7 @@
       </p:sp>
       <p:sp>
         <p:nvSpPr>
-          <p:cNvPr id="8" name="Unnamed Shape 2015061916475566872"/>
+          <p:cNvPr id="8" name="Unnamed Shape 2015061918583907122"/>
           <p:cNvSpPr>
             <a:spLocks/>
           </p:cNvSpPr>
@@ -17195,7 +17195,7 @@
       </p:sp>
       <p:sp>
         <p:nvSpPr>
-          <p:cNvPr id="9" name="Unnamed Shape 2015061916475566873"/>
+          <p:cNvPr id="9" name="Unnamed Shape 2015061918583907123"/>
           <p:cNvSpPr>
             <a:spLocks/>
           </p:cNvSpPr>
@@ -17456,7 +17456,7 @@
       </p:sp>
       <p:sp>
         <p:nvSpPr>
-          <p:cNvPr id="10" name="Unnamed Shape 2015061916475566670"/>
+          <p:cNvPr id="10" name="Unnamed Shape 2015061918583905560"/>
           <p:cNvSpPr>
             <a:spLocks/>
           </p:cNvSpPr>
@@ -17501,7 +17501,7 @@
       </p:sp>
       <p:sp>
         <p:nvSpPr>
-          <p:cNvPr id="11" name="Unnamed Shape 2015061916475566771"/>
+          <p:cNvPr id="11" name="Unnamed Shape 2015061918583905561"/>
           <p:cNvSpPr txBox="1">
             <a:spLocks/>
           </p:cNvSpPr>
@@ -18078,7 +18078,7 @@
       </p:sp>
       <p:sp>
         <p:nvSpPr>
-          <p:cNvPr id="9" name="Unnamed Shape 2015061916475566872"/>
+          <p:cNvPr id="9" name="Unnamed Shape 2015061918583907122"/>
           <p:cNvSpPr>
             <a:spLocks/>
           </p:cNvSpPr>
@@ -18123,7 +18123,7 @@
       </p:sp>
       <p:sp>
         <p:nvSpPr>
-          <p:cNvPr id="10" name="Unnamed Shape 2015061916475566873"/>
+          <p:cNvPr id="10" name="Unnamed Shape 2015061918583907123"/>
           <p:cNvSpPr>
             <a:spLocks/>
           </p:cNvSpPr>
@@ -18424,7 +18424,7 @@
       </p:sp>
       <p:sp>
         <p:nvSpPr>
-          <p:cNvPr id="11" name="Unnamed Shape 2015061916475566670"/>
+          <p:cNvPr id="11" name="Unnamed Shape 2015061918583905560"/>
           <p:cNvSpPr>
             <a:spLocks/>
           </p:cNvSpPr>
@@ -18469,7 +18469,7 @@
       </p:sp>
       <p:sp>
         <p:nvSpPr>
-          <p:cNvPr id="12" name="Unnamed Shape 2015061916475566771"/>
+          <p:cNvPr id="12" name="Unnamed Shape 2015061918583905561"/>
           <p:cNvSpPr txBox="1">
             <a:spLocks/>
           </p:cNvSpPr>
@@ -18913,7 +18913,7 @@
       </p:sp>
       <p:sp>
         <p:nvSpPr>
-          <p:cNvPr id="9" name="Unnamed Shape 2015061916475566872"/>
+          <p:cNvPr id="9" name="Unnamed Shape 2015061918583907122"/>
           <p:cNvSpPr>
             <a:spLocks/>
           </p:cNvSpPr>
@@ -18958,7 +18958,7 @@
       </p:sp>
       <p:sp>
         <p:nvSpPr>
-          <p:cNvPr id="10" name="Unnamed Shape 2015061916475566873"/>
+          <p:cNvPr id="10" name="Unnamed Shape 2015061918583907123"/>
           <p:cNvSpPr>
             <a:spLocks/>
           </p:cNvSpPr>
@@ -19251,7 +19251,7 @@
       </p:sp>
       <p:sp>
         <p:nvSpPr>
-          <p:cNvPr id="11" name="Unnamed Shape 2015061916475566670"/>
+          <p:cNvPr id="11" name="Unnamed Shape 2015061918583905560"/>
           <p:cNvSpPr>
             <a:spLocks/>
           </p:cNvSpPr>
@@ -19296,7 +19296,7 @@
       </p:sp>
       <p:sp>
         <p:nvSpPr>
-          <p:cNvPr id="12" name="Unnamed Shape 2015061916475566771"/>
+          <p:cNvPr id="12" name="Unnamed Shape 2015061918583905561"/>
           <p:cNvSpPr txBox="1">
             <a:spLocks/>
           </p:cNvSpPr>
@@ -19762,7 +19762,7 @@
       </p:grpSpPr>
       <p:pic>
         <p:nvPicPr>
-          <p:cNvPr id="2" name="PPTIndicator201506191647561247"/>
+          <p:cNvPr id="2" name="PPTIndicator201506191858395704"/>
           <p:cNvPicPr>
             <a:picLocks/>
           </p:cNvPicPr>
@@ -19837,7 +19837,7 @@
       </p:sp>
       <p:sp>
         <p:nvSpPr>
-          <p:cNvPr id="6" name="Unnamed Shape 2015061916475566872"/>
+          <p:cNvPr id="6" name="Unnamed Shape 2015061918583907122"/>
           <p:cNvSpPr>
             <a:spLocks/>
           </p:cNvSpPr>
@@ -19882,7 +19882,7 @@
       </p:sp>
       <p:sp>
         <p:nvSpPr>
-          <p:cNvPr id="7" name="Unnamed Shape 2015061916475566873"/>
+          <p:cNvPr id="7" name="Unnamed Shape 2015061918583907123"/>
           <p:cNvSpPr>
             <a:spLocks/>
           </p:cNvSpPr>
@@ -20135,7 +20135,7 @@
       </p:sp>
       <p:sp>
         <p:nvSpPr>
-          <p:cNvPr id="9" name="Unnamed Shape 2015061916475566670"/>
+          <p:cNvPr id="9" name="Unnamed Shape 2015061918583905560"/>
           <p:cNvSpPr>
             <a:spLocks/>
           </p:cNvSpPr>
@@ -20180,7 +20180,7 @@
       </p:sp>
       <p:sp>
         <p:nvSpPr>
-          <p:cNvPr id="10" name="Unnamed Shape 2015061916475566771"/>
+          <p:cNvPr id="10" name="Unnamed Shape 2015061918583905561"/>
           <p:cNvSpPr txBox="1">
             <a:spLocks/>
           </p:cNvSpPr>
@@ -20403,7 +20403,7 @@
     </p:spTree>
     <p:extLst>
       <p:ext uri="{BB962C8B-B14F-4D97-AF65-F5344CB8AC3E}">
-        <p14:creationId xmlns:p14="http://schemas.microsoft.com/office/powerpoint/2010/main" val="4078151823"/>
+        <p14:creationId xmlns:p14="http://schemas.microsoft.com/office/powerpoint/2010/main" val="4286599415"/>
       </p:ext>
     </p:extLst>
   </p:cSld>
@@ -20549,7 +20549,7 @@
       </p:grpSpPr>
       <p:pic>
         <p:nvPicPr>
-          <p:cNvPr id="2" name="PPTIndicator201506191647565328"/>
+          <p:cNvPr id="2" name="PPTIndicator201506191858400228"/>
           <p:cNvPicPr>
             <a:picLocks/>
           </p:cNvPicPr>
@@ -20624,7 +20624,7 @@
       </p:sp>
       <p:sp>
         <p:nvSpPr>
-          <p:cNvPr id="6" name="Unnamed Shape 2015061916475566872"/>
+          <p:cNvPr id="6" name="Unnamed Shape 2015061918583907122"/>
           <p:cNvSpPr>
             <a:spLocks/>
           </p:cNvSpPr>
@@ -20669,7 +20669,7 @@
       </p:sp>
       <p:sp>
         <p:nvSpPr>
-          <p:cNvPr id="7" name="Unnamed Shape 2015061916475566873"/>
+          <p:cNvPr id="7" name="Unnamed Shape 2015061918583907123"/>
           <p:cNvSpPr>
             <a:spLocks/>
           </p:cNvSpPr>
@@ -20914,7 +20914,7 @@
       </p:sp>
       <p:sp>
         <p:nvSpPr>
-          <p:cNvPr id="9" name="Unnamed Shape 2015061916475566670"/>
+          <p:cNvPr id="9" name="Unnamed Shape 2015061918583905560"/>
           <p:cNvSpPr>
             <a:spLocks/>
           </p:cNvSpPr>
@@ -20959,7 +20959,7 @@
       </p:sp>
       <p:sp>
         <p:nvSpPr>
-          <p:cNvPr id="10" name="Unnamed Shape 2015061916475566771"/>
+          <p:cNvPr id="10" name="Unnamed Shape 2015061918583905561"/>
           <p:cNvSpPr txBox="1">
             <a:spLocks/>
           </p:cNvSpPr>
@@ -21182,7 +21182,7 @@
     </p:spTree>
     <p:extLst>
       <p:ext uri="{BB962C8B-B14F-4D97-AF65-F5344CB8AC3E}">
-        <p14:creationId xmlns:p14="http://schemas.microsoft.com/office/powerpoint/2010/main" val="2551540264"/>
+        <p14:creationId xmlns:p14="http://schemas.microsoft.com/office/powerpoint/2010/main" val="296892583"/>
       </p:ext>
     </p:extLst>
   </p:cSld>

--- a/doc/test/AgendaSlidesTextAfterSync.pptx
+++ b/doc/test/AgendaSlidesTextAfterSync.pptx
@@ -293,7 +293,7 @@
           <a:p>
             <a:fld id="{C33977A5-270E-4E03-B118-17345E304686}" type="datetimeFigureOut">
               <a:rPr lang="en-US" smtClean="0"/>
-              <a:t>19-Jun-15</a:t>
+              <a:t>24-Jun-15</a:t>
             </a:fld>
             <a:endParaRPr lang="en-US"/>
           </a:p>
@@ -607,7 +607,7 @@
           <a:p>
             <a:r>
               <a:rPr lang="en-US" smtClean="0"/>
-              <a:t>This notes page is used to store data - Do not edit the notes. T2JqZWN0cyB3aXRoIHNhbWUgbmFtZQ==@VW5uYW1lZCBTaGFwZSAyMDE1MDYxOTE4NTgzOTA3MTIy@VW5uYW1lZCBTaGFwZSAyMDE1MDYxOTE4NTgzOTA3MTIz@UFBUVGVtcGxhdGVNYXJrZXI=@UHB0TGFic0FnZW5kYV8mXkBDb250ZW50U2hhcGVfJl5AMjAxNTA2MTkxNjI4Mzg3Nzg1MA==@VW5uYW1lZCBTaGFwZSAyMDE1MDYxOTE4NTgzOTA1NTYw@VW5uYW1lZCBTaGFwZSAyMDE1MDYxOTE4NTgzOTA1NTYx@-1841862451</a:t>
+              <a:t>This notes page is used to store data - Do not edit the notes. VW5uYW1lZCBTaGFwZSAyMDE1MDYyNDE3MjAxMzM4NzkxOQ==@VW5uYW1lZCBTaGFwZSAyMDE1MDYyNDE3MjAxMzM4NzkxNw==@VW5uYW1lZCBTaGFwZSAyMDE1MDYyNDE3MjAxMzM4ODkyMQ==@UFBUVGVtcGxhdGVNYXJrZXI=@UHB0TGFic0FnZW5kYV8mXkBDb250ZW50U2hhcGVfJl5AMjAxNTA2MTkxNjI4Mzg3Nzg1MA==@VW5uYW1lZCBTaGFwZSAyMDE1MDYyNDE3MjAxMzM4NTkxNQ==@VW5uYW1lZCBTaGFwZSAyMDE1MDYyNDE3MjAxMzM4MjkxNA==@-1016955543</a:t>
             </a:r>
             <a:endParaRPr lang="en-US"/>
           </a:p>
@@ -830,7 +830,7 @@
           <a:p>
             <a:fld id="{699DC775-C286-4358-8C92-D7E584E969B3}" type="datetimeFigureOut">
               <a:rPr lang="en-US" smtClean="0"/>
-              <a:t>19-Jun-15</a:t>
+              <a:t>24-Jun-15</a:t>
             </a:fld>
             <a:endParaRPr lang="en-US"/>
           </a:p>
@@ -1000,7 +1000,7 @@
           <a:p>
             <a:fld id="{699DC775-C286-4358-8C92-D7E584E969B3}" type="datetimeFigureOut">
               <a:rPr lang="en-US" smtClean="0"/>
-              <a:t>19-Jun-15</a:t>
+              <a:t>24-Jun-15</a:t>
             </a:fld>
             <a:endParaRPr lang="en-US"/>
           </a:p>
@@ -1180,7 +1180,7 @@
           <a:p>
             <a:fld id="{699DC775-C286-4358-8C92-D7E584E969B3}" type="datetimeFigureOut">
               <a:rPr lang="en-US" smtClean="0"/>
-              <a:t>19-Jun-15</a:t>
+              <a:t>24-Jun-15</a:t>
             </a:fld>
             <a:endParaRPr lang="en-US"/>
           </a:p>
@@ -1350,7 +1350,7 @@
           <a:p>
             <a:fld id="{699DC775-C286-4358-8C92-D7E584E969B3}" type="datetimeFigureOut">
               <a:rPr lang="en-US" smtClean="0"/>
-              <a:t>19-Jun-15</a:t>
+              <a:t>24-Jun-15</a:t>
             </a:fld>
             <a:endParaRPr lang="en-US"/>
           </a:p>
@@ -1592,7 +1592,7 @@
           <a:p>
             <a:fld id="{699DC775-C286-4358-8C92-D7E584E969B3}" type="datetimeFigureOut">
               <a:rPr lang="en-US" smtClean="0"/>
-              <a:t>19-Jun-15</a:t>
+              <a:t>24-Jun-15</a:t>
             </a:fld>
             <a:endParaRPr lang="en-US"/>
           </a:p>
@@ -1762,7 +1762,7 @@
           <a:p>
             <a:fld id="{699DC775-C286-4358-8C92-D7E584E969B3}" type="datetimeFigureOut">
               <a:rPr lang="en-US" smtClean="0"/>
-              <a:t>19-Jun-15</a:t>
+              <a:t>24-Jun-15</a:t>
             </a:fld>
             <a:endParaRPr lang="en-US"/>
           </a:p>
@@ -2008,7 +2008,7 @@
           <a:p>
             <a:fld id="{699DC775-C286-4358-8C92-D7E584E969B3}" type="datetimeFigureOut">
               <a:rPr lang="en-US" smtClean="0"/>
-              <a:t>19-Jun-15</a:t>
+              <a:t>24-Jun-15</a:t>
             </a:fld>
             <a:endParaRPr lang="en-US"/>
           </a:p>
@@ -2296,7 +2296,7 @@
           <a:p>
             <a:fld id="{699DC775-C286-4358-8C92-D7E584E969B3}" type="datetimeFigureOut">
               <a:rPr lang="en-US" smtClean="0"/>
-              <a:t>19-Jun-15</a:t>
+              <a:t>24-Jun-15</a:t>
             </a:fld>
             <a:endParaRPr lang="en-US"/>
           </a:p>
@@ -2718,7 +2718,7 @@
           <a:p>
             <a:fld id="{699DC775-C286-4358-8C92-D7E584E969B3}" type="datetimeFigureOut">
               <a:rPr lang="en-US" smtClean="0"/>
-              <a:t>19-Jun-15</a:t>
+              <a:t>24-Jun-15</a:t>
             </a:fld>
             <a:endParaRPr lang="en-US"/>
           </a:p>
@@ -2836,7 +2836,7 @@
           <a:p>
             <a:fld id="{699DC775-C286-4358-8C92-D7E584E969B3}" type="datetimeFigureOut">
               <a:rPr lang="en-US" smtClean="0"/>
-              <a:t>19-Jun-15</a:t>
+              <a:t>24-Jun-15</a:t>
             </a:fld>
             <a:endParaRPr lang="en-US"/>
           </a:p>
@@ -2931,7 +2931,7 @@
           <a:p>
             <a:fld id="{699DC775-C286-4358-8C92-D7E584E969B3}" type="datetimeFigureOut">
               <a:rPr lang="en-US" smtClean="0"/>
-              <a:t>19-Jun-15</a:t>
+              <a:t>24-Jun-15</a:t>
             </a:fld>
             <a:endParaRPr lang="en-US"/>
           </a:p>
@@ -3101,7 +3101,7 @@
           <a:p>
             <a:fld id="{699DC775-C286-4358-8C92-D7E584E969B3}" type="datetimeFigureOut">
               <a:rPr lang="en-US" smtClean="0"/>
-              <a:t>19-Jun-15</a:t>
+              <a:t>24-Jun-15</a:t>
             </a:fld>
             <a:endParaRPr lang="en-US"/>
           </a:p>
@@ -3378,7 +3378,7 @@
           <a:p>
             <a:fld id="{699DC775-C286-4358-8C92-D7E584E969B3}" type="datetimeFigureOut">
               <a:rPr lang="en-US" smtClean="0"/>
-              <a:t>19-Jun-15</a:t>
+              <a:t>24-Jun-15</a:t>
             </a:fld>
             <a:endParaRPr lang="en-US"/>
           </a:p>
@@ -3631,7 +3631,7 @@
           <a:p>
             <a:fld id="{699DC775-C286-4358-8C92-D7E584E969B3}" type="datetimeFigureOut">
               <a:rPr lang="en-US" smtClean="0"/>
-              <a:t>19-Jun-15</a:t>
+              <a:t>24-Jun-15</a:t>
             </a:fld>
             <a:endParaRPr lang="en-US"/>
           </a:p>
@@ -3801,7 +3801,7 @@
           <a:p>
             <a:fld id="{699DC775-C286-4358-8C92-D7E584E969B3}" type="datetimeFigureOut">
               <a:rPr lang="en-US" smtClean="0"/>
-              <a:t>19-Jun-15</a:t>
+              <a:t>24-Jun-15</a:t>
             </a:fld>
             <a:endParaRPr lang="en-US"/>
           </a:p>
@@ -3981,7 +3981,7 @@
           <a:p>
             <a:fld id="{699DC775-C286-4358-8C92-D7E584E969B3}" type="datetimeFigureOut">
               <a:rPr lang="en-US" smtClean="0"/>
-              <a:t>19-Jun-15</a:t>
+              <a:t>24-Jun-15</a:t>
             </a:fld>
             <a:endParaRPr lang="en-US"/>
           </a:p>
@@ -4151,7 +4151,7 @@
           <a:p>
             <a:fld id="{699DC775-C286-4358-8C92-D7E584E969B3}" type="datetimeFigureOut">
               <a:rPr lang="en-US" smtClean="0"/>
-              <a:t>19-Jun-15</a:t>
+              <a:t>24-Jun-15</a:t>
             </a:fld>
             <a:endParaRPr lang="en-US"/>
           </a:p>
@@ -4401,7 +4401,7 @@
           <a:p>
             <a:fld id="{699DC775-C286-4358-8C92-D7E584E969B3}" type="datetimeFigureOut">
               <a:rPr lang="en-US" smtClean="0"/>
-              <a:t>19-Jun-15</a:t>
+              <a:t>24-Jun-15</a:t>
             </a:fld>
             <a:endParaRPr lang="en-US"/>
           </a:p>
@@ -4579,7 +4579,7 @@
           <a:p>
             <a:fld id="{699DC775-C286-4358-8C92-D7E584E969B3}" type="datetimeFigureOut">
               <a:rPr lang="en-US" smtClean="0"/>
-              <a:t>19-Jun-15</a:t>
+              <a:t>24-Jun-15</a:t>
             </a:fld>
             <a:endParaRPr lang="en-US"/>
           </a:p>
@@ -4833,7 +4833,7 @@
           <a:p>
             <a:fld id="{699DC775-C286-4358-8C92-D7E584E969B3}" type="datetimeFigureOut">
               <a:rPr lang="en-US" smtClean="0"/>
-              <a:t>19-Jun-15</a:t>
+              <a:t>24-Jun-15</a:t>
             </a:fld>
             <a:endParaRPr lang="en-US"/>
           </a:p>
@@ -5129,7 +5129,7 @@
           <a:p>
             <a:fld id="{699DC775-C286-4358-8C92-D7E584E969B3}" type="datetimeFigureOut">
               <a:rPr lang="en-US" smtClean="0"/>
-              <a:t>19-Jun-15</a:t>
+              <a:t>24-Jun-15</a:t>
             </a:fld>
             <a:endParaRPr lang="en-US"/>
           </a:p>
@@ -5559,7 +5559,7 @@
           <a:p>
             <a:fld id="{699DC775-C286-4358-8C92-D7E584E969B3}" type="datetimeFigureOut">
               <a:rPr lang="en-US" smtClean="0"/>
-              <a:t>19-Jun-15</a:t>
+              <a:t>24-Jun-15</a:t>
             </a:fld>
             <a:endParaRPr lang="en-US"/>
           </a:p>
@@ -5805,7 +5805,7 @@
           <a:p>
             <a:fld id="{699DC775-C286-4358-8C92-D7E584E969B3}" type="datetimeFigureOut">
               <a:rPr lang="en-US" smtClean="0"/>
-              <a:t>19-Jun-15</a:t>
+              <a:t>24-Jun-15</a:t>
             </a:fld>
             <a:endParaRPr lang="en-US"/>
           </a:p>
@@ -5931,7 +5931,7 @@
           <a:p>
             <a:fld id="{699DC775-C286-4358-8C92-D7E584E969B3}" type="datetimeFigureOut">
               <a:rPr lang="en-US" smtClean="0"/>
-              <a:t>19-Jun-15</a:t>
+              <a:t>24-Jun-15</a:t>
             </a:fld>
             <a:endParaRPr lang="en-US"/>
           </a:p>
@@ -6034,7 +6034,7 @@
           <a:p>
             <a:fld id="{699DC775-C286-4358-8C92-D7E584E969B3}" type="datetimeFigureOut">
               <a:rPr lang="en-US" smtClean="0"/>
-              <a:t>19-Jun-15</a:t>
+              <a:t>24-Jun-15</a:t>
             </a:fld>
             <a:endParaRPr lang="en-US"/>
           </a:p>
@@ -6319,7 +6319,7 @@
           <a:p>
             <a:fld id="{699DC775-C286-4358-8C92-D7E584E969B3}" type="datetimeFigureOut">
               <a:rPr lang="en-US" smtClean="0"/>
-              <a:t>19-Jun-15</a:t>
+              <a:t>24-Jun-15</a:t>
             </a:fld>
             <a:endParaRPr lang="en-US"/>
           </a:p>
@@ -6580,7 +6580,7 @@
           <a:p>
             <a:fld id="{699DC775-C286-4358-8C92-D7E584E969B3}" type="datetimeFigureOut">
               <a:rPr lang="en-US" smtClean="0"/>
-              <a:t>19-Jun-15</a:t>
+              <a:t>24-Jun-15</a:t>
             </a:fld>
             <a:endParaRPr lang="en-US"/>
           </a:p>
@@ -6758,7 +6758,7 @@
           <a:p>
             <a:fld id="{699DC775-C286-4358-8C92-D7E584E969B3}" type="datetimeFigureOut">
               <a:rPr lang="en-US" smtClean="0"/>
-              <a:t>19-Jun-15</a:t>
+              <a:t>24-Jun-15</a:t>
             </a:fld>
             <a:endParaRPr lang="en-US"/>
           </a:p>
@@ -6946,7 +6946,7 @@
           <a:p>
             <a:fld id="{699DC775-C286-4358-8C92-D7E584E969B3}" type="datetimeFigureOut">
               <a:rPr lang="en-US" smtClean="0"/>
-              <a:t>19-Jun-15</a:t>
+              <a:t>24-Jun-15</a:t>
             </a:fld>
             <a:endParaRPr lang="en-US"/>
           </a:p>
@@ -7116,7 +7116,7 @@
           <a:p>
             <a:fld id="{699DC775-C286-4358-8C92-D7E584E969B3}" type="datetimeFigureOut">
               <a:rPr lang="en-US" smtClean="0"/>
-              <a:t>19-Jun-15</a:t>
+              <a:t>24-Jun-15</a:t>
             </a:fld>
             <a:endParaRPr lang="en-US"/>
           </a:p>
@@ -7404,7 +7404,7 @@
           <a:p>
             <a:fld id="{699DC775-C286-4358-8C92-D7E584E969B3}" type="datetimeFigureOut">
               <a:rPr lang="en-US" smtClean="0"/>
-              <a:t>19-Jun-15</a:t>
+              <a:t>24-Jun-15</a:t>
             </a:fld>
             <a:endParaRPr lang="en-US"/>
           </a:p>
@@ -7826,7 +7826,7 @@
           <a:p>
             <a:fld id="{699DC775-C286-4358-8C92-D7E584E969B3}" type="datetimeFigureOut">
               <a:rPr lang="en-US" smtClean="0"/>
-              <a:t>19-Jun-15</a:t>
+              <a:t>24-Jun-15</a:t>
             </a:fld>
             <a:endParaRPr lang="en-US"/>
           </a:p>
@@ -7944,7 +7944,7 @@
           <a:p>
             <a:fld id="{699DC775-C286-4358-8C92-D7E584E969B3}" type="datetimeFigureOut">
               <a:rPr lang="en-US" smtClean="0"/>
-              <a:t>19-Jun-15</a:t>
+              <a:t>24-Jun-15</a:t>
             </a:fld>
             <a:endParaRPr lang="en-US"/>
           </a:p>
@@ -8039,7 +8039,7 @@
           <a:p>
             <a:fld id="{699DC775-C286-4358-8C92-D7E584E969B3}" type="datetimeFigureOut">
               <a:rPr lang="en-US" smtClean="0"/>
-              <a:t>19-Jun-15</a:t>
+              <a:t>24-Jun-15</a:t>
             </a:fld>
             <a:endParaRPr lang="en-US"/>
           </a:p>
@@ -8316,7 +8316,7 @@
           <a:p>
             <a:fld id="{699DC775-C286-4358-8C92-D7E584E969B3}" type="datetimeFigureOut">
               <a:rPr lang="en-US" smtClean="0"/>
-              <a:t>19-Jun-15</a:t>
+              <a:t>24-Jun-15</a:t>
             </a:fld>
             <a:endParaRPr lang="en-US"/>
           </a:p>
@@ -8569,7 +8569,7 @@
           <a:p>
             <a:fld id="{699DC775-C286-4358-8C92-D7E584E969B3}" type="datetimeFigureOut">
               <a:rPr lang="en-US" smtClean="0"/>
-              <a:t>19-Jun-15</a:t>
+              <a:t>24-Jun-15</a:t>
             </a:fld>
             <a:endParaRPr lang="en-US"/>
           </a:p>
@@ -8782,7 +8782,7 @@
           <a:p>
             <a:fld id="{699DC775-C286-4358-8C92-D7E584E969B3}" type="datetimeFigureOut">
               <a:rPr lang="en-US" smtClean="0"/>
-              <a:t>19-Jun-15</a:t>
+              <a:t>24-Jun-15</a:t>
             </a:fld>
             <a:endParaRPr lang="en-US"/>
           </a:p>
@@ -9298,7 +9298,7 @@
           <a:p>
             <a:fld id="{699DC775-C286-4358-8C92-D7E584E969B3}" type="datetimeFigureOut">
               <a:rPr lang="en-US" smtClean="0"/>
-              <a:t>19-Jun-15</a:t>
+              <a:t>24-Jun-15</a:t>
             </a:fld>
             <a:endParaRPr lang="en-US"/>
           </a:p>
@@ -9812,7 +9812,7 @@
           <a:p>
             <a:fld id="{699DC775-C286-4358-8C92-D7E584E969B3}" type="datetimeFigureOut">
               <a:rPr lang="en-US" smtClean="0"/>
-              <a:t>19-Jun-15</a:t>
+              <a:t>24-Jun-15</a:t>
             </a:fld>
             <a:endParaRPr lang="en-US"/>
           </a:p>
@@ -10190,13 +10190,13 @@
       </p:grpSpPr>
       <p:sp>
         <p:nvSpPr>
-          <p:cNvPr id="10" name="Objects with same name"/>
+          <p:cNvPr id="21" name="Unnamed Shape 20150624172013387919"/>
           <p:cNvSpPr/>
           <p:nvPr/>
         </p:nvSpPr>
         <p:spPr>
           <a:xfrm>
-            <a:off x="1248770" y="611875"/>
+            <a:off x="2057400" y="728869"/>
             <a:ext cx="2667000" cy="2286000"/>
           </a:xfrm>
           <a:prstGeom prst="ellipse">
@@ -10233,20 +10233,20 @@
       </p:sp>
       <p:sp>
         <p:nvSpPr>
-          <p:cNvPr id="11" name="Unnamed Shape 2015061918583907122"/>
+          <p:cNvPr id="11" name="Unnamed Shape 20150624172013387917"/>
           <p:cNvSpPr/>
           <p:nvPr/>
         </p:nvSpPr>
         <p:spPr>
           <a:xfrm>
-            <a:off x="486770" y="611875"/>
+            <a:off x="1104900" y="794413"/>
             <a:ext cx="2667000" cy="2286000"/>
           </a:xfrm>
           <a:prstGeom prst="ellipse">
             <a:avLst/>
           </a:prstGeom>
           <a:solidFill>
-            <a:srgbClr val="FFFF00"/>
+            <a:srgbClr val="002060"/>
           </a:solidFill>
         </p:spPr>
         <p:style>
@@ -10276,13 +10276,13 @@
       </p:sp>
       <p:sp>
         <p:nvSpPr>
-          <p:cNvPr id="12" name="Unnamed Shape 2015061918583907123"/>
+          <p:cNvPr id="23" name="Unnamed Shape 20150624172013388921"/>
           <p:cNvSpPr/>
           <p:nvPr/>
         </p:nvSpPr>
         <p:spPr>
           <a:xfrm>
-            <a:off x="-427630" y="609600"/>
+            <a:off x="152400" y="728869"/>
             <a:ext cx="2667000" cy="2286000"/>
           </a:xfrm>
           <a:prstGeom prst="ellipse">
@@ -10453,14 +10453,14 @@
               <a:buNone/>
             </a:pPr>
             <a:r>
-              <a:rPr lang="en-US" sz="1600" i="1" u="sng">
+              <a:rPr lang="en-US" sz="1600" i="1" u="sng" dirty="0">
                 <a:solidFill>
                   <a:srgbClr val="000000"/>
                 </a:solidFill>
               </a:rPr>
               <a:t> </a:t>
             </a:r>
-            <a:endParaRPr lang="en-US" sz="1600" i="1" u="sng" smtClean="0">
+            <a:endParaRPr lang="en-US" sz="1600" i="1" u="sng" dirty="0" smtClean="0">
               <a:solidFill>
                 <a:srgbClr val="000000"/>
               </a:solidFill>
@@ -10471,7 +10471,7 @@
               <a:buNone/>
             </a:pPr>
             <a:r>
-              <a:rPr lang="en-US" sz="1600" i="1" u="sng" smtClean="0">
+              <a:rPr lang="en-US" sz="1600" i="1" u="sng" dirty="0" smtClean="0">
                 <a:solidFill>
                   <a:srgbClr val="000000"/>
                 </a:solidFill>
@@ -10488,20 +10488,255 @@
       </p:sp>
       <p:sp>
         <p:nvSpPr>
-          <p:cNvPr id="13" name="Unnamed Shape 2015061918583905560"/>
+          <p:cNvPr id="14" name="Unnamed Shape 20150624172013385915"/>
+          <p:cNvSpPr txBox="1"/>
+          <p:nvPr/>
+        </p:nvSpPr>
+        <p:spPr>
+          <a:xfrm>
+            <a:off x="2279182" y="2743200"/>
+            <a:ext cx="7948651" cy="3231654"/>
+          </a:xfrm>
+          <a:prstGeom prst="rect">
+            <a:avLst/>
+          </a:prstGeom>
+          <a:noFill/>
+        </p:spPr>
+        <p:txBody>
+          <a:bodyPr wrap="none" rtlCol="0">
+            <a:spAutoFit/>
+          </a:bodyPr>
+          <a:lstStyle/>
+          <a:p>
+            <a:r>
+              <a:rPr lang="en-US" sz="3600" u="sng" dirty="0" smtClean="0"/>
+              <a:t>Test</a:t>
+            </a:r>
+            <a:r>
+              <a:rPr lang="en-US" sz="3600" dirty="0" smtClean="0"/>
+              <a:t> </a:t>
+            </a:r>
+            <a:r>
+              <a:rPr lang="en-US" sz="6600" dirty="0" smtClean="0">
+                <a:solidFill>
+                  <a:schemeClr val="accent6">
+                    <a:lumMod val="75000"/>
+                  </a:schemeClr>
+                </a:solidFill>
+                <a:latin typeface="Arial Black" pitchFamily="34" charset="0"/>
+                <a:cs typeface="Aharoni" pitchFamily="2" charset="-79"/>
+              </a:rPr>
+              <a:t>t</a:t>
+            </a:r>
+            <a:r>
+              <a:rPr lang="en-US" sz="2000" dirty="0" smtClean="0">
+                <a:solidFill>
+                  <a:schemeClr val="accent6">
+                    <a:lumMod val="75000"/>
+                  </a:schemeClr>
+                </a:solidFill>
+                <a:latin typeface="Arial Black" pitchFamily="34" charset="0"/>
+                <a:cs typeface="Aharoni" pitchFamily="2" charset="-79"/>
+              </a:rPr>
+              <a:t>ext </a:t>
+            </a:r>
+            <a:r>
+              <a:rPr lang="en-US" sz="6600" dirty="0" smtClean="0">
+                <a:solidFill>
+                  <a:schemeClr val="accent6">
+                    <a:lumMod val="75000"/>
+                  </a:schemeClr>
+                </a:solidFill>
+                <a:latin typeface="Arial Black" pitchFamily="34" charset="0"/>
+                <a:cs typeface="Aharoni" pitchFamily="2" charset="-79"/>
+              </a:rPr>
+              <a:t>b</a:t>
+            </a:r>
+            <a:r>
+              <a:rPr lang="en-US" sz="9600" dirty="0" smtClean="0">
+                <a:solidFill>
+                  <a:srgbClr val="FF0000"/>
+                </a:solidFill>
+                <a:latin typeface="Arial Black" pitchFamily="34" charset="0"/>
+                <a:cs typeface="Aharoni" pitchFamily="2" charset="-79"/>
+              </a:rPr>
+              <a:t>o</a:t>
+            </a:r>
+            <a:r>
+              <a:rPr lang="en-US" sz="6600" dirty="0" smtClean="0">
+                <a:solidFill>
+                  <a:schemeClr val="accent6">
+                    <a:lumMod val="75000"/>
+                  </a:schemeClr>
+                </a:solidFill>
+                <a:latin typeface="Arial Black" pitchFamily="34" charset="0"/>
+                <a:cs typeface="Aharoni" pitchFamily="2" charset="-79"/>
+              </a:rPr>
+              <a:t>x </a:t>
+            </a:r>
+            <a:r>
+              <a:rPr lang="en-US" dirty="0" smtClean="0">
+                <a:latin typeface="Arial Black" pitchFamily="34" charset="0"/>
+              </a:rPr>
+              <a:t>with </a:t>
+            </a:r>
+            <a:r>
+              <a:rPr lang="en-US" dirty="0" smtClean="0"/>
+              <a:t>a</a:t>
+            </a:r>
+            <a:r>
+              <a:rPr lang="en-US" sz="3600" dirty="0" smtClean="0"/>
+              <a:t> lot of </a:t>
+            </a:r>
+            <a:r>
+              <a:rPr lang="en-US" sz="8800" b="1" dirty="0" smtClean="0">
+                <a:solidFill>
+                  <a:srgbClr val="FF0000"/>
+                </a:solidFill>
+              </a:rPr>
+              <a:t>text</a:t>
+            </a:r>
+          </a:p>
+          <a:p>
+            <a:pPr marL="285750" indent="-285750">
+              <a:buFont typeface="Arial" pitchFamily="34" charset="0"/>
+              <a:buChar char="•"/>
+            </a:pPr>
+            <a:r>
+              <a:rPr lang="en-US" sz="3600" dirty="0" smtClean="0"/>
+              <a:t>In </a:t>
+            </a:r>
+            <a:r>
+              <a:rPr lang="en-US" sz="3600" u="sng" dirty="0" smtClean="0">
+                <a:latin typeface="Arial Black" pitchFamily="34" charset="0"/>
+              </a:rPr>
+              <a:t>multiple</a:t>
+            </a:r>
+            <a:r>
+              <a:rPr lang="en-US" sz="3600" dirty="0" smtClean="0"/>
+              <a:t>      </a:t>
+            </a:r>
+            <a:r>
+              <a:rPr lang="en-US" sz="3600" dirty="0" smtClean="0">
+                <a:solidFill>
+                  <a:srgbClr val="0070C0"/>
+                </a:solidFill>
+              </a:rPr>
+              <a:t>paragraphs</a:t>
+            </a:r>
+          </a:p>
+          <a:p>
+            <a:pPr marL="285750" indent="-285750">
+              <a:buFont typeface="Arial" pitchFamily="34" charset="0"/>
+              <a:buChar char="•"/>
+            </a:pPr>
+            <a:r>
+              <a:rPr lang="en-US" sz="3600" dirty="0" smtClean="0">
+                <a:solidFill>
+                  <a:srgbClr val="0070C0"/>
+                </a:solidFill>
+              </a:rPr>
+              <a:t>Such Fun!</a:t>
+            </a:r>
+            <a:endParaRPr lang="en-US" sz="3600" dirty="0" smtClean="0">
+              <a:solidFill>
+                <a:srgbClr val="0070C0"/>
+              </a:solidFill>
+            </a:endParaRPr>
+          </a:p>
+          <a:p>
+            <a:r>
+              <a:rPr lang="en-US" sz="3600" dirty="0" smtClean="0"/>
+              <a:t>With </a:t>
+            </a:r>
+            <a:r>
+              <a:rPr lang="en-US" sz="3600" b="1" dirty="0" smtClean="0">
+                <a:solidFill>
+                  <a:srgbClr val="FF0000"/>
+                </a:solidFill>
+              </a:rPr>
+              <a:t>v</a:t>
+            </a:r>
+            <a:r>
+              <a:rPr lang="en-US" sz="3600" b="1" dirty="0" smtClean="0">
+                <a:solidFill>
+                  <a:srgbClr val="FFC000"/>
+                </a:solidFill>
+              </a:rPr>
+              <a:t>a</a:t>
+            </a:r>
+            <a:r>
+              <a:rPr lang="en-US" sz="3600" b="1" dirty="0" smtClean="0">
+                <a:solidFill>
+                  <a:srgbClr val="FFFF00"/>
+                </a:solidFill>
+              </a:rPr>
+              <a:t>r</a:t>
+            </a:r>
+            <a:r>
+              <a:rPr lang="en-US" sz="3600" b="1" dirty="0" smtClean="0">
+                <a:solidFill>
+                  <a:srgbClr val="00B050"/>
+                </a:solidFill>
+              </a:rPr>
+              <a:t>y</a:t>
+            </a:r>
+            <a:r>
+              <a:rPr lang="en-US" sz="3600" b="1" dirty="0" smtClean="0">
+                <a:solidFill>
+                  <a:srgbClr val="0070C0"/>
+                </a:solidFill>
+              </a:rPr>
+              <a:t>i</a:t>
+            </a:r>
+            <a:r>
+              <a:rPr lang="en-US" sz="3600" b="1" dirty="0" smtClean="0">
+                <a:solidFill>
+                  <a:srgbClr val="7030A0"/>
+                </a:solidFill>
+              </a:rPr>
+              <a:t>n</a:t>
+            </a:r>
+            <a:r>
+              <a:rPr lang="en-US" sz="3600" b="1" dirty="0" smtClean="0">
+                <a:solidFill>
+                  <a:srgbClr val="002060"/>
+                </a:solidFill>
+              </a:rPr>
+              <a:t>g</a:t>
+            </a:r>
+            <a:r>
+              <a:rPr lang="en-US" sz="3600" dirty="0" smtClean="0"/>
+              <a:t> </a:t>
+            </a:r>
+            <a:r>
+              <a:rPr lang="en-US" sz="3600" dirty="0" smtClean="0">
+                <a:solidFill>
+                  <a:srgbClr val="00B050"/>
+                </a:solidFill>
+                <a:latin typeface="Arial Black" pitchFamily="34" charset="0"/>
+              </a:rPr>
+              <a:t>styles</a:t>
+            </a:r>
+          </a:p>
+        </p:txBody>
+      </p:sp>
+      <p:sp>
+        <p:nvSpPr>
+          <p:cNvPr id="13" name="Unnamed Shape 20150624172013382914"/>
           <p:cNvSpPr/>
           <p:nvPr/>
         </p:nvSpPr>
         <p:spPr>
           <a:xfrm>
-            <a:off x="-1189630" y="609600"/>
+            <a:off x="-914400" y="844109"/>
             <a:ext cx="2667000" cy="2286000"/>
           </a:xfrm>
           <a:prstGeom prst="ellipse">
             <a:avLst/>
           </a:prstGeom>
           <a:solidFill>
-            <a:srgbClr val="FFFF00"/>
+            <a:srgbClr val="002060"/>
           </a:solidFill>
         </p:spPr>
         <p:style>
@@ -10526,174 +10761,6 @@
           <a:p>
             <a:pPr algn="ctr"/>
             <a:endParaRPr lang="en-US"/>
-          </a:p>
-        </p:txBody>
-      </p:sp>
-      <p:sp>
-        <p:nvSpPr>
-          <p:cNvPr id="14" name="Unnamed Shape 2015061918583905561"/>
-          <p:cNvSpPr txBox="1"/>
-          <p:nvPr/>
-        </p:nvSpPr>
-        <p:spPr>
-          <a:xfrm>
-            <a:off x="3048000" y="3189744"/>
-            <a:ext cx="6730560" cy="2677656"/>
-          </a:xfrm>
-          <a:prstGeom prst="rect">
-            <a:avLst/>
-          </a:prstGeom>
-          <a:noFill/>
-        </p:spPr>
-        <p:txBody>
-          <a:bodyPr wrap="none" rtlCol="0">
-            <a:spAutoFit/>
-          </a:bodyPr>
-          <a:lstStyle/>
-          <a:p>
-            <a:r>
-              <a:rPr lang="en-US" sz="3600" u="sng" dirty="0" smtClean="0"/>
-              <a:t>Test</a:t>
-            </a:r>
-            <a:r>
-              <a:rPr lang="en-US" sz="3600" dirty="0" smtClean="0"/>
-              <a:t> </a:t>
-            </a:r>
-            <a:r>
-              <a:rPr lang="en-US" sz="3600" b="1" dirty="0" smtClean="0"/>
-              <a:t>text b</a:t>
-            </a:r>
-            <a:r>
-              <a:rPr lang="en-US" sz="9600" b="1" dirty="0" smtClean="0">
-                <a:solidFill>
-                  <a:srgbClr val="FF0000"/>
-                </a:solidFill>
-              </a:rPr>
-              <a:t>o</a:t>
-            </a:r>
-            <a:r>
-              <a:rPr lang="en-US" sz="3600" b="1" dirty="0" smtClean="0"/>
-              <a:t>x </a:t>
-            </a:r>
-            <a:r>
-              <a:rPr lang="en-US" dirty="0" smtClean="0"/>
-              <a:t>with a</a:t>
-            </a:r>
-            <a:r>
-              <a:rPr lang="en-US" sz="3600" dirty="0" smtClean="0"/>
-              <a:t> lot of </a:t>
-            </a:r>
-            <a:r>
-              <a:rPr lang="en-US" sz="8800" b="1" dirty="0" smtClean="0">
-                <a:solidFill>
-                  <a:srgbClr val="FF0000"/>
-                </a:solidFill>
-              </a:rPr>
-              <a:t>text</a:t>
-            </a:r>
-          </a:p>
-          <a:p>
-            <a:pPr marL="285750" indent="-285750">
-              <a:buFont typeface="Arial" pitchFamily="34" charset="0"/>
-              <a:buChar char="•"/>
-            </a:pPr>
-            <a:r>
-              <a:rPr lang="en-US" sz="3600" dirty="0" smtClean="0"/>
-              <a:t>In </a:t>
-            </a:r>
-            <a:r>
-              <a:rPr lang="en-US" sz="3600" u="sng" dirty="0" smtClean="0">
-                <a:latin typeface="Arial Black" pitchFamily="34" charset="0"/>
-              </a:rPr>
-              <a:t>multiple</a:t>
-            </a:r>
-            <a:r>
-              <a:rPr lang="en-US" sz="3600" dirty="0" smtClean="0"/>
-              <a:t>      </a:t>
-            </a:r>
-            <a:r>
-              <a:rPr lang="en-US" sz="3600" dirty="0" smtClean="0">
-                <a:solidFill>
-                  <a:srgbClr val="0070C0"/>
-                </a:solidFill>
-              </a:rPr>
-              <a:t>paragraphs</a:t>
-            </a:r>
-          </a:p>
-          <a:p>
-            <a:r>
-              <a:rPr lang="en-US" sz="3600" dirty="0" smtClean="0"/>
-              <a:t>With </a:t>
-            </a:r>
-            <a:r>
-              <a:rPr lang="en-US" sz="3600" b="1" dirty="0" smtClean="0">
-                <a:solidFill>
-                  <a:srgbClr val="FF0000"/>
-                </a:solidFill>
-              </a:rPr>
-              <a:t>v</a:t>
-            </a:r>
-            <a:r>
-              <a:rPr lang="en-US" sz="3600" b="1" dirty="0" smtClean="0">
-                <a:solidFill>
-                  <a:srgbClr val="FFC000"/>
-                </a:solidFill>
-              </a:rPr>
-              <a:t>a</a:t>
-            </a:r>
-            <a:r>
-              <a:rPr lang="en-US" sz="3600" b="1" dirty="0" smtClean="0">
-                <a:solidFill>
-                  <a:srgbClr val="FFFF00"/>
-                </a:solidFill>
-              </a:rPr>
-              <a:t>r</a:t>
-            </a:r>
-            <a:r>
-              <a:rPr lang="en-US" sz="3600" b="1" dirty="0" smtClean="0">
-                <a:solidFill>
-                  <a:srgbClr val="00B050"/>
-                </a:solidFill>
-              </a:rPr>
-              <a:t>y</a:t>
-            </a:r>
-            <a:r>
-              <a:rPr lang="en-US" sz="3600" b="1" dirty="0" smtClean="0">
-                <a:solidFill>
-                  <a:srgbClr val="0070C0"/>
-                </a:solidFill>
-              </a:rPr>
-              <a:t>i</a:t>
-            </a:r>
-            <a:r>
-              <a:rPr lang="en-US" sz="3600" b="1" dirty="0" smtClean="0">
-                <a:solidFill>
-                  <a:srgbClr val="7030A0"/>
-                </a:solidFill>
-              </a:rPr>
-              <a:t>n</a:t>
-            </a:r>
-            <a:r>
-              <a:rPr lang="en-US" sz="3600" b="1" dirty="0" smtClean="0">
-                <a:solidFill>
-                  <a:srgbClr val="002060"/>
-                </a:solidFill>
-              </a:rPr>
-              <a:t>g</a:t>
-            </a:r>
-            <a:r>
-              <a:rPr lang="en-US" sz="3600" dirty="0" smtClean="0"/>
-              <a:t> </a:t>
-            </a:r>
-            <a:r>
-              <a:rPr lang="en-US" sz="3600" dirty="0" smtClean="0">
-                <a:solidFill>
-                  <a:srgbClr val="00B050"/>
-                </a:solidFill>
-                <a:latin typeface="Arial Black" pitchFamily="34" charset="0"/>
-              </a:rPr>
-              <a:t>styles</a:t>
-            </a:r>
           </a:p>
         </p:txBody>
       </p:sp>
@@ -10913,7 +10980,7 @@
       </p:pic>
       <p:sp>
         <p:nvSpPr>
-          <p:cNvPr id="7" name="Objects with same name"/>
+          <p:cNvPr id="19" name="Unnamed Shape 20150624172013387919"/>
           <p:cNvSpPr>
             <a:spLocks/>
           </p:cNvSpPr>
@@ -10921,7 +10988,7 @@
         </p:nvSpPr>
         <p:spPr>
           <a:xfrm>
-            <a:off x="1248770" y="611875"/>
+            <a:off x="2057400" y="728869"/>
             <a:ext cx="2667000" cy="2286000"/>
           </a:xfrm>
           <a:prstGeom prst="ellipse">
@@ -10958,7 +11025,7 @@
       </p:sp>
       <p:sp>
         <p:nvSpPr>
-          <p:cNvPr id="8" name="Unnamed Shape 2015061918583907122"/>
+          <p:cNvPr id="15" name="Unnamed Shape 20150624172013387917"/>
           <p:cNvSpPr>
             <a:spLocks/>
           </p:cNvSpPr>
@@ -10966,14 +11033,14 @@
         </p:nvSpPr>
         <p:spPr>
           <a:xfrm>
-            <a:off x="486770" y="611875"/>
+            <a:off x="1104900" y="794413"/>
             <a:ext cx="2667000" cy="2286000"/>
           </a:xfrm>
           <a:prstGeom prst="ellipse">
             <a:avLst/>
           </a:prstGeom>
           <a:solidFill>
-            <a:srgbClr val="FFFF00"/>
+            <a:srgbClr val="002060"/>
           </a:solidFill>
         </p:spPr>
         <p:style>
@@ -11003,7 +11070,7 @@
       </p:sp>
       <p:sp>
         <p:nvSpPr>
-          <p:cNvPr id="9" name="Unnamed Shape 2015061918583907123"/>
+          <p:cNvPr id="21" name="Unnamed Shape 20150624172013388921"/>
           <p:cNvSpPr>
             <a:spLocks/>
           </p:cNvSpPr>
@@ -11011,7 +11078,7 @@
         </p:nvSpPr>
         <p:spPr>
           <a:xfrm>
-            <a:off x="-427630" y="609600"/>
+            <a:off x="152400" y="728869"/>
             <a:ext cx="2667000" cy="2286000"/>
           </a:xfrm>
           <a:prstGeom prst="ellipse">
@@ -11248,22 +11315,301 @@
       </p:sp>
       <p:sp>
         <p:nvSpPr>
-          <p:cNvPr id="10" name="Unnamed Shape 2015061918583905560"/>
-          <p:cNvSpPr>
+          <p:cNvPr id="18" name="Unnamed Shape 20150624172013385915"/>
+          <p:cNvSpPr txBox="1">
             <a:spLocks/>
           </p:cNvSpPr>
           <p:nvPr/>
         </p:nvSpPr>
         <p:spPr>
           <a:xfrm>
-            <a:off x="-1189630" y="609600"/>
+            <a:off x="2279182" y="2743200"/>
+            <a:ext cx="7948651" cy="3231654"/>
+          </a:xfrm>
+          <a:prstGeom prst="rect">
+            <a:avLst/>
+          </a:prstGeom>
+          <a:noFill/>
+        </p:spPr>
+        <p:txBody>
+          <a:bodyPr wrap="none" rtlCol="0">
+            <a:spAutoFit/>
+          </a:bodyPr>
+          <a:lstStyle>
+            <a:defPPr>
+              <a:defRPr lang="en-US"/>
+            </a:defPPr>
+            <a:lvl1pPr>
+              <a:defRPr sz="3600" u="sng"/>
+            </a:lvl1pPr>
+          </a:lstStyle>
+          <a:p>
+            <a:pPr lvl="0"/>
+            <a:r>
+              <a:rPr lang="en-US">
+                <a:solidFill>
+                  <a:prstClr val="black"/>
+                </a:solidFill>
+              </a:rPr>
+              <a:t>Test</a:t>
+            </a:r>
+            <a:r>
+              <a:rPr lang="en-US" u="none">
+                <a:solidFill>
+                  <a:prstClr val="black"/>
+                </a:solidFill>
+              </a:rPr>
+              <a:t> </a:t>
+            </a:r>
+            <a:r>
+              <a:rPr lang="en-US" sz="6600" u="none">
+                <a:solidFill>
+                  <a:srgbClr val="F79646">
+                    <a:lumMod val="75000"/>
+                  </a:srgbClr>
+                </a:solidFill>
+                <a:latin typeface="Arial Black" pitchFamily="34" charset="0"/>
+                <a:cs typeface="Aharoni" pitchFamily="2" charset="-79"/>
+              </a:rPr>
+              <a:t>t</a:t>
+            </a:r>
+            <a:r>
+              <a:rPr lang="en-US" sz="2000" u="none">
+                <a:solidFill>
+                  <a:srgbClr val="F79646">
+                    <a:lumMod val="75000"/>
+                  </a:srgbClr>
+                </a:solidFill>
+                <a:latin typeface="Arial Black" pitchFamily="34" charset="0"/>
+                <a:cs typeface="Aharoni" pitchFamily="2" charset="-79"/>
+              </a:rPr>
+              <a:t>ext </a:t>
+            </a:r>
+            <a:r>
+              <a:rPr lang="en-US" sz="6600" u="none">
+                <a:solidFill>
+                  <a:srgbClr val="F79646">
+                    <a:lumMod val="75000"/>
+                  </a:srgbClr>
+                </a:solidFill>
+                <a:latin typeface="Arial Black" pitchFamily="34" charset="0"/>
+                <a:cs typeface="Aharoni" pitchFamily="2" charset="-79"/>
+              </a:rPr>
+              <a:t>b</a:t>
+            </a:r>
+            <a:r>
+              <a:rPr lang="en-US" sz="9600" u="none">
+                <a:solidFill>
+                  <a:srgbClr val="FF0000"/>
+                </a:solidFill>
+                <a:latin typeface="Arial Black" pitchFamily="34" charset="0"/>
+                <a:cs typeface="Aharoni" pitchFamily="2" charset="-79"/>
+              </a:rPr>
+              <a:t>o</a:t>
+            </a:r>
+            <a:r>
+              <a:rPr lang="en-US" sz="6600" u="none">
+                <a:solidFill>
+                  <a:srgbClr val="F79646">
+                    <a:lumMod val="75000"/>
+                  </a:srgbClr>
+                </a:solidFill>
+                <a:latin typeface="Arial Black" pitchFamily="34" charset="0"/>
+                <a:cs typeface="Aharoni" pitchFamily="2" charset="-79"/>
+              </a:rPr>
+              <a:t>x </a:t>
+            </a:r>
+            <a:r>
+              <a:rPr lang="en-US" sz="1800" u="none">
+                <a:solidFill>
+                  <a:prstClr val="black"/>
+                </a:solidFill>
+                <a:latin typeface="Arial Black" pitchFamily="34" charset="0"/>
+              </a:rPr>
+              <a:t>with </a:t>
+            </a:r>
+            <a:r>
+              <a:rPr lang="en-US" sz="1800" u="none">
+                <a:solidFill>
+                  <a:prstClr val="black"/>
+                </a:solidFill>
+              </a:rPr>
+              <a:t>a</a:t>
+            </a:r>
+            <a:r>
+              <a:rPr lang="en-US" u="none">
+                <a:solidFill>
+                  <a:prstClr val="black"/>
+                </a:solidFill>
+              </a:rPr>
+              <a:t> lot of </a:t>
+            </a:r>
+            <a:r>
+              <a:rPr lang="en-US" sz="8800" b="1" u="none">
+                <a:solidFill>
+                  <a:srgbClr val="FF0000"/>
+                </a:solidFill>
+              </a:rPr>
+              <a:t>text</a:t>
+            </a:r>
+          </a:p>
+          <a:p>
+            <a:pPr marL="285750" lvl="0" indent="-285750">
+              <a:buFont typeface="Arial" pitchFamily="34" charset="0"/>
+              <a:buChar char="•"/>
+            </a:pPr>
+            <a:r>
+              <a:rPr lang="en-US" u="none">
+                <a:solidFill>
+                  <a:prstClr val="black"/>
+                </a:solidFill>
+              </a:rPr>
+              <a:t>In </a:t>
+            </a:r>
+            <a:r>
+              <a:rPr lang="en-US">
+                <a:solidFill>
+                  <a:prstClr val="black"/>
+                </a:solidFill>
+                <a:latin typeface="Arial Black" pitchFamily="34" charset="0"/>
+              </a:rPr>
+              <a:t>multiple</a:t>
+            </a:r>
+            <a:r>
+              <a:rPr lang="en-US" u="none">
+                <a:solidFill>
+                  <a:prstClr val="black"/>
+                </a:solidFill>
+              </a:rPr>
+              <a:t>      </a:t>
+            </a:r>
+            <a:r>
+              <a:rPr lang="en-US" u="none">
+                <a:solidFill>
+                  <a:srgbClr val="0070C0"/>
+                </a:solidFill>
+              </a:rPr>
+              <a:t>paragraphs</a:t>
+            </a:r>
+          </a:p>
+          <a:p>
+            <a:pPr marL="285750" lvl="0" indent="-285750">
+              <a:buFont typeface="Arial" pitchFamily="34" charset="0"/>
+              <a:buChar char="•"/>
+            </a:pPr>
+            <a:r>
+              <a:rPr lang="en-US" u="none">
+                <a:solidFill>
+                  <a:srgbClr val="0070C0"/>
+                </a:solidFill>
+              </a:rPr>
+              <a:t>Such Fun!</a:t>
+            </a:r>
+          </a:p>
+          <a:p>
+            <a:r>
+              <a:rPr lang="en-US" u="none">
+                <a:solidFill>
+                  <a:prstClr val="black"/>
+                </a:solidFill>
+              </a:rPr>
+              <a:t>With </a:t>
+            </a:r>
+            <a:r>
+              <a:rPr lang="en-US" b="1" u="none">
+                <a:solidFill>
+                  <a:srgbClr val="FF0000"/>
+                </a:solidFill>
+              </a:rPr>
+              <a:t>v</a:t>
+            </a:r>
+            <a:r>
+              <a:rPr lang="en-US" b="1" u="none">
+                <a:solidFill>
+                  <a:srgbClr val="FFC000"/>
+                </a:solidFill>
+              </a:rPr>
+              <a:t>a</a:t>
+            </a:r>
+            <a:r>
+              <a:rPr lang="en-US" b="1" u="none">
+                <a:solidFill>
+                  <a:srgbClr val="FFFF00"/>
+                </a:solidFill>
+              </a:rPr>
+              <a:t>r</a:t>
+            </a:r>
+            <a:r>
+              <a:rPr lang="en-US" b="1" u="none">
+                <a:solidFill>
+                  <a:srgbClr val="00B050"/>
+                </a:solidFill>
+              </a:rPr>
+              <a:t>y</a:t>
+            </a:r>
+            <a:r>
+              <a:rPr lang="en-US" b="1" u="none">
+                <a:solidFill>
+                  <a:srgbClr val="0070C0"/>
+                </a:solidFill>
+              </a:rPr>
+              <a:t>i</a:t>
+            </a:r>
+            <a:r>
+              <a:rPr lang="en-US" b="1" u="none">
+                <a:solidFill>
+                  <a:srgbClr val="7030A0"/>
+                </a:solidFill>
+              </a:rPr>
+              <a:t>n</a:t>
+            </a:r>
+            <a:r>
+              <a:rPr lang="en-US" b="1" u="none">
+                <a:solidFill>
+                  <a:srgbClr val="002060"/>
+                </a:solidFill>
+              </a:rPr>
+              <a:t>g</a:t>
+            </a:r>
+            <a:r>
+              <a:rPr lang="en-US" u="none">
+                <a:solidFill>
+                  <a:prstClr val="black"/>
+                </a:solidFill>
+              </a:rPr>
+              <a:t> </a:t>
+            </a:r>
+            <a:r>
+              <a:rPr lang="en-US" u="none">
+                <a:solidFill>
+                  <a:srgbClr val="00B050"/>
+                </a:solidFill>
+                <a:latin typeface="Arial Black" pitchFamily="34" charset="0"/>
+              </a:rPr>
+              <a:t>styles</a:t>
+            </a:r>
+            <a:endParaRPr lang="en-US" dirty="0"/>
+          </a:p>
+        </p:txBody>
+      </p:sp>
+      <p:sp>
+        <p:nvSpPr>
+          <p:cNvPr id="17" name="Unnamed Shape 20150624172013382914"/>
+          <p:cNvSpPr>
+            <a:spLocks/>
+          </p:cNvSpPr>
+          <p:nvPr/>
+        </p:nvSpPr>
+        <p:spPr>
+          <a:xfrm>
+            <a:off x="-914400" y="844109"/>
             <a:ext cx="2667000" cy="2286000"/>
           </a:xfrm>
           <a:prstGeom prst="ellipse">
             <a:avLst/>
           </a:prstGeom>
           <a:solidFill>
-            <a:srgbClr val="FFFF00"/>
+            <a:srgbClr val="002060"/>
           </a:solidFill>
         </p:spPr>
         <p:style>
@@ -11288,228 +11634,6 @@
           <a:p>
             <a:pPr algn="ctr"/>
             <a:endParaRPr lang="en-US"/>
-          </a:p>
-        </p:txBody>
-      </p:sp>
-      <p:sp>
-        <p:nvSpPr>
-          <p:cNvPr id="11" name="Unnamed Shape 2015061918583905561"/>
-          <p:cNvSpPr txBox="1">
-            <a:spLocks/>
-          </p:cNvSpPr>
-          <p:nvPr/>
-        </p:nvSpPr>
-        <p:spPr>
-          <a:xfrm>
-            <a:off x="3048000" y="3189744"/>
-            <a:ext cx="6730560" cy="2677656"/>
-          </a:xfrm>
-          <a:prstGeom prst="rect">
-            <a:avLst/>
-          </a:prstGeom>
-          <a:noFill/>
-        </p:spPr>
-        <p:txBody>
-          <a:bodyPr wrap="none" rtlCol="0">
-            <a:spAutoFit/>
-          </a:bodyPr>
-          <a:lstStyle>
-            <a:defPPr>
-              <a:defRPr lang="en-US"/>
-            </a:defPPr>
-            <a:lvl1pPr>
-              <a:defRPr sz="3600" u="sng"/>
-            </a:lvl1pPr>
-          </a:lstStyle>
-          <a:p>
-            <a:pPr lvl="0"/>
-            <a:r>
-              <a:rPr lang="en-US">
-                <a:solidFill>
-                  <a:prstClr val="black"/>
-                </a:solidFill>
-              </a:rPr>
-              <a:t>Test</a:t>
-            </a:r>
-            <a:r>
-              <a:rPr lang="en-US" u="none">
-                <a:solidFill>
-                  <a:prstClr val="black"/>
-                </a:solidFill>
-              </a:rPr>
-              <a:t> </a:t>
-            </a:r>
-            <a:r>
-              <a:rPr lang="en-US" b="1" u="none">
-                <a:solidFill>
-                  <a:prstClr val="black"/>
-                </a:solidFill>
-              </a:rPr>
-              <a:t>text b</a:t>
-            </a:r>
-            <a:r>
-              <a:rPr lang="en-US" sz="9600" b="1" u="none">
-                <a:solidFill>
-                  <a:srgbClr val="FF0000"/>
-                </a:solidFill>
-              </a:rPr>
-              <a:t>o</a:t>
-            </a:r>
-            <a:r>
-              <a:rPr lang="en-US" b="1" u="none">
-                <a:solidFill>
-                  <a:prstClr val="black"/>
-                </a:solidFill>
-              </a:rPr>
-              <a:t>x </a:t>
-            </a:r>
-            <a:r>
-              <a:rPr lang="en-US" sz="1800" u="none">
-                <a:solidFill>
-                  <a:prstClr val="black"/>
-                </a:solidFill>
-              </a:rPr>
-              <a:t>with a</a:t>
-            </a:r>
-            <a:r>
-              <a:rPr lang="en-US" u="none">
-                <a:solidFill>
-                  <a:prstClr val="black"/>
-                </a:solidFill>
-              </a:rPr>
-              <a:t> lot of </a:t>
-            </a:r>
-            <a:r>
-              <a:rPr lang="en-US" sz="8800" b="1" u="none">
-                <a:solidFill>
-                  <a:srgbClr val="FF0000"/>
-                </a:solidFill>
-              </a:rPr>
-              <a:t>text</a:t>
-            </a:r>
-          </a:p>
-          <a:p>
-            <a:pPr marL="285750" lvl="0" indent="-285750">
-              <a:buFont typeface="Arial" pitchFamily="34" charset="0"/>
-              <a:buChar char="•"/>
-            </a:pPr>
-            <a:r>
-              <a:rPr lang="en-US" u="none">
-                <a:solidFill>
-                  <a:prstClr val="black"/>
-                </a:solidFill>
-              </a:rPr>
-              <a:t>In </a:t>
-            </a:r>
-            <a:r>
-              <a:rPr lang="en-US">
-                <a:solidFill>
-                  <a:prstClr val="black"/>
-                </a:solidFill>
-                <a:latin typeface="Arial Black" pitchFamily="34" charset="0"/>
-              </a:rPr>
-              <a:t>multiple</a:t>
-            </a:r>
-            <a:r>
-              <a:rPr lang="en-US" u="none">
-                <a:solidFill>
-                  <a:prstClr val="black"/>
-                </a:solidFill>
-              </a:rPr>
-              <a:t>      </a:t>
-            </a:r>
-            <a:r>
-              <a:rPr lang="en-US" u="none">
-                <a:solidFill>
-                  <a:srgbClr val="0070C0"/>
-                </a:solidFill>
-              </a:rPr>
-              <a:t>paragraphs</a:t>
-            </a:r>
-          </a:p>
-          <a:p>
-            <a:r>
-              <a:rPr lang="en-US" u="none">
-                <a:solidFill>
-                  <a:prstClr val="black"/>
-                </a:solidFill>
-              </a:rPr>
-              <a:t>With </a:t>
-            </a:r>
-            <a:r>
-              <a:rPr lang="en-US" b="1" u="none">
-                <a:solidFill>
-                  <a:srgbClr val="FF0000"/>
-                </a:solidFill>
-              </a:rPr>
-              <a:t>v</a:t>
-            </a:r>
-            <a:r>
-              <a:rPr lang="en-US" b="1" u="none">
-                <a:solidFill>
-                  <a:srgbClr val="FFC000"/>
-                </a:solidFill>
-              </a:rPr>
-              <a:t>a</a:t>
-            </a:r>
-            <a:r>
-              <a:rPr lang="en-US" b="1" u="none">
-                <a:solidFill>
-                  <a:srgbClr val="FFFF00"/>
-                </a:solidFill>
-              </a:rPr>
-              <a:t>r</a:t>
-            </a:r>
-            <a:r>
-              <a:rPr lang="en-US" b="1" u="none">
-                <a:solidFill>
-                  <a:srgbClr val="00B050"/>
-                </a:solidFill>
-              </a:rPr>
-              <a:t>y</a:t>
-            </a:r>
-            <a:r>
-              <a:rPr lang="en-US" b="1" u="none">
-                <a:solidFill>
-                  <a:srgbClr val="0070C0"/>
-                </a:solidFill>
-              </a:rPr>
-              <a:t>i</a:t>
-            </a:r>
-            <a:r>
-              <a:rPr lang="en-US" b="1" u="none">
-                <a:solidFill>
-                  <a:srgbClr val="7030A0"/>
-                </a:solidFill>
-              </a:rPr>
-              <a:t>n</a:t>
-            </a:r>
-            <a:r>
-              <a:rPr lang="en-US" b="1" u="none">
-                <a:solidFill>
-                  <a:srgbClr val="002060"/>
-                </a:solidFill>
-              </a:rPr>
-              <a:t>g</a:t>
-            </a:r>
-            <a:r>
-              <a:rPr lang="en-US" u="none">
-                <a:solidFill>
-                  <a:prstClr val="black"/>
-                </a:solidFill>
-              </a:rPr>
-              <a:t> </a:t>
-            </a:r>
-            <a:r>
-              <a:rPr lang="en-US" u="none">
-                <a:solidFill>
-                  <a:srgbClr val="00B050"/>
-                </a:solidFill>
-                <a:latin typeface="Arial Black" pitchFamily="34" charset="0"/>
-              </a:rPr>
-              <a:t>styles</a:t>
-            </a:r>
-            <a:endParaRPr lang="en-US" dirty="0"/>
           </a:p>
         </p:txBody>
       </p:sp>
@@ -11692,7 +11816,7 @@
       </p:pic>
       <p:sp>
         <p:nvSpPr>
-          <p:cNvPr id="7" name="Objects with same name"/>
+          <p:cNvPr id="19" name="Unnamed Shape 20150624172013387919"/>
           <p:cNvSpPr>
             <a:spLocks/>
           </p:cNvSpPr>
@@ -11700,7 +11824,7 @@
         </p:nvSpPr>
         <p:spPr>
           <a:xfrm>
-            <a:off x="1248770" y="611875"/>
+            <a:off x="2057400" y="728869"/>
             <a:ext cx="2667000" cy="2286000"/>
           </a:xfrm>
           <a:prstGeom prst="ellipse">
@@ -11737,7 +11861,7 @@
       </p:sp>
       <p:sp>
         <p:nvSpPr>
-          <p:cNvPr id="8" name="Unnamed Shape 2015061918583907122"/>
+          <p:cNvPr id="15" name="Unnamed Shape 20150624172013387917"/>
           <p:cNvSpPr>
             <a:spLocks/>
           </p:cNvSpPr>
@@ -11745,14 +11869,14 @@
         </p:nvSpPr>
         <p:spPr>
           <a:xfrm>
-            <a:off x="486770" y="611875"/>
+            <a:off x="1104900" y="794413"/>
             <a:ext cx="2667000" cy="2286000"/>
           </a:xfrm>
           <a:prstGeom prst="ellipse">
             <a:avLst/>
           </a:prstGeom>
           <a:solidFill>
-            <a:srgbClr val="FFFF00"/>
+            <a:srgbClr val="002060"/>
           </a:solidFill>
         </p:spPr>
         <p:style>
@@ -11782,7 +11906,7 @@
       </p:sp>
       <p:sp>
         <p:nvSpPr>
-          <p:cNvPr id="9" name="Unnamed Shape 2015061918583907123"/>
+          <p:cNvPr id="21" name="Unnamed Shape 20150624172013388921"/>
           <p:cNvSpPr>
             <a:spLocks/>
           </p:cNvSpPr>
@@ -11790,7 +11914,7 @@
         </p:nvSpPr>
         <p:spPr>
           <a:xfrm>
-            <a:off x="-427630" y="609600"/>
+            <a:off x="152400" y="728869"/>
             <a:ext cx="2667000" cy="2286000"/>
           </a:xfrm>
           <a:prstGeom prst="ellipse">
@@ -12019,22 +12143,301 @@
       </p:sp>
       <p:sp>
         <p:nvSpPr>
-          <p:cNvPr id="10" name="Unnamed Shape 2015061918583905560"/>
-          <p:cNvSpPr>
+          <p:cNvPr id="18" name="Unnamed Shape 20150624172013385915"/>
+          <p:cNvSpPr txBox="1">
             <a:spLocks/>
           </p:cNvSpPr>
           <p:nvPr/>
         </p:nvSpPr>
         <p:spPr>
           <a:xfrm>
-            <a:off x="-1189630" y="609600"/>
+            <a:off x="2279182" y="2743200"/>
+            <a:ext cx="7948651" cy="3231654"/>
+          </a:xfrm>
+          <a:prstGeom prst="rect">
+            <a:avLst/>
+          </a:prstGeom>
+          <a:noFill/>
+        </p:spPr>
+        <p:txBody>
+          <a:bodyPr wrap="none" rtlCol="0">
+            <a:spAutoFit/>
+          </a:bodyPr>
+          <a:lstStyle>
+            <a:defPPr>
+              <a:defRPr lang="en-US"/>
+            </a:defPPr>
+            <a:lvl1pPr>
+              <a:defRPr sz="3600" u="sng"/>
+            </a:lvl1pPr>
+          </a:lstStyle>
+          <a:p>
+            <a:pPr lvl="0"/>
+            <a:r>
+              <a:rPr lang="en-US">
+                <a:solidFill>
+                  <a:prstClr val="black"/>
+                </a:solidFill>
+              </a:rPr>
+              <a:t>Test</a:t>
+            </a:r>
+            <a:r>
+              <a:rPr lang="en-US" u="none">
+                <a:solidFill>
+                  <a:prstClr val="black"/>
+                </a:solidFill>
+              </a:rPr>
+              <a:t> </a:t>
+            </a:r>
+            <a:r>
+              <a:rPr lang="en-US" sz="6600" u="none">
+                <a:solidFill>
+                  <a:srgbClr val="F79646">
+                    <a:lumMod val="75000"/>
+                  </a:srgbClr>
+                </a:solidFill>
+                <a:latin typeface="Arial Black" pitchFamily="34" charset="0"/>
+                <a:cs typeface="Aharoni" pitchFamily="2" charset="-79"/>
+              </a:rPr>
+              <a:t>t</a:t>
+            </a:r>
+            <a:r>
+              <a:rPr lang="en-US" sz="2000" u="none">
+                <a:solidFill>
+                  <a:srgbClr val="F79646">
+                    <a:lumMod val="75000"/>
+                  </a:srgbClr>
+                </a:solidFill>
+                <a:latin typeface="Arial Black" pitchFamily="34" charset="0"/>
+                <a:cs typeface="Aharoni" pitchFamily="2" charset="-79"/>
+              </a:rPr>
+              <a:t>ext </a:t>
+            </a:r>
+            <a:r>
+              <a:rPr lang="en-US" sz="6600" u="none">
+                <a:solidFill>
+                  <a:srgbClr val="F79646">
+                    <a:lumMod val="75000"/>
+                  </a:srgbClr>
+                </a:solidFill>
+                <a:latin typeface="Arial Black" pitchFamily="34" charset="0"/>
+                <a:cs typeface="Aharoni" pitchFamily="2" charset="-79"/>
+              </a:rPr>
+              <a:t>b</a:t>
+            </a:r>
+            <a:r>
+              <a:rPr lang="en-US" sz="9600" u="none">
+                <a:solidFill>
+                  <a:srgbClr val="FF0000"/>
+                </a:solidFill>
+                <a:latin typeface="Arial Black" pitchFamily="34" charset="0"/>
+                <a:cs typeface="Aharoni" pitchFamily="2" charset="-79"/>
+              </a:rPr>
+              <a:t>o</a:t>
+            </a:r>
+            <a:r>
+              <a:rPr lang="en-US" sz="6600" u="none">
+                <a:solidFill>
+                  <a:srgbClr val="F79646">
+                    <a:lumMod val="75000"/>
+                  </a:srgbClr>
+                </a:solidFill>
+                <a:latin typeface="Arial Black" pitchFamily="34" charset="0"/>
+                <a:cs typeface="Aharoni" pitchFamily="2" charset="-79"/>
+              </a:rPr>
+              <a:t>x </a:t>
+            </a:r>
+            <a:r>
+              <a:rPr lang="en-US" sz="1800" u="none">
+                <a:solidFill>
+                  <a:prstClr val="black"/>
+                </a:solidFill>
+                <a:latin typeface="Arial Black" pitchFamily="34" charset="0"/>
+              </a:rPr>
+              <a:t>with </a:t>
+            </a:r>
+            <a:r>
+              <a:rPr lang="en-US" sz="1800" u="none">
+                <a:solidFill>
+                  <a:prstClr val="black"/>
+                </a:solidFill>
+              </a:rPr>
+              <a:t>a</a:t>
+            </a:r>
+            <a:r>
+              <a:rPr lang="en-US" u="none">
+                <a:solidFill>
+                  <a:prstClr val="black"/>
+                </a:solidFill>
+              </a:rPr>
+              <a:t> lot of </a:t>
+            </a:r>
+            <a:r>
+              <a:rPr lang="en-US" sz="8800" b="1" u="none">
+                <a:solidFill>
+                  <a:srgbClr val="FF0000"/>
+                </a:solidFill>
+              </a:rPr>
+              <a:t>text</a:t>
+            </a:r>
+          </a:p>
+          <a:p>
+            <a:pPr marL="285750" lvl="0" indent="-285750">
+              <a:buFont typeface="Arial" pitchFamily="34" charset="0"/>
+              <a:buChar char="•"/>
+            </a:pPr>
+            <a:r>
+              <a:rPr lang="en-US" u="none">
+                <a:solidFill>
+                  <a:prstClr val="black"/>
+                </a:solidFill>
+              </a:rPr>
+              <a:t>In </a:t>
+            </a:r>
+            <a:r>
+              <a:rPr lang="en-US">
+                <a:solidFill>
+                  <a:prstClr val="black"/>
+                </a:solidFill>
+                <a:latin typeface="Arial Black" pitchFamily="34" charset="0"/>
+              </a:rPr>
+              <a:t>multiple</a:t>
+            </a:r>
+            <a:r>
+              <a:rPr lang="en-US" u="none">
+                <a:solidFill>
+                  <a:prstClr val="black"/>
+                </a:solidFill>
+              </a:rPr>
+              <a:t>      </a:t>
+            </a:r>
+            <a:r>
+              <a:rPr lang="en-US" u="none">
+                <a:solidFill>
+                  <a:srgbClr val="0070C0"/>
+                </a:solidFill>
+              </a:rPr>
+              <a:t>paragraphs</a:t>
+            </a:r>
+          </a:p>
+          <a:p>
+            <a:pPr marL="285750" lvl="0" indent="-285750">
+              <a:buFont typeface="Arial" pitchFamily="34" charset="0"/>
+              <a:buChar char="•"/>
+            </a:pPr>
+            <a:r>
+              <a:rPr lang="en-US" u="none">
+                <a:solidFill>
+                  <a:srgbClr val="0070C0"/>
+                </a:solidFill>
+              </a:rPr>
+              <a:t>Such Fun!</a:t>
+            </a:r>
+          </a:p>
+          <a:p>
+            <a:r>
+              <a:rPr lang="en-US" u="none">
+                <a:solidFill>
+                  <a:prstClr val="black"/>
+                </a:solidFill>
+              </a:rPr>
+              <a:t>With </a:t>
+            </a:r>
+            <a:r>
+              <a:rPr lang="en-US" b="1" u="none">
+                <a:solidFill>
+                  <a:srgbClr val="FF0000"/>
+                </a:solidFill>
+              </a:rPr>
+              <a:t>v</a:t>
+            </a:r>
+            <a:r>
+              <a:rPr lang="en-US" b="1" u="none">
+                <a:solidFill>
+                  <a:srgbClr val="FFC000"/>
+                </a:solidFill>
+              </a:rPr>
+              <a:t>a</a:t>
+            </a:r>
+            <a:r>
+              <a:rPr lang="en-US" b="1" u="none">
+                <a:solidFill>
+                  <a:srgbClr val="FFFF00"/>
+                </a:solidFill>
+              </a:rPr>
+              <a:t>r</a:t>
+            </a:r>
+            <a:r>
+              <a:rPr lang="en-US" b="1" u="none">
+                <a:solidFill>
+                  <a:srgbClr val="00B050"/>
+                </a:solidFill>
+              </a:rPr>
+              <a:t>y</a:t>
+            </a:r>
+            <a:r>
+              <a:rPr lang="en-US" b="1" u="none">
+                <a:solidFill>
+                  <a:srgbClr val="0070C0"/>
+                </a:solidFill>
+              </a:rPr>
+              <a:t>i</a:t>
+            </a:r>
+            <a:r>
+              <a:rPr lang="en-US" b="1" u="none">
+                <a:solidFill>
+                  <a:srgbClr val="7030A0"/>
+                </a:solidFill>
+              </a:rPr>
+              <a:t>n</a:t>
+            </a:r>
+            <a:r>
+              <a:rPr lang="en-US" b="1" u="none">
+                <a:solidFill>
+                  <a:srgbClr val="002060"/>
+                </a:solidFill>
+              </a:rPr>
+              <a:t>g</a:t>
+            </a:r>
+            <a:r>
+              <a:rPr lang="en-US" u="none">
+                <a:solidFill>
+                  <a:prstClr val="black"/>
+                </a:solidFill>
+              </a:rPr>
+              <a:t> </a:t>
+            </a:r>
+            <a:r>
+              <a:rPr lang="en-US" u="none">
+                <a:solidFill>
+                  <a:srgbClr val="00B050"/>
+                </a:solidFill>
+                <a:latin typeface="Arial Black" pitchFamily="34" charset="0"/>
+              </a:rPr>
+              <a:t>styles</a:t>
+            </a:r>
+            <a:endParaRPr lang="en-US" dirty="0"/>
+          </a:p>
+        </p:txBody>
+      </p:sp>
+      <p:sp>
+        <p:nvSpPr>
+          <p:cNvPr id="17" name="Unnamed Shape 20150624172013382914"/>
+          <p:cNvSpPr>
+            <a:spLocks/>
+          </p:cNvSpPr>
+          <p:nvPr/>
+        </p:nvSpPr>
+        <p:spPr>
+          <a:xfrm>
+            <a:off x="-914400" y="844109"/>
             <a:ext cx="2667000" cy="2286000"/>
           </a:xfrm>
           <a:prstGeom prst="ellipse">
             <a:avLst/>
           </a:prstGeom>
           <a:solidFill>
-            <a:srgbClr val="FFFF00"/>
+            <a:srgbClr val="002060"/>
           </a:solidFill>
         </p:spPr>
         <p:style>
@@ -12059,228 +12462,6 @@
           <a:p>
             <a:pPr algn="ctr"/>
             <a:endParaRPr lang="en-US"/>
-          </a:p>
-        </p:txBody>
-      </p:sp>
-      <p:sp>
-        <p:nvSpPr>
-          <p:cNvPr id="11" name="Unnamed Shape 2015061918583905561"/>
-          <p:cNvSpPr txBox="1">
-            <a:spLocks/>
-          </p:cNvSpPr>
-          <p:nvPr/>
-        </p:nvSpPr>
-        <p:spPr>
-          <a:xfrm>
-            <a:off x="3048000" y="3189744"/>
-            <a:ext cx="6730560" cy="2677656"/>
-          </a:xfrm>
-          <a:prstGeom prst="rect">
-            <a:avLst/>
-          </a:prstGeom>
-          <a:noFill/>
-        </p:spPr>
-        <p:txBody>
-          <a:bodyPr wrap="none" rtlCol="0">
-            <a:spAutoFit/>
-          </a:bodyPr>
-          <a:lstStyle>
-            <a:defPPr>
-              <a:defRPr lang="en-US"/>
-            </a:defPPr>
-            <a:lvl1pPr>
-              <a:defRPr sz="3600" u="sng"/>
-            </a:lvl1pPr>
-          </a:lstStyle>
-          <a:p>
-            <a:pPr lvl="0"/>
-            <a:r>
-              <a:rPr lang="en-US">
-                <a:solidFill>
-                  <a:prstClr val="black"/>
-                </a:solidFill>
-              </a:rPr>
-              <a:t>Test</a:t>
-            </a:r>
-            <a:r>
-              <a:rPr lang="en-US" u="none">
-                <a:solidFill>
-                  <a:prstClr val="black"/>
-                </a:solidFill>
-              </a:rPr>
-              <a:t> </a:t>
-            </a:r>
-            <a:r>
-              <a:rPr lang="en-US" b="1" u="none">
-                <a:solidFill>
-                  <a:prstClr val="black"/>
-                </a:solidFill>
-              </a:rPr>
-              <a:t>text b</a:t>
-            </a:r>
-            <a:r>
-              <a:rPr lang="en-US" sz="9600" b="1" u="none">
-                <a:solidFill>
-                  <a:srgbClr val="FF0000"/>
-                </a:solidFill>
-              </a:rPr>
-              <a:t>o</a:t>
-            </a:r>
-            <a:r>
-              <a:rPr lang="en-US" b="1" u="none">
-                <a:solidFill>
-                  <a:prstClr val="black"/>
-                </a:solidFill>
-              </a:rPr>
-              <a:t>x </a:t>
-            </a:r>
-            <a:r>
-              <a:rPr lang="en-US" sz="1800" u="none">
-                <a:solidFill>
-                  <a:prstClr val="black"/>
-                </a:solidFill>
-              </a:rPr>
-              <a:t>with a</a:t>
-            </a:r>
-            <a:r>
-              <a:rPr lang="en-US" u="none">
-                <a:solidFill>
-                  <a:prstClr val="black"/>
-                </a:solidFill>
-              </a:rPr>
-              <a:t> lot of </a:t>
-            </a:r>
-            <a:r>
-              <a:rPr lang="en-US" sz="8800" b="1" u="none">
-                <a:solidFill>
-                  <a:srgbClr val="FF0000"/>
-                </a:solidFill>
-              </a:rPr>
-              <a:t>text</a:t>
-            </a:r>
-          </a:p>
-          <a:p>
-            <a:pPr marL="285750" lvl="0" indent="-285750">
-              <a:buFont typeface="Arial" pitchFamily="34" charset="0"/>
-              <a:buChar char="•"/>
-            </a:pPr>
-            <a:r>
-              <a:rPr lang="en-US" u="none">
-                <a:solidFill>
-                  <a:prstClr val="black"/>
-                </a:solidFill>
-              </a:rPr>
-              <a:t>In </a:t>
-            </a:r>
-            <a:r>
-              <a:rPr lang="en-US">
-                <a:solidFill>
-                  <a:prstClr val="black"/>
-                </a:solidFill>
-                <a:latin typeface="Arial Black" pitchFamily="34" charset="0"/>
-              </a:rPr>
-              <a:t>multiple</a:t>
-            </a:r>
-            <a:r>
-              <a:rPr lang="en-US" u="none">
-                <a:solidFill>
-                  <a:prstClr val="black"/>
-                </a:solidFill>
-              </a:rPr>
-              <a:t>      </a:t>
-            </a:r>
-            <a:r>
-              <a:rPr lang="en-US" u="none">
-                <a:solidFill>
-                  <a:srgbClr val="0070C0"/>
-                </a:solidFill>
-              </a:rPr>
-              <a:t>paragraphs</a:t>
-            </a:r>
-          </a:p>
-          <a:p>
-            <a:r>
-              <a:rPr lang="en-US" u="none">
-                <a:solidFill>
-                  <a:prstClr val="black"/>
-                </a:solidFill>
-              </a:rPr>
-              <a:t>With </a:t>
-            </a:r>
-            <a:r>
-              <a:rPr lang="en-US" b="1" u="none">
-                <a:solidFill>
-                  <a:srgbClr val="FF0000"/>
-                </a:solidFill>
-              </a:rPr>
-              <a:t>v</a:t>
-            </a:r>
-            <a:r>
-              <a:rPr lang="en-US" b="1" u="none">
-                <a:solidFill>
-                  <a:srgbClr val="FFC000"/>
-                </a:solidFill>
-              </a:rPr>
-              <a:t>a</a:t>
-            </a:r>
-            <a:r>
-              <a:rPr lang="en-US" b="1" u="none">
-                <a:solidFill>
-                  <a:srgbClr val="FFFF00"/>
-                </a:solidFill>
-              </a:rPr>
-              <a:t>r</a:t>
-            </a:r>
-            <a:r>
-              <a:rPr lang="en-US" b="1" u="none">
-                <a:solidFill>
-                  <a:srgbClr val="00B050"/>
-                </a:solidFill>
-              </a:rPr>
-              <a:t>y</a:t>
-            </a:r>
-            <a:r>
-              <a:rPr lang="en-US" b="1" u="none">
-                <a:solidFill>
-                  <a:srgbClr val="0070C0"/>
-                </a:solidFill>
-              </a:rPr>
-              <a:t>i</a:t>
-            </a:r>
-            <a:r>
-              <a:rPr lang="en-US" b="1" u="none">
-                <a:solidFill>
-                  <a:srgbClr val="7030A0"/>
-                </a:solidFill>
-              </a:rPr>
-              <a:t>n</a:t>
-            </a:r>
-            <a:r>
-              <a:rPr lang="en-US" b="1" u="none">
-                <a:solidFill>
-                  <a:srgbClr val="002060"/>
-                </a:solidFill>
-              </a:rPr>
-              <a:t>g</a:t>
-            </a:r>
-            <a:r>
-              <a:rPr lang="en-US" u="none">
-                <a:solidFill>
-                  <a:prstClr val="black"/>
-                </a:solidFill>
-              </a:rPr>
-              <a:t> </a:t>
-            </a:r>
-            <a:r>
-              <a:rPr lang="en-US" u="none">
-                <a:solidFill>
-                  <a:srgbClr val="00B050"/>
-                </a:solidFill>
-                <a:latin typeface="Arial Black" pitchFamily="34" charset="0"/>
-              </a:rPr>
-              <a:t>styles</a:t>
-            </a:r>
-            <a:endParaRPr lang="en-US" dirty="0"/>
           </a:p>
         </p:txBody>
       </p:sp>
@@ -12890,7 +13071,7 @@
       </p:pic>
       <p:sp>
         <p:nvSpPr>
-          <p:cNvPr id="7" name="Objects with same name"/>
+          <p:cNvPr id="19" name="Unnamed Shape 20150624172013387919"/>
           <p:cNvSpPr>
             <a:spLocks/>
           </p:cNvSpPr>
@@ -12898,7 +13079,7 @@
         </p:nvSpPr>
         <p:spPr>
           <a:xfrm>
-            <a:off x="1248770" y="611875"/>
+            <a:off x="2057400" y="728869"/>
             <a:ext cx="2667000" cy="2286000"/>
           </a:xfrm>
           <a:prstGeom prst="ellipse">
@@ -12935,7 +13116,7 @@
       </p:sp>
       <p:sp>
         <p:nvSpPr>
-          <p:cNvPr id="8" name="Unnamed Shape 2015061918583907122"/>
+          <p:cNvPr id="15" name="Unnamed Shape 20150624172013387917"/>
           <p:cNvSpPr>
             <a:spLocks/>
           </p:cNvSpPr>
@@ -12943,14 +13124,14 @@
         </p:nvSpPr>
         <p:spPr>
           <a:xfrm>
-            <a:off x="486770" y="611875"/>
+            <a:off x="1104900" y="794413"/>
             <a:ext cx="2667000" cy="2286000"/>
           </a:xfrm>
           <a:prstGeom prst="ellipse">
             <a:avLst/>
           </a:prstGeom>
           <a:solidFill>
-            <a:srgbClr val="FFFF00"/>
+            <a:srgbClr val="002060"/>
           </a:solidFill>
         </p:spPr>
         <p:style>
@@ -12980,7 +13161,7 @@
       </p:sp>
       <p:sp>
         <p:nvSpPr>
-          <p:cNvPr id="9" name="Unnamed Shape 2015061918583907123"/>
+          <p:cNvPr id="21" name="Unnamed Shape 20150624172013388921"/>
           <p:cNvSpPr>
             <a:spLocks/>
           </p:cNvSpPr>
@@ -12988,7 +13169,7 @@
         </p:nvSpPr>
         <p:spPr>
           <a:xfrm>
-            <a:off x="-427630" y="609600"/>
+            <a:off x="152400" y="728869"/>
             <a:ext cx="2667000" cy="2286000"/>
           </a:xfrm>
           <a:prstGeom prst="ellipse">
@@ -13217,22 +13398,301 @@
       </p:sp>
       <p:sp>
         <p:nvSpPr>
-          <p:cNvPr id="10" name="Unnamed Shape 2015061918583905560"/>
-          <p:cNvSpPr>
+          <p:cNvPr id="18" name="Unnamed Shape 20150624172013385915"/>
+          <p:cNvSpPr txBox="1">
             <a:spLocks/>
           </p:cNvSpPr>
           <p:nvPr/>
         </p:nvSpPr>
         <p:spPr>
           <a:xfrm>
-            <a:off x="-1189630" y="609600"/>
+            <a:off x="2279182" y="2743200"/>
+            <a:ext cx="7948651" cy="3231654"/>
+          </a:xfrm>
+          <a:prstGeom prst="rect">
+            <a:avLst/>
+          </a:prstGeom>
+          <a:noFill/>
+        </p:spPr>
+        <p:txBody>
+          <a:bodyPr wrap="none" rtlCol="0">
+            <a:spAutoFit/>
+          </a:bodyPr>
+          <a:lstStyle>
+            <a:defPPr>
+              <a:defRPr lang="en-US"/>
+            </a:defPPr>
+            <a:lvl1pPr>
+              <a:defRPr sz="3600" u="sng"/>
+            </a:lvl1pPr>
+          </a:lstStyle>
+          <a:p>
+            <a:pPr lvl="0"/>
+            <a:r>
+              <a:rPr lang="en-US">
+                <a:solidFill>
+                  <a:prstClr val="black"/>
+                </a:solidFill>
+              </a:rPr>
+              <a:t>Test</a:t>
+            </a:r>
+            <a:r>
+              <a:rPr lang="en-US" u="none">
+                <a:solidFill>
+                  <a:prstClr val="black"/>
+                </a:solidFill>
+              </a:rPr>
+              <a:t> </a:t>
+            </a:r>
+            <a:r>
+              <a:rPr lang="en-US" sz="6600" u="none">
+                <a:solidFill>
+                  <a:srgbClr val="F79646">
+                    <a:lumMod val="75000"/>
+                  </a:srgbClr>
+                </a:solidFill>
+                <a:latin typeface="Arial Black" pitchFamily="34" charset="0"/>
+                <a:cs typeface="Aharoni" pitchFamily="2" charset="-79"/>
+              </a:rPr>
+              <a:t>t</a:t>
+            </a:r>
+            <a:r>
+              <a:rPr lang="en-US" sz="2000" u="none">
+                <a:solidFill>
+                  <a:srgbClr val="F79646">
+                    <a:lumMod val="75000"/>
+                  </a:srgbClr>
+                </a:solidFill>
+                <a:latin typeface="Arial Black" pitchFamily="34" charset="0"/>
+                <a:cs typeface="Aharoni" pitchFamily="2" charset="-79"/>
+              </a:rPr>
+              <a:t>ext </a:t>
+            </a:r>
+            <a:r>
+              <a:rPr lang="en-US" sz="6600" u="none">
+                <a:solidFill>
+                  <a:srgbClr val="F79646">
+                    <a:lumMod val="75000"/>
+                  </a:srgbClr>
+                </a:solidFill>
+                <a:latin typeface="Arial Black" pitchFamily="34" charset="0"/>
+                <a:cs typeface="Aharoni" pitchFamily="2" charset="-79"/>
+              </a:rPr>
+              <a:t>b</a:t>
+            </a:r>
+            <a:r>
+              <a:rPr lang="en-US" sz="9600" u="none">
+                <a:solidFill>
+                  <a:srgbClr val="FF0000"/>
+                </a:solidFill>
+                <a:latin typeface="Arial Black" pitchFamily="34" charset="0"/>
+                <a:cs typeface="Aharoni" pitchFamily="2" charset="-79"/>
+              </a:rPr>
+              <a:t>o</a:t>
+            </a:r>
+            <a:r>
+              <a:rPr lang="en-US" sz="6600" u="none">
+                <a:solidFill>
+                  <a:srgbClr val="F79646">
+                    <a:lumMod val="75000"/>
+                  </a:srgbClr>
+                </a:solidFill>
+                <a:latin typeface="Arial Black" pitchFamily="34" charset="0"/>
+                <a:cs typeface="Aharoni" pitchFamily="2" charset="-79"/>
+              </a:rPr>
+              <a:t>x </a:t>
+            </a:r>
+            <a:r>
+              <a:rPr lang="en-US" sz="1800" u="none">
+                <a:solidFill>
+                  <a:prstClr val="black"/>
+                </a:solidFill>
+                <a:latin typeface="Arial Black" pitchFamily="34" charset="0"/>
+              </a:rPr>
+              <a:t>with </a:t>
+            </a:r>
+            <a:r>
+              <a:rPr lang="en-US" sz="1800" u="none">
+                <a:solidFill>
+                  <a:prstClr val="black"/>
+                </a:solidFill>
+              </a:rPr>
+              <a:t>a</a:t>
+            </a:r>
+            <a:r>
+              <a:rPr lang="en-US" u="none">
+                <a:solidFill>
+                  <a:prstClr val="black"/>
+                </a:solidFill>
+              </a:rPr>
+              <a:t> lot of </a:t>
+            </a:r>
+            <a:r>
+              <a:rPr lang="en-US" sz="8800" b="1" u="none">
+                <a:solidFill>
+                  <a:srgbClr val="FF0000"/>
+                </a:solidFill>
+              </a:rPr>
+              <a:t>text</a:t>
+            </a:r>
+          </a:p>
+          <a:p>
+            <a:pPr marL="285750" lvl="0" indent="-285750">
+              <a:buFont typeface="Arial" pitchFamily="34" charset="0"/>
+              <a:buChar char="•"/>
+            </a:pPr>
+            <a:r>
+              <a:rPr lang="en-US" u="none">
+                <a:solidFill>
+                  <a:prstClr val="black"/>
+                </a:solidFill>
+              </a:rPr>
+              <a:t>In </a:t>
+            </a:r>
+            <a:r>
+              <a:rPr lang="en-US">
+                <a:solidFill>
+                  <a:prstClr val="black"/>
+                </a:solidFill>
+                <a:latin typeface="Arial Black" pitchFamily="34" charset="0"/>
+              </a:rPr>
+              <a:t>multiple</a:t>
+            </a:r>
+            <a:r>
+              <a:rPr lang="en-US" u="none">
+                <a:solidFill>
+                  <a:prstClr val="black"/>
+                </a:solidFill>
+              </a:rPr>
+              <a:t>      </a:t>
+            </a:r>
+            <a:r>
+              <a:rPr lang="en-US" u="none">
+                <a:solidFill>
+                  <a:srgbClr val="0070C0"/>
+                </a:solidFill>
+              </a:rPr>
+              <a:t>paragraphs</a:t>
+            </a:r>
+          </a:p>
+          <a:p>
+            <a:pPr marL="285750" lvl="0" indent="-285750">
+              <a:buFont typeface="Arial" pitchFamily="34" charset="0"/>
+              <a:buChar char="•"/>
+            </a:pPr>
+            <a:r>
+              <a:rPr lang="en-US" u="none">
+                <a:solidFill>
+                  <a:srgbClr val="0070C0"/>
+                </a:solidFill>
+              </a:rPr>
+              <a:t>Such Fun!</a:t>
+            </a:r>
+          </a:p>
+          <a:p>
+            <a:r>
+              <a:rPr lang="en-US" u="none">
+                <a:solidFill>
+                  <a:prstClr val="black"/>
+                </a:solidFill>
+              </a:rPr>
+              <a:t>With </a:t>
+            </a:r>
+            <a:r>
+              <a:rPr lang="en-US" b="1" u="none">
+                <a:solidFill>
+                  <a:srgbClr val="FF0000"/>
+                </a:solidFill>
+              </a:rPr>
+              <a:t>v</a:t>
+            </a:r>
+            <a:r>
+              <a:rPr lang="en-US" b="1" u="none">
+                <a:solidFill>
+                  <a:srgbClr val="FFC000"/>
+                </a:solidFill>
+              </a:rPr>
+              <a:t>a</a:t>
+            </a:r>
+            <a:r>
+              <a:rPr lang="en-US" b="1" u="none">
+                <a:solidFill>
+                  <a:srgbClr val="FFFF00"/>
+                </a:solidFill>
+              </a:rPr>
+              <a:t>r</a:t>
+            </a:r>
+            <a:r>
+              <a:rPr lang="en-US" b="1" u="none">
+                <a:solidFill>
+                  <a:srgbClr val="00B050"/>
+                </a:solidFill>
+              </a:rPr>
+              <a:t>y</a:t>
+            </a:r>
+            <a:r>
+              <a:rPr lang="en-US" b="1" u="none">
+                <a:solidFill>
+                  <a:srgbClr val="0070C0"/>
+                </a:solidFill>
+              </a:rPr>
+              <a:t>i</a:t>
+            </a:r>
+            <a:r>
+              <a:rPr lang="en-US" b="1" u="none">
+                <a:solidFill>
+                  <a:srgbClr val="7030A0"/>
+                </a:solidFill>
+              </a:rPr>
+              <a:t>n</a:t>
+            </a:r>
+            <a:r>
+              <a:rPr lang="en-US" b="1" u="none">
+                <a:solidFill>
+                  <a:srgbClr val="002060"/>
+                </a:solidFill>
+              </a:rPr>
+              <a:t>g</a:t>
+            </a:r>
+            <a:r>
+              <a:rPr lang="en-US" u="none">
+                <a:solidFill>
+                  <a:prstClr val="black"/>
+                </a:solidFill>
+              </a:rPr>
+              <a:t> </a:t>
+            </a:r>
+            <a:r>
+              <a:rPr lang="en-US" u="none">
+                <a:solidFill>
+                  <a:srgbClr val="00B050"/>
+                </a:solidFill>
+                <a:latin typeface="Arial Black" pitchFamily="34" charset="0"/>
+              </a:rPr>
+              <a:t>styles</a:t>
+            </a:r>
+            <a:endParaRPr lang="en-US" dirty="0"/>
+          </a:p>
+        </p:txBody>
+      </p:sp>
+      <p:sp>
+        <p:nvSpPr>
+          <p:cNvPr id="17" name="Unnamed Shape 20150624172013382914"/>
+          <p:cNvSpPr>
+            <a:spLocks/>
+          </p:cNvSpPr>
+          <p:nvPr/>
+        </p:nvSpPr>
+        <p:spPr>
+          <a:xfrm>
+            <a:off x="-914400" y="844109"/>
             <a:ext cx="2667000" cy="2286000"/>
           </a:xfrm>
           <a:prstGeom prst="ellipse">
             <a:avLst/>
           </a:prstGeom>
           <a:solidFill>
-            <a:srgbClr val="FFFF00"/>
+            <a:srgbClr val="002060"/>
           </a:solidFill>
         </p:spPr>
         <p:style>
@@ -13257,228 +13717,6 @@
           <a:p>
             <a:pPr algn="ctr"/>
             <a:endParaRPr lang="en-US"/>
-          </a:p>
-        </p:txBody>
-      </p:sp>
-      <p:sp>
-        <p:nvSpPr>
-          <p:cNvPr id="11" name="Unnamed Shape 2015061918583905561"/>
-          <p:cNvSpPr txBox="1">
-            <a:spLocks/>
-          </p:cNvSpPr>
-          <p:nvPr/>
-        </p:nvSpPr>
-        <p:spPr>
-          <a:xfrm>
-            <a:off x="3048000" y="3189744"/>
-            <a:ext cx="6730560" cy="2677656"/>
-          </a:xfrm>
-          <a:prstGeom prst="rect">
-            <a:avLst/>
-          </a:prstGeom>
-          <a:noFill/>
-        </p:spPr>
-        <p:txBody>
-          <a:bodyPr wrap="none" rtlCol="0">
-            <a:spAutoFit/>
-          </a:bodyPr>
-          <a:lstStyle>
-            <a:defPPr>
-              <a:defRPr lang="en-US"/>
-            </a:defPPr>
-            <a:lvl1pPr>
-              <a:defRPr sz="3600" u="sng"/>
-            </a:lvl1pPr>
-          </a:lstStyle>
-          <a:p>
-            <a:pPr lvl="0"/>
-            <a:r>
-              <a:rPr lang="en-US">
-                <a:solidFill>
-                  <a:prstClr val="black"/>
-                </a:solidFill>
-              </a:rPr>
-              <a:t>Test</a:t>
-            </a:r>
-            <a:r>
-              <a:rPr lang="en-US" u="none">
-                <a:solidFill>
-                  <a:prstClr val="black"/>
-                </a:solidFill>
-              </a:rPr>
-              <a:t> </a:t>
-            </a:r>
-            <a:r>
-              <a:rPr lang="en-US" b="1" u="none">
-                <a:solidFill>
-                  <a:prstClr val="black"/>
-                </a:solidFill>
-              </a:rPr>
-              <a:t>text b</a:t>
-            </a:r>
-            <a:r>
-              <a:rPr lang="en-US" sz="9600" b="1" u="none">
-                <a:solidFill>
-                  <a:srgbClr val="FF0000"/>
-                </a:solidFill>
-              </a:rPr>
-              <a:t>o</a:t>
-            </a:r>
-            <a:r>
-              <a:rPr lang="en-US" b="1" u="none">
-                <a:solidFill>
-                  <a:prstClr val="black"/>
-                </a:solidFill>
-              </a:rPr>
-              <a:t>x </a:t>
-            </a:r>
-            <a:r>
-              <a:rPr lang="en-US" sz="1800" u="none">
-                <a:solidFill>
-                  <a:prstClr val="black"/>
-                </a:solidFill>
-              </a:rPr>
-              <a:t>with a</a:t>
-            </a:r>
-            <a:r>
-              <a:rPr lang="en-US" u="none">
-                <a:solidFill>
-                  <a:prstClr val="black"/>
-                </a:solidFill>
-              </a:rPr>
-              <a:t> lot of </a:t>
-            </a:r>
-            <a:r>
-              <a:rPr lang="en-US" sz="8800" b="1" u="none">
-                <a:solidFill>
-                  <a:srgbClr val="FF0000"/>
-                </a:solidFill>
-              </a:rPr>
-              <a:t>text</a:t>
-            </a:r>
-          </a:p>
-          <a:p>
-            <a:pPr marL="285750" lvl="0" indent="-285750">
-              <a:buFont typeface="Arial" pitchFamily="34" charset="0"/>
-              <a:buChar char="•"/>
-            </a:pPr>
-            <a:r>
-              <a:rPr lang="en-US" u="none">
-                <a:solidFill>
-                  <a:prstClr val="black"/>
-                </a:solidFill>
-              </a:rPr>
-              <a:t>In </a:t>
-            </a:r>
-            <a:r>
-              <a:rPr lang="en-US">
-                <a:solidFill>
-                  <a:prstClr val="black"/>
-                </a:solidFill>
-                <a:latin typeface="Arial Black" pitchFamily="34" charset="0"/>
-              </a:rPr>
-              <a:t>multiple</a:t>
-            </a:r>
-            <a:r>
-              <a:rPr lang="en-US" u="none">
-                <a:solidFill>
-                  <a:prstClr val="black"/>
-                </a:solidFill>
-              </a:rPr>
-              <a:t>      </a:t>
-            </a:r>
-            <a:r>
-              <a:rPr lang="en-US" u="none">
-                <a:solidFill>
-                  <a:srgbClr val="0070C0"/>
-                </a:solidFill>
-              </a:rPr>
-              <a:t>paragraphs</a:t>
-            </a:r>
-          </a:p>
-          <a:p>
-            <a:r>
-              <a:rPr lang="en-US" u="none">
-                <a:solidFill>
-                  <a:prstClr val="black"/>
-                </a:solidFill>
-              </a:rPr>
-              <a:t>With </a:t>
-            </a:r>
-            <a:r>
-              <a:rPr lang="en-US" b="1" u="none">
-                <a:solidFill>
-                  <a:srgbClr val="FF0000"/>
-                </a:solidFill>
-              </a:rPr>
-              <a:t>v</a:t>
-            </a:r>
-            <a:r>
-              <a:rPr lang="en-US" b="1" u="none">
-                <a:solidFill>
-                  <a:srgbClr val="FFC000"/>
-                </a:solidFill>
-              </a:rPr>
-              <a:t>a</a:t>
-            </a:r>
-            <a:r>
-              <a:rPr lang="en-US" b="1" u="none">
-                <a:solidFill>
-                  <a:srgbClr val="FFFF00"/>
-                </a:solidFill>
-              </a:rPr>
-              <a:t>r</a:t>
-            </a:r>
-            <a:r>
-              <a:rPr lang="en-US" b="1" u="none">
-                <a:solidFill>
-                  <a:srgbClr val="00B050"/>
-                </a:solidFill>
-              </a:rPr>
-              <a:t>y</a:t>
-            </a:r>
-            <a:r>
-              <a:rPr lang="en-US" b="1" u="none">
-                <a:solidFill>
-                  <a:srgbClr val="0070C0"/>
-                </a:solidFill>
-              </a:rPr>
-              <a:t>i</a:t>
-            </a:r>
-            <a:r>
-              <a:rPr lang="en-US" b="1" u="none">
-                <a:solidFill>
-                  <a:srgbClr val="7030A0"/>
-                </a:solidFill>
-              </a:rPr>
-              <a:t>n</a:t>
-            </a:r>
-            <a:r>
-              <a:rPr lang="en-US" b="1" u="none">
-                <a:solidFill>
-                  <a:srgbClr val="002060"/>
-                </a:solidFill>
-              </a:rPr>
-              <a:t>g</a:t>
-            </a:r>
-            <a:r>
-              <a:rPr lang="en-US" u="none">
-                <a:solidFill>
-                  <a:prstClr val="black"/>
-                </a:solidFill>
-              </a:rPr>
-              <a:t> </a:t>
-            </a:r>
-            <a:r>
-              <a:rPr lang="en-US" u="none">
-                <a:solidFill>
-                  <a:srgbClr val="00B050"/>
-                </a:solidFill>
-                <a:latin typeface="Arial Black" pitchFamily="34" charset="0"/>
-              </a:rPr>
-              <a:t>styles</a:t>
-            </a:r>
-            <a:endParaRPr lang="en-US" dirty="0"/>
           </a:p>
         </p:txBody>
       </p:sp>
@@ -13631,7 +13869,7 @@
       </p:grpSpPr>
       <p:pic>
         <p:nvPicPr>
-          <p:cNvPr id="2" name="PPTIndicator201506191858409276"/>
+          <p:cNvPr id="2" name="PPTIndicator201506241720150450"/>
           <p:cNvPicPr>
             <a:picLocks/>
           </p:cNvPicPr>
@@ -13661,7 +13899,7 @@
       </p:pic>
       <p:sp>
         <p:nvSpPr>
-          <p:cNvPr id="5" name="Objects with same name"/>
+          <p:cNvPr id="11" name="Unnamed Shape 20150624172013387919"/>
           <p:cNvSpPr>
             <a:spLocks/>
           </p:cNvSpPr>
@@ -13669,7 +13907,7 @@
         </p:nvSpPr>
         <p:spPr>
           <a:xfrm>
-            <a:off x="1248770" y="611875"/>
+            <a:off x="2057400" y="728869"/>
             <a:ext cx="2667000" cy="2286000"/>
           </a:xfrm>
           <a:prstGeom prst="ellipse">
@@ -13706,7 +13944,7 @@
       </p:sp>
       <p:sp>
         <p:nvSpPr>
-          <p:cNvPr id="6" name="Unnamed Shape 2015061918583907122"/>
+          <p:cNvPr id="6" name="Unnamed Shape 20150624172013387917"/>
           <p:cNvSpPr>
             <a:spLocks/>
           </p:cNvSpPr>
@@ -13714,14 +13952,14 @@
         </p:nvSpPr>
         <p:spPr>
           <a:xfrm>
-            <a:off x="486770" y="611875"/>
+            <a:off x="1104900" y="794413"/>
             <a:ext cx="2667000" cy="2286000"/>
           </a:xfrm>
           <a:prstGeom prst="ellipse">
             <a:avLst/>
           </a:prstGeom>
           <a:solidFill>
-            <a:srgbClr val="FFFF00"/>
+            <a:srgbClr val="002060"/>
           </a:solidFill>
         </p:spPr>
         <p:style>
@@ -13751,7 +13989,7 @@
       </p:sp>
       <p:sp>
         <p:nvSpPr>
-          <p:cNvPr id="7" name="Unnamed Shape 2015061918583907123"/>
+          <p:cNvPr id="13" name="Unnamed Shape 20150624172013388921"/>
           <p:cNvSpPr>
             <a:spLocks/>
           </p:cNvSpPr>
@@ -13759,7 +13997,7 @@
         </p:nvSpPr>
         <p:spPr>
           <a:xfrm>
-            <a:off x="-427630" y="609600"/>
+            <a:off x="152400" y="728869"/>
             <a:ext cx="2667000" cy="2286000"/>
           </a:xfrm>
           <a:prstGeom prst="ellipse">
@@ -13796,7 +14034,7 @@
       </p:sp>
       <p:sp>
         <p:nvSpPr>
-          <p:cNvPr id="8" name="PptLabsAgenda_&amp;^@ContentShape_&amp;^@2015061916283877850"/>
+          <p:cNvPr id="9" name="PptLabsAgenda_&amp;^@ContentShape_&amp;^@2015061916283877850"/>
           <p:cNvSpPr txBox="1">
             <a:spLocks/>
           </p:cNvSpPr>
@@ -13980,22 +14218,301 @@
       </p:sp>
       <p:sp>
         <p:nvSpPr>
-          <p:cNvPr id="9" name="Unnamed Shape 2015061918583905560"/>
-          <p:cNvSpPr>
+          <p:cNvPr id="10" name="Unnamed Shape 20150624172013385915"/>
+          <p:cNvSpPr txBox="1">
             <a:spLocks/>
           </p:cNvSpPr>
           <p:nvPr/>
         </p:nvSpPr>
         <p:spPr>
           <a:xfrm>
-            <a:off x="-1189630" y="609600"/>
+            <a:off x="2279182" y="2743200"/>
+            <a:ext cx="7948651" cy="3231654"/>
+          </a:xfrm>
+          <a:prstGeom prst="rect">
+            <a:avLst/>
+          </a:prstGeom>
+          <a:noFill/>
+        </p:spPr>
+        <p:txBody>
+          <a:bodyPr wrap="none" rtlCol="0">
+            <a:spAutoFit/>
+          </a:bodyPr>
+          <a:lstStyle>
+            <a:defPPr>
+              <a:defRPr lang="en-US"/>
+            </a:defPPr>
+            <a:lvl1pPr>
+              <a:defRPr sz="3600" u="sng"/>
+            </a:lvl1pPr>
+          </a:lstStyle>
+          <a:p>
+            <a:pPr lvl="0"/>
+            <a:r>
+              <a:rPr lang="en-US">
+                <a:solidFill>
+                  <a:prstClr val="black"/>
+                </a:solidFill>
+              </a:rPr>
+              <a:t>Test</a:t>
+            </a:r>
+            <a:r>
+              <a:rPr lang="en-US" u="none">
+                <a:solidFill>
+                  <a:prstClr val="black"/>
+                </a:solidFill>
+              </a:rPr>
+              <a:t> </a:t>
+            </a:r>
+            <a:r>
+              <a:rPr lang="en-US" sz="6600" u="none">
+                <a:solidFill>
+                  <a:srgbClr val="F79646">
+                    <a:lumMod val="75000"/>
+                  </a:srgbClr>
+                </a:solidFill>
+                <a:latin typeface="Arial Black" pitchFamily="34" charset="0"/>
+                <a:cs typeface="Aharoni" pitchFamily="2" charset="-79"/>
+              </a:rPr>
+              <a:t>t</a:t>
+            </a:r>
+            <a:r>
+              <a:rPr lang="en-US" sz="2000" u="none">
+                <a:solidFill>
+                  <a:srgbClr val="F79646">
+                    <a:lumMod val="75000"/>
+                  </a:srgbClr>
+                </a:solidFill>
+                <a:latin typeface="Arial Black" pitchFamily="34" charset="0"/>
+                <a:cs typeface="Aharoni" pitchFamily="2" charset="-79"/>
+              </a:rPr>
+              <a:t>ext </a:t>
+            </a:r>
+            <a:r>
+              <a:rPr lang="en-US" sz="6600" u="none">
+                <a:solidFill>
+                  <a:srgbClr val="F79646">
+                    <a:lumMod val="75000"/>
+                  </a:srgbClr>
+                </a:solidFill>
+                <a:latin typeface="Arial Black" pitchFamily="34" charset="0"/>
+                <a:cs typeface="Aharoni" pitchFamily="2" charset="-79"/>
+              </a:rPr>
+              <a:t>b</a:t>
+            </a:r>
+            <a:r>
+              <a:rPr lang="en-US" sz="9600" u="none">
+                <a:solidFill>
+                  <a:srgbClr val="FF0000"/>
+                </a:solidFill>
+                <a:latin typeface="Arial Black" pitchFamily="34" charset="0"/>
+                <a:cs typeface="Aharoni" pitchFamily="2" charset="-79"/>
+              </a:rPr>
+              <a:t>o</a:t>
+            </a:r>
+            <a:r>
+              <a:rPr lang="en-US" sz="6600" u="none">
+                <a:solidFill>
+                  <a:srgbClr val="F79646">
+                    <a:lumMod val="75000"/>
+                  </a:srgbClr>
+                </a:solidFill>
+                <a:latin typeface="Arial Black" pitchFamily="34" charset="0"/>
+                <a:cs typeface="Aharoni" pitchFamily="2" charset="-79"/>
+              </a:rPr>
+              <a:t>x </a:t>
+            </a:r>
+            <a:r>
+              <a:rPr lang="en-US" sz="1800" u="none">
+                <a:solidFill>
+                  <a:prstClr val="black"/>
+                </a:solidFill>
+                <a:latin typeface="Arial Black" pitchFamily="34" charset="0"/>
+              </a:rPr>
+              <a:t>with </a:t>
+            </a:r>
+            <a:r>
+              <a:rPr lang="en-US" sz="1800" u="none">
+                <a:solidFill>
+                  <a:prstClr val="black"/>
+                </a:solidFill>
+              </a:rPr>
+              <a:t>a</a:t>
+            </a:r>
+            <a:r>
+              <a:rPr lang="en-US" u="none">
+                <a:solidFill>
+                  <a:prstClr val="black"/>
+                </a:solidFill>
+              </a:rPr>
+              <a:t> lot of </a:t>
+            </a:r>
+            <a:r>
+              <a:rPr lang="en-US" sz="8800" b="1" u="none">
+                <a:solidFill>
+                  <a:srgbClr val="FF0000"/>
+                </a:solidFill>
+              </a:rPr>
+              <a:t>text</a:t>
+            </a:r>
+          </a:p>
+          <a:p>
+            <a:pPr marL="285750" lvl="0" indent="-285750">
+              <a:buFont typeface="Arial" pitchFamily="34" charset="0"/>
+              <a:buChar char="•"/>
+            </a:pPr>
+            <a:r>
+              <a:rPr lang="en-US" u="none">
+                <a:solidFill>
+                  <a:prstClr val="black"/>
+                </a:solidFill>
+              </a:rPr>
+              <a:t>In </a:t>
+            </a:r>
+            <a:r>
+              <a:rPr lang="en-US">
+                <a:solidFill>
+                  <a:prstClr val="black"/>
+                </a:solidFill>
+                <a:latin typeface="Arial Black" pitchFamily="34" charset="0"/>
+              </a:rPr>
+              <a:t>multiple</a:t>
+            </a:r>
+            <a:r>
+              <a:rPr lang="en-US" u="none">
+                <a:solidFill>
+                  <a:prstClr val="black"/>
+                </a:solidFill>
+              </a:rPr>
+              <a:t>      </a:t>
+            </a:r>
+            <a:r>
+              <a:rPr lang="en-US" u="none">
+                <a:solidFill>
+                  <a:srgbClr val="0070C0"/>
+                </a:solidFill>
+              </a:rPr>
+              <a:t>paragraphs</a:t>
+            </a:r>
+          </a:p>
+          <a:p>
+            <a:pPr marL="285750" lvl="0" indent="-285750">
+              <a:buFont typeface="Arial" pitchFamily="34" charset="0"/>
+              <a:buChar char="•"/>
+            </a:pPr>
+            <a:r>
+              <a:rPr lang="en-US" u="none">
+                <a:solidFill>
+                  <a:srgbClr val="0070C0"/>
+                </a:solidFill>
+              </a:rPr>
+              <a:t>Such Fun!</a:t>
+            </a:r>
+          </a:p>
+          <a:p>
+            <a:r>
+              <a:rPr lang="en-US" u="none">
+                <a:solidFill>
+                  <a:prstClr val="black"/>
+                </a:solidFill>
+              </a:rPr>
+              <a:t>With </a:t>
+            </a:r>
+            <a:r>
+              <a:rPr lang="en-US" b="1" u="none">
+                <a:solidFill>
+                  <a:srgbClr val="FF0000"/>
+                </a:solidFill>
+              </a:rPr>
+              <a:t>v</a:t>
+            </a:r>
+            <a:r>
+              <a:rPr lang="en-US" b="1" u="none">
+                <a:solidFill>
+                  <a:srgbClr val="FFC000"/>
+                </a:solidFill>
+              </a:rPr>
+              <a:t>a</a:t>
+            </a:r>
+            <a:r>
+              <a:rPr lang="en-US" b="1" u="none">
+                <a:solidFill>
+                  <a:srgbClr val="FFFF00"/>
+                </a:solidFill>
+              </a:rPr>
+              <a:t>r</a:t>
+            </a:r>
+            <a:r>
+              <a:rPr lang="en-US" b="1" u="none">
+                <a:solidFill>
+                  <a:srgbClr val="00B050"/>
+                </a:solidFill>
+              </a:rPr>
+              <a:t>y</a:t>
+            </a:r>
+            <a:r>
+              <a:rPr lang="en-US" b="1" u="none">
+                <a:solidFill>
+                  <a:srgbClr val="0070C0"/>
+                </a:solidFill>
+              </a:rPr>
+              <a:t>i</a:t>
+            </a:r>
+            <a:r>
+              <a:rPr lang="en-US" b="1" u="none">
+                <a:solidFill>
+                  <a:srgbClr val="7030A0"/>
+                </a:solidFill>
+              </a:rPr>
+              <a:t>n</a:t>
+            </a:r>
+            <a:r>
+              <a:rPr lang="en-US" b="1" u="none">
+                <a:solidFill>
+                  <a:srgbClr val="002060"/>
+                </a:solidFill>
+              </a:rPr>
+              <a:t>g</a:t>
+            </a:r>
+            <a:r>
+              <a:rPr lang="en-US" u="none">
+                <a:solidFill>
+                  <a:prstClr val="black"/>
+                </a:solidFill>
+              </a:rPr>
+              <a:t> </a:t>
+            </a:r>
+            <a:r>
+              <a:rPr lang="en-US" u="none">
+                <a:solidFill>
+                  <a:srgbClr val="00B050"/>
+                </a:solidFill>
+                <a:latin typeface="Arial Black" pitchFamily="34" charset="0"/>
+              </a:rPr>
+              <a:t>styles</a:t>
+            </a:r>
+            <a:endParaRPr lang="en-US" dirty="0"/>
+          </a:p>
+        </p:txBody>
+      </p:sp>
+      <p:sp>
+        <p:nvSpPr>
+          <p:cNvPr id="8" name="Unnamed Shape 20150624172013382914"/>
+          <p:cNvSpPr>
+            <a:spLocks/>
+          </p:cNvSpPr>
+          <p:nvPr/>
+        </p:nvSpPr>
+        <p:spPr>
+          <a:xfrm>
+            <a:off x="-914400" y="844109"/>
             <a:ext cx="2667000" cy="2286000"/>
           </a:xfrm>
           <a:prstGeom prst="ellipse">
             <a:avLst/>
           </a:prstGeom>
           <a:solidFill>
-            <a:srgbClr val="FFFF00"/>
+            <a:srgbClr val="002060"/>
           </a:solidFill>
         </p:spPr>
         <p:style>
@@ -14023,232 +14540,10 @@
           </a:p>
         </p:txBody>
       </p:sp>
-      <p:sp>
-        <p:nvSpPr>
-          <p:cNvPr id="10" name="Unnamed Shape 2015061918583905561"/>
-          <p:cNvSpPr txBox="1">
-            <a:spLocks/>
-          </p:cNvSpPr>
-          <p:nvPr/>
-        </p:nvSpPr>
-        <p:spPr>
-          <a:xfrm>
-            <a:off x="3048000" y="3189744"/>
-            <a:ext cx="6730560" cy="2677656"/>
-          </a:xfrm>
-          <a:prstGeom prst="rect">
-            <a:avLst/>
-          </a:prstGeom>
-          <a:noFill/>
-        </p:spPr>
-        <p:txBody>
-          <a:bodyPr wrap="none" rtlCol="0">
-            <a:spAutoFit/>
-          </a:bodyPr>
-          <a:lstStyle>
-            <a:defPPr>
-              <a:defRPr lang="en-US"/>
-            </a:defPPr>
-            <a:lvl1pPr>
-              <a:defRPr sz="3600" u="sng"/>
-            </a:lvl1pPr>
-          </a:lstStyle>
-          <a:p>
-            <a:pPr lvl="0"/>
-            <a:r>
-              <a:rPr lang="en-US">
-                <a:solidFill>
-                  <a:prstClr val="black"/>
-                </a:solidFill>
-              </a:rPr>
-              <a:t>Test</a:t>
-            </a:r>
-            <a:r>
-              <a:rPr lang="en-US" u="none">
-                <a:solidFill>
-                  <a:prstClr val="black"/>
-                </a:solidFill>
-              </a:rPr>
-              <a:t> </a:t>
-            </a:r>
-            <a:r>
-              <a:rPr lang="en-US" b="1" u="none">
-                <a:solidFill>
-                  <a:prstClr val="black"/>
-                </a:solidFill>
-              </a:rPr>
-              <a:t>text b</a:t>
-            </a:r>
-            <a:r>
-              <a:rPr lang="en-US" sz="9600" b="1" u="none">
-                <a:solidFill>
-                  <a:srgbClr val="FF0000"/>
-                </a:solidFill>
-              </a:rPr>
-              <a:t>o</a:t>
-            </a:r>
-            <a:r>
-              <a:rPr lang="en-US" b="1" u="none">
-                <a:solidFill>
-                  <a:prstClr val="black"/>
-                </a:solidFill>
-              </a:rPr>
-              <a:t>x </a:t>
-            </a:r>
-            <a:r>
-              <a:rPr lang="en-US" sz="1800" u="none">
-                <a:solidFill>
-                  <a:prstClr val="black"/>
-                </a:solidFill>
-              </a:rPr>
-              <a:t>with a</a:t>
-            </a:r>
-            <a:r>
-              <a:rPr lang="en-US" u="none">
-                <a:solidFill>
-                  <a:prstClr val="black"/>
-                </a:solidFill>
-              </a:rPr>
-              <a:t> lot of </a:t>
-            </a:r>
-            <a:r>
-              <a:rPr lang="en-US" sz="8800" b="1" u="none">
-                <a:solidFill>
-                  <a:srgbClr val="FF0000"/>
-                </a:solidFill>
-              </a:rPr>
-              <a:t>text</a:t>
-            </a:r>
-          </a:p>
-          <a:p>
-            <a:pPr marL="285750" lvl="0" indent="-285750">
-              <a:buFont typeface="Arial" pitchFamily="34" charset="0"/>
-              <a:buChar char="•"/>
-            </a:pPr>
-            <a:r>
-              <a:rPr lang="en-US" u="none">
-                <a:solidFill>
-                  <a:prstClr val="black"/>
-                </a:solidFill>
-              </a:rPr>
-              <a:t>In </a:t>
-            </a:r>
-            <a:r>
-              <a:rPr lang="en-US">
-                <a:solidFill>
-                  <a:prstClr val="black"/>
-                </a:solidFill>
-                <a:latin typeface="Arial Black" pitchFamily="34" charset="0"/>
-              </a:rPr>
-              <a:t>multiple</a:t>
-            </a:r>
-            <a:r>
-              <a:rPr lang="en-US" u="none">
-                <a:solidFill>
-                  <a:prstClr val="black"/>
-                </a:solidFill>
-              </a:rPr>
-              <a:t>      </a:t>
-            </a:r>
-            <a:r>
-              <a:rPr lang="en-US" u="none">
-                <a:solidFill>
-                  <a:srgbClr val="0070C0"/>
-                </a:solidFill>
-              </a:rPr>
-              <a:t>paragraphs</a:t>
-            </a:r>
-          </a:p>
-          <a:p>
-            <a:r>
-              <a:rPr lang="en-US" u="none">
-                <a:solidFill>
-                  <a:prstClr val="black"/>
-                </a:solidFill>
-              </a:rPr>
-              <a:t>With </a:t>
-            </a:r>
-            <a:r>
-              <a:rPr lang="en-US" b="1" u="none">
-                <a:solidFill>
-                  <a:srgbClr val="FF0000"/>
-                </a:solidFill>
-              </a:rPr>
-              <a:t>v</a:t>
-            </a:r>
-            <a:r>
-              <a:rPr lang="en-US" b="1" u="none">
-                <a:solidFill>
-                  <a:srgbClr val="FFC000"/>
-                </a:solidFill>
-              </a:rPr>
-              <a:t>a</a:t>
-            </a:r>
-            <a:r>
-              <a:rPr lang="en-US" b="1" u="none">
-                <a:solidFill>
-                  <a:srgbClr val="FFFF00"/>
-                </a:solidFill>
-              </a:rPr>
-              <a:t>r</a:t>
-            </a:r>
-            <a:r>
-              <a:rPr lang="en-US" b="1" u="none">
-                <a:solidFill>
-                  <a:srgbClr val="00B050"/>
-                </a:solidFill>
-              </a:rPr>
-              <a:t>y</a:t>
-            </a:r>
-            <a:r>
-              <a:rPr lang="en-US" b="1" u="none">
-                <a:solidFill>
-                  <a:srgbClr val="0070C0"/>
-                </a:solidFill>
-              </a:rPr>
-              <a:t>i</a:t>
-            </a:r>
-            <a:r>
-              <a:rPr lang="en-US" b="1" u="none">
-                <a:solidFill>
-                  <a:srgbClr val="7030A0"/>
-                </a:solidFill>
-              </a:rPr>
-              <a:t>n</a:t>
-            </a:r>
-            <a:r>
-              <a:rPr lang="en-US" b="1" u="none">
-                <a:solidFill>
-                  <a:srgbClr val="002060"/>
-                </a:solidFill>
-              </a:rPr>
-              <a:t>g</a:t>
-            </a:r>
-            <a:r>
-              <a:rPr lang="en-US" u="none">
-                <a:solidFill>
-                  <a:prstClr val="black"/>
-                </a:solidFill>
-              </a:rPr>
-              <a:t> </a:t>
-            </a:r>
-            <a:r>
-              <a:rPr lang="en-US" u="none">
-                <a:solidFill>
-                  <a:srgbClr val="00B050"/>
-                </a:solidFill>
-                <a:latin typeface="Arial Black" pitchFamily="34" charset="0"/>
-              </a:rPr>
-              <a:t>styles</a:t>
-            </a:r>
-            <a:endParaRPr lang="en-US" dirty="0"/>
-          </a:p>
-        </p:txBody>
-      </p:sp>
     </p:spTree>
     <p:extLst>
       <p:ext uri="{BB962C8B-B14F-4D97-AF65-F5344CB8AC3E}">
-        <p14:creationId xmlns:p14="http://schemas.microsoft.com/office/powerpoint/2010/main" val="3285958563"/>
+        <p14:creationId xmlns:p14="http://schemas.microsoft.com/office/powerpoint/2010/main" val="1476776120"/>
       </p:ext>
     </p:extLst>
   </p:cSld>
@@ -14711,7 +15006,7 @@
       </p:pic>
       <p:sp>
         <p:nvSpPr>
-          <p:cNvPr id="7" name="Objects with same name"/>
+          <p:cNvPr id="19" name="Unnamed Shape 20150624172013387919"/>
           <p:cNvSpPr>
             <a:spLocks/>
           </p:cNvSpPr>
@@ -14719,7 +15014,7 @@
         </p:nvSpPr>
         <p:spPr>
           <a:xfrm>
-            <a:off x="1248770" y="611875"/>
+            <a:off x="2057400" y="728869"/>
             <a:ext cx="2667000" cy="2286000"/>
           </a:xfrm>
           <a:prstGeom prst="ellipse">
@@ -14756,7 +15051,7 @@
       </p:sp>
       <p:sp>
         <p:nvSpPr>
-          <p:cNvPr id="8" name="Unnamed Shape 2015061918583907122"/>
+          <p:cNvPr id="15" name="Unnamed Shape 20150624172013387917"/>
           <p:cNvSpPr>
             <a:spLocks/>
           </p:cNvSpPr>
@@ -14764,14 +15059,14 @@
         </p:nvSpPr>
         <p:spPr>
           <a:xfrm>
-            <a:off x="486770" y="611875"/>
+            <a:off x="1104900" y="794413"/>
             <a:ext cx="2667000" cy="2286000"/>
           </a:xfrm>
           <a:prstGeom prst="ellipse">
             <a:avLst/>
           </a:prstGeom>
           <a:solidFill>
-            <a:srgbClr val="FFFF00"/>
+            <a:srgbClr val="002060"/>
           </a:solidFill>
         </p:spPr>
         <p:style>
@@ -14801,7 +15096,7 @@
       </p:sp>
       <p:sp>
         <p:nvSpPr>
-          <p:cNvPr id="9" name="Unnamed Shape 2015061918583907123"/>
+          <p:cNvPr id="21" name="Unnamed Shape 20150624172013388921"/>
           <p:cNvSpPr>
             <a:spLocks/>
           </p:cNvSpPr>
@@ -14809,7 +15104,7 @@
         </p:nvSpPr>
         <p:spPr>
           <a:xfrm>
-            <a:off x="-427630" y="609600"/>
+            <a:off x="152400" y="728869"/>
             <a:ext cx="2667000" cy="2286000"/>
           </a:xfrm>
           <a:prstGeom prst="ellipse">
@@ -15030,22 +15325,301 @@
       </p:sp>
       <p:sp>
         <p:nvSpPr>
-          <p:cNvPr id="10" name="Unnamed Shape 2015061918583905560"/>
-          <p:cNvSpPr>
+          <p:cNvPr id="18" name="Unnamed Shape 20150624172013385915"/>
+          <p:cNvSpPr txBox="1">
             <a:spLocks/>
           </p:cNvSpPr>
           <p:nvPr/>
         </p:nvSpPr>
         <p:spPr>
           <a:xfrm>
-            <a:off x="-1189630" y="609600"/>
+            <a:off x="2279182" y="2743200"/>
+            <a:ext cx="7948651" cy="3231654"/>
+          </a:xfrm>
+          <a:prstGeom prst="rect">
+            <a:avLst/>
+          </a:prstGeom>
+          <a:noFill/>
+        </p:spPr>
+        <p:txBody>
+          <a:bodyPr wrap="none" rtlCol="0">
+            <a:spAutoFit/>
+          </a:bodyPr>
+          <a:lstStyle>
+            <a:defPPr>
+              <a:defRPr lang="en-US"/>
+            </a:defPPr>
+            <a:lvl1pPr>
+              <a:defRPr sz="3600" u="sng"/>
+            </a:lvl1pPr>
+          </a:lstStyle>
+          <a:p>
+            <a:pPr lvl="0"/>
+            <a:r>
+              <a:rPr lang="en-US">
+                <a:solidFill>
+                  <a:prstClr val="black"/>
+                </a:solidFill>
+              </a:rPr>
+              <a:t>Test</a:t>
+            </a:r>
+            <a:r>
+              <a:rPr lang="en-US" u="none">
+                <a:solidFill>
+                  <a:prstClr val="black"/>
+                </a:solidFill>
+              </a:rPr>
+              <a:t> </a:t>
+            </a:r>
+            <a:r>
+              <a:rPr lang="en-US" sz="6600" u="none">
+                <a:solidFill>
+                  <a:srgbClr val="F79646">
+                    <a:lumMod val="75000"/>
+                  </a:srgbClr>
+                </a:solidFill>
+                <a:latin typeface="Arial Black" pitchFamily="34" charset="0"/>
+                <a:cs typeface="Aharoni" pitchFamily="2" charset="-79"/>
+              </a:rPr>
+              <a:t>t</a:t>
+            </a:r>
+            <a:r>
+              <a:rPr lang="en-US" sz="2000" u="none">
+                <a:solidFill>
+                  <a:srgbClr val="F79646">
+                    <a:lumMod val="75000"/>
+                  </a:srgbClr>
+                </a:solidFill>
+                <a:latin typeface="Arial Black" pitchFamily="34" charset="0"/>
+                <a:cs typeface="Aharoni" pitchFamily="2" charset="-79"/>
+              </a:rPr>
+              <a:t>ext </a:t>
+            </a:r>
+            <a:r>
+              <a:rPr lang="en-US" sz="6600" u="none">
+                <a:solidFill>
+                  <a:srgbClr val="F79646">
+                    <a:lumMod val="75000"/>
+                  </a:srgbClr>
+                </a:solidFill>
+                <a:latin typeface="Arial Black" pitchFamily="34" charset="0"/>
+                <a:cs typeface="Aharoni" pitchFamily="2" charset="-79"/>
+              </a:rPr>
+              <a:t>b</a:t>
+            </a:r>
+            <a:r>
+              <a:rPr lang="en-US" sz="9600" u="none">
+                <a:solidFill>
+                  <a:srgbClr val="FF0000"/>
+                </a:solidFill>
+                <a:latin typeface="Arial Black" pitchFamily="34" charset="0"/>
+                <a:cs typeface="Aharoni" pitchFamily="2" charset="-79"/>
+              </a:rPr>
+              <a:t>o</a:t>
+            </a:r>
+            <a:r>
+              <a:rPr lang="en-US" sz="6600" u="none">
+                <a:solidFill>
+                  <a:srgbClr val="F79646">
+                    <a:lumMod val="75000"/>
+                  </a:srgbClr>
+                </a:solidFill>
+                <a:latin typeface="Arial Black" pitchFamily="34" charset="0"/>
+                <a:cs typeface="Aharoni" pitchFamily="2" charset="-79"/>
+              </a:rPr>
+              <a:t>x </a:t>
+            </a:r>
+            <a:r>
+              <a:rPr lang="en-US" sz="1800" u="none">
+                <a:solidFill>
+                  <a:prstClr val="black"/>
+                </a:solidFill>
+                <a:latin typeface="Arial Black" pitchFamily="34" charset="0"/>
+              </a:rPr>
+              <a:t>with </a:t>
+            </a:r>
+            <a:r>
+              <a:rPr lang="en-US" sz="1800" u="none">
+                <a:solidFill>
+                  <a:prstClr val="black"/>
+                </a:solidFill>
+              </a:rPr>
+              <a:t>a</a:t>
+            </a:r>
+            <a:r>
+              <a:rPr lang="en-US" u="none">
+                <a:solidFill>
+                  <a:prstClr val="black"/>
+                </a:solidFill>
+              </a:rPr>
+              <a:t> lot of </a:t>
+            </a:r>
+            <a:r>
+              <a:rPr lang="en-US" sz="8800" b="1" u="none">
+                <a:solidFill>
+                  <a:srgbClr val="FF0000"/>
+                </a:solidFill>
+              </a:rPr>
+              <a:t>text</a:t>
+            </a:r>
+          </a:p>
+          <a:p>
+            <a:pPr marL="285750" lvl="0" indent="-285750">
+              <a:buFont typeface="Arial" pitchFamily="34" charset="0"/>
+              <a:buChar char="•"/>
+            </a:pPr>
+            <a:r>
+              <a:rPr lang="en-US" u="none">
+                <a:solidFill>
+                  <a:prstClr val="black"/>
+                </a:solidFill>
+              </a:rPr>
+              <a:t>In </a:t>
+            </a:r>
+            <a:r>
+              <a:rPr lang="en-US">
+                <a:solidFill>
+                  <a:prstClr val="black"/>
+                </a:solidFill>
+                <a:latin typeface="Arial Black" pitchFamily="34" charset="0"/>
+              </a:rPr>
+              <a:t>multiple</a:t>
+            </a:r>
+            <a:r>
+              <a:rPr lang="en-US" u="none">
+                <a:solidFill>
+                  <a:prstClr val="black"/>
+                </a:solidFill>
+              </a:rPr>
+              <a:t>      </a:t>
+            </a:r>
+            <a:r>
+              <a:rPr lang="en-US" u="none">
+                <a:solidFill>
+                  <a:srgbClr val="0070C0"/>
+                </a:solidFill>
+              </a:rPr>
+              <a:t>paragraphs</a:t>
+            </a:r>
+          </a:p>
+          <a:p>
+            <a:pPr marL="285750" lvl="0" indent="-285750">
+              <a:buFont typeface="Arial" pitchFamily="34" charset="0"/>
+              <a:buChar char="•"/>
+            </a:pPr>
+            <a:r>
+              <a:rPr lang="en-US" u="none">
+                <a:solidFill>
+                  <a:srgbClr val="0070C0"/>
+                </a:solidFill>
+              </a:rPr>
+              <a:t>Such Fun!</a:t>
+            </a:r>
+          </a:p>
+          <a:p>
+            <a:r>
+              <a:rPr lang="en-US" u="none">
+                <a:solidFill>
+                  <a:prstClr val="black"/>
+                </a:solidFill>
+              </a:rPr>
+              <a:t>With </a:t>
+            </a:r>
+            <a:r>
+              <a:rPr lang="en-US" b="1" u="none">
+                <a:solidFill>
+                  <a:srgbClr val="FF0000"/>
+                </a:solidFill>
+              </a:rPr>
+              <a:t>v</a:t>
+            </a:r>
+            <a:r>
+              <a:rPr lang="en-US" b="1" u="none">
+                <a:solidFill>
+                  <a:srgbClr val="FFC000"/>
+                </a:solidFill>
+              </a:rPr>
+              <a:t>a</a:t>
+            </a:r>
+            <a:r>
+              <a:rPr lang="en-US" b="1" u="none">
+                <a:solidFill>
+                  <a:srgbClr val="FFFF00"/>
+                </a:solidFill>
+              </a:rPr>
+              <a:t>r</a:t>
+            </a:r>
+            <a:r>
+              <a:rPr lang="en-US" b="1" u="none">
+                <a:solidFill>
+                  <a:srgbClr val="00B050"/>
+                </a:solidFill>
+              </a:rPr>
+              <a:t>y</a:t>
+            </a:r>
+            <a:r>
+              <a:rPr lang="en-US" b="1" u="none">
+                <a:solidFill>
+                  <a:srgbClr val="0070C0"/>
+                </a:solidFill>
+              </a:rPr>
+              <a:t>i</a:t>
+            </a:r>
+            <a:r>
+              <a:rPr lang="en-US" b="1" u="none">
+                <a:solidFill>
+                  <a:srgbClr val="7030A0"/>
+                </a:solidFill>
+              </a:rPr>
+              <a:t>n</a:t>
+            </a:r>
+            <a:r>
+              <a:rPr lang="en-US" b="1" u="none">
+                <a:solidFill>
+                  <a:srgbClr val="002060"/>
+                </a:solidFill>
+              </a:rPr>
+              <a:t>g</a:t>
+            </a:r>
+            <a:r>
+              <a:rPr lang="en-US" u="none">
+                <a:solidFill>
+                  <a:prstClr val="black"/>
+                </a:solidFill>
+              </a:rPr>
+              <a:t> </a:t>
+            </a:r>
+            <a:r>
+              <a:rPr lang="en-US" u="none">
+                <a:solidFill>
+                  <a:srgbClr val="00B050"/>
+                </a:solidFill>
+                <a:latin typeface="Arial Black" pitchFamily="34" charset="0"/>
+              </a:rPr>
+              <a:t>styles</a:t>
+            </a:r>
+            <a:endParaRPr lang="en-US" dirty="0"/>
+          </a:p>
+        </p:txBody>
+      </p:sp>
+      <p:sp>
+        <p:nvSpPr>
+          <p:cNvPr id="17" name="Unnamed Shape 20150624172013382914"/>
+          <p:cNvSpPr>
+            <a:spLocks/>
+          </p:cNvSpPr>
+          <p:nvPr/>
+        </p:nvSpPr>
+        <p:spPr>
+          <a:xfrm>
+            <a:off x="-914400" y="844109"/>
             <a:ext cx="2667000" cy="2286000"/>
           </a:xfrm>
           <a:prstGeom prst="ellipse">
             <a:avLst/>
           </a:prstGeom>
           <a:solidFill>
-            <a:srgbClr val="FFFF00"/>
+            <a:srgbClr val="002060"/>
           </a:solidFill>
         </p:spPr>
         <p:style>
@@ -15070,228 +15644,6 @@
           <a:p>
             <a:pPr algn="ctr"/>
             <a:endParaRPr lang="en-US"/>
-          </a:p>
-        </p:txBody>
-      </p:sp>
-      <p:sp>
-        <p:nvSpPr>
-          <p:cNvPr id="11" name="Unnamed Shape 2015061918583905561"/>
-          <p:cNvSpPr txBox="1">
-            <a:spLocks/>
-          </p:cNvSpPr>
-          <p:nvPr/>
-        </p:nvSpPr>
-        <p:spPr>
-          <a:xfrm>
-            <a:off x="3048000" y="3189744"/>
-            <a:ext cx="6730560" cy="2677656"/>
-          </a:xfrm>
-          <a:prstGeom prst="rect">
-            <a:avLst/>
-          </a:prstGeom>
-          <a:noFill/>
-        </p:spPr>
-        <p:txBody>
-          <a:bodyPr wrap="none" rtlCol="0">
-            <a:spAutoFit/>
-          </a:bodyPr>
-          <a:lstStyle>
-            <a:defPPr>
-              <a:defRPr lang="en-US"/>
-            </a:defPPr>
-            <a:lvl1pPr>
-              <a:defRPr sz="3600" u="sng"/>
-            </a:lvl1pPr>
-          </a:lstStyle>
-          <a:p>
-            <a:pPr lvl="0"/>
-            <a:r>
-              <a:rPr lang="en-US">
-                <a:solidFill>
-                  <a:prstClr val="black"/>
-                </a:solidFill>
-              </a:rPr>
-              <a:t>Test</a:t>
-            </a:r>
-            <a:r>
-              <a:rPr lang="en-US" u="none">
-                <a:solidFill>
-                  <a:prstClr val="black"/>
-                </a:solidFill>
-              </a:rPr>
-              <a:t> </a:t>
-            </a:r>
-            <a:r>
-              <a:rPr lang="en-US" b="1" u="none">
-                <a:solidFill>
-                  <a:prstClr val="black"/>
-                </a:solidFill>
-              </a:rPr>
-              <a:t>text b</a:t>
-            </a:r>
-            <a:r>
-              <a:rPr lang="en-US" sz="9600" b="1" u="none">
-                <a:solidFill>
-                  <a:srgbClr val="FF0000"/>
-                </a:solidFill>
-              </a:rPr>
-              <a:t>o</a:t>
-            </a:r>
-            <a:r>
-              <a:rPr lang="en-US" b="1" u="none">
-                <a:solidFill>
-                  <a:prstClr val="black"/>
-                </a:solidFill>
-              </a:rPr>
-              <a:t>x </a:t>
-            </a:r>
-            <a:r>
-              <a:rPr lang="en-US" sz="1800" u="none">
-                <a:solidFill>
-                  <a:prstClr val="black"/>
-                </a:solidFill>
-              </a:rPr>
-              <a:t>with a</a:t>
-            </a:r>
-            <a:r>
-              <a:rPr lang="en-US" u="none">
-                <a:solidFill>
-                  <a:prstClr val="black"/>
-                </a:solidFill>
-              </a:rPr>
-              <a:t> lot of </a:t>
-            </a:r>
-            <a:r>
-              <a:rPr lang="en-US" sz="8800" b="1" u="none">
-                <a:solidFill>
-                  <a:srgbClr val="FF0000"/>
-                </a:solidFill>
-              </a:rPr>
-              <a:t>text</a:t>
-            </a:r>
-          </a:p>
-          <a:p>
-            <a:pPr marL="285750" lvl="0" indent="-285750">
-              <a:buFont typeface="Arial" pitchFamily="34" charset="0"/>
-              <a:buChar char="•"/>
-            </a:pPr>
-            <a:r>
-              <a:rPr lang="en-US" u="none">
-                <a:solidFill>
-                  <a:prstClr val="black"/>
-                </a:solidFill>
-              </a:rPr>
-              <a:t>In </a:t>
-            </a:r>
-            <a:r>
-              <a:rPr lang="en-US">
-                <a:solidFill>
-                  <a:prstClr val="black"/>
-                </a:solidFill>
-                <a:latin typeface="Arial Black" pitchFamily="34" charset="0"/>
-              </a:rPr>
-              <a:t>multiple</a:t>
-            </a:r>
-            <a:r>
-              <a:rPr lang="en-US" u="none">
-                <a:solidFill>
-                  <a:prstClr val="black"/>
-                </a:solidFill>
-              </a:rPr>
-              <a:t>      </a:t>
-            </a:r>
-            <a:r>
-              <a:rPr lang="en-US" u="none">
-                <a:solidFill>
-                  <a:srgbClr val="0070C0"/>
-                </a:solidFill>
-              </a:rPr>
-              <a:t>paragraphs</a:t>
-            </a:r>
-          </a:p>
-          <a:p>
-            <a:r>
-              <a:rPr lang="en-US" u="none">
-                <a:solidFill>
-                  <a:prstClr val="black"/>
-                </a:solidFill>
-              </a:rPr>
-              <a:t>With </a:t>
-            </a:r>
-            <a:r>
-              <a:rPr lang="en-US" b="1" u="none">
-                <a:solidFill>
-                  <a:srgbClr val="FF0000"/>
-                </a:solidFill>
-              </a:rPr>
-              <a:t>v</a:t>
-            </a:r>
-            <a:r>
-              <a:rPr lang="en-US" b="1" u="none">
-                <a:solidFill>
-                  <a:srgbClr val="FFC000"/>
-                </a:solidFill>
-              </a:rPr>
-              <a:t>a</a:t>
-            </a:r>
-            <a:r>
-              <a:rPr lang="en-US" b="1" u="none">
-                <a:solidFill>
-                  <a:srgbClr val="FFFF00"/>
-                </a:solidFill>
-              </a:rPr>
-              <a:t>r</a:t>
-            </a:r>
-            <a:r>
-              <a:rPr lang="en-US" b="1" u="none">
-                <a:solidFill>
-                  <a:srgbClr val="00B050"/>
-                </a:solidFill>
-              </a:rPr>
-              <a:t>y</a:t>
-            </a:r>
-            <a:r>
-              <a:rPr lang="en-US" b="1" u="none">
-                <a:solidFill>
-                  <a:srgbClr val="0070C0"/>
-                </a:solidFill>
-              </a:rPr>
-              <a:t>i</a:t>
-            </a:r>
-            <a:r>
-              <a:rPr lang="en-US" b="1" u="none">
-                <a:solidFill>
-                  <a:srgbClr val="7030A0"/>
-                </a:solidFill>
-              </a:rPr>
-              <a:t>n</a:t>
-            </a:r>
-            <a:r>
-              <a:rPr lang="en-US" b="1" u="none">
-                <a:solidFill>
-                  <a:srgbClr val="002060"/>
-                </a:solidFill>
-              </a:rPr>
-              <a:t>g</a:t>
-            </a:r>
-            <a:r>
-              <a:rPr lang="en-US" u="none">
-                <a:solidFill>
-                  <a:prstClr val="black"/>
-                </a:solidFill>
-              </a:rPr>
-              <a:t> </a:t>
-            </a:r>
-            <a:r>
-              <a:rPr lang="en-US" u="none">
-                <a:solidFill>
-                  <a:srgbClr val="00B050"/>
-                </a:solidFill>
-                <a:latin typeface="Arial Black" pitchFamily="34" charset="0"/>
-              </a:rPr>
-              <a:t>styles</a:t>
-            </a:r>
-            <a:endParaRPr lang="en-US" dirty="0"/>
           </a:p>
         </p:txBody>
       </p:sp>
@@ -15474,7 +15826,7 @@
       </p:pic>
       <p:sp>
         <p:nvSpPr>
-          <p:cNvPr id="7" name="Objects with same name"/>
+          <p:cNvPr id="19" name="Unnamed Shape 20150624172013387919"/>
           <p:cNvSpPr>
             <a:spLocks/>
           </p:cNvSpPr>
@@ -15482,7 +15834,7 @@
         </p:nvSpPr>
         <p:spPr>
           <a:xfrm>
-            <a:off x="1248770" y="611875"/>
+            <a:off x="2057400" y="728869"/>
             <a:ext cx="2667000" cy="2286000"/>
           </a:xfrm>
           <a:prstGeom prst="ellipse">
@@ -15519,7 +15871,7 @@
       </p:sp>
       <p:sp>
         <p:nvSpPr>
-          <p:cNvPr id="8" name="Unnamed Shape 2015061918583907122"/>
+          <p:cNvPr id="15" name="Unnamed Shape 20150624172013387917"/>
           <p:cNvSpPr>
             <a:spLocks/>
           </p:cNvSpPr>
@@ -15527,14 +15879,14 @@
         </p:nvSpPr>
         <p:spPr>
           <a:xfrm>
-            <a:off x="486770" y="611875"/>
+            <a:off x="1104900" y="794413"/>
             <a:ext cx="2667000" cy="2286000"/>
           </a:xfrm>
           <a:prstGeom prst="ellipse">
             <a:avLst/>
           </a:prstGeom>
           <a:solidFill>
-            <a:srgbClr val="FFFF00"/>
+            <a:srgbClr val="002060"/>
           </a:solidFill>
         </p:spPr>
         <p:style>
@@ -15564,7 +15916,7 @@
       </p:sp>
       <p:sp>
         <p:nvSpPr>
-          <p:cNvPr id="9" name="Unnamed Shape 2015061918583907123"/>
+          <p:cNvPr id="21" name="Unnamed Shape 20150624172013388921"/>
           <p:cNvSpPr>
             <a:spLocks/>
           </p:cNvSpPr>
@@ -15572,7 +15924,7 @@
         </p:nvSpPr>
         <p:spPr>
           <a:xfrm>
-            <a:off x="-427630" y="609600"/>
+            <a:off x="152400" y="728869"/>
             <a:ext cx="2667000" cy="2286000"/>
           </a:xfrm>
           <a:prstGeom prst="ellipse">
@@ -15789,22 +16141,301 @@
       </p:sp>
       <p:sp>
         <p:nvSpPr>
-          <p:cNvPr id="10" name="Unnamed Shape 2015061918583905560"/>
-          <p:cNvSpPr>
+          <p:cNvPr id="18" name="Unnamed Shape 20150624172013385915"/>
+          <p:cNvSpPr txBox="1">
             <a:spLocks/>
           </p:cNvSpPr>
           <p:nvPr/>
         </p:nvSpPr>
         <p:spPr>
           <a:xfrm>
-            <a:off x="-1189630" y="609600"/>
+            <a:off x="2279182" y="2743200"/>
+            <a:ext cx="7948651" cy="3231654"/>
+          </a:xfrm>
+          <a:prstGeom prst="rect">
+            <a:avLst/>
+          </a:prstGeom>
+          <a:noFill/>
+        </p:spPr>
+        <p:txBody>
+          <a:bodyPr wrap="none" rtlCol="0">
+            <a:spAutoFit/>
+          </a:bodyPr>
+          <a:lstStyle>
+            <a:defPPr>
+              <a:defRPr lang="en-US"/>
+            </a:defPPr>
+            <a:lvl1pPr>
+              <a:defRPr sz="3600" u="sng"/>
+            </a:lvl1pPr>
+          </a:lstStyle>
+          <a:p>
+            <a:pPr lvl="0"/>
+            <a:r>
+              <a:rPr lang="en-US">
+                <a:solidFill>
+                  <a:prstClr val="black"/>
+                </a:solidFill>
+              </a:rPr>
+              <a:t>Test</a:t>
+            </a:r>
+            <a:r>
+              <a:rPr lang="en-US" u="none">
+                <a:solidFill>
+                  <a:prstClr val="black"/>
+                </a:solidFill>
+              </a:rPr>
+              <a:t> </a:t>
+            </a:r>
+            <a:r>
+              <a:rPr lang="en-US" sz="6600" u="none">
+                <a:solidFill>
+                  <a:srgbClr val="F79646">
+                    <a:lumMod val="75000"/>
+                  </a:srgbClr>
+                </a:solidFill>
+                <a:latin typeface="Arial Black" pitchFamily="34" charset="0"/>
+                <a:cs typeface="Aharoni" pitchFamily="2" charset="-79"/>
+              </a:rPr>
+              <a:t>t</a:t>
+            </a:r>
+            <a:r>
+              <a:rPr lang="en-US" sz="2000" u="none">
+                <a:solidFill>
+                  <a:srgbClr val="F79646">
+                    <a:lumMod val="75000"/>
+                  </a:srgbClr>
+                </a:solidFill>
+                <a:latin typeface="Arial Black" pitchFamily="34" charset="0"/>
+                <a:cs typeface="Aharoni" pitchFamily="2" charset="-79"/>
+              </a:rPr>
+              <a:t>ext </a:t>
+            </a:r>
+            <a:r>
+              <a:rPr lang="en-US" sz="6600" u="none">
+                <a:solidFill>
+                  <a:srgbClr val="F79646">
+                    <a:lumMod val="75000"/>
+                  </a:srgbClr>
+                </a:solidFill>
+                <a:latin typeface="Arial Black" pitchFamily="34" charset="0"/>
+                <a:cs typeface="Aharoni" pitchFamily="2" charset="-79"/>
+              </a:rPr>
+              <a:t>b</a:t>
+            </a:r>
+            <a:r>
+              <a:rPr lang="en-US" sz="9600" u="none">
+                <a:solidFill>
+                  <a:srgbClr val="FF0000"/>
+                </a:solidFill>
+                <a:latin typeface="Arial Black" pitchFamily="34" charset="0"/>
+                <a:cs typeface="Aharoni" pitchFamily="2" charset="-79"/>
+              </a:rPr>
+              <a:t>o</a:t>
+            </a:r>
+            <a:r>
+              <a:rPr lang="en-US" sz="6600" u="none">
+                <a:solidFill>
+                  <a:srgbClr val="F79646">
+                    <a:lumMod val="75000"/>
+                  </a:srgbClr>
+                </a:solidFill>
+                <a:latin typeface="Arial Black" pitchFamily="34" charset="0"/>
+                <a:cs typeface="Aharoni" pitchFamily="2" charset="-79"/>
+              </a:rPr>
+              <a:t>x </a:t>
+            </a:r>
+            <a:r>
+              <a:rPr lang="en-US" sz="1800" u="none">
+                <a:solidFill>
+                  <a:prstClr val="black"/>
+                </a:solidFill>
+                <a:latin typeface="Arial Black" pitchFamily="34" charset="0"/>
+              </a:rPr>
+              <a:t>with </a:t>
+            </a:r>
+            <a:r>
+              <a:rPr lang="en-US" sz="1800" u="none">
+                <a:solidFill>
+                  <a:prstClr val="black"/>
+                </a:solidFill>
+              </a:rPr>
+              <a:t>a</a:t>
+            </a:r>
+            <a:r>
+              <a:rPr lang="en-US" u="none">
+                <a:solidFill>
+                  <a:prstClr val="black"/>
+                </a:solidFill>
+              </a:rPr>
+              <a:t> lot of </a:t>
+            </a:r>
+            <a:r>
+              <a:rPr lang="en-US" sz="8800" b="1" u="none">
+                <a:solidFill>
+                  <a:srgbClr val="FF0000"/>
+                </a:solidFill>
+              </a:rPr>
+              <a:t>text</a:t>
+            </a:r>
+          </a:p>
+          <a:p>
+            <a:pPr marL="285750" lvl="0" indent="-285750">
+              <a:buFont typeface="Arial" pitchFamily="34" charset="0"/>
+              <a:buChar char="•"/>
+            </a:pPr>
+            <a:r>
+              <a:rPr lang="en-US" u="none">
+                <a:solidFill>
+                  <a:prstClr val="black"/>
+                </a:solidFill>
+              </a:rPr>
+              <a:t>In </a:t>
+            </a:r>
+            <a:r>
+              <a:rPr lang="en-US">
+                <a:solidFill>
+                  <a:prstClr val="black"/>
+                </a:solidFill>
+                <a:latin typeface="Arial Black" pitchFamily="34" charset="0"/>
+              </a:rPr>
+              <a:t>multiple</a:t>
+            </a:r>
+            <a:r>
+              <a:rPr lang="en-US" u="none">
+                <a:solidFill>
+                  <a:prstClr val="black"/>
+                </a:solidFill>
+              </a:rPr>
+              <a:t>      </a:t>
+            </a:r>
+            <a:r>
+              <a:rPr lang="en-US" u="none">
+                <a:solidFill>
+                  <a:srgbClr val="0070C0"/>
+                </a:solidFill>
+              </a:rPr>
+              <a:t>paragraphs</a:t>
+            </a:r>
+          </a:p>
+          <a:p>
+            <a:pPr marL="285750" lvl="0" indent="-285750">
+              <a:buFont typeface="Arial" pitchFamily="34" charset="0"/>
+              <a:buChar char="•"/>
+            </a:pPr>
+            <a:r>
+              <a:rPr lang="en-US" u="none">
+                <a:solidFill>
+                  <a:srgbClr val="0070C0"/>
+                </a:solidFill>
+              </a:rPr>
+              <a:t>Such Fun!</a:t>
+            </a:r>
+          </a:p>
+          <a:p>
+            <a:r>
+              <a:rPr lang="en-US" u="none">
+                <a:solidFill>
+                  <a:prstClr val="black"/>
+                </a:solidFill>
+              </a:rPr>
+              <a:t>With </a:t>
+            </a:r>
+            <a:r>
+              <a:rPr lang="en-US" b="1" u="none">
+                <a:solidFill>
+                  <a:srgbClr val="FF0000"/>
+                </a:solidFill>
+              </a:rPr>
+              <a:t>v</a:t>
+            </a:r>
+            <a:r>
+              <a:rPr lang="en-US" b="1" u="none">
+                <a:solidFill>
+                  <a:srgbClr val="FFC000"/>
+                </a:solidFill>
+              </a:rPr>
+              <a:t>a</a:t>
+            </a:r>
+            <a:r>
+              <a:rPr lang="en-US" b="1" u="none">
+                <a:solidFill>
+                  <a:srgbClr val="FFFF00"/>
+                </a:solidFill>
+              </a:rPr>
+              <a:t>r</a:t>
+            </a:r>
+            <a:r>
+              <a:rPr lang="en-US" b="1" u="none">
+                <a:solidFill>
+                  <a:srgbClr val="00B050"/>
+                </a:solidFill>
+              </a:rPr>
+              <a:t>y</a:t>
+            </a:r>
+            <a:r>
+              <a:rPr lang="en-US" b="1" u="none">
+                <a:solidFill>
+                  <a:srgbClr val="0070C0"/>
+                </a:solidFill>
+              </a:rPr>
+              <a:t>i</a:t>
+            </a:r>
+            <a:r>
+              <a:rPr lang="en-US" b="1" u="none">
+                <a:solidFill>
+                  <a:srgbClr val="7030A0"/>
+                </a:solidFill>
+              </a:rPr>
+              <a:t>n</a:t>
+            </a:r>
+            <a:r>
+              <a:rPr lang="en-US" b="1" u="none">
+                <a:solidFill>
+                  <a:srgbClr val="002060"/>
+                </a:solidFill>
+              </a:rPr>
+              <a:t>g</a:t>
+            </a:r>
+            <a:r>
+              <a:rPr lang="en-US" u="none">
+                <a:solidFill>
+                  <a:prstClr val="black"/>
+                </a:solidFill>
+              </a:rPr>
+              <a:t> </a:t>
+            </a:r>
+            <a:r>
+              <a:rPr lang="en-US" u="none">
+                <a:solidFill>
+                  <a:srgbClr val="00B050"/>
+                </a:solidFill>
+                <a:latin typeface="Arial Black" pitchFamily="34" charset="0"/>
+              </a:rPr>
+              <a:t>styles</a:t>
+            </a:r>
+            <a:endParaRPr lang="en-US" dirty="0"/>
+          </a:p>
+        </p:txBody>
+      </p:sp>
+      <p:sp>
+        <p:nvSpPr>
+          <p:cNvPr id="17" name="Unnamed Shape 20150624172013382914"/>
+          <p:cNvSpPr>
+            <a:spLocks/>
+          </p:cNvSpPr>
+          <p:nvPr/>
+        </p:nvSpPr>
+        <p:spPr>
+          <a:xfrm>
+            <a:off x="-914400" y="844109"/>
             <a:ext cx="2667000" cy="2286000"/>
           </a:xfrm>
           <a:prstGeom prst="ellipse">
             <a:avLst/>
           </a:prstGeom>
           <a:solidFill>
-            <a:srgbClr val="FFFF00"/>
+            <a:srgbClr val="002060"/>
           </a:solidFill>
         </p:spPr>
         <p:style>
@@ -15829,228 +16460,6 @@
           <a:p>
             <a:pPr algn="ctr"/>
             <a:endParaRPr lang="en-US"/>
-          </a:p>
-        </p:txBody>
-      </p:sp>
-      <p:sp>
-        <p:nvSpPr>
-          <p:cNvPr id="11" name="Unnamed Shape 2015061918583905561"/>
-          <p:cNvSpPr txBox="1">
-            <a:spLocks/>
-          </p:cNvSpPr>
-          <p:nvPr/>
-        </p:nvSpPr>
-        <p:spPr>
-          <a:xfrm>
-            <a:off x="3048000" y="3189744"/>
-            <a:ext cx="6730560" cy="2677656"/>
-          </a:xfrm>
-          <a:prstGeom prst="rect">
-            <a:avLst/>
-          </a:prstGeom>
-          <a:noFill/>
-        </p:spPr>
-        <p:txBody>
-          <a:bodyPr wrap="none" rtlCol="0">
-            <a:spAutoFit/>
-          </a:bodyPr>
-          <a:lstStyle>
-            <a:defPPr>
-              <a:defRPr lang="en-US"/>
-            </a:defPPr>
-            <a:lvl1pPr>
-              <a:defRPr sz="3600" u="sng"/>
-            </a:lvl1pPr>
-          </a:lstStyle>
-          <a:p>
-            <a:pPr lvl="0"/>
-            <a:r>
-              <a:rPr lang="en-US">
-                <a:solidFill>
-                  <a:prstClr val="black"/>
-                </a:solidFill>
-              </a:rPr>
-              <a:t>Test</a:t>
-            </a:r>
-            <a:r>
-              <a:rPr lang="en-US" u="none">
-                <a:solidFill>
-                  <a:prstClr val="black"/>
-                </a:solidFill>
-              </a:rPr>
-              <a:t> </a:t>
-            </a:r>
-            <a:r>
-              <a:rPr lang="en-US" b="1" u="none">
-                <a:solidFill>
-                  <a:prstClr val="black"/>
-                </a:solidFill>
-              </a:rPr>
-              <a:t>text b</a:t>
-            </a:r>
-            <a:r>
-              <a:rPr lang="en-US" sz="9600" b="1" u="none">
-                <a:solidFill>
-                  <a:srgbClr val="FF0000"/>
-                </a:solidFill>
-              </a:rPr>
-              <a:t>o</a:t>
-            </a:r>
-            <a:r>
-              <a:rPr lang="en-US" b="1" u="none">
-                <a:solidFill>
-                  <a:prstClr val="black"/>
-                </a:solidFill>
-              </a:rPr>
-              <a:t>x </a:t>
-            </a:r>
-            <a:r>
-              <a:rPr lang="en-US" sz="1800" u="none">
-                <a:solidFill>
-                  <a:prstClr val="black"/>
-                </a:solidFill>
-              </a:rPr>
-              <a:t>with a</a:t>
-            </a:r>
-            <a:r>
-              <a:rPr lang="en-US" u="none">
-                <a:solidFill>
-                  <a:prstClr val="black"/>
-                </a:solidFill>
-              </a:rPr>
-              <a:t> lot of </a:t>
-            </a:r>
-            <a:r>
-              <a:rPr lang="en-US" sz="8800" b="1" u="none">
-                <a:solidFill>
-                  <a:srgbClr val="FF0000"/>
-                </a:solidFill>
-              </a:rPr>
-              <a:t>text</a:t>
-            </a:r>
-          </a:p>
-          <a:p>
-            <a:pPr marL="285750" lvl="0" indent="-285750">
-              <a:buFont typeface="Arial" pitchFamily="34" charset="0"/>
-              <a:buChar char="•"/>
-            </a:pPr>
-            <a:r>
-              <a:rPr lang="en-US" u="none">
-                <a:solidFill>
-                  <a:prstClr val="black"/>
-                </a:solidFill>
-              </a:rPr>
-              <a:t>In </a:t>
-            </a:r>
-            <a:r>
-              <a:rPr lang="en-US">
-                <a:solidFill>
-                  <a:prstClr val="black"/>
-                </a:solidFill>
-                <a:latin typeface="Arial Black" pitchFamily="34" charset="0"/>
-              </a:rPr>
-              <a:t>multiple</a:t>
-            </a:r>
-            <a:r>
-              <a:rPr lang="en-US" u="none">
-                <a:solidFill>
-                  <a:prstClr val="black"/>
-                </a:solidFill>
-              </a:rPr>
-              <a:t>      </a:t>
-            </a:r>
-            <a:r>
-              <a:rPr lang="en-US" u="none">
-                <a:solidFill>
-                  <a:srgbClr val="0070C0"/>
-                </a:solidFill>
-              </a:rPr>
-              <a:t>paragraphs</a:t>
-            </a:r>
-          </a:p>
-          <a:p>
-            <a:r>
-              <a:rPr lang="en-US" u="none">
-                <a:solidFill>
-                  <a:prstClr val="black"/>
-                </a:solidFill>
-              </a:rPr>
-              <a:t>With </a:t>
-            </a:r>
-            <a:r>
-              <a:rPr lang="en-US" b="1" u="none">
-                <a:solidFill>
-                  <a:srgbClr val="FF0000"/>
-                </a:solidFill>
-              </a:rPr>
-              <a:t>v</a:t>
-            </a:r>
-            <a:r>
-              <a:rPr lang="en-US" b="1" u="none">
-                <a:solidFill>
-                  <a:srgbClr val="FFC000"/>
-                </a:solidFill>
-              </a:rPr>
-              <a:t>a</a:t>
-            </a:r>
-            <a:r>
-              <a:rPr lang="en-US" b="1" u="none">
-                <a:solidFill>
-                  <a:srgbClr val="FFFF00"/>
-                </a:solidFill>
-              </a:rPr>
-              <a:t>r</a:t>
-            </a:r>
-            <a:r>
-              <a:rPr lang="en-US" b="1" u="none">
-                <a:solidFill>
-                  <a:srgbClr val="00B050"/>
-                </a:solidFill>
-              </a:rPr>
-              <a:t>y</a:t>
-            </a:r>
-            <a:r>
-              <a:rPr lang="en-US" b="1" u="none">
-                <a:solidFill>
-                  <a:srgbClr val="0070C0"/>
-                </a:solidFill>
-              </a:rPr>
-              <a:t>i</a:t>
-            </a:r>
-            <a:r>
-              <a:rPr lang="en-US" b="1" u="none">
-                <a:solidFill>
-                  <a:srgbClr val="7030A0"/>
-                </a:solidFill>
-              </a:rPr>
-              <a:t>n</a:t>
-            </a:r>
-            <a:r>
-              <a:rPr lang="en-US" b="1" u="none">
-                <a:solidFill>
-                  <a:srgbClr val="002060"/>
-                </a:solidFill>
-              </a:rPr>
-              <a:t>g</a:t>
-            </a:r>
-            <a:r>
-              <a:rPr lang="en-US" u="none">
-                <a:solidFill>
-                  <a:prstClr val="black"/>
-                </a:solidFill>
-              </a:rPr>
-              <a:t> </a:t>
-            </a:r>
-            <a:r>
-              <a:rPr lang="en-US" u="none">
-                <a:solidFill>
-                  <a:srgbClr val="00B050"/>
-                </a:solidFill>
-                <a:latin typeface="Arial Black" pitchFamily="34" charset="0"/>
-              </a:rPr>
-              <a:t>styles</a:t>
-            </a:r>
-            <a:endParaRPr lang="en-US" dirty="0"/>
           </a:p>
         </p:txBody>
       </p:sp>
@@ -16278,7 +16687,7 @@
       </p:pic>
       <p:sp>
         <p:nvSpPr>
-          <p:cNvPr id="7" name="Objects with same name"/>
+          <p:cNvPr id="19" name="Unnamed Shape 20150624172013387919"/>
           <p:cNvSpPr>
             <a:spLocks/>
           </p:cNvSpPr>
@@ -16286,7 +16695,7 @@
         </p:nvSpPr>
         <p:spPr>
           <a:xfrm>
-            <a:off x="1248770" y="611875"/>
+            <a:off x="2057400" y="728869"/>
             <a:ext cx="2667000" cy="2286000"/>
           </a:xfrm>
           <a:prstGeom prst="ellipse">
@@ -16323,7 +16732,7 @@
       </p:sp>
       <p:sp>
         <p:nvSpPr>
-          <p:cNvPr id="8" name="Unnamed Shape 2015061918583907122"/>
+          <p:cNvPr id="15" name="Unnamed Shape 20150624172013387917"/>
           <p:cNvSpPr>
             <a:spLocks/>
           </p:cNvSpPr>
@@ -16331,14 +16740,14 @@
         </p:nvSpPr>
         <p:spPr>
           <a:xfrm>
-            <a:off x="486770" y="611875"/>
+            <a:off x="1104900" y="794413"/>
             <a:ext cx="2667000" cy="2286000"/>
           </a:xfrm>
           <a:prstGeom prst="ellipse">
             <a:avLst/>
           </a:prstGeom>
           <a:solidFill>
-            <a:srgbClr val="FFFF00"/>
+            <a:srgbClr val="002060"/>
           </a:solidFill>
         </p:spPr>
         <p:style>
@@ -16368,7 +16777,7 @@
       </p:sp>
       <p:sp>
         <p:nvSpPr>
-          <p:cNvPr id="9" name="Unnamed Shape 2015061918583907123"/>
+          <p:cNvPr id="21" name="Unnamed Shape 20150624172013388921"/>
           <p:cNvSpPr>
             <a:spLocks/>
           </p:cNvSpPr>
@@ -16376,7 +16785,7 @@
         </p:nvSpPr>
         <p:spPr>
           <a:xfrm>
-            <a:off x="-427630" y="609600"/>
+            <a:off x="152400" y="728869"/>
             <a:ext cx="2667000" cy="2286000"/>
           </a:xfrm>
           <a:prstGeom prst="ellipse">
@@ -16593,22 +17002,301 @@
       </p:sp>
       <p:sp>
         <p:nvSpPr>
-          <p:cNvPr id="10" name="Unnamed Shape 2015061918583905560"/>
-          <p:cNvSpPr>
+          <p:cNvPr id="27" name="Unnamed Shape 20150624172013385915"/>
+          <p:cNvSpPr txBox="1">
             <a:spLocks/>
           </p:cNvSpPr>
           <p:nvPr/>
         </p:nvSpPr>
         <p:spPr>
           <a:xfrm>
-            <a:off x="-1189630" y="609600"/>
+            <a:off x="2279182" y="2743200"/>
+            <a:ext cx="7948651" cy="3231654"/>
+          </a:xfrm>
+          <a:prstGeom prst="rect">
+            <a:avLst/>
+          </a:prstGeom>
+          <a:noFill/>
+        </p:spPr>
+        <p:txBody>
+          <a:bodyPr wrap="none" rtlCol="0">
+            <a:spAutoFit/>
+          </a:bodyPr>
+          <a:lstStyle>
+            <a:defPPr>
+              <a:defRPr lang="en-US"/>
+            </a:defPPr>
+            <a:lvl1pPr>
+              <a:defRPr sz="3600" u="sng"/>
+            </a:lvl1pPr>
+          </a:lstStyle>
+          <a:p>
+            <a:pPr lvl="0"/>
+            <a:r>
+              <a:rPr lang="en-US">
+                <a:solidFill>
+                  <a:prstClr val="black"/>
+                </a:solidFill>
+              </a:rPr>
+              <a:t>Test</a:t>
+            </a:r>
+            <a:r>
+              <a:rPr lang="en-US" u="none">
+                <a:solidFill>
+                  <a:prstClr val="black"/>
+                </a:solidFill>
+              </a:rPr>
+              <a:t> </a:t>
+            </a:r>
+            <a:r>
+              <a:rPr lang="en-US" sz="6600" u="none">
+                <a:solidFill>
+                  <a:srgbClr val="F79646">
+                    <a:lumMod val="75000"/>
+                  </a:srgbClr>
+                </a:solidFill>
+                <a:latin typeface="Arial Black" pitchFamily="34" charset="0"/>
+                <a:cs typeface="Aharoni" pitchFamily="2" charset="-79"/>
+              </a:rPr>
+              <a:t>t</a:t>
+            </a:r>
+            <a:r>
+              <a:rPr lang="en-US" sz="2000" u="none">
+                <a:solidFill>
+                  <a:srgbClr val="F79646">
+                    <a:lumMod val="75000"/>
+                  </a:srgbClr>
+                </a:solidFill>
+                <a:latin typeface="Arial Black" pitchFamily="34" charset="0"/>
+                <a:cs typeface="Aharoni" pitchFamily="2" charset="-79"/>
+              </a:rPr>
+              <a:t>ext </a:t>
+            </a:r>
+            <a:r>
+              <a:rPr lang="en-US" sz="6600" u="none">
+                <a:solidFill>
+                  <a:srgbClr val="F79646">
+                    <a:lumMod val="75000"/>
+                  </a:srgbClr>
+                </a:solidFill>
+                <a:latin typeface="Arial Black" pitchFamily="34" charset="0"/>
+                <a:cs typeface="Aharoni" pitchFamily="2" charset="-79"/>
+              </a:rPr>
+              <a:t>b</a:t>
+            </a:r>
+            <a:r>
+              <a:rPr lang="en-US" sz="9600" u="none">
+                <a:solidFill>
+                  <a:srgbClr val="FF0000"/>
+                </a:solidFill>
+                <a:latin typeface="Arial Black" pitchFamily="34" charset="0"/>
+                <a:cs typeface="Aharoni" pitchFamily="2" charset="-79"/>
+              </a:rPr>
+              <a:t>o</a:t>
+            </a:r>
+            <a:r>
+              <a:rPr lang="en-US" sz="6600" u="none">
+                <a:solidFill>
+                  <a:srgbClr val="F79646">
+                    <a:lumMod val="75000"/>
+                  </a:srgbClr>
+                </a:solidFill>
+                <a:latin typeface="Arial Black" pitchFamily="34" charset="0"/>
+                <a:cs typeface="Aharoni" pitchFamily="2" charset="-79"/>
+              </a:rPr>
+              <a:t>x </a:t>
+            </a:r>
+            <a:r>
+              <a:rPr lang="en-US" sz="1800" u="none">
+                <a:solidFill>
+                  <a:prstClr val="black"/>
+                </a:solidFill>
+                <a:latin typeface="Arial Black" pitchFamily="34" charset="0"/>
+              </a:rPr>
+              <a:t>with </a:t>
+            </a:r>
+            <a:r>
+              <a:rPr lang="en-US" sz="1800" u="none">
+                <a:solidFill>
+                  <a:prstClr val="black"/>
+                </a:solidFill>
+              </a:rPr>
+              <a:t>a</a:t>
+            </a:r>
+            <a:r>
+              <a:rPr lang="en-US" u="none">
+                <a:solidFill>
+                  <a:prstClr val="black"/>
+                </a:solidFill>
+              </a:rPr>
+              <a:t> lot of </a:t>
+            </a:r>
+            <a:r>
+              <a:rPr lang="en-US" sz="8800" b="1" u="none">
+                <a:solidFill>
+                  <a:srgbClr val="FF0000"/>
+                </a:solidFill>
+              </a:rPr>
+              <a:t>text</a:t>
+            </a:r>
+          </a:p>
+          <a:p>
+            <a:pPr marL="285750" lvl="0" indent="-285750">
+              <a:buFont typeface="Arial" pitchFamily="34" charset="0"/>
+              <a:buChar char="•"/>
+            </a:pPr>
+            <a:r>
+              <a:rPr lang="en-US" u="none">
+                <a:solidFill>
+                  <a:prstClr val="black"/>
+                </a:solidFill>
+              </a:rPr>
+              <a:t>In </a:t>
+            </a:r>
+            <a:r>
+              <a:rPr lang="en-US">
+                <a:solidFill>
+                  <a:prstClr val="black"/>
+                </a:solidFill>
+                <a:latin typeface="Arial Black" pitchFamily="34" charset="0"/>
+              </a:rPr>
+              <a:t>multiple</a:t>
+            </a:r>
+            <a:r>
+              <a:rPr lang="en-US" u="none">
+                <a:solidFill>
+                  <a:prstClr val="black"/>
+                </a:solidFill>
+              </a:rPr>
+              <a:t>      </a:t>
+            </a:r>
+            <a:r>
+              <a:rPr lang="en-US" u="none">
+                <a:solidFill>
+                  <a:srgbClr val="0070C0"/>
+                </a:solidFill>
+              </a:rPr>
+              <a:t>paragraphs</a:t>
+            </a:r>
+          </a:p>
+          <a:p>
+            <a:pPr marL="285750" lvl="0" indent="-285750">
+              <a:buFont typeface="Arial" pitchFamily="34" charset="0"/>
+              <a:buChar char="•"/>
+            </a:pPr>
+            <a:r>
+              <a:rPr lang="en-US" u="none">
+                <a:solidFill>
+                  <a:srgbClr val="0070C0"/>
+                </a:solidFill>
+              </a:rPr>
+              <a:t>Such Fun!</a:t>
+            </a:r>
+          </a:p>
+          <a:p>
+            <a:r>
+              <a:rPr lang="en-US" u="none">
+                <a:solidFill>
+                  <a:prstClr val="black"/>
+                </a:solidFill>
+              </a:rPr>
+              <a:t>With </a:t>
+            </a:r>
+            <a:r>
+              <a:rPr lang="en-US" b="1" u="none">
+                <a:solidFill>
+                  <a:srgbClr val="FF0000"/>
+                </a:solidFill>
+              </a:rPr>
+              <a:t>v</a:t>
+            </a:r>
+            <a:r>
+              <a:rPr lang="en-US" b="1" u="none">
+                <a:solidFill>
+                  <a:srgbClr val="FFC000"/>
+                </a:solidFill>
+              </a:rPr>
+              <a:t>a</a:t>
+            </a:r>
+            <a:r>
+              <a:rPr lang="en-US" b="1" u="none">
+                <a:solidFill>
+                  <a:srgbClr val="FFFF00"/>
+                </a:solidFill>
+              </a:rPr>
+              <a:t>r</a:t>
+            </a:r>
+            <a:r>
+              <a:rPr lang="en-US" b="1" u="none">
+                <a:solidFill>
+                  <a:srgbClr val="00B050"/>
+                </a:solidFill>
+              </a:rPr>
+              <a:t>y</a:t>
+            </a:r>
+            <a:r>
+              <a:rPr lang="en-US" b="1" u="none">
+                <a:solidFill>
+                  <a:srgbClr val="0070C0"/>
+                </a:solidFill>
+              </a:rPr>
+              <a:t>i</a:t>
+            </a:r>
+            <a:r>
+              <a:rPr lang="en-US" b="1" u="none">
+                <a:solidFill>
+                  <a:srgbClr val="7030A0"/>
+                </a:solidFill>
+              </a:rPr>
+              <a:t>n</a:t>
+            </a:r>
+            <a:r>
+              <a:rPr lang="en-US" b="1" u="none">
+                <a:solidFill>
+                  <a:srgbClr val="002060"/>
+                </a:solidFill>
+              </a:rPr>
+              <a:t>g</a:t>
+            </a:r>
+            <a:r>
+              <a:rPr lang="en-US" u="none">
+                <a:solidFill>
+                  <a:prstClr val="black"/>
+                </a:solidFill>
+              </a:rPr>
+              <a:t> </a:t>
+            </a:r>
+            <a:r>
+              <a:rPr lang="en-US" u="none">
+                <a:solidFill>
+                  <a:srgbClr val="00B050"/>
+                </a:solidFill>
+                <a:latin typeface="Arial Black" pitchFamily="34" charset="0"/>
+              </a:rPr>
+              <a:t>styles</a:t>
+            </a:r>
+            <a:endParaRPr lang="en-US" dirty="0"/>
+          </a:p>
+        </p:txBody>
+      </p:sp>
+      <p:sp>
+        <p:nvSpPr>
+          <p:cNvPr id="17" name="Unnamed Shape 20150624172013382914"/>
+          <p:cNvSpPr>
+            <a:spLocks/>
+          </p:cNvSpPr>
+          <p:nvPr/>
+        </p:nvSpPr>
+        <p:spPr>
+          <a:xfrm>
+            <a:off x="-914400" y="844109"/>
             <a:ext cx="2667000" cy="2286000"/>
           </a:xfrm>
           <a:prstGeom prst="ellipse">
             <a:avLst/>
           </a:prstGeom>
           <a:solidFill>
-            <a:srgbClr val="FFFF00"/>
+            <a:srgbClr val="002060"/>
           </a:solidFill>
         </p:spPr>
         <p:style>
@@ -16633,228 +17321,6 @@
           <a:p>
             <a:pPr algn="ctr"/>
             <a:endParaRPr lang="en-US"/>
-          </a:p>
-        </p:txBody>
-      </p:sp>
-      <p:sp>
-        <p:nvSpPr>
-          <p:cNvPr id="11" name="Unnamed Shape 2015061918583905561"/>
-          <p:cNvSpPr txBox="1">
-            <a:spLocks/>
-          </p:cNvSpPr>
-          <p:nvPr/>
-        </p:nvSpPr>
-        <p:spPr>
-          <a:xfrm>
-            <a:off x="3048000" y="3189744"/>
-            <a:ext cx="6730560" cy="2677656"/>
-          </a:xfrm>
-          <a:prstGeom prst="rect">
-            <a:avLst/>
-          </a:prstGeom>
-          <a:noFill/>
-        </p:spPr>
-        <p:txBody>
-          <a:bodyPr wrap="none" rtlCol="0">
-            <a:spAutoFit/>
-          </a:bodyPr>
-          <a:lstStyle>
-            <a:defPPr>
-              <a:defRPr lang="en-US"/>
-            </a:defPPr>
-            <a:lvl1pPr>
-              <a:defRPr sz="3600" u="sng"/>
-            </a:lvl1pPr>
-          </a:lstStyle>
-          <a:p>
-            <a:pPr lvl="0"/>
-            <a:r>
-              <a:rPr lang="en-US">
-                <a:solidFill>
-                  <a:prstClr val="black"/>
-                </a:solidFill>
-              </a:rPr>
-              <a:t>Test</a:t>
-            </a:r>
-            <a:r>
-              <a:rPr lang="en-US" u="none">
-                <a:solidFill>
-                  <a:prstClr val="black"/>
-                </a:solidFill>
-              </a:rPr>
-              <a:t> </a:t>
-            </a:r>
-            <a:r>
-              <a:rPr lang="en-US" b="1" u="none">
-                <a:solidFill>
-                  <a:prstClr val="black"/>
-                </a:solidFill>
-              </a:rPr>
-              <a:t>text b</a:t>
-            </a:r>
-            <a:r>
-              <a:rPr lang="en-US" sz="9600" b="1" u="none">
-                <a:solidFill>
-                  <a:srgbClr val="FF0000"/>
-                </a:solidFill>
-              </a:rPr>
-              <a:t>o</a:t>
-            </a:r>
-            <a:r>
-              <a:rPr lang="en-US" b="1" u="none">
-                <a:solidFill>
-                  <a:prstClr val="black"/>
-                </a:solidFill>
-              </a:rPr>
-              <a:t>x </a:t>
-            </a:r>
-            <a:r>
-              <a:rPr lang="en-US" sz="1800" u="none">
-                <a:solidFill>
-                  <a:prstClr val="black"/>
-                </a:solidFill>
-              </a:rPr>
-              <a:t>with a</a:t>
-            </a:r>
-            <a:r>
-              <a:rPr lang="en-US" u="none">
-                <a:solidFill>
-                  <a:prstClr val="black"/>
-                </a:solidFill>
-              </a:rPr>
-              <a:t> lot of </a:t>
-            </a:r>
-            <a:r>
-              <a:rPr lang="en-US" sz="8800" b="1" u="none">
-                <a:solidFill>
-                  <a:srgbClr val="FF0000"/>
-                </a:solidFill>
-              </a:rPr>
-              <a:t>text</a:t>
-            </a:r>
-          </a:p>
-          <a:p>
-            <a:pPr marL="285750" lvl="0" indent="-285750">
-              <a:buFont typeface="Arial" pitchFamily="34" charset="0"/>
-              <a:buChar char="•"/>
-            </a:pPr>
-            <a:r>
-              <a:rPr lang="en-US" u="none">
-                <a:solidFill>
-                  <a:prstClr val="black"/>
-                </a:solidFill>
-              </a:rPr>
-              <a:t>In </a:t>
-            </a:r>
-            <a:r>
-              <a:rPr lang="en-US">
-                <a:solidFill>
-                  <a:prstClr val="black"/>
-                </a:solidFill>
-                <a:latin typeface="Arial Black" pitchFamily="34" charset="0"/>
-              </a:rPr>
-              <a:t>multiple</a:t>
-            </a:r>
-            <a:r>
-              <a:rPr lang="en-US" u="none">
-                <a:solidFill>
-                  <a:prstClr val="black"/>
-                </a:solidFill>
-              </a:rPr>
-              <a:t>      </a:t>
-            </a:r>
-            <a:r>
-              <a:rPr lang="en-US" u="none">
-                <a:solidFill>
-                  <a:srgbClr val="0070C0"/>
-                </a:solidFill>
-              </a:rPr>
-              <a:t>paragraphs</a:t>
-            </a:r>
-          </a:p>
-          <a:p>
-            <a:r>
-              <a:rPr lang="en-US" u="none">
-                <a:solidFill>
-                  <a:prstClr val="black"/>
-                </a:solidFill>
-              </a:rPr>
-              <a:t>With </a:t>
-            </a:r>
-            <a:r>
-              <a:rPr lang="en-US" b="1" u="none">
-                <a:solidFill>
-                  <a:srgbClr val="FF0000"/>
-                </a:solidFill>
-              </a:rPr>
-              <a:t>v</a:t>
-            </a:r>
-            <a:r>
-              <a:rPr lang="en-US" b="1" u="none">
-                <a:solidFill>
-                  <a:srgbClr val="FFC000"/>
-                </a:solidFill>
-              </a:rPr>
-              <a:t>a</a:t>
-            </a:r>
-            <a:r>
-              <a:rPr lang="en-US" b="1" u="none">
-                <a:solidFill>
-                  <a:srgbClr val="FFFF00"/>
-                </a:solidFill>
-              </a:rPr>
-              <a:t>r</a:t>
-            </a:r>
-            <a:r>
-              <a:rPr lang="en-US" b="1" u="none">
-                <a:solidFill>
-                  <a:srgbClr val="00B050"/>
-                </a:solidFill>
-              </a:rPr>
-              <a:t>y</a:t>
-            </a:r>
-            <a:r>
-              <a:rPr lang="en-US" b="1" u="none">
-                <a:solidFill>
-                  <a:srgbClr val="0070C0"/>
-                </a:solidFill>
-              </a:rPr>
-              <a:t>i</a:t>
-            </a:r>
-            <a:r>
-              <a:rPr lang="en-US" b="1" u="none">
-                <a:solidFill>
-                  <a:srgbClr val="7030A0"/>
-                </a:solidFill>
-              </a:rPr>
-              <a:t>n</a:t>
-            </a:r>
-            <a:r>
-              <a:rPr lang="en-US" b="1" u="none">
-                <a:solidFill>
-                  <a:srgbClr val="002060"/>
-                </a:solidFill>
-              </a:rPr>
-              <a:t>g</a:t>
-            </a:r>
-            <a:r>
-              <a:rPr lang="en-US" u="none">
-                <a:solidFill>
-                  <a:prstClr val="black"/>
-                </a:solidFill>
-              </a:rPr>
-              <a:t> </a:t>
-            </a:r>
-            <a:r>
-              <a:rPr lang="en-US" u="none">
-                <a:solidFill>
-                  <a:srgbClr val="00B050"/>
-                </a:solidFill>
-                <a:latin typeface="Arial Black" pitchFamily="34" charset="0"/>
-              </a:rPr>
-              <a:t>styles</a:t>
-            </a:r>
-            <a:endParaRPr lang="en-US" dirty="0"/>
           </a:p>
         </p:txBody>
       </p:sp>
@@ -17038,7 +17504,7 @@
     </p:spTree>
     <p:extLst>
       <p:ext uri="{BB962C8B-B14F-4D97-AF65-F5344CB8AC3E}">
-        <p14:creationId xmlns:p14="http://schemas.microsoft.com/office/powerpoint/2010/main" val="863350807"/>
+        <p14:creationId xmlns:p14="http://schemas.microsoft.com/office/powerpoint/2010/main" val="2311344977"/>
       </p:ext>
     </p:extLst>
   </p:cSld>
@@ -17053,6 +17519,13 @@
       <p:transition spd="slow"/>
     </mc:Fallback>
   </mc:AlternateContent>
+  <p:timing>
+    <p:tnLst>
+      <p:par>
+        <p:cTn id="1" dur="indefinite" restart="never" nodeType="tmRoot"/>
+      </p:par>
+    </p:tnLst>
+  </p:timing>
 </p:sld>
 </file>
 
@@ -17105,7 +17578,7 @@
       </p:pic>
       <p:sp>
         <p:nvSpPr>
-          <p:cNvPr id="7" name="Objects with same name"/>
+          <p:cNvPr id="19" name="Unnamed Shape 20150624172013387919"/>
           <p:cNvSpPr>
             <a:spLocks/>
           </p:cNvSpPr>
@@ -17113,7 +17586,7 @@
         </p:nvSpPr>
         <p:spPr>
           <a:xfrm>
-            <a:off x="1248770" y="611875"/>
+            <a:off x="2057400" y="728869"/>
             <a:ext cx="2667000" cy="2286000"/>
           </a:xfrm>
           <a:prstGeom prst="ellipse">
@@ -17150,7 +17623,7 @@
       </p:sp>
       <p:sp>
         <p:nvSpPr>
-          <p:cNvPr id="8" name="Unnamed Shape 2015061918583907122"/>
+          <p:cNvPr id="15" name="Unnamed Shape 20150624172013387917"/>
           <p:cNvSpPr>
             <a:spLocks/>
           </p:cNvSpPr>
@@ -17158,14 +17631,14 @@
         </p:nvSpPr>
         <p:spPr>
           <a:xfrm>
-            <a:off x="486770" y="611875"/>
+            <a:off x="1104900" y="794413"/>
             <a:ext cx="2667000" cy="2286000"/>
           </a:xfrm>
           <a:prstGeom prst="ellipse">
             <a:avLst/>
           </a:prstGeom>
           <a:solidFill>
-            <a:srgbClr val="FFFF00"/>
+            <a:srgbClr val="002060"/>
           </a:solidFill>
         </p:spPr>
         <p:style>
@@ -17195,7 +17668,7 @@
       </p:sp>
       <p:sp>
         <p:nvSpPr>
-          <p:cNvPr id="9" name="Unnamed Shape 2015061918583907123"/>
+          <p:cNvPr id="21" name="Unnamed Shape 20150624172013388921"/>
           <p:cNvSpPr>
             <a:spLocks/>
           </p:cNvSpPr>
@@ -17203,7 +17676,7 @@
         </p:nvSpPr>
         <p:spPr>
           <a:xfrm>
-            <a:off x="-427630" y="609600"/>
+            <a:off x="152400" y="728869"/>
             <a:ext cx="2667000" cy="2286000"/>
           </a:xfrm>
           <a:prstGeom prst="ellipse">
@@ -17456,22 +17929,301 @@
       </p:sp>
       <p:sp>
         <p:nvSpPr>
-          <p:cNvPr id="10" name="Unnamed Shape 2015061918583905560"/>
-          <p:cNvSpPr>
+          <p:cNvPr id="18" name="Unnamed Shape 20150624172013385915"/>
+          <p:cNvSpPr txBox="1">
             <a:spLocks/>
           </p:cNvSpPr>
           <p:nvPr/>
         </p:nvSpPr>
         <p:spPr>
           <a:xfrm>
-            <a:off x="-1189630" y="609600"/>
+            <a:off x="2279182" y="2743200"/>
+            <a:ext cx="7948651" cy="3231654"/>
+          </a:xfrm>
+          <a:prstGeom prst="rect">
+            <a:avLst/>
+          </a:prstGeom>
+          <a:noFill/>
+        </p:spPr>
+        <p:txBody>
+          <a:bodyPr wrap="none" rtlCol="0">
+            <a:spAutoFit/>
+          </a:bodyPr>
+          <a:lstStyle>
+            <a:defPPr>
+              <a:defRPr lang="en-US"/>
+            </a:defPPr>
+            <a:lvl1pPr>
+              <a:defRPr sz="3600" u="sng"/>
+            </a:lvl1pPr>
+          </a:lstStyle>
+          <a:p>
+            <a:pPr lvl="0"/>
+            <a:r>
+              <a:rPr lang="en-US">
+                <a:solidFill>
+                  <a:prstClr val="black"/>
+                </a:solidFill>
+              </a:rPr>
+              <a:t>Test</a:t>
+            </a:r>
+            <a:r>
+              <a:rPr lang="en-US" u="none">
+                <a:solidFill>
+                  <a:prstClr val="black"/>
+                </a:solidFill>
+              </a:rPr>
+              <a:t> </a:t>
+            </a:r>
+            <a:r>
+              <a:rPr lang="en-US" sz="6600" u="none">
+                <a:solidFill>
+                  <a:srgbClr val="F79646">
+                    <a:lumMod val="75000"/>
+                  </a:srgbClr>
+                </a:solidFill>
+                <a:latin typeface="Arial Black" pitchFamily="34" charset="0"/>
+                <a:cs typeface="Aharoni" pitchFamily="2" charset="-79"/>
+              </a:rPr>
+              <a:t>t</a:t>
+            </a:r>
+            <a:r>
+              <a:rPr lang="en-US" sz="2000" u="none">
+                <a:solidFill>
+                  <a:srgbClr val="F79646">
+                    <a:lumMod val="75000"/>
+                  </a:srgbClr>
+                </a:solidFill>
+                <a:latin typeface="Arial Black" pitchFamily="34" charset="0"/>
+                <a:cs typeface="Aharoni" pitchFamily="2" charset="-79"/>
+              </a:rPr>
+              <a:t>ext </a:t>
+            </a:r>
+            <a:r>
+              <a:rPr lang="en-US" sz="6600" u="none">
+                <a:solidFill>
+                  <a:srgbClr val="F79646">
+                    <a:lumMod val="75000"/>
+                  </a:srgbClr>
+                </a:solidFill>
+                <a:latin typeface="Arial Black" pitchFamily="34" charset="0"/>
+                <a:cs typeface="Aharoni" pitchFamily="2" charset="-79"/>
+              </a:rPr>
+              <a:t>b</a:t>
+            </a:r>
+            <a:r>
+              <a:rPr lang="en-US" sz="9600" u="none">
+                <a:solidFill>
+                  <a:srgbClr val="FF0000"/>
+                </a:solidFill>
+                <a:latin typeface="Arial Black" pitchFamily="34" charset="0"/>
+                <a:cs typeface="Aharoni" pitchFamily="2" charset="-79"/>
+              </a:rPr>
+              <a:t>o</a:t>
+            </a:r>
+            <a:r>
+              <a:rPr lang="en-US" sz="6600" u="none">
+                <a:solidFill>
+                  <a:srgbClr val="F79646">
+                    <a:lumMod val="75000"/>
+                  </a:srgbClr>
+                </a:solidFill>
+                <a:latin typeface="Arial Black" pitchFamily="34" charset="0"/>
+                <a:cs typeface="Aharoni" pitchFamily="2" charset="-79"/>
+              </a:rPr>
+              <a:t>x </a:t>
+            </a:r>
+            <a:r>
+              <a:rPr lang="en-US" sz="1800" u="none">
+                <a:solidFill>
+                  <a:prstClr val="black"/>
+                </a:solidFill>
+                <a:latin typeface="Arial Black" pitchFamily="34" charset="0"/>
+              </a:rPr>
+              <a:t>with </a:t>
+            </a:r>
+            <a:r>
+              <a:rPr lang="en-US" sz="1800" u="none">
+                <a:solidFill>
+                  <a:prstClr val="black"/>
+                </a:solidFill>
+              </a:rPr>
+              <a:t>a</a:t>
+            </a:r>
+            <a:r>
+              <a:rPr lang="en-US" u="none">
+                <a:solidFill>
+                  <a:prstClr val="black"/>
+                </a:solidFill>
+              </a:rPr>
+              <a:t> lot of </a:t>
+            </a:r>
+            <a:r>
+              <a:rPr lang="en-US" sz="8800" b="1" u="none">
+                <a:solidFill>
+                  <a:srgbClr val="FF0000"/>
+                </a:solidFill>
+              </a:rPr>
+              <a:t>text</a:t>
+            </a:r>
+          </a:p>
+          <a:p>
+            <a:pPr marL="285750" lvl="0" indent="-285750">
+              <a:buFont typeface="Arial" pitchFamily="34" charset="0"/>
+              <a:buChar char="•"/>
+            </a:pPr>
+            <a:r>
+              <a:rPr lang="en-US" u="none">
+                <a:solidFill>
+                  <a:prstClr val="black"/>
+                </a:solidFill>
+              </a:rPr>
+              <a:t>In </a:t>
+            </a:r>
+            <a:r>
+              <a:rPr lang="en-US">
+                <a:solidFill>
+                  <a:prstClr val="black"/>
+                </a:solidFill>
+                <a:latin typeface="Arial Black" pitchFamily="34" charset="0"/>
+              </a:rPr>
+              <a:t>multiple</a:t>
+            </a:r>
+            <a:r>
+              <a:rPr lang="en-US" u="none">
+                <a:solidFill>
+                  <a:prstClr val="black"/>
+                </a:solidFill>
+              </a:rPr>
+              <a:t>      </a:t>
+            </a:r>
+            <a:r>
+              <a:rPr lang="en-US" u="none">
+                <a:solidFill>
+                  <a:srgbClr val="0070C0"/>
+                </a:solidFill>
+              </a:rPr>
+              <a:t>paragraphs</a:t>
+            </a:r>
+          </a:p>
+          <a:p>
+            <a:pPr marL="285750" lvl="0" indent="-285750">
+              <a:buFont typeface="Arial" pitchFamily="34" charset="0"/>
+              <a:buChar char="•"/>
+            </a:pPr>
+            <a:r>
+              <a:rPr lang="en-US" u="none">
+                <a:solidFill>
+                  <a:srgbClr val="0070C0"/>
+                </a:solidFill>
+              </a:rPr>
+              <a:t>Such Fun!</a:t>
+            </a:r>
+          </a:p>
+          <a:p>
+            <a:r>
+              <a:rPr lang="en-US" u="none">
+                <a:solidFill>
+                  <a:prstClr val="black"/>
+                </a:solidFill>
+              </a:rPr>
+              <a:t>With </a:t>
+            </a:r>
+            <a:r>
+              <a:rPr lang="en-US" b="1" u="none">
+                <a:solidFill>
+                  <a:srgbClr val="FF0000"/>
+                </a:solidFill>
+              </a:rPr>
+              <a:t>v</a:t>
+            </a:r>
+            <a:r>
+              <a:rPr lang="en-US" b="1" u="none">
+                <a:solidFill>
+                  <a:srgbClr val="FFC000"/>
+                </a:solidFill>
+              </a:rPr>
+              <a:t>a</a:t>
+            </a:r>
+            <a:r>
+              <a:rPr lang="en-US" b="1" u="none">
+                <a:solidFill>
+                  <a:srgbClr val="FFFF00"/>
+                </a:solidFill>
+              </a:rPr>
+              <a:t>r</a:t>
+            </a:r>
+            <a:r>
+              <a:rPr lang="en-US" b="1" u="none">
+                <a:solidFill>
+                  <a:srgbClr val="00B050"/>
+                </a:solidFill>
+              </a:rPr>
+              <a:t>y</a:t>
+            </a:r>
+            <a:r>
+              <a:rPr lang="en-US" b="1" u="none">
+                <a:solidFill>
+                  <a:srgbClr val="0070C0"/>
+                </a:solidFill>
+              </a:rPr>
+              <a:t>i</a:t>
+            </a:r>
+            <a:r>
+              <a:rPr lang="en-US" b="1" u="none">
+                <a:solidFill>
+                  <a:srgbClr val="7030A0"/>
+                </a:solidFill>
+              </a:rPr>
+              <a:t>n</a:t>
+            </a:r>
+            <a:r>
+              <a:rPr lang="en-US" b="1" u="none">
+                <a:solidFill>
+                  <a:srgbClr val="002060"/>
+                </a:solidFill>
+              </a:rPr>
+              <a:t>g</a:t>
+            </a:r>
+            <a:r>
+              <a:rPr lang="en-US" u="none">
+                <a:solidFill>
+                  <a:prstClr val="black"/>
+                </a:solidFill>
+              </a:rPr>
+              <a:t> </a:t>
+            </a:r>
+            <a:r>
+              <a:rPr lang="en-US" u="none">
+                <a:solidFill>
+                  <a:srgbClr val="00B050"/>
+                </a:solidFill>
+                <a:latin typeface="Arial Black" pitchFamily="34" charset="0"/>
+              </a:rPr>
+              <a:t>styles</a:t>
+            </a:r>
+            <a:endParaRPr lang="en-US" dirty="0"/>
+          </a:p>
+        </p:txBody>
+      </p:sp>
+      <p:sp>
+        <p:nvSpPr>
+          <p:cNvPr id="17" name="Unnamed Shape 20150624172013382914"/>
+          <p:cNvSpPr>
+            <a:spLocks/>
+          </p:cNvSpPr>
+          <p:nvPr/>
+        </p:nvSpPr>
+        <p:spPr>
+          <a:xfrm>
+            <a:off x="-914400" y="844109"/>
             <a:ext cx="2667000" cy="2286000"/>
           </a:xfrm>
           <a:prstGeom prst="ellipse">
             <a:avLst/>
           </a:prstGeom>
           <a:solidFill>
-            <a:srgbClr val="FFFF00"/>
+            <a:srgbClr val="002060"/>
           </a:solidFill>
         </p:spPr>
         <p:style>
@@ -17496,228 +18248,6 @@
           <a:p>
             <a:pPr algn="ctr"/>
             <a:endParaRPr lang="en-US"/>
-          </a:p>
-        </p:txBody>
-      </p:sp>
-      <p:sp>
-        <p:nvSpPr>
-          <p:cNvPr id="11" name="Unnamed Shape 2015061918583905561"/>
-          <p:cNvSpPr txBox="1">
-            <a:spLocks/>
-          </p:cNvSpPr>
-          <p:nvPr/>
-        </p:nvSpPr>
-        <p:spPr>
-          <a:xfrm>
-            <a:off x="3048000" y="3189744"/>
-            <a:ext cx="6730560" cy="2677656"/>
-          </a:xfrm>
-          <a:prstGeom prst="rect">
-            <a:avLst/>
-          </a:prstGeom>
-          <a:noFill/>
-        </p:spPr>
-        <p:txBody>
-          <a:bodyPr wrap="none" rtlCol="0">
-            <a:spAutoFit/>
-          </a:bodyPr>
-          <a:lstStyle>
-            <a:defPPr>
-              <a:defRPr lang="en-US"/>
-            </a:defPPr>
-            <a:lvl1pPr>
-              <a:defRPr sz="3600" u="sng"/>
-            </a:lvl1pPr>
-          </a:lstStyle>
-          <a:p>
-            <a:pPr lvl="0"/>
-            <a:r>
-              <a:rPr lang="en-US">
-                <a:solidFill>
-                  <a:prstClr val="black"/>
-                </a:solidFill>
-              </a:rPr>
-              <a:t>Test</a:t>
-            </a:r>
-            <a:r>
-              <a:rPr lang="en-US" u="none">
-                <a:solidFill>
-                  <a:prstClr val="black"/>
-                </a:solidFill>
-              </a:rPr>
-              <a:t> </a:t>
-            </a:r>
-            <a:r>
-              <a:rPr lang="en-US" b="1" u="none">
-                <a:solidFill>
-                  <a:prstClr val="black"/>
-                </a:solidFill>
-              </a:rPr>
-              <a:t>text b</a:t>
-            </a:r>
-            <a:r>
-              <a:rPr lang="en-US" sz="9600" b="1" u="none">
-                <a:solidFill>
-                  <a:srgbClr val="FF0000"/>
-                </a:solidFill>
-              </a:rPr>
-              <a:t>o</a:t>
-            </a:r>
-            <a:r>
-              <a:rPr lang="en-US" b="1" u="none">
-                <a:solidFill>
-                  <a:prstClr val="black"/>
-                </a:solidFill>
-              </a:rPr>
-              <a:t>x </a:t>
-            </a:r>
-            <a:r>
-              <a:rPr lang="en-US" sz="1800" u="none">
-                <a:solidFill>
-                  <a:prstClr val="black"/>
-                </a:solidFill>
-              </a:rPr>
-              <a:t>with a</a:t>
-            </a:r>
-            <a:r>
-              <a:rPr lang="en-US" u="none">
-                <a:solidFill>
-                  <a:prstClr val="black"/>
-                </a:solidFill>
-              </a:rPr>
-              <a:t> lot of </a:t>
-            </a:r>
-            <a:r>
-              <a:rPr lang="en-US" sz="8800" b="1" u="none">
-                <a:solidFill>
-                  <a:srgbClr val="FF0000"/>
-                </a:solidFill>
-              </a:rPr>
-              <a:t>text</a:t>
-            </a:r>
-          </a:p>
-          <a:p>
-            <a:pPr marL="285750" lvl="0" indent="-285750">
-              <a:buFont typeface="Arial" pitchFamily="34" charset="0"/>
-              <a:buChar char="•"/>
-            </a:pPr>
-            <a:r>
-              <a:rPr lang="en-US" u="none">
-                <a:solidFill>
-                  <a:prstClr val="black"/>
-                </a:solidFill>
-              </a:rPr>
-              <a:t>In </a:t>
-            </a:r>
-            <a:r>
-              <a:rPr lang="en-US">
-                <a:solidFill>
-                  <a:prstClr val="black"/>
-                </a:solidFill>
-                <a:latin typeface="Arial Black" pitchFamily="34" charset="0"/>
-              </a:rPr>
-              <a:t>multiple</a:t>
-            </a:r>
-            <a:r>
-              <a:rPr lang="en-US" u="none">
-                <a:solidFill>
-                  <a:prstClr val="black"/>
-                </a:solidFill>
-              </a:rPr>
-              <a:t>      </a:t>
-            </a:r>
-            <a:r>
-              <a:rPr lang="en-US" u="none">
-                <a:solidFill>
-                  <a:srgbClr val="0070C0"/>
-                </a:solidFill>
-              </a:rPr>
-              <a:t>paragraphs</a:t>
-            </a:r>
-          </a:p>
-          <a:p>
-            <a:r>
-              <a:rPr lang="en-US" u="none">
-                <a:solidFill>
-                  <a:prstClr val="black"/>
-                </a:solidFill>
-              </a:rPr>
-              <a:t>With </a:t>
-            </a:r>
-            <a:r>
-              <a:rPr lang="en-US" b="1" u="none">
-                <a:solidFill>
-                  <a:srgbClr val="FF0000"/>
-                </a:solidFill>
-              </a:rPr>
-              <a:t>v</a:t>
-            </a:r>
-            <a:r>
-              <a:rPr lang="en-US" b="1" u="none">
-                <a:solidFill>
-                  <a:srgbClr val="FFC000"/>
-                </a:solidFill>
-              </a:rPr>
-              <a:t>a</a:t>
-            </a:r>
-            <a:r>
-              <a:rPr lang="en-US" b="1" u="none">
-                <a:solidFill>
-                  <a:srgbClr val="FFFF00"/>
-                </a:solidFill>
-              </a:rPr>
-              <a:t>r</a:t>
-            </a:r>
-            <a:r>
-              <a:rPr lang="en-US" b="1" u="none">
-                <a:solidFill>
-                  <a:srgbClr val="00B050"/>
-                </a:solidFill>
-              </a:rPr>
-              <a:t>y</a:t>
-            </a:r>
-            <a:r>
-              <a:rPr lang="en-US" b="1" u="none">
-                <a:solidFill>
-                  <a:srgbClr val="0070C0"/>
-                </a:solidFill>
-              </a:rPr>
-              <a:t>i</a:t>
-            </a:r>
-            <a:r>
-              <a:rPr lang="en-US" b="1" u="none">
-                <a:solidFill>
-                  <a:srgbClr val="7030A0"/>
-                </a:solidFill>
-              </a:rPr>
-              <a:t>n</a:t>
-            </a:r>
-            <a:r>
-              <a:rPr lang="en-US" b="1" u="none">
-                <a:solidFill>
-                  <a:srgbClr val="002060"/>
-                </a:solidFill>
-              </a:rPr>
-              <a:t>g</a:t>
-            </a:r>
-            <a:r>
-              <a:rPr lang="en-US" u="none">
-                <a:solidFill>
-                  <a:prstClr val="black"/>
-                </a:solidFill>
-              </a:rPr>
-              <a:t> </a:t>
-            </a:r>
-            <a:r>
-              <a:rPr lang="en-US" u="none">
-                <a:solidFill>
-                  <a:srgbClr val="00B050"/>
-                </a:solidFill>
-                <a:latin typeface="Arial Black" pitchFamily="34" charset="0"/>
-              </a:rPr>
-              <a:t>styles</a:t>
-            </a:r>
-            <a:endParaRPr lang="en-US" dirty="0"/>
           </a:p>
         </p:txBody>
       </p:sp>
@@ -18033,7 +18563,7 @@
       </p:pic>
       <p:sp>
         <p:nvSpPr>
-          <p:cNvPr id="8" name="Objects with same name"/>
+          <p:cNvPr id="20" name="Unnamed Shape 20150624172013387919"/>
           <p:cNvSpPr>
             <a:spLocks/>
           </p:cNvSpPr>
@@ -18041,7 +18571,7 @@
         </p:nvSpPr>
         <p:spPr>
           <a:xfrm>
-            <a:off x="1248770" y="611875"/>
+            <a:off x="2057400" y="728869"/>
             <a:ext cx="2667000" cy="2286000"/>
           </a:xfrm>
           <a:prstGeom prst="ellipse">
@@ -18078,7 +18608,7 @@
       </p:sp>
       <p:sp>
         <p:nvSpPr>
-          <p:cNvPr id="9" name="Unnamed Shape 2015061918583907122"/>
+          <p:cNvPr id="16" name="Unnamed Shape 20150624172013387917"/>
           <p:cNvSpPr>
             <a:spLocks/>
           </p:cNvSpPr>
@@ -18086,14 +18616,14 @@
         </p:nvSpPr>
         <p:spPr>
           <a:xfrm>
-            <a:off x="486770" y="611875"/>
+            <a:off x="1104900" y="794413"/>
             <a:ext cx="2667000" cy="2286000"/>
           </a:xfrm>
           <a:prstGeom prst="ellipse">
             <a:avLst/>
           </a:prstGeom>
           <a:solidFill>
-            <a:srgbClr val="FFFF00"/>
+            <a:srgbClr val="002060"/>
           </a:solidFill>
         </p:spPr>
         <p:style>
@@ -18123,7 +18653,7 @@
       </p:sp>
       <p:sp>
         <p:nvSpPr>
-          <p:cNvPr id="10" name="Unnamed Shape 2015061918583907123"/>
+          <p:cNvPr id="22" name="Unnamed Shape 20150624172013388921"/>
           <p:cNvSpPr>
             <a:spLocks/>
           </p:cNvSpPr>
@@ -18131,7 +18661,7 @@
         </p:nvSpPr>
         <p:spPr>
           <a:xfrm>
-            <a:off x="-427630" y="609600"/>
+            <a:off x="152400" y="728869"/>
             <a:ext cx="2667000" cy="2286000"/>
           </a:xfrm>
           <a:prstGeom prst="ellipse">
@@ -18384,6 +18914,330 @@
       </p:sp>
       <p:sp>
         <p:nvSpPr>
+          <p:cNvPr id="19" name="Unnamed Shape 20150624172013385915"/>
+          <p:cNvSpPr txBox="1">
+            <a:spLocks/>
+          </p:cNvSpPr>
+          <p:nvPr/>
+        </p:nvSpPr>
+        <p:spPr>
+          <a:xfrm>
+            <a:off x="2279182" y="2743200"/>
+            <a:ext cx="7948651" cy="3231654"/>
+          </a:xfrm>
+          <a:prstGeom prst="rect">
+            <a:avLst/>
+          </a:prstGeom>
+          <a:noFill/>
+        </p:spPr>
+        <p:txBody>
+          <a:bodyPr wrap="none" rtlCol="0">
+            <a:spAutoFit/>
+          </a:bodyPr>
+          <a:lstStyle>
+            <a:defPPr>
+              <a:defRPr lang="en-US"/>
+            </a:defPPr>
+            <a:lvl1pPr>
+              <a:defRPr sz="3600" u="sng"/>
+            </a:lvl1pPr>
+          </a:lstStyle>
+          <a:p>
+            <a:pPr lvl="0"/>
+            <a:r>
+              <a:rPr lang="en-US">
+                <a:solidFill>
+                  <a:prstClr val="black"/>
+                </a:solidFill>
+              </a:rPr>
+              <a:t>Test</a:t>
+            </a:r>
+            <a:r>
+              <a:rPr lang="en-US" u="none">
+                <a:solidFill>
+                  <a:prstClr val="black"/>
+                </a:solidFill>
+              </a:rPr>
+              <a:t> </a:t>
+            </a:r>
+            <a:r>
+              <a:rPr lang="en-US" sz="6600" u="none">
+                <a:solidFill>
+                  <a:srgbClr val="F79646">
+                    <a:lumMod val="75000"/>
+                  </a:srgbClr>
+                </a:solidFill>
+                <a:latin typeface="Arial Black" pitchFamily="34" charset="0"/>
+                <a:cs typeface="Aharoni" pitchFamily="2" charset="-79"/>
+              </a:rPr>
+              <a:t>t</a:t>
+            </a:r>
+            <a:r>
+              <a:rPr lang="en-US" sz="2000" u="none">
+                <a:solidFill>
+                  <a:srgbClr val="F79646">
+                    <a:lumMod val="75000"/>
+                  </a:srgbClr>
+                </a:solidFill>
+                <a:latin typeface="Arial Black" pitchFamily="34" charset="0"/>
+                <a:cs typeface="Aharoni" pitchFamily="2" charset="-79"/>
+              </a:rPr>
+              <a:t>ext </a:t>
+            </a:r>
+            <a:r>
+              <a:rPr lang="en-US" sz="6600" u="none">
+                <a:solidFill>
+                  <a:srgbClr val="F79646">
+                    <a:lumMod val="75000"/>
+                  </a:srgbClr>
+                </a:solidFill>
+                <a:latin typeface="Arial Black" pitchFamily="34" charset="0"/>
+                <a:cs typeface="Aharoni" pitchFamily="2" charset="-79"/>
+              </a:rPr>
+              <a:t>b</a:t>
+            </a:r>
+            <a:r>
+              <a:rPr lang="en-US" sz="9600" u="none">
+                <a:solidFill>
+                  <a:srgbClr val="FF0000"/>
+                </a:solidFill>
+                <a:latin typeface="Arial Black" pitchFamily="34" charset="0"/>
+                <a:cs typeface="Aharoni" pitchFamily="2" charset="-79"/>
+              </a:rPr>
+              <a:t>o</a:t>
+            </a:r>
+            <a:r>
+              <a:rPr lang="en-US" sz="6600" u="none">
+                <a:solidFill>
+                  <a:srgbClr val="F79646">
+                    <a:lumMod val="75000"/>
+                  </a:srgbClr>
+                </a:solidFill>
+                <a:latin typeface="Arial Black" pitchFamily="34" charset="0"/>
+                <a:cs typeface="Aharoni" pitchFamily="2" charset="-79"/>
+              </a:rPr>
+              <a:t>x </a:t>
+            </a:r>
+            <a:r>
+              <a:rPr lang="en-US" sz="1800" u="none">
+                <a:solidFill>
+                  <a:prstClr val="black"/>
+                </a:solidFill>
+                <a:latin typeface="Arial Black" pitchFamily="34" charset="0"/>
+              </a:rPr>
+              <a:t>with </a:t>
+            </a:r>
+            <a:r>
+              <a:rPr lang="en-US" sz="1800" u="none">
+                <a:solidFill>
+                  <a:prstClr val="black"/>
+                </a:solidFill>
+              </a:rPr>
+              <a:t>a</a:t>
+            </a:r>
+            <a:r>
+              <a:rPr lang="en-US" u="none">
+                <a:solidFill>
+                  <a:prstClr val="black"/>
+                </a:solidFill>
+              </a:rPr>
+              <a:t> lot of </a:t>
+            </a:r>
+            <a:r>
+              <a:rPr lang="en-US" sz="8800" b="1" u="none">
+                <a:solidFill>
+                  <a:srgbClr val="FF0000"/>
+                </a:solidFill>
+              </a:rPr>
+              <a:t>text</a:t>
+            </a:r>
+          </a:p>
+          <a:p>
+            <a:pPr marL="285750" lvl="0" indent="-285750">
+              <a:buFont typeface="Arial" pitchFamily="34" charset="0"/>
+              <a:buChar char="•"/>
+            </a:pPr>
+            <a:r>
+              <a:rPr lang="en-US" u="none">
+                <a:solidFill>
+                  <a:prstClr val="black"/>
+                </a:solidFill>
+              </a:rPr>
+              <a:t>In </a:t>
+            </a:r>
+            <a:r>
+              <a:rPr lang="en-US">
+                <a:solidFill>
+                  <a:prstClr val="black"/>
+                </a:solidFill>
+                <a:latin typeface="Arial Black" pitchFamily="34" charset="0"/>
+              </a:rPr>
+              <a:t>multiple</a:t>
+            </a:r>
+            <a:r>
+              <a:rPr lang="en-US" u="none">
+                <a:solidFill>
+                  <a:prstClr val="black"/>
+                </a:solidFill>
+              </a:rPr>
+              <a:t>      </a:t>
+            </a:r>
+            <a:r>
+              <a:rPr lang="en-US" u="none">
+                <a:solidFill>
+                  <a:srgbClr val="0070C0"/>
+                </a:solidFill>
+              </a:rPr>
+              <a:t>paragraphs</a:t>
+            </a:r>
+          </a:p>
+          <a:p>
+            <a:pPr marL="285750" lvl="0" indent="-285750">
+              <a:buFont typeface="Arial" pitchFamily="34" charset="0"/>
+              <a:buChar char="•"/>
+            </a:pPr>
+            <a:r>
+              <a:rPr lang="en-US" u="none">
+                <a:solidFill>
+                  <a:srgbClr val="0070C0"/>
+                </a:solidFill>
+              </a:rPr>
+              <a:t>Such Fun!</a:t>
+            </a:r>
+          </a:p>
+          <a:p>
+            <a:r>
+              <a:rPr lang="en-US" u="none">
+                <a:solidFill>
+                  <a:prstClr val="black"/>
+                </a:solidFill>
+              </a:rPr>
+              <a:t>With </a:t>
+            </a:r>
+            <a:r>
+              <a:rPr lang="en-US" b="1" u="none">
+                <a:solidFill>
+                  <a:srgbClr val="FF0000"/>
+                </a:solidFill>
+              </a:rPr>
+              <a:t>v</a:t>
+            </a:r>
+            <a:r>
+              <a:rPr lang="en-US" b="1" u="none">
+                <a:solidFill>
+                  <a:srgbClr val="FFC000"/>
+                </a:solidFill>
+              </a:rPr>
+              <a:t>a</a:t>
+            </a:r>
+            <a:r>
+              <a:rPr lang="en-US" b="1" u="none">
+                <a:solidFill>
+                  <a:srgbClr val="FFFF00"/>
+                </a:solidFill>
+              </a:rPr>
+              <a:t>r</a:t>
+            </a:r>
+            <a:r>
+              <a:rPr lang="en-US" b="1" u="none">
+                <a:solidFill>
+                  <a:srgbClr val="00B050"/>
+                </a:solidFill>
+              </a:rPr>
+              <a:t>y</a:t>
+            </a:r>
+            <a:r>
+              <a:rPr lang="en-US" b="1" u="none">
+                <a:solidFill>
+                  <a:srgbClr val="0070C0"/>
+                </a:solidFill>
+              </a:rPr>
+              <a:t>i</a:t>
+            </a:r>
+            <a:r>
+              <a:rPr lang="en-US" b="1" u="none">
+                <a:solidFill>
+                  <a:srgbClr val="7030A0"/>
+                </a:solidFill>
+              </a:rPr>
+              <a:t>n</a:t>
+            </a:r>
+            <a:r>
+              <a:rPr lang="en-US" b="1" u="none">
+                <a:solidFill>
+                  <a:srgbClr val="002060"/>
+                </a:solidFill>
+              </a:rPr>
+              <a:t>g</a:t>
+            </a:r>
+            <a:r>
+              <a:rPr lang="en-US" u="none">
+                <a:solidFill>
+                  <a:prstClr val="black"/>
+                </a:solidFill>
+              </a:rPr>
+              <a:t> </a:t>
+            </a:r>
+            <a:r>
+              <a:rPr lang="en-US" u="none">
+                <a:solidFill>
+                  <a:srgbClr val="00B050"/>
+                </a:solidFill>
+                <a:latin typeface="Arial Black" pitchFamily="34" charset="0"/>
+              </a:rPr>
+              <a:t>styles</a:t>
+            </a:r>
+            <a:endParaRPr lang="en-US" dirty="0"/>
+          </a:p>
+        </p:txBody>
+      </p:sp>
+      <p:sp>
+        <p:nvSpPr>
+          <p:cNvPr id="18" name="Unnamed Shape 20150624172013382914"/>
+          <p:cNvSpPr>
+            <a:spLocks/>
+          </p:cNvSpPr>
+          <p:nvPr/>
+        </p:nvSpPr>
+        <p:spPr>
+          <a:xfrm>
+            <a:off x="-914400" y="844109"/>
+            <a:ext cx="2667000" cy="2286000"/>
+          </a:xfrm>
+          <a:prstGeom prst="ellipse">
+            <a:avLst/>
+          </a:prstGeom>
+          <a:solidFill>
+            <a:srgbClr val="002060"/>
+          </a:solidFill>
+        </p:spPr>
+        <p:style>
+          <a:lnRef idx="2">
+            <a:schemeClr val="accent1">
+              <a:shade val="50000"/>
+            </a:schemeClr>
+          </a:lnRef>
+          <a:fillRef idx="1">
+            <a:schemeClr val="accent1"/>
+          </a:fillRef>
+          <a:effectRef idx="0">
+            <a:schemeClr val="accent1"/>
+          </a:effectRef>
+          <a:fontRef idx="minor">
+            <a:schemeClr val="lt1"/>
+          </a:fontRef>
+        </p:style>
+        <p:txBody>
+          <a:bodyPr rtlCol="0" anchor="ctr"/>
+          <a:lstStyle/>
+          <a:p>
+            <a:pPr algn="ctr"/>
+            <a:endParaRPr lang="en-US"/>
+          </a:p>
+        </p:txBody>
+      </p:sp>
+      <p:sp>
+        <p:nvSpPr>
           <p:cNvPr id="3" name="Oval 2"/>
           <p:cNvSpPr/>
           <p:nvPr/>
@@ -18419,273 +19273,6 @@
           <a:p>
             <a:pPr algn="ctr"/>
             <a:endParaRPr lang="en-US"/>
-          </a:p>
-        </p:txBody>
-      </p:sp>
-      <p:sp>
-        <p:nvSpPr>
-          <p:cNvPr id="11" name="Unnamed Shape 2015061918583905560"/>
-          <p:cNvSpPr>
-            <a:spLocks/>
-          </p:cNvSpPr>
-          <p:nvPr/>
-        </p:nvSpPr>
-        <p:spPr>
-          <a:xfrm>
-            <a:off x="-1189630" y="609600"/>
-            <a:ext cx="2667000" cy="2286000"/>
-          </a:xfrm>
-          <a:prstGeom prst="ellipse">
-            <a:avLst/>
-          </a:prstGeom>
-          <a:solidFill>
-            <a:srgbClr val="FFFF00"/>
-          </a:solidFill>
-        </p:spPr>
-        <p:style>
-          <a:lnRef idx="2">
-            <a:schemeClr val="accent1">
-              <a:shade val="50000"/>
-            </a:schemeClr>
-          </a:lnRef>
-          <a:fillRef idx="1">
-            <a:schemeClr val="accent1"/>
-          </a:fillRef>
-          <a:effectRef idx="0">
-            <a:schemeClr val="accent1"/>
-          </a:effectRef>
-          <a:fontRef idx="minor">
-            <a:schemeClr val="lt1"/>
-          </a:fontRef>
-        </p:style>
-        <p:txBody>
-          <a:bodyPr rtlCol="0" anchor="ctr"/>
-          <a:lstStyle/>
-          <a:p>
-            <a:pPr algn="ctr"/>
-            <a:endParaRPr lang="en-US"/>
-          </a:p>
-        </p:txBody>
-      </p:sp>
-      <p:sp>
-        <p:nvSpPr>
-          <p:cNvPr id="12" name="Unnamed Shape 2015061918583905561"/>
-          <p:cNvSpPr txBox="1">
-            <a:spLocks/>
-          </p:cNvSpPr>
-          <p:nvPr/>
-        </p:nvSpPr>
-        <p:spPr>
-          <a:xfrm>
-            <a:off x="3048000" y="3189744"/>
-            <a:ext cx="6730560" cy="2677656"/>
-          </a:xfrm>
-          <a:prstGeom prst="rect">
-            <a:avLst/>
-          </a:prstGeom>
-          <a:noFill/>
-        </p:spPr>
-        <p:txBody>
-          <a:bodyPr wrap="none" rtlCol="0">
-            <a:spAutoFit/>
-          </a:bodyPr>
-          <a:lstStyle>
-            <a:defPPr>
-              <a:defRPr lang="en-US"/>
-            </a:defPPr>
-            <a:lvl1pPr>
-              <a:defRPr sz="3600" u="sng"/>
-            </a:lvl1pPr>
-          </a:lstStyle>
-          <a:p>
-            <a:pPr lvl="0"/>
-            <a:r>
-              <a:rPr lang="en-US">
-                <a:solidFill>
-                  <a:prstClr val="black"/>
-                </a:solidFill>
-              </a:rPr>
-              <a:t>Test</a:t>
-            </a:r>
-            <a:r>
-              <a:rPr lang="en-US" u="none">
-                <a:solidFill>
-                  <a:prstClr val="black"/>
-                </a:solidFill>
-              </a:rPr>
-              <a:t> </a:t>
-            </a:r>
-            <a:r>
-              <a:rPr lang="en-US" b="1" u="none">
-                <a:solidFill>
-                  <a:prstClr val="black"/>
-                </a:solidFill>
-              </a:rPr>
-              <a:t>text b</a:t>
-            </a:r>
-            <a:r>
-              <a:rPr lang="en-US" sz="9600" b="1" u="none">
-                <a:solidFill>
-                  <a:srgbClr val="FF0000"/>
-                </a:solidFill>
-              </a:rPr>
-              <a:t>o</a:t>
-            </a:r>
-            <a:r>
-              <a:rPr lang="en-US" b="1" u="none">
-                <a:solidFill>
-                  <a:prstClr val="black"/>
-                </a:solidFill>
-              </a:rPr>
-              <a:t>x </a:t>
-            </a:r>
-            <a:r>
-              <a:rPr lang="en-US" sz="1800" u="none">
-                <a:solidFill>
-                  <a:prstClr val="black"/>
-                </a:solidFill>
-              </a:rPr>
-              <a:t>with a</a:t>
-            </a:r>
-            <a:r>
-              <a:rPr lang="en-US" u="none">
-                <a:solidFill>
-                  <a:prstClr val="black"/>
-                </a:solidFill>
-              </a:rPr>
-              <a:t> lot of </a:t>
-            </a:r>
-            <a:r>
-              <a:rPr lang="en-US" sz="8800" b="1" u="none">
-                <a:solidFill>
-                  <a:srgbClr val="FF0000"/>
-                </a:solidFill>
-              </a:rPr>
-              <a:t>text</a:t>
-            </a:r>
-          </a:p>
-          <a:p>
-            <a:pPr marL="285750" lvl="0" indent="-285750">
-              <a:buFont typeface="Arial" pitchFamily="34" charset="0"/>
-              <a:buChar char="•"/>
-            </a:pPr>
-            <a:r>
-              <a:rPr lang="en-US" u="none">
-                <a:solidFill>
-                  <a:prstClr val="black"/>
-                </a:solidFill>
-              </a:rPr>
-              <a:t>In </a:t>
-            </a:r>
-            <a:r>
-              <a:rPr lang="en-US">
-                <a:solidFill>
-                  <a:prstClr val="black"/>
-                </a:solidFill>
-                <a:latin typeface="Arial Black" pitchFamily="34" charset="0"/>
-              </a:rPr>
-              <a:t>multiple</a:t>
-            </a:r>
-            <a:r>
-              <a:rPr lang="en-US" u="none">
-                <a:solidFill>
-                  <a:prstClr val="black"/>
-                </a:solidFill>
-              </a:rPr>
-              <a:t>      </a:t>
-            </a:r>
-            <a:r>
-              <a:rPr lang="en-US" u="none">
-                <a:solidFill>
-                  <a:srgbClr val="0070C0"/>
-                </a:solidFill>
-              </a:rPr>
-              <a:t>paragraphs</a:t>
-            </a:r>
-          </a:p>
-          <a:p>
-            <a:r>
-              <a:rPr lang="en-US" u="none">
-                <a:solidFill>
-                  <a:prstClr val="black"/>
-                </a:solidFill>
-              </a:rPr>
-              <a:t>With </a:t>
-            </a:r>
-            <a:r>
-              <a:rPr lang="en-US" b="1" u="none">
-                <a:solidFill>
-                  <a:srgbClr val="FF0000"/>
-                </a:solidFill>
-              </a:rPr>
-              <a:t>v</a:t>
-            </a:r>
-            <a:r>
-              <a:rPr lang="en-US" b="1" u="none">
-                <a:solidFill>
-                  <a:srgbClr val="FFC000"/>
-                </a:solidFill>
-              </a:rPr>
-              <a:t>a</a:t>
-            </a:r>
-            <a:r>
-              <a:rPr lang="en-US" b="1" u="none">
-                <a:solidFill>
-                  <a:srgbClr val="FFFF00"/>
-                </a:solidFill>
-              </a:rPr>
-              <a:t>r</a:t>
-            </a:r>
-            <a:r>
-              <a:rPr lang="en-US" b="1" u="none">
-                <a:solidFill>
-                  <a:srgbClr val="00B050"/>
-                </a:solidFill>
-              </a:rPr>
-              <a:t>y</a:t>
-            </a:r>
-            <a:r>
-              <a:rPr lang="en-US" b="1" u="none">
-                <a:solidFill>
-                  <a:srgbClr val="0070C0"/>
-                </a:solidFill>
-              </a:rPr>
-              <a:t>i</a:t>
-            </a:r>
-            <a:r>
-              <a:rPr lang="en-US" b="1" u="none">
-                <a:solidFill>
-                  <a:srgbClr val="7030A0"/>
-                </a:solidFill>
-              </a:rPr>
-              <a:t>n</a:t>
-            </a:r>
-            <a:r>
-              <a:rPr lang="en-US" b="1" u="none">
-                <a:solidFill>
-                  <a:srgbClr val="002060"/>
-                </a:solidFill>
-              </a:rPr>
-              <a:t>g</a:t>
-            </a:r>
-            <a:r>
-              <a:rPr lang="en-US" u="none">
-                <a:solidFill>
-                  <a:prstClr val="black"/>
-                </a:solidFill>
-              </a:rPr>
-              <a:t> </a:t>
-            </a:r>
-            <a:r>
-              <a:rPr lang="en-US" u="none">
-                <a:solidFill>
-                  <a:srgbClr val="00B050"/>
-                </a:solidFill>
-                <a:latin typeface="Arial Black" pitchFamily="34" charset="0"/>
-              </a:rPr>
-              <a:t>styles</a:t>
-            </a:r>
-            <a:endParaRPr lang="en-US" dirty="0"/>
           </a:p>
         </p:txBody>
       </p:sp>
@@ -18868,7 +19455,7 @@
       </p:pic>
       <p:sp>
         <p:nvSpPr>
-          <p:cNvPr id="8" name="Objects with same name"/>
+          <p:cNvPr id="20" name="Unnamed Shape 20150624172013387919"/>
           <p:cNvSpPr>
             <a:spLocks/>
           </p:cNvSpPr>
@@ -18876,7 +19463,7 @@
         </p:nvSpPr>
         <p:spPr>
           <a:xfrm>
-            <a:off x="1248770" y="611875"/>
+            <a:off x="2057400" y="728869"/>
             <a:ext cx="2667000" cy="2286000"/>
           </a:xfrm>
           <a:prstGeom prst="ellipse">
@@ -18913,7 +19500,7 @@
       </p:sp>
       <p:sp>
         <p:nvSpPr>
-          <p:cNvPr id="9" name="Unnamed Shape 2015061918583907122"/>
+          <p:cNvPr id="16" name="Unnamed Shape 20150624172013387917"/>
           <p:cNvSpPr>
             <a:spLocks/>
           </p:cNvSpPr>
@@ -18921,14 +19508,14 @@
         </p:nvSpPr>
         <p:spPr>
           <a:xfrm>
-            <a:off x="486770" y="611875"/>
+            <a:off x="1104900" y="794413"/>
             <a:ext cx="2667000" cy="2286000"/>
           </a:xfrm>
           <a:prstGeom prst="ellipse">
             <a:avLst/>
           </a:prstGeom>
           <a:solidFill>
-            <a:srgbClr val="FFFF00"/>
+            <a:srgbClr val="002060"/>
           </a:solidFill>
         </p:spPr>
         <p:style>
@@ -18958,7 +19545,7 @@
       </p:sp>
       <p:sp>
         <p:nvSpPr>
-          <p:cNvPr id="10" name="Unnamed Shape 2015061918583907123"/>
+          <p:cNvPr id="22" name="Unnamed Shape 20150624172013388921"/>
           <p:cNvSpPr>
             <a:spLocks/>
           </p:cNvSpPr>
@@ -18966,7 +19553,7 @@
         </p:nvSpPr>
         <p:spPr>
           <a:xfrm>
-            <a:off x="-427630" y="609600"/>
+            <a:off x="152400" y="728869"/>
             <a:ext cx="2667000" cy="2286000"/>
           </a:xfrm>
           <a:prstGeom prst="ellipse">
@@ -19211,6 +19798,330 @@
       </p:sp>
       <p:sp>
         <p:nvSpPr>
+          <p:cNvPr id="19" name="Unnamed Shape 20150624172013385915"/>
+          <p:cNvSpPr txBox="1">
+            <a:spLocks/>
+          </p:cNvSpPr>
+          <p:nvPr/>
+        </p:nvSpPr>
+        <p:spPr>
+          <a:xfrm>
+            <a:off x="2279182" y="2743200"/>
+            <a:ext cx="7948651" cy="3231654"/>
+          </a:xfrm>
+          <a:prstGeom prst="rect">
+            <a:avLst/>
+          </a:prstGeom>
+          <a:noFill/>
+        </p:spPr>
+        <p:txBody>
+          <a:bodyPr wrap="none" rtlCol="0">
+            <a:spAutoFit/>
+          </a:bodyPr>
+          <a:lstStyle>
+            <a:defPPr>
+              <a:defRPr lang="en-US"/>
+            </a:defPPr>
+            <a:lvl1pPr>
+              <a:defRPr sz="3600" u="sng"/>
+            </a:lvl1pPr>
+          </a:lstStyle>
+          <a:p>
+            <a:pPr lvl="0"/>
+            <a:r>
+              <a:rPr lang="en-US">
+                <a:solidFill>
+                  <a:prstClr val="black"/>
+                </a:solidFill>
+              </a:rPr>
+              <a:t>Test</a:t>
+            </a:r>
+            <a:r>
+              <a:rPr lang="en-US" u="none">
+                <a:solidFill>
+                  <a:prstClr val="black"/>
+                </a:solidFill>
+              </a:rPr>
+              <a:t> </a:t>
+            </a:r>
+            <a:r>
+              <a:rPr lang="en-US" sz="6600" u="none">
+                <a:solidFill>
+                  <a:srgbClr val="F79646">
+                    <a:lumMod val="75000"/>
+                  </a:srgbClr>
+                </a:solidFill>
+                <a:latin typeface="Arial Black" pitchFamily="34" charset="0"/>
+                <a:cs typeface="Aharoni" pitchFamily="2" charset="-79"/>
+              </a:rPr>
+              <a:t>t</a:t>
+            </a:r>
+            <a:r>
+              <a:rPr lang="en-US" sz="2000" u="none">
+                <a:solidFill>
+                  <a:srgbClr val="F79646">
+                    <a:lumMod val="75000"/>
+                  </a:srgbClr>
+                </a:solidFill>
+                <a:latin typeface="Arial Black" pitchFamily="34" charset="0"/>
+                <a:cs typeface="Aharoni" pitchFamily="2" charset="-79"/>
+              </a:rPr>
+              <a:t>ext </a:t>
+            </a:r>
+            <a:r>
+              <a:rPr lang="en-US" sz="6600" u="none">
+                <a:solidFill>
+                  <a:srgbClr val="F79646">
+                    <a:lumMod val="75000"/>
+                  </a:srgbClr>
+                </a:solidFill>
+                <a:latin typeface="Arial Black" pitchFamily="34" charset="0"/>
+                <a:cs typeface="Aharoni" pitchFamily="2" charset="-79"/>
+              </a:rPr>
+              <a:t>b</a:t>
+            </a:r>
+            <a:r>
+              <a:rPr lang="en-US" sz="9600" u="none">
+                <a:solidFill>
+                  <a:srgbClr val="FF0000"/>
+                </a:solidFill>
+                <a:latin typeface="Arial Black" pitchFamily="34" charset="0"/>
+                <a:cs typeface="Aharoni" pitchFamily="2" charset="-79"/>
+              </a:rPr>
+              <a:t>o</a:t>
+            </a:r>
+            <a:r>
+              <a:rPr lang="en-US" sz="6600" u="none">
+                <a:solidFill>
+                  <a:srgbClr val="F79646">
+                    <a:lumMod val="75000"/>
+                  </a:srgbClr>
+                </a:solidFill>
+                <a:latin typeface="Arial Black" pitchFamily="34" charset="0"/>
+                <a:cs typeface="Aharoni" pitchFamily="2" charset="-79"/>
+              </a:rPr>
+              <a:t>x </a:t>
+            </a:r>
+            <a:r>
+              <a:rPr lang="en-US" sz="1800" u="none">
+                <a:solidFill>
+                  <a:prstClr val="black"/>
+                </a:solidFill>
+                <a:latin typeface="Arial Black" pitchFamily="34" charset="0"/>
+              </a:rPr>
+              <a:t>with </a:t>
+            </a:r>
+            <a:r>
+              <a:rPr lang="en-US" sz="1800" u="none">
+                <a:solidFill>
+                  <a:prstClr val="black"/>
+                </a:solidFill>
+              </a:rPr>
+              <a:t>a</a:t>
+            </a:r>
+            <a:r>
+              <a:rPr lang="en-US" u="none">
+                <a:solidFill>
+                  <a:prstClr val="black"/>
+                </a:solidFill>
+              </a:rPr>
+              <a:t> lot of </a:t>
+            </a:r>
+            <a:r>
+              <a:rPr lang="en-US" sz="8800" b="1" u="none">
+                <a:solidFill>
+                  <a:srgbClr val="FF0000"/>
+                </a:solidFill>
+              </a:rPr>
+              <a:t>text</a:t>
+            </a:r>
+          </a:p>
+          <a:p>
+            <a:pPr marL="285750" lvl="0" indent="-285750">
+              <a:buFont typeface="Arial" pitchFamily="34" charset="0"/>
+              <a:buChar char="•"/>
+            </a:pPr>
+            <a:r>
+              <a:rPr lang="en-US" u="none">
+                <a:solidFill>
+                  <a:prstClr val="black"/>
+                </a:solidFill>
+              </a:rPr>
+              <a:t>In </a:t>
+            </a:r>
+            <a:r>
+              <a:rPr lang="en-US">
+                <a:solidFill>
+                  <a:prstClr val="black"/>
+                </a:solidFill>
+                <a:latin typeface="Arial Black" pitchFamily="34" charset="0"/>
+              </a:rPr>
+              <a:t>multiple</a:t>
+            </a:r>
+            <a:r>
+              <a:rPr lang="en-US" u="none">
+                <a:solidFill>
+                  <a:prstClr val="black"/>
+                </a:solidFill>
+              </a:rPr>
+              <a:t>      </a:t>
+            </a:r>
+            <a:r>
+              <a:rPr lang="en-US" u="none">
+                <a:solidFill>
+                  <a:srgbClr val="0070C0"/>
+                </a:solidFill>
+              </a:rPr>
+              <a:t>paragraphs</a:t>
+            </a:r>
+          </a:p>
+          <a:p>
+            <a:pPr marL="285750" lvl="0" indent="-285750">
+              <a:buFont typeface="Arial" pitchFamily="34" charset="0"/>
+              <a:buChar char="•"/>
+            </a:pPr>
+            <a:r>
+              <a:rPr lang="en-US" u="none">
+                <a:solidFill>
+                  <a:srgbClr val="0070C0"/>
+                </a:solidFill>
+              </a:rPr>
+              <a:t>Such Fun!</a:t>
+            </a:r>
+          </a:p>
+          <a:p>
+            <a:r>
+              <a:rPr lang="en-US" u="none">
+                <a:solidFill>
+                  <a:prstClr val="black"/>
+                </a:solidFill>
+              </a:rPr>
+              <a:t>With </a:t>
+            </a:r>
+            <a:r>
+              <a:rPr lang="en-US" b="1" u="none">
+                <a:solidFill>
+                  <a:srgbClr val="FF0000"/>
+                </a:solidFill>
+              </a:rPr>
+              <a:t>v</a:t>
+            </a:r>
+            <a:r>
+              <a:rPr lang="en-US" b="1" u="none">
+                <a:solidFill>
+                  <a:srgbClr val="FFC000"/>
+                </a:solidFill>
+              </a:rPr>
+              <a:t>a</a:t>
+            </a:r>
+            <a:r>
+              <a:rPr lang="en-US" b="1" u="none">
+                <a:solidFill>
+                  <a:srgbClr val="FFFF00"/>
+                </a:solidFill>
+              </a:rPr>
+              <a:t>r</a:t>
+            </a:r>
+            <a:r>
+              <a:rPr lang="en-US" b="1" u="none">
+                <a:solidFill>
+                  <a:srgbClr val="00B050"/>
+                </a:solidFill>
+              </a:rPr>
+              <a:t>y</a:t>
+            </a:r>
+            <a:r>
+              <a:rPr lang="en-US" b="1" u="none">
+                <a:solidFill>
+                  <a:srgbClr val="0070C0"/>
+                </a:solidFill>
+              </a:rPr>
+              <a:t>i</a:t>
+            </a:r>
+            <a:r>
+              <a:rPr lang="en-US" b="1" u="none">
+                <a:solidFill>
+                  <a:srgbClr val="7030A0"/>
+                </a:solidFill>
+              </a:rPr>
+              <a:t>n</a:t>
+            </a:r>
+            <a:r>
+              <a:rPr lang="en-US" b="1" u="none">
+                <a:solidFill>
+                  <a:srgbClr val="002060"/>
+                </a:solidFill>
+              </a:rPr>
+              <a:t>g</a:t>
+            </a:r>
+            <a:r>
+              <a:rPr lang="en-US" u="none">
+                <a:solidFill>
+                  <a:prstClr val="black"/>
+                </a:solidFill>
+              </a:rPr>
+              <a:t> </a:t>
+            </a:r>
+            <a:r>
+              <a:rPr lang="en-US" u="none">
+                <a:solidFill>
+                  <a:srgbClr val="00B050"/>
+                </a:solidFill>
+                <a:latin typeface="Arial Black" pitchFamily="34" charset="0"/>
+              </a:rPr>
+              <a:t>styles</a:t>
+            </a:r>
+            <a:endParaRPr lang="en-US" dirty="0"/>
+          </a:p>
+        </p:txBody>
+      </p:sp>
+      <p:sp>
+        <p:nvSpPr>
+          <p:cNvPr id="18" name="Unnamed Shape 20150624172013382914"/>
+          <p:cNvSpPr>
+            <a:spLocks/>
+          </p:cNvSpPr>
+          <p:nvPr/>
+        </p:nvSpPr>
+        <p:spPr>
+          <a:xfrm>
+            <a:off x="-914400" y="844109"/>
+            <a:ext cx="2667000" cy="2286000"/>
+          </a:xfrm>
+          <a:prstGeom prst="ellipse">
+            <a:avLst/>
+          </a:prstGeom>
+          <a:solidFill>
+            <a:srgbClr val="002060"/>
+          </a:solidFill>
+        </p:spPr>
+        <p:style>
+          <a:lnRef idx="2">
+            <a:schemeClr val="accent1">
+              <a:shade val="50000"/>
+            </a:schemeClr>
+          </a:lnRef>
+          <a:fillRef idx="1">
+            <a:schemeClr val="accent1"/>
+          </a:fillRef>
+          <a:effectRef idx="0">
+            <a:schemeClr val="accent1"/>
+          </a:effectRef>
+          <a:fontRef idx="minor">
+            <a:schemeClr val="lt1"/>
+          </a:fontRef>
+        </p:style>
+        <p:txBody>
+          <a:bodyPr rtlCol="0" anchor="ctr"/>
+          <a:lstStyle/>
+          <a:p>
+            <a:pPr algn="ctr"/>
+            <a:endParaRPr lang="en-US"/>
+          </a:p>
+        </p:txBody>
+      </p:sp>
+      <p:sp>
+        <p:nvSpPr>
           <p:cNvPr id="7" name="Oval 2"/>
           <p:cNvSpPr/>
           <p:nvPr/>
@@ -19246,273 +20157,6 @@
           <a:p>
             <a:pPr algn="ctr"/>
             <a:endParaRPr lang="en-US"/>
-          </a:p>
-        </p:txBody>
-      </p:sp>
-      <p:sp>
-        <p:nvSpPr>
-          <p:cNvPr id="11" name="Unnamed Shape 2015061918583905560"/>
-          <p:cNvSpPr>
-            <a:spLocks/>
-          </p:cNvSpPr>
-          <p:nvPr/>
-        </p:nvSpPr>
-        <p:spPr>
-          <a:xfrm>
-            <a:off x="-1189630" y="609600"/>
-            <a:ext cx="2667000" cy="2286000"/>
-          </a:xfrm>
-          <a:prstGeom prst="ellipse">
-            <a:avLst/>
-          </a:prstGeom>
-          <a:solidFill>
-            <a:srgbClr val="FFFF00"/>
-          </a:solidFill>
-        </p:spPr>
-        <p:style>
-          <a:lnRef idx="2">
-            <a:schemeClr val="accent1">
-              <a:shade val="50000"/>
-            </a:schemeClr>
-          </a:lnRef>
-          <a:fillRef idx="1">
-            <a:schemeClr val="accent1"/>
-          </a:fillRef>
-          <a:effectRef idx="0">
-            <a:schemeClr val="accent1"/>
-          </a:effectRef>
-          <a:fontRef idx="minor">
-            <a:schemeClr val="lt1"/>
-          </a:fontRef>
-        </p:style>
-        <p:txBody>
-          <a:bodyPr rtlCol="0" anchor="ctr"/>
-          <a:lstStyle/>
-          <a:p>
-            <a:pPr algn="ctr"/>
-            <a:endParaRPr lang="en-US"/>
-          </a:p>
-        </p:txBody>
-      </p:sp>
-      <p:sp>
-        <p:nvSpPr>
-          <p:cNvPr id="12" name="Unnamed Shape 2015061918583905561"/>
-          <p:cNvSpPr txBox="1">
-            <a:spLocks/>
-          </p:cNvSpPr>
-          <p:nvPr/>
-        </p:nvSpPr>
-        <p:spPr>
-          <a:xfrm>
-            <a:off x="3048000" y="3189744"/>
-            <a:ext cx="6730560" cy="2677656"/>
-          </a:xfrm>
-          <a:prstGeom prst="rect">
-            <a:avLst/>
-          </a:prstGeom>
-          <a:noFill/>
-        </p:spPr>
-        <p:txBody>
-          <a:bodyPr wrap="none" rtlCol="0">
-            <a:spAutoFit/>
-          </a:bodyPr>
-          <a:lstStyle>
-            <a:defPPr>
-              <a:defRPr lang="en-US"/>
-            </a:defPPr>
-            <a:lvl1pPr>
-              <a:defRPr sz="3600" u="sng"/>
-            </a:lvl1pPr>
-          </a:lstStyle>
-          <a:p>
-            <a:pPr lvl="0"/>
-            <a:r>
-              <a:rPr lang="en-US">
-                <a:solidFill>
-                  <a:prstClr val="black"/>
-                </a:solidFill>
-              </a:rPr>
-              <a:t>Test</a:t>
-            </a:r>
-            <a:r>
-              <a:rPr lang="en-US" u="none">
-                <a:solidFill>
-                  <a:prstClr val="black"/>
-                </a:solidFill>
-              </a:rPr>
-              <a:t> </a:t>
-            </a:r>
-            <a:r>
-              <a:rPr lang="en-US" b="1" u="none">
-                <a:solidFill>
-                  <a:prstClr val="black"/>
-                </a:solidFill>
-              </a:rPr>
-              <a:t>text b</a:t>
-            </a:r>
-            <a:r>
-              <a:rPr lang="en-US" sz="9600" b="1" u="none">
-                <a:solidFill>
-                  <a:srgbClr val="FF0000"/>
-                </a:solidFill>
-              </a:rPr>
-              <a:t>o</a:t>
-            </a:r>
-            <a:r>
-              <a:rPr lang="en-US" b="1" u="none">
-                <a:solidFill>
-                  <a:prstClr val="black"/>
-                </a:solidFill>
-              </a:rPr>
-              <a:t>x </a:t>
-            </a:r>
-            <a:r>
-              <a:rPr lang="en-US" sz="1800" u="none">
-                <a:solidFill>
-                  <a:prstClr val="black"/>
-                </a:solidFill>
-              </a:rPr>
-              <a:t>with a</a:t>
-            </a:r>
-            <a:r>
-              <a:rPr lang="en-US" u="none">
-                <a:solidFill>
-                  <a:prstClr val="black"/>
-                </a:solidFill>
-              </a:rPr>
-              <a:t> lot of </a:t>
-            </a:r>
-            <a:r>
-              <a:rPr lang="en-US" sz="8800" b="1" u="none">
-                <a:solidFill>
-                  <a:srgbClr val="FF0000"/>
-                </a:solidFill>
-              </a:rPr>
-              <a:t>text</a:t>
-            </a:r>
-          </a:p>
-          <a:p>
-            <a:pPr marL="285750" lvl="0" indent="-285750">
-              <a:buFont typeface="Arial" pitchFamily="34" charset="0"/>
-              <a:buChar char="•"/>
-            </a:pPr>
-            <a:r>
-              <a:rPr lang="en-US" u="none">
-                <a:solidFill>
-                  <a:prstClr val="black"/>
-                </a:solidFill>
-              </a:rPr>
-              <a:t>In </a:t>
-            </a:r>
-            <a:r>
-              <a:rPr lang="en-US">
-                <a:solidFill>
-                  <a:prstClr val="black"/>
-                </a:solidFill>
-                <a:latin typeface="Arial Black" pitchFamily="34" charset="0"/>
-              </a:rPr>
-              <a:t>multiple</a:t>
-            </a:r>
-            <a:r>
-              <a:rPr lang="en-US" u="none">
-                <a:solidFill>
-                  <a:prstClr val="black"/>
-                </a:solidFill>
-              </a:rPr>
-              <a:t>      </a:t>
-            </a:r>
-            <a:r>
-              <a:rPr lang="en-US" u="none">
-                <a:solidFill>
-                  <a:srgbClr val="0070C0"/>
-                </a:solidFill>
-              </a:rPr>
-              <a:t>paragraphs</a:t>
-            </a:r>
-          </a:p>
-          <a:p>
-            <a:r>
-              <a:rPr lang="en-US" u="none">
-                <a:solidFill>
-                  <a:prstClr val="black"/>
-                </a:solidFill>
-              </a:rPr>
-              <a:t>With </a:t>
-            </a:r>
-            <a:r>
-              <a:rPr lang="en-US" b="1" u="none">
-                <a:solidFill>
-                  <a:srgbClr val="FF0000"/>
-                </a:solidFill>
-              </a:rPr>
-              <a:t>v</a:t>
-            </a:r>
-            <a:r>
-              <a:rPr lang="en-US" b="1" u="none">
-                <a:solidFill>
-                  <a:srgbClr val="FFC000"/>
-                </a:solidFill>
-              </a:rPr>
-              <a:t>a</a:t>
-            </a:r>
-            <a:r>
-              <a:rPr lang="en-US" b="1" u="none">
-                <a:solidFill>
-                  <a:srgbClr val="FFFF00"/>
-                </a:solidFill>
-              </a:rPr>
-              <a:t>r</a:t>
-            </a:r>
-            <a:r>
-              <a:rPr lang="en-US" b="1" u="none">
-                <a:solidFill>
-                  <a:srgbClr val="00B050"/>
-                </a:solidFill>
-              </a:rPr>
-              <a:t>y</a:t>
-            </a:r>
-            <a:r>
-              <a:rPr lang="en-US" b="1" u="none">
-                <a:solidFill>
-                  <a:srgbClr val="0070C0"/>
-                </a:solidFill>
-              </a:rPr>
-              <a:t>i</a:t>
-            </a:r>
-            <a:r>
-              <a:rPr lang="en-US" b="1" u="none">
-                <a:solidFill>
-                  <a:srgbClr val="7030A0"/>
-                </a:solidFill>
-              </a:rPr>
-              <a:t>n</a:t>
-            </a:r>
-            <a:r>
-              <a:rPr lang="en-US" b="1" u="none">
-                <a:solidFill>
-                  <a:srgbClr val="002060"/>
-                </a:solidFill>
-              </a:rPr>
-              <a:t>g</a:t>
-            </a:r>
-            <a:r>
-              <a:rPr lang="en-US" u="none">
-                <a:solidFill>
-                  <a:prstClr val="black"/>
-                </a:solidFill>
-              </a:rPr>
-              <a:t> </a:t>
-            </a:r>
-            <a:r>
-              <a:rPr lang="en-US" u="none">
-                <a:solidFill>
-                  <a:srgbClr val="00B050"/>
-                </a:solidFill>
-                <a:latin typeface="Arial Black" pitchFamily="34" charset="0"/>
-              </a:rPr>
-              <a:t>styles</a:t>
-            </a:r>
-            <a:endParaRPr lang="en-US" dirty="0"/>
           </a:p>
         </p:txBody>
       </p:sp>
@@ -19762,7 +20406,7 @@
       </p:grpSpPr>
       <p:pic>
         <p:nvPicPr>
-          <p:cNvPr id="2" name="PPTIndicator201506191858395704"/>
+          <p:cNvPr id="2" name="PPTIndicator201506241720138100"/>
           <p:cNvPicPr>
             <a:picLocks/>
           </p:cNvPicPr>
@@ -19792,7 +20436,7 @@
       </p:pic>
       <p:sp>
         <p:nvSpPr>
-          <p:cNvPr id="5" name="Objects with same name"/>
+          <p:cNvPr id="11" name="Unnamed Shape 20150624172013387919"/>
           <p:cNvSpPr>
             <a:spLocks/>
           </p:cNvSpPr>
@@ -19800,7 +20444,7 @@
         </p:nvSpPr>
         <p:spPr>
           <a:xfrm>
-            <a:off x="1248770" y="611875"/>
+            <a:off x="2057400" y="728869"/>
             <a:ext cx="2667000" cy="2286000"/>
           </a:xfrm>
           <a:prstGeom prst="ellipse">
@@ -19837,7 +20481,7 @@
       </p:sp>
       <p:sp>
         <p:nvSpPr>
-          <p:cNvPr id="6" name="Unnamed Shape 2015061918583907122"/>
+          <p:cNvPr id="6" name="Unnamed Shape 20150624172013387917"/>
           <p:cNvSpPr>
             <a:spLocks/>
           </p:cNvSpPr>
@@ -19845,14 +20489,14 @@
         </p:nvSpPr>
         <p:spPr>
           <a:xfrm>
-            <a:off x="486770" y="611875"/>
+            <a:off x="1104900" y="794413"/>
             <a:ext cx="2667000" cy="2286000"/>
           </a:xfrm>
           <a:prstGeom prst="ellipse">
             <a:avLst/>
           </a:prstGeom>
           <a:solidFill>
-            <a:srgbClr val="FFFF00"/>
+            <a:srgbClr val="002060"/>
           </a:solidFill>
         </p:spPr>
         <p:style>
@@ -19882,7 +20526,7 @@
       </p:sp>
       <p:sp>
         <p:nvSpPr>
-          <p:cNvPr id="7" name="Unnamed Shape 2015061918583907123"/>
+          <p:cNvPr id="13" name="Unnamed Shape 20150624172013388921"/>
           <p:cNvSpPr>
             <a:spLocks/>
           </p:cNvSpPr>
@@ -19890,7 +20534,7 @@
         </p:nvSpPr>
         <p:spPr>
           <a:xfrm>
-            <a:off x="-427630" y="609600"/>
+            <a:off x="152400" y="728869"/>
             <a:ext cx="2667000" cy="2286000"/>
           </a:xfrm>
           <a:prstGeom prst="ellipse">
@@ -19927,7 +20571,7 @@
       </p:sp>
       <p:sp>
         <p:nvSpPr>
-          <p:cNvPr id="8" name="PptLabsAgenda_&amp;^@ContentShape_&amp;^@2015061916283877850"/>
+          <p:cNvPr id="9" name="PptLabsAgenda_&amp;^@ContentShape_&amp;^@2015061916283877850"/>
           <p:cNvSpPr txBox="1">
             <a:spLocks/>
           </p:cNvSpPr>
@@ -20135,22 +20779,301 @@
       </p:sp>
       <p:sp>
         <p:nvSpPr>
-          <p:cNvPr id="9" name="Unnamed Shape 2015061918583905560"/>
-          <p:cNvSpPr>
+          <p:cNvPr id="10" name="Unnamed Shape 20150624172013385915"/>
+          <p:cNvSpPr txBox="1">
             <a:spLocks/>
           </p:cNvSpPr>
           <p:nvPr/>
         </p:nvSpPr>
         <p:spPr>
           <a:xfrm>
-            <a:off x="-1189630" y="609600"/>
+            <a:off x="2279182" y="2743200"/>
+            <a:ext cx="7948651" cy="3231654"/>
+          </a:xfrm>
+          <a:prstGeom prst="rect">
+            <a:avLst/>
+          </a:prstGeom>
+          <a:noFill/>
+        </p:spPr>
+        <p:txBody>
+          <a:bodyPr wrap="none" rtlCol="0">
+            <a:spAutoFit/>
+          </a:bodyPr>
+          <a:lstStyle>
+            <a:defPPr>
+              <a:defRPr lang="en-US"/>
+            </a:defPPr>
+            <a:lvl1pPr>
+              <a:defRPr sz="3600" u="sng"/>
+            </a:lvl1pPr>
+          </a:lstStyle>
+          <a:p>
+            <a:pPr lvl="0"/>
+            <a:r>
+              <a:rPr lang="en-US">
+                <a:solidFill>
+                  <a:prstClr val="black"/>
+                </a:solidFill>
+              </a:rPr>
+              <a:t>Test</a:t>
+            </a:r>
+            <a:r>
+              <a:rPr lang="en-US" u="none">
+                <a:solidFill>
+                  <a:prstClr val="black"/>
+                </a:solidFill>
+              </a:rPr>
+              <a:t> </a:t>
+            </a:r>
+            <a:r>
+              <a:rPr lang="en-US" sz="6600" u="none">
+                <a:solidFill>
+                  <a:srgbClr val="F79646">
+                    <a:lumMod val="75000"/>
+                  </a:srgbClr>
+                </a:solidFill>
+                <a:latin typeface="Arial Black" pitchFamily="34" charset="0"/>
+                <a:cs typeface="Aharoni" pitchFamily="2" charset="-79"/>
+              </a:rPr>
+              <a:t>t</a:t>
+            </a:r>
+            <a:r>
+              <a:rPr lang="en-US" sz="2000" u="none">
+                <a:solidFill>
+                  <a:srgbClr val="F79646">
+                    <a:lumMod val="75000"/>
+                  </a:srgbClr>
+                </a:solidFill>
+                <a:latin typeface="Arial Black" pitchFamily="34" charset="0"/>
+                <a:cs typeface="Aharoni" pitchFamily="2" charset="-79"/>
+              </a:rPr>
+              <a:t>ext </a:t>
+            </a:r>
+            <a:r>
+              <a:rPr lang="en-US" sz="6600" u="none">
+                <a:solidFill>
+                  <a:srgbClr val="F79646">
+                    <a:lumMod val="75000"/>
+                  </a:srgbClr>
+                </a:solidFill>
+                <a:latin typeface="Arial Black" pitchFamily="34" charset="0"/>
+                <a:cs typeface="Aharoni" pitchFamily="2" charset="-79"/>
+              </a:rPr>
+              <a:t>b</a:t>
+            </a:r>
+            <a:r>
+              <a:rPr lang="en-US" sz="9600" u="none">
+                <a:solidFill>
+                  <a:srgbClr val="FF0000"/>
+                </a:solidFill>
+                <a:latin typeface="Arial Black" pitchFamily="34" charset="0"/>
+                <a:cs typeface="Aharoni" pitchFamily="2" charset="-79"/>
+              </a:rPr>
+              <a:t>o</a:t>
+            </a:r>
+            <a:r>
+              <a:rPr lang="en-US" sz="6600" u="none">
+                <a:solidFill>
+                  <a:srgbClr val="F79646">
+                    <a:lumMod val="75000"/>
+                  </a:srgbClr>
+                </a:solidFill>
+                <a:latin typeface="Arial Black" pitchFamily="34" charset="0"/>
+                <a:cs typeface="Aharoni" pitchFamily="2" charset="-79"/>
+              </a:rPr>
+              <a:t>x </a:t>
+            </a:r>
+            <a:r>
+              <a:rPr lang="en-US" sz="1800" u="none">
+                <a:solidFill>
+                  <a:prstClr val="black"/>
+                </a:solidFill>
+                <a:latin typeface="Arial Black" pitchFamily="34" charset="0"/>
+              </a:rPr>
+              <a:t>with </a:t>
+            </a:r>
+            <a:r>
+              <a:rPr lang="en-US" sz="1800" u="none">
+                <a:solidFill>
+                  <a:prstClr val="black"/>
+                </a:solidFill>
+              </a:rPr>
+              <a:t>a</a:t>
+            </a:r>
+            <a:r>
+              <a:rPr lang="en-US" u="none">
+                <a:solidFill>
+                  <a:prstClr val="black"/>
+                </a:solidFill>
+              </a:rPr>
+              <a:t> lot of </a:t>
+            </a:r>
+            <a:r>
+              <a:rPr lang="en-US" sz="8800" b="1" u="none">
+                <a:solidFill>
+                  <a:srgbClr val="FF0000"/>
+                </a:solidFill>
+              </a:rPr>
+              <a:t>text</a:t>
+            </a:r>
+          </a:p>
+          <a:p>
+            <a:pPr marL="285750" lvl="0" indent="-285750">
+              <a:buFont typeface="Arial" pitchFamily="34" charset="0"/>
+              <a:buChar char="•"/>
+            </a:pPr>
+            <a:r>
+              <a:rPr lang="en-US" u="none">
+                <a:solidFill>
+                  <a:prstClr val="black"/>
+                </a:solidFill>
+              </a:rPr>
+              <a:t>In </a:t>
+            </a:r>
+            <a:r>
+              <a:rPr lang="en-US">
+                <a:solidFill>
+                  <a:prstClr val="black"/>
+                </a:solidFill>
+                <a:latin typeface="Arial Black" pitchFamily="34" charset="0"/>
+              </a:rPr>
+              <a:t>multiple</a:t>
+            </a:r>
+            <a:r>
+              <a:rPr lang="en-US" u="none">
+                <a:solidFill>
+                  <a:prstClr val="black"/>
+                </a:solidFill>
+              </a:rPr>
+              <a:t>      </a:t>
+            </a:r>
+            <a:r>
+              <a:rPr lang="en-US" u="none">
+                <a:solidFill>
+                  <a:srgbClr val="0070C0"/>
+                </a:solidFill>
+              </a:rPr>
+              <a:t>paragraphs</a:t>
+            </a:r>
+          </a:p>
+          <a:p>
+            <a:pPr marL="285750" lvl="0" indent="-285750">
+              <a:buFont typeface="Arial" pitchFamily="34" charset="0"/>
+              <a:buChar char="•"/>
+            </a:pPr>
+            <a:r>
+              <a:rPr lang="en-US" u="none">
+                <a:solidFill>
+                  <a:srgbClr val="0070C0"/>
+                </a:solidFill>
+              </a:rPr>
+              <a:t>Such Fun!</a:t>
+            </a:r>
+          </a:p>
+          <a:p>
+            <a:r>
+              <a:rPr lang="en-US" u="none">
+                <a:solidFill>
+                  <a:prstClr val="black"/>
+                </a:solidFill>
+              </a:rPr>
+              <a:t>With </a:t>
+            </a:r>
+            <a:r>
+              <a:rPr lang="en-US" b="1" u="none">
+                <a:solidFill>
+                  <a:srgbClr val="FF0000"/>
+                </a:solidFill>
+              </a:rPr>
+              <a:t>v</a:t>
+            </a:r>
+            <a:r>
+              <a:rPr lang="en-US" b="1" u="none">
+                <a:solidFill>
+                  <a:srgbClr val="FFC000"/>
+                </a:solidFill>
+              </a:rPr>
+              <a:t>a</a:t>
+            </a:r>
+            <a:r>
+              <a:rPr lang="en-US" b="1" u="none">
+                <a:solidFill>
+                  <a:srgbClr val="FFFF00"/>
+                </a:solidFill>
+              </a:rPr>
+              <a:t>r</a:t>
+            </a:r>
+            <a:r>
+              <a:rPr lang="en-US" b="1" u="none">
+                <a:solidFill>
+                  <a:srgbClr val="00B050"/>
+                </a:solidFill>
+              </a:rPr>
+              <a:t>y</a:t>
+            </a:r>
+            <a:r>
+              <a:rPr lang="en-US" b="1" u="none">
+                <a:solidFill>
+                  <a:srgbClr val="0070C0"/>
+                </a:solidFill>
+              </a:rPr>
+              <a:t>i</a:t>
+            </a:r>
+            <a:r>
+              <a:rPr lang="en-US" b="1" u="none">
+                <a:solidFill>
+                  <a:srgbClr val="7030A0"/>
+                </a:solidFill>
+              </a:rPr>
+              <a:t>n</a:t>
+            </a:r>
+            <a:r>
+              <a:rPr lang="en-US" b="1" u="none">
+                <a:solidFill>
+                  <a:srgbClr val="002060"/>
+                </a:solidFill>
+              </a:rPr>
+              <a:t>g</a:t>
+            </a:r>
+            <a:r>
+              <a:rPr lang="en-US" u="none">
+                <a:solidFill>
+                  <a:prstClr val="black"/>
+                </a:solidFill>
+              </a:rPr>
+              <a:t> </a:t>
+            </a:r>
+            <a:r>
+              <a:rPr lang="en-US" u="none">
+                <a:solidFill>
+                  <a:srgbClr val="00B050"/>
+                </a:solidFill>
+                <a:latin typeface="Arial Black" pitchFamily="34" charset="0"/>
+              </a:rPr>
+              <a:t>styles</a:t>
+            </a:r>
+            <a:endParaRPr lang="en-US" dirty="0"/>
+          </a:p>
+        </p:txBody>
+      </p:sp>
+      <p:sp>
+        <p:nvSpPr>
+          <p:cNvPr id="8" name="Unnamed Shape 20150624172013382914"/>
+          <p:cNvSpPr>
+            <a:spLocks/>
+          </p:cNvSpPr>
+          <p:nvPr/>
+        </p:nvSpPr>
+        <p:spPr>
+          <a:xfrm>
+            <a:off x="-914400" y="844109"/>
             <a:ext cx="2667000" cy="2286000"/>
           </a:xfrm>
           <a:prstGeom prst="ellipse">
             <a:avLst/>
           </a:prstGeom>
           <a:solidFill>
-            <a:srgbClr val="FFFF00"/>
+            <a:srgbClr val="002060"/>
           </a:solidFill>
         </p:spPr>
         <p:style>
@@ -20178,232 +21101,10 @@
           </a:p>
         </p:txBody>
       </p:sp>
-      <p:sp>
-        <p:nvSpPr>
-          <p:cNvPr id="10" name="Unnamed Shape 2015061918583905561"/>
-          <p:cNvSpPr txBox="1">
-            <a:spLocks/>
-          </p:cNvSpPr>
-          <p:nvPr/>
-        </p:nvSpPr>
-        <p:spPr>
-          <a:xfrm>
-            <a:off x="3048000" y="3189744"/>
-            <a:ext cx="6730560" cy="2677656"/>
-          </a:xfrm>
-          <a:prstGeom prst="rect">
-            <a:avLst/>
-          </a:prstGeom>
-          <a:noFill/>
-        </p:spPr>
-        <p:txBody>
-          <a:bodyPr wrap="none" rtlCol="0">
-            <a:spAutoFit/>
-          </a:bodyPr>
-          <a:lstStyle>
-            <a:defPPr>
-              <a:defRPr lang="en-US"/>
-            </a:defPPr>
-            <a:lvl1pPr>
-              <a:defRPr sz="3600" u="sng"/>
-            </a:lvl1pPr>
-          </a:lstStyle>
-          <a:p>
-            <a:pPr lvl="0"/>
-            <a:r>
-              <a:rPr lang="en-US">
-                <a:solidFill>
-                  <a:prstClr val="black"/>
-                </a:solidFill>
-              </a:rPr>
-              <a:t>Test</a:t>
-            </a:r>
-            <a:r>
-              <a:rPr lang="en-US" u="none">
-                <a:solidFill>
-                  <a:prstClr val="black"/>
-                </a:solidFill>
-              </a:rPr>
-              <a:t> </a:t>
-            </a:r>
-            <a:r>
-              <a:rPr lang="en-US" b="1" u="none">
-                <a:solidFill>
-                  <a:prstClr val="black"/>
-                </a:solidFill>
-              </a:rPr>
-              <a:t>text b</a:t>
-            </a:r>
-            <a:r>
-              <a:rPr lang="en-US" sz="9600" b="1" u="none">
-                <a:solidFill>
-                  <a:srgbClr val="FF0000"/>
-                </a:solidFill>
-              </a:rPr>
-              <a:t>o</a:t>
-            </a:r>
-            <a:r>
-              <a:rPr lang="en-US" b="1" u="none">
-                <a:solidFill>
-                  <a:prstClr val="black"/>
-                </a:solidFill>
-              </a:rPr>
-              <a:t>x </a:t>
-            </a:r>
-            <a:r>
-              <a:rPr lang="en-US" sz="1800" u="none">
-                <a:solidFill>
-                  <a:prstClr val="black"/>
-                </a:solidFill>
-              </a:rPr>
-              <a:t>with a</a:t>
-            </a:r>
-            <a:r>
-              <a:rPr lang="en-US" u="none">
-                <a:solidFill>
-                  <a:prstClr val="black"/>
-                </a:solidFill>
-              </a:rPr>
-              <a:t> lot of </a:t>
-            </a:r>
-            <a:r>
-              <a:rPr lang="en-US" sz="8800" b="1" u="none">
-                <a:solidFill>
-                  <a:srgbClr val="FF0000"/>
-                </a:solidFill>
-              </a:rPr>
-              <a:t>text</a:t>
-            </a:r>
-          </a:p>
-          <a:p>
-            <a:pPr marL="285750" lvl="0" indent="-285750">
-              <a:buFont typeface="Arial" pitchFamily="34" charset="0"/>
-              <a:buChar char="•"/>
-            </a:pPr>
-            <a:r>
-              <a:rPr lang="en-US" u="none">
-                <a:solidFill>
-                  <a:prstClr val="black"/>
-                </a:solidFill>
-              </a:rPr>
-              <a:t>In </a:t>
-            </a:r>
-            <a:r>
-              <a:rPr lang="en-US">
-                <a:solidFill>
-                  <a:prstClr val="black"/>
-                </a:solidFill>
-                <a:latin typeface="Arial Black" pitchFamily="34" charset="0"/>
-              </a:rPr>
-              <a:t>multiple</a:t>
-            </a:r>
-            <a:r>
-              <a:rPr lang="en-US" u="none">
-                <a:solidFill>
-                  <a:prstClr val="black"/>
-                </a:solidFill>
-              </a:rPr>
-              <a:t>      </a:t>
-            </a:r>
-            <a:r>
-              <a:rPr lang="en-US" u="none">
-                <a:solidFill>
-                  <a:srgbClr val="0070C0"/>
-                </a:solidFill>
-              </a:rPr>
-              <a:t>paragraphs</a:t>
-            </a:r>
-          </a:p>
-          <a:p>
-            <a:r>
-              <a:rPr lang="en-US" u="none">
-                <a:solidFill>
-                  <a:prstClr val="black"/>
-                </a:solidFill>
-              </a:rPr>
-              <a:t>With </a:t>
-            </a:r>
-            <a:r>
-              <a:rPr lang="en-US" b="1" u="none">
-                <a:solidFill>
-                  <a:srgbClr val="FF0000"/>
-                </a:solidFill>
-              </a:rPr>
-              <a:t>v</a:t>
-            </a:r>
-            <a:r>
-              <a:rPr lang="en-US" b="1" u="none">
-                <a:solidFill>
-                  <a:srgbClr val="FFC000"/>
-                </a:solidFill>
-              </a:rPr>
-              <a:t>a</a:t>
-            </a:r>
-            <a:r>
-              <a:rPr lang="en-US" b="1" u="none">
-                <a:solidFill>
-                  <a:srgbClr val="FFFF00"/>
-                </a:solidFill>
-              </a:rPr>
-              <a:t>r</a:t>
-            </a:r>
-            <a:r>
-              <a:rPr lang="en-US" b="1" u="none">
-                <a:solidFill>
-                  <a:srgbClr val="00B050"/>
-                </a:solidFill>
-              </a:rPr>
-              <a:t>y</a:t>
-            </a:r>
-            <a:r>
-              <a:rPr lang="en-US" b="1" u="none">
-                <a:solidFill>
-                  <a:srgbClr val="0070C0"/>
-                </a:solidFill>
-              </a:rPr>
-              <a:t>i</a:t>
-            </a:r>
-            <a:r>
-              <a:rPr lang="en-US" b="1" u="none">
-                <a:solidFill>
-                  <a:srgbClr val="7030A0"/>
-                </a:solidFill>
-              </a:rPr>
-              <a:t>n</a:t>
-            </a:r>
-            <a:r>
-              <a:rPr lang="en-US" b="1" u="none">
-                <a:solidFill>
-                  <a:srgbClr val="002060"/>
-                </a:solidFill>
-              </a:rPr>
-              <a:t>g</a:t>
-            </a:r>
-            <a:r>
-              <a:rPr lang="en-US" u="none">
-                <a:solidFill>
-                  <a:prstClr val="black"/>
-                </a:solidFill>
-              </a:rPr>
-              <a:t> </a:t>
-            </a:r>
-            <a:r>
-              <a:rPr lang="en-US" u="none">
-                <a:solidFill>
-                  <a:srgbClr val="00B050"/>
-                </a:solidFill>
-                <a:latin typeface="Arial Black" pitchFamily="34" charset="0"/>
-              </a:rPr>
-              <a:t>styles</a:t>
-            </a:r>
-            <a:endParaRPr lang="en-US" dirty="0"/>
-          </a:p>
-        </p:txBody>
-      </p:sp>
     </p:spTree>
     <p:extLst>
       <p:ext uri="{BB962C8B-B14F-4D97-AF65-F5344CB8AC3E}">
-        <p14:creationId xmlns:p14="http://schemas.microsoft.com/office/powerpoint/2010/main" val="4286599415"/>
+        <p14:creationId xmlns:p14="http://schemas.microsoft.com/office/powerpoint/2010/main" val="684770748"/>
       </p:ext>
     </p:extLst>
   </p:cSld>
@@ -20549,7 +21250,7 @@
       </p:grpSpPr>
       <p:pic>
         <p:nvPicPr>
-          <p:cNvPr id="2" name="PPTIndicator201506191858400228"/>
+          <p:cNvPr id="2" name="PPTIndicator201506241720142230"/>
           <p:cNvPicPr>
             <a:picLocks/>
           </p:cNvPicPr>
@@ -20579,7 +21280,7 @@
       </p:pic>
       <p:sp>
         <p:nvSpPr>
-          <p:cNvPr id="5" name="Objects with same name"/>
+          <p:cNvPr id="11" name="Unnamed Shape 20150624172013387919"/>
           <p:cNvSpPr>
             <a:spLocks/>
           </p:cNvSpPr>
@@ -20587,7 +21288,7 @@
         </p:nvSpPr>
         <p:spPr>
           <a:xfrm>
-            <a:off x="1248770" y="611875"/>
+            <a:off x="2057400" y="728869"/>
             <a:ext cx="2667000" cy="2286000"/>
           </a:xfrm>
           <a:prstGeom prst="ellipse">
@@ -20624,7 +21325,7 @@
       </p:sp>
       <p:sp>
         <p:nvSpPr>
-          <p:cNvPr id="6" name="Unnamed Shape 2015061918583907122"/>
+          <p:cNvPr id="6" name="Unnamed Shape 20150624172013387917"/>
           <p:cNvSpPr>
             <a:spLocks/>
           </p:cNvSpPr>
@@ -20632,14 +21333,14 @@
         </p:nvSpPr>
         <p:spPr>
           <a:xfrm>
-            <a:off x="486770" y="611875"/>
+            <a:off x="1104900" y="794413"/>
             <a:ext cx="2667000" cy="2286000"/>
           </a:xfrm>
           <a:prstGeom prst="ellipse">
             <a:avLst/>
           </a:prstGeom>
           <a:solidFill>
-            <a:srgbClr val="FFFF00"/>
+            <a:srgbClr val="002060"/>
           </a:solidFill>
         </p:spPr>
         <p:style>
@@ -20669,7 +21370,7 @@
       </p:sp>
       <p:sp>
         <p:nvSpPr>
-          <p:cNvPr id="7" name="Unnamed Shape 2015061918583907123"/>
+          <p:cNvPr id="13" name="Unnamed Shape 20150624172013388921"/>
           <p:cNvSpPr>
             <a:spLocks/>
           </p:cNvSpPr>
@@ -20677,7 +21378,7 @@
         </p:nvSpPr>
         <p:spPr>
           <a:xfrm>
-            <a:off x="-427630" y="609600"/>
+            <a:off x="152400" y="728869"/>
             <a:ext cx="2667000" cy="2286000"/>
           </a:xfrm>
           <a:prstGeom prst="ellipse">
@@ -20714,7 +21415,7 @@
       </p:sp>
       <p:sp>
         <p:nvSpPr>
-          <p:cNvPr id="8" name="PptLabsAgenda_&amp;^@ContentShape_&amp;^@2015061916283877850"/>
+          <p:cNvPr id="9" name="PptLabsAgenda_&amp;^@ContentShape_&amp;^@2015061916283877850"/>
           <p:cNvSpPr txBox="1">
             <a:spLocks/>
           </p:cNvSpPr>
@@ -20914,22 +21615,301 @@
       </p:sp>
       <p:sp>
         <p:nvSpPr>
-          <p:cNvPr id="9" name="Unnamed Shape 2015061918583905560"/>
-          <p:cNvSpPr>
+          <p:cNvPr id="10" name="Unnamed Shape 20150624172013385915"/>
+          <p:cNvSpPr txBox="1">
             <a:spLocks/>
           </p:cNvSpPr>
           <p:nvPr/>
         </p:nvSpPr>
         <p:spPr>
           <a:xfrm>
-            <a:off x="-1189630" y="609600"/>
+            <a:off x="2279182" y="2743200"/>
+            <a:ext cx="7948651" cy="3231654"/>
+          </a:xfrm>
+          <a:prstGeom prst="rect">
+            <a:avLst/>
+          </a:prstGeom>
+          <a:noFill/>
+        </p:spPr>
+        <p:txBody>
+          <a:bodyPr wrap="none" rtlCol="0">
+            <a:spAutoFit/>
+          </a:bodyPr>
+          <a:lstStyle>
+            <a:defPPr>
+              <a:defRPr lang="en-US"/>
+            </a:defPPr>
+            <a:lvl1pPr>
+              <a:defRPr sz="3600" u="sng"/>
+            </a:lvl1pPr>
+          </a:lstStyle>
+          <a:p>
+            <a:pPr lvl="0"/>
+            <a:r>
+              <a:rPr lang="en-US">
+                <a:solidFill>
+                  <a:prstClr val="black"/>
+                </a:solidFill>
+              </a:rPr>
+              <a:t>Test</a:t>
+            </a:r>
+            <a:r>
+              <a:rPr lang="en-US" u="none">
+                <a:solidFill>
+                  <a:prstClr val="black"/>
+                </a:solidFill>
+              </a:rPr>
+              <a:t> </a:t>
+            </a:r>
+            <a:r>
+              <a:rPr lang="en-US" sz="6600" u="none">
+                <a:solidFill>
+                  <a:srgbClr val="F79646">
+                    <a:lumMod val="75000"/>
+                  </a:srgbClr>
+                </a:solidFill>
+                <a:latin typeface="Arial Black" pitchFamily="34" charset="0"/>
+                <a:cs typeface="Aharoni" pitchFamily="2" charset="-79"/>
+              </a:rPr>
+              <a:t>t</a:t>
+            </a:r>
+            <a:r>
+              <a:rPr lang="en-US" sz="2000" u="none">
+                <a:solidFill>
+                  <a:srgbClr val="F79646">
+                    <a:lumMod val="75000"/>
+                  </a:srgbClr>
+                </a:solidFill>
+                <a:latin typeface="Arial Black" pitchFamily="34" charset="0"/>
+                <a:cs typeface="Aharoni" pitchFamily="2" charset="-79"/>
+              </a:rPr>
+              <a:t>ext </a:t>
+            </a:r>
+            <a:r>
+              <a:rPr lang="en-US" sz="6600" u="none">
+                <a:solidFill>
+                  <a:srgbClr val="F79646">
+                    <a:lumMod val="75000"/>
+                  </a:srgbClr>
+                </a:solidFill>
+                <a:latin typeface="Arial Black" pitchFamily="34" charset="0"/>
+                <a:cs typeface="Aharoni" pitchFamily="2" charset="-79"/>
+              </a:rPr>
+              <a:t>b</a:t>
+            </a:r>
+            <a:r>
+              <a:rPr lang="en-US" sz="9600" u="none">
+                <a:solidFill>
+                  <a:srgbClr val="FF0000"/>
+                </a:solidFill>
+                <a:latin typeface="Arial Black" pitchFamily="34" charset="0"/>
+                <a:cs typeface="Aharoni" pitchFamily="2" charset="-79"/>
+              </a:rPr>
+              <a:t>o</a:t>
+            </a:r>
+            <a:r>
+              <a:rPr lang="en-US" sz="6600" u="none">
+                <a:solidFill>
+                  <a:srgbClr val="F79646">
+                    <a:lumMod val="75000"/>
+                  </a:srgbClr>
+                </a:solidFill>
+                <a:latin typeface="Arial Black" pitchFamily="34" charset="0"/>
+                <a:cs typeface="Aharoni" pitchFamily="2" charset="-79"/>
+              </a:rPr>
+              <a:t>x </a:t>
+            </a:r>
+            <a:r>
+              <a:rPr lang="en-US" sz="1800" u="none">
+                <a:solidFill>
+                  <a:prstClr val="black"/>
+                </a:solidFill>
+                <a:latin typeface="Arial Black" pitchFamily="34" charset="0"/>
+              </a:rPr>
+              <a:t>with </a:t>
+            </a:r>
+            <a:r>
+              <a:rPr lang="en-US" sz="1800" u="none">
+                <a:solidFill>
+                  <a:prstClr val="black"/>
+                </a:solidFill>
+              </a:rPr>
+              <a:t>a</a:t>
+            </a:r>
+            <a:r>
+              <a:rPr lang="en-US" u="none">
+                <a:solidFill>
+                  <a:prstClr val="black"/>
+                </a:solidFill>
+              </a:rPr>
+              <a:t> lot of </a:t>
+            </a:r>
+            <a:r>
+              <a:rPr lang="en-US" sz="8800" b="1" u="none">
+                <a:solidFill>
+                  <a:srgbClr val="FF0000"/>
+                </a:solidFill>
+              </a:rPr>
+              <a:t>text</a:t>
+            </a:r>
+          </a:p>
+          <a:p>
+            <a:pPr marL="285750" lvl="0" indent="-285750">
+              <a:buFont typeface="Arial" pitchFamily="34" charset="0"/>
+              <a:buChar char="•"/>
+            </a:pPr>
+            <a:r>
+              <a:rPr lang="en-US" u="none">
+                <a:solidFill>
+                  <a:prstClr val="black"/>
+                </a:solidFill>
+              </a:rPr>
+              <a:t>In </a:t>
+            </a:r>
+            <a:r>
+              <a:rPr lang="en-US">
+                <a:solidFill>
+                  <a:prstClr val="black"/>
+                </a:solidFill>
+                <a:latin typeface="Arial Black" pitchFamily="34" charset="0"/>
+              </a:rPr>
+              <a:t>multiple</a:t>
+            </a:r>
+            <a:r>
+              <a:rPr lang="en-US" u="none">
+                <a:solidFill>
+                  <a:prstClr val="black"/>
+                </a:solidFill>
+              </a:rPr>
+              <a:t>      </a:t>
+            </a:r>
+            <a:r>
+              <a:rPr lang="en-US" u="none">
+                <a:solidFill>
+                  <a:srgbClr val="0070C0"/>
+                </a:solidFill>
+              </a:rPr>
+              <a:t>paragraphs</a:t>
+            </a:r>
+          </a:p>
+          <a:p>
+            <a:pPr marL="285750" lvl="0" indent="-285750">
+              <a:buFont typeface="Arial" pitchFamily="34" charset="0"/>
+              <a:buChar char="•"/>
+            </a:pPr>
+            <a:r>
+              <a:rPr lang="en-US" u="none">
+                <a:solidFill>
+                  <a:srgbClr val="0070C0"/>
+                </a:solidFill>
+              </a:rPr>
+              <a:t>Such Fun!</a:t>
+            </a:r>
+          </a:p>
+          <a:p>
+            <a:r>
+              <a:rPr lang="en-US" u="none">
+                <a:solidFill>
+                  <a:prstClr val="black"/>
+                </a:solidFill>
+              </a:rPr>
+              <a:t>With </a:t>
+            </a:r>
+            <a:r>
+              <a:rPr lang="en-US" b="1" u="none">
+                <a:solidFill>
+                  <a:srgbClr val="FF0000"/>
+                </a:solidFill>
+              </a:rPr>
+              <a:t>v</a:t>
+            </a:r>
+            <a:r>
+              <a:rPr lang="en-US" b="1" u="none">
+                <a:solidFill>
+                  <a:srgbClr val="FFC000"/>
+                </a:solidFill>
+              </a:rPr>
+              <a:t>a</a:t>
+            </a:r>
+            <a:r>
+              <a:rPr lang="en-US" b="1" u="none">
+                <a:solidFill>
+                  <a:srgbClr val="FFFF00"/>
+                </a:solidFill>
+              </a:rPr>
+              <a:t>r</a:t>
+            </a:r>
+            <a:r>
+              <a:rPr lang="en-US" b="1" u="none">
+                <a:solidFill>
+                  <a:srgbClr val="00B050"/>
+                </a:solidFill>
+              </a:rPr>
+              <a:t>y</a:t>
+            </a:r>
+            <a:r>
+              <a:rPr lang="en-US" b="1" u="none">
+                <a:solidFill>
+                  <a:srgbClr val="0070C0"/>
+                </a:solidFill>
+              </a:rPr>
+              <a:t>i</a:t>
+            </a:r>
+            <a:r>
+              <a:rPr lang="en-US" b="1" u="none">
+                <a:solidFill>
+                  <a:srgbClr val="7030A0"/>
+                </a:solidFill>
+              </a:rPr>
+              <a:t>n</a:t>
+            </a:r>
+            <a:r>
+              <a:rPr lang="en-US" b="1" u="none">
+                <a:solidFill>
+                  <a:srgbClr val="002060"/>
+                </a:solidFill>
+              </a:rPr>
+              <a:t>g</a:t>
+            </a:r>
+            <a:r>
+              <a:rPr lang="en-US" u="none">
+                <a:solidFill>
+                  <a:prstClr val="black"/>
+                </a:solidFill>
+              </a:rPr>
+              <a:t> </a:t>
+            </a:r>
+            <a:r>
+              <a:rPr lang="en-US" u="none">
+                <a:solidFill>
+                  <a:srgbClr val="00B050"/>
+                </a:solidFill>
+                <a:latin typeface="Arial Black" pitchFamily="34" charset="0"/>
+              </a:rPr>
+              <a:t>styles</a:t>
+            </a:r>
+            <a:endParaRPr lang="en-US" dirty="0"/>
+          </a:p>
+        </p:txBody>
+      </p:sp>
+      <p:sp>
+        <p:nvSpPr>
+          <p:cNvPr id="8" name="Unnamed Shape 20150624172013382914"/>
+          <p:cNvSpPr>
+            <a:spLocks/>
+          </p:cNvSpPr>
+          <p:nvPr/>
+        </p:nvSpPr>
+        <p:spPr>
+          <a:xfrm>
+            <a:off x="-914400" y="844109"/>
             <a:ext cx="2667000" cy="2286000"/>
           </a:xfrm>
           <a:prstGeom prst="ellipse">
             <a:avLst/>
           </a:prstGeom>
           <a:solidFill>
-            <a:srgbClr val="FFFF00"/>
+            <a:srgbClr val="002060"/>
           </a:solidFill>
         </p:spPr>
         <p:style>
@@ -20957,232 +21937,10 @@
           </a:p>
         </p:txBody>
       </p:sp>
-      <p:sp>
-        <p:nvSpPr>
-          <p:cNvPr id="10" name="Unnamed Shape 2015061918583905561"/>
-          <p:cNvSpPr txBox="1">
-            <a:spLocks/>
-          </p:cNvSpPr>
-          <p:nvPr/>
-        </p:nvSpPr>
-        <p:spPr>
-          <a:xfrm>
-            <a:off x="3048000" y="3189744"/>
-            <a:ext cx="6730560" cy="2677656"/>
-          </a:xfrm>
-          <a:prstGeom prst="rect">
-            <a:avLst/>
-          </a:prstGeom>
-          <a:noFill/>
-        </p:spPr>
-        <p:txBody>
-          <a:bodyPr wrap="none" rtlCol="0">
-            <a:spAutoFit/>
-          </a:bodyPr>
-          <a:lstStyle>
-            <a:defPPr>
-              <a:defRPr lang="en-US"/>
-            </a:defPPr>
-            <a:lvl1pPr>
-              <a:defRPr sz="3600" u="sng"/>
-            </a:lvl1pPr>
-          </a:lstStyle>
-          <a:p>
-            <a:pPr lvl="0"/>
-            <a:r>
-              <a:rPr lang="en-US">
-                <a:solidFill>
-                  <a:prstClr val="black"/>
-                </a:solidFill>
-              </a:rPr>
-              <a:t>Test</a:t>
-            </a:r>
-            <a:r>
-              <a:rPr lang="en-US" u="none">
-                <a:solidFill>
-                  <a:prstClr val="black"/>
-                </a:solidFill>
-              </a:rPr>
-              <a:t> </a:t>
-            </a:r>
-            <a:r>
-              <a:rPr lang="en-US" b="1" u="none">
-                <a:solidFill>
-                  <a:prstClr val="black"/>
-                </a:solidFill>
-              </a:rPr>
-              <a:t>text b</a:t>
-            </a:r>
-            <a:r>
-              <a:rPr lang="en-US" sz="9600" b="1" u="none">
-                <a:solidFill>
-                  <a:srgbClr val="FF0000"/>
-                </a:solidFill>
-              </a:rPr>
-              <a:t>o</a:t>
-            </a:r>
-            <a:r>
-              <a:rPr lang="en-US" b="1" u="none">
-                <a:solidFill>
-                  <a:prstClr val="black"/>
-                </a:solidFill>
-              </a:rPr>
-              <a:t>x </a:t>
-            </a:r>
-            <a:r>
-              <a:rPr lang="en-US" sz="1800" u="none">
-                <a:solidFill>
-                  <a:prstClr val="black"/>
-                </a:solidFill>
-              </a:rPr>
-              <a:t>with a</a:t>
-            </a:r>
-            <a:r>
-              <a:rPr lang="en-US" u="none">
-                <a:solidFill>
-                  <a:prstClr val="black"/>
-                </a:solidFill>
-              </a:rPr>
-              <a:t> lot of </a:t>
-            </a:r>
-            <a:r>
-              <a:rPr lang="en-US" sz="8800" b="1" u="none">
-                <a:solidFill>
-                  <a:srgbClr val="FF0000"/>
-                </a:solidFill>
-              </a:rPr>
-              <a:t>text</a:t>
-            </a:r>
-          </a:p>
-          <a:p>
-            <a:pPr marL="285750" lvl="0" indent="-285750">
-              <a:buFont typeface="Arial" pitchFamily="34" charset="0"/>
-              <a:buChar char="•"/>
-            </a:pPr>
-            <a:r>
-              <a:rPr lang="en-US" u="none">
-                <a:solidFill>
-                  <a:prstClr val="black"/>
-                </a:solidFill>
-              </a:rPr>
-              <a:t>In </a:t>
-            </a:r>
-            <a:r>
-              <a:rPr lang="en-US">
-                <a:solidFill>
-                  <a:prstClr val="black"/>
-                </a:solidFill>
-                <a:latin typeface="Arial Black" pitchFamily="34" charset="0"/>
-              </a:rPr>
-              <a:t>multiple</a:t>
-            </a:r>
-            <a:r>
-              <a:rPr lang="en-US" u="none">
-                <a:solidFill>
-                  <a:prstClr val="black"/>
-                </a:solidFill>
-              </a:rPr>
-              <a:t>      </a:t>
-            </a:r>
-            <a:r>
-              <a:rPr lang="en-US" u="none">
-                <a:solidFill>
-                  <a:srgbClr val="0070C0"/>
-                </a:solidFill>
-              </a:rPr>
-              <a:t>paragraphs</a:t>
-            </a:r>
-          </a:p>
-          <a:p>
-            <a:r>
-              <a:rPr lang="en-US" u="none">
-                <a:solidFill>
-                  <a:prstClr val="black"/>
-                </a:solidFill>
-              </a:rPr>
-              <a:t>With </a:t>
-            </a:r>
-            <a:r>
-              <a:rPr lang="en-US" b="1" u="none">
-                <a:solidFill>
-                  <a:srgbClr val="FF0000"/>
-                </a:solidFill>
-              </a:rPr>
-              <a:t>v</a:t>
-            </a:r>
-            <a:r>
-              <a:rPr lang="en-US" b="1" u="none">
-                <a:solidFill>
-                  <a:srgbClr val="FFC000"/>
-                </a:solidFill>
-              </a:rPr>
-              <a:t>a</a:t>
-            </a:r>
-            <a:r>
-              <a:rPr lang="en-US" b="1" u="none">
-                <a:solidFill>
-                  <a:srgbClr val="FFFF00"/>
-                </a:solidFill>
-              </a:rPr>
-              <a:t>r</a:t>
-            </a:r>
-            <a:r>
-              <a:rPr lang="en-US" b="1" u="none">
-                <a:solidFill>
-                  <a:srgbClr val="00B050"/>
-                </a:solidFill>
-              </a:rPr>
-              <a:t>y</a:t>
-            </a:r>
-            <a:r>
-              <a:rPr lang="en-US" b="1" u="none">
-                <a:solidFill>
-                  <a:srgbClr val="0070C0"/>
-                </a:solidFill>
-              </a:rPr>
-              <a:t>i</a:t>
-            </a:r>
-            <a:r>
-              <a:rPr lang="en-US" b="1" u="none">
-                <a:solidFill>
-                  <a:srgbClr val="7030A0"/>
-                </a:solidFill>
-              </a:rPr>
-              <a:t>n</a:t>
-            </a:r>
-            <a:r>
-              <a:rPr lang="en-US" b="1" u="none">
-                <a:solidFill>
-                  <a:srgbClr val="002060"/>
-                </a:solidFill>
-              </a:rPr>
-              <a:t>g</a:t>
-            </a:r>
-            <a:r>
-              <a:rPr lang="en-US" u="none">
-                <a:solidFill>
-                  <a:prstClr val="black"/>
-                </a:solidFill>
-              </a:rPr>
-              <a:t> </a:t>
-            </a:r>
-            <a:r>
-              <a:rPr lang="en-US" u="none">
-                <a:solidFill>
-                  <a:srgbClr val="00B050"/>
-                </a:solidFill>
-                <a:latin typeface="Arial Black" pitchFamily="34" charset="0"/>
-              </a:rPr>
-              <a:t>styles</a:t>
-            </a:r>
-            <a:endParaRPr lang="en-US" dirty="0"/>
-          </a:p>
-        </p:txBody>
-      </p:sp>
     </p:spTree>
     <p:extLst>
       <p:ext uri="{BB962C8B-B14F-4D97-AF65-F5344CB8AC3E}">
-        <p14:creationId xmlns:p14="http://schemas.microsoft.com/office/powerpoint/2010/main" val="296892583"/>
+        <p14:creationId xmlns:p14="http://schemas.microsoft.com/office/powerpoint/2010/main" val="2403897829"/>
       </p:ext>
     </p:extLst>
   </p:cSld>

--- a/doc/test/AgendaSlidesTextAfterSync.pptx
+++ b/doc/test/AgendaSlidesTextAfterSync.pptx
@@ -37,7 +37,7 @@
     <p:sldId id="314" r:id="rId28"/>
     <p:sldId id="325" r:id="rId29"/>
     <p:sldId id="333" r:id="rId30"/>
-    <p:sldId id="334" r:id="rId31"/>
+    <p:sldId id="337" r:id="rId31"/>
   </p:sldIdLst>
   <p:sldSz cx="9144000" cy="6858000" type="screen4x3"/>
   <p:notesSz cx="6858000" cy="9144000"/>
@@ -192,13 +192,13 @@
             <p14:sldId id="314"/>
             <p14:sldId id="325"/>
             <p14:sldId id="333"/>
-            <p14:sldId id="334"/>
+            <p14:sldId id="337"/>
           </p14:sldIdLst>
         </p14:section>
       </p14:sectionLst>
     </p:ext>
     <p:ext uri="{EFAFB233-063F-42B5-8137-9DF3F51BA10A}">
-      <p15:sldGuideLst xmlns:p15="http://schemas.microsoft.com/office/powerpoint/2012/main" xmlns="">
+      <p15:sldGuideLst xmlns:p15="http://schemas.microsoft.com/office/powerpoint/2012/main">
         <p15:guide id="1" orient="horz" pos="2160">
           <p15:clr>
             <a:srgbClr val="A4A3A4"/>
@@ -297,7 +297,7 @@
           <a:p>
             <a:fld id="{C33977A5-270E-4E03-B118-17345E304686}" type="datetimeFigureOut">
               <a:rPr lang="en-US" smtClean="0"/>
-              <a:t>30-Jun-15</a:t>
+              <a:t>1/23/2017</a:t>
             </a:fld>
             <a:endParaRPr lang="en-US"/>
           </a:p>
@@ -361,38 +361,37 @@
           <a:p>
             <a:pPr lvl="0"/>
             <a:r>
-              <a:rPr lang="en-US" smtClean="0"/>
+              <a:rPr lang="en-US"/>
               <a:t>Click to edit Master text styles</a:t>
             </a:r>
           </a:p>
           <a:p>
             <a:pPr lvl="1"/>
             <a:r>
-              <a:rPr lang="en-US" smtClean="0"/>
+              <a:rPr lang="en-US"/>
               <a:t>Second level</a:t>
             </a:r>
           </a:p>
           <a:p>
             <a:pPr lvl="2"/>
             <a:r>
-              <a:rPr lang="en-US" smtClean="0"/>
+              <a:rPr lang="en-US"/>
               <a:t>Third level</a:t>
             </a:r>
           </a:p>
           <a:p>
             <a:pPr lvl="3"/>
             <a:r>
-              <a:rPr lang="en-US" smtClean="0"/>
+              <a:rPr lang="en-US"/>
               <a:t>Fourth level</a:t>
             </a:r>
           </a:p>
           <a:p>
             <a:pPr lvl="4"/>
             <a:r>
-              <a:rPr lang="en-US" smtClean="0"/>
+              <a:rPr lang="en-US"/>
               <a:t>Fifth level</a:t>
             </a:r>
-            <a:endParaRPr lang="en-US"/>
           </a:p>
         </p:txBody>
       </p:sp>
@@ -610,18 +609,17 @@
           <a:lstStyle/>
           <a:p>
             <a:r>
-              <a:rPr lang="en-US" dirty="0" smtClean="0"/>
+              <a:rPr lang="en-US" dirty="0"/>
               <a:t>This notes page is used to store data - Do not edit the notes. VW5uYW1lZCBTaGFwZSAyMDE1MDYyNDE3MjAxMzM4NzkxOQ==@VW5uYW1lZCBTaGFwZSAyMDE1MDYyNDE3MjAxMzM4NzkxNw==@VW5uYW1lZCBTaGFwZSAyMDE1MDYyNDE3MjAxMzM4ODkyMQ==@</a:t>
             </a:r>
             <a:r>
-              <a:rPr lang="en-US" dirty="0" err="1" smtClean="0"/>
+              <a:rPr lang="en-US" dirty="0" err="1"/>
               <a:t>UFBUVGVtcGxhdGVNYXJrZXI</a:t>
             </a:r>
             <a:r>
-              <a:rPr lang="en-US" smtClean="0"/>
+              <a:rPr lang="en-US"/>
               <a:t>=@UHB0TGFic0FnZW5kYV8mXkBDb250ZW50U2hhcGVfJl5AMjAxNTA2MTkxNjI4Mzg3Nzg1MA==@VW5uYW1lZCBTaGFwZSAyMDE1MDYyNDE3MjAxMzM4NTkxNQ==@VW5uYW1lZCBTaGFwZSAyMDE1MDYyNDE3MjAxMzM4MjkxNA==@1532297848</a:t>
             </a:r>
-            <a:endParaRPr lang="en-US"/>
           </a:p>
         </p:txBody>
       </p:sp>
@@ -699,10 +697,9 @@
           <a:lstStyle/>
           <a:p>
             <a:r>
-              <a:rPr lang="en-US" smtClean="0"/>
+              <a:rPr lang="en-US"/>
               <a:t>Click to edit Master title style</a:t>
             </a:r>
-            <a:endParaRPr lang="en-US"/>
           </a:p>
         </p:txBody>
       </p:sp>
@@ -818,10 +815,9 @@
           </a:lstStyle>
           <a:p>
             <a:r>
-              <a:rPr lang="en-US" smtClean="0"/>
+              <a:rPr lang="en-US"/>
               <a:t>Click to edit Master subtitle style</a:t>
             </a:r>
-            <a:endParaRPr lang="en-US"/>
           </a:p>
         </p:txBody>
       </p:sp>
@@ -842,7 +838,7 @@
           <a:p>
             <a:fld id="{699DC775-C286-4358-8C92-D7E584E969B3}" type="datetimeFigureOut">
               <a:rPr lang="en-US" smtClean="0"/>
-              <a:t>30-Jun-15</a:t>
+              <a:t>1/23/2017</a:t>
             </a:fld>
             <a:endParaRPr lang="en-US"/>
           </a:p>
@@ -936,10 +932,9 @@
           <a:lstStyle/>
           <a:p>
             <a:r>
-              <a:rPr lang="en-US" smtClean="0"/>
+              <a:rPr lang="en-US"/>
               <a:t>Click to edit Master title style</a:t>
             </a:r>
-            <a:endParaRPr lang="en-US"/>
           </a:p>
         </p:txBody>
       </p:sp>
@@ -960,38 +955,37 @@
           <a:p>
             <a:pPr lvl="0"/>
             <a:r>
-              <a:rPr lang="en-US" smtClean="0"/>
+              <a:rPr lang="en-US"/>
               <a:t>Click to edit Master text styles</a:t>
             </a:r>
           </a:p>
           <a:p>
             <a:pPr lvl="1"/>
             <a:r>
-              <a:rPr lang="en-US" smtClean="0"/>
+              <a:rPr lang="en-US"/>
               <a:t>Second level</a:t>
             </a:r>
           </a:p>
           <a:p>
             <a:pPr lvl="2"/>
             <a:r>
-              <a:rPr lang="en-US" smtClean="0"/>
+              <a:rPr lang="en-US"/>
               <a:t>Third level</a:t>
             </a:r>
           </a:p>
           <a:p>
             <a:pPr lvl="3"/>
             <a:r>
-              <a:rPr lang="en-US" smtClean="0"/>
+              <a:rPr lang="en-US"/>
               <a:t>Fourth level</a:t>
             </a:r>
           </a:p>
           <a:p>
             <a:pPr lvl="4"/>
             <a:r>
-              <a:rPr lang="en-US" smtClean="0"/>
+              <a:rPr lang="en-US"/>
               <a:t>Fifth level</a:t>
             </a:r>
-            <a:endParaRPr lang="en-US"/>
           </a:p>
         </p:txBody>
       </p:sp>
@@ -1012,7 +1006,7 @@
           <a:p>
             <a:fld id="{699DC775-C286-4358-8C92-D7E584E969B3}" type="datetimeFigureOut">
               <a:rPr lang="en-US" smtClean="0"/>
-              <a:t>30-Jun-15</a:t>
+              <a:t>1/23/2017</a:t>
             </a:fld>
             <a:endParaRPr lang="en-US"/>
           </a:p>
@@ -1111,10 +1105,9 @@
           <a:lstStyle/>
           <a:p>
             <a:r>
-              <a:rPr lang="en-US" smtClean="0"/>
+              <a:rPr lang="en-US"/>
               <a:t>Click to edit Master title style</a:t>
             </a:r>
-            <a:endParaRPr lang="en-US"/>
           </a:p>
         </p:txBody>
       </p:sp>
@@ -1140,38 +1133,37 @@
           <a:p>
             <a:pPr lvl="0"/>
             <a:r>
-              <a:rPr lang="en-US" smtClean="0"/>
+              <a:rPr lang="en-US"/>
               <a:t>Click to edit Master text styles</a:t>
             </a:r>
           </a:p>
           <a:p>
             <a:pPr lvl="1"/>
             <a:r>
-              <a:rPr lang="en-US" smtClean="0"/>
+              <a:rPr lang="en-US"/>
               <a:t>Second level</a:t>
             </a:r>
           </a:p>
           <a:p>
             <a:pPr lvl="2"/>
             <a:r>
-              <a:rPr lang="en-US" smtClean="0"/>
+              <a:rPr lang="en-US"/>
               <a:t>Third level</a:t>
             </a:r>
           </a:p>
           <a:p>
             <a:pPr lvl="3"/>
             <a:r>
-              <a:rPr lang="en-US" smtClean="0"/>
+              <a:rPr lang="en-US"/>
               <a:t>Fourth level</a:t>
             </a:r>
           </a:p>
           <a:p>
             <a:pPr lvl="4"/>
             <a:r>
-              <a:rPr lang="en-US" smtClean="0"/>
+              <a:rPr lang="en-US"/>
               <a:t>Fifth level</a:t>
             </a:r>
-            <a:endParaRPr lang="en-US"/>
           </a:p>
         </p:txBody>
       </p:sp>
@@ -1192,7 +1184,7 @@
           <a:p>
             <a:fld id="{699DC775-C286-4358-8C92-D7E584E969B3}" type="datetimeFigureOut">
               <a:rPr lang="en-US" smtClean="0"/>
-              <a:t>30-Jun-15</a:t>
+              <a:t>1/23/2017</a:t>
             </a:fld>
             <a:endParaRPr lang="en-US"/>
           </a:p>
@@ -1286,10 +1278,9 @@
           <a:lstStyle/>
           <a:p>
             <a:r>
-              <a:rPr lang="en-US" smtClean="0"/>
+              <a:rPr lang="en-US"/>
               <a:t>Click to edit Master title style</a:t>
             </a:r>
-            <a:endParaRPr lang="en-US"/>
           </a:p>
         </p:txBody>
       </p:sp>
@@ -1310,38 +1301,37 @@
           <a:p>
             <a:pPr lvl="0"/>
             <a:r>
-              <a:rPr lang="en-US" smtClean="0"/>
+              <a:rPr lang="en-US"/>
               <a:t>Click to edit Master text styles</a:t>
             </a:r>
           </a:p>
           <a:p>
             <a:pPr lvl="1"/>
             <a:r>
-              <a:rPr lang="en-US" smtClean="0"/>
+              <a:rPr lang="en-US"/>
               <a:t>Second level</a:t>
             </a:r>
           </a:p>
           <a:p>
             <a:pPr lvl="2"/>
             <a:r>
-              <a:rPr lang="en-US" smtClean="0"/>
+              <a:rPr lang="en-US"/>
               <a:t>Third level</a:t>
             </a:r>
           </a:p>
           <a:p>
             <a:pPr lvl="3"/>
             <a:r>
-              <a:rPr lang="en-US" smtClean="0"/>
+              <a:rPr lang="en-US"/>
               <a:t>Fourth level</a:t>
             </a:r>
           </a:p>
           <a:p>
             <a:pPr lvl="4"/>
             <a:r>
-              <a:rPr lang="en-US" smtClean="0"/>
+              <a:rPr lang="en-US"/>
               <a:t>Fifth level</a:t>
             </a:r>
-            <a:endParaRPr lang="en-US"/>
           </a:p>
         </p:txBody>
       </p:sp>
@@ -1362,7 +1352,7 @@
           <a:p>
             <a:fld id="{699DC775-C286-4358-8C92-D7E584E969B3}" type="datetimeFigureOut">
               <a:rPr lang="en-US" smtClean="0"/>
-              <a:t>30-Jun-15</a:t>
+              <a:t>1/23/2017</a:t>
             </a:fld>
             <a:endParaRPr lang="en-US"/>
           </a:p>
@@ -1461,10 +1451,9 @@
           <a:lstStyle/>
           <a:p>
             <a:r>
-              <a:rPr lang="en-US" smtClean="0"/>
+              <a:rPr lang="en-US"/>
               <a:t>Click to edit Master title style</a:t>
             </a:r>
-            <a:endParaRPr lang="en-US"/>
           </a:p>
         </p:txBody>
       </p:sp>
@@ -1580,10 +1569,9 @@
           </a:lstStyle>
           <a:p>
             <a:r>
-              <a:rPr lang="en-US" smtClean="0"/>
+              <a:rPr lang="en-US"/>
               <a:t>Click to edit Master subtitle style</a:t>
             </a:r>
-            <a:endParaRPr lang="en-US"/>
           </a:p>
         </p:txBody>
       </p:sp>
@@ -1604,7 +1592,7 @@
           <a:p>
             <a:fld id="{699DC775-C286-4358-8C92-D7E584E969B3}" type="datetimeFigureOut">
               <a:rPr lang="en-US" smtClean="0"/>
-              <a:t>30-Jun-15</a:t>
+              <a:t>1/23/2017</a:t>
             </a:fld>
             <a:endParaRPr lang="en-US"/>
           </a:p>
@@ -1698,10 +1686,9 @@
           <a:lstStyle/>
           <a:p>
             <a:r>
-              <a:rPr lang="en-US" smtClean="0"/>
+              <a:rPr lang="en-US"/>
               <a:t>Click to edit Master title style</a:t>
             </a:r>
-            <a:endParaRPr lang="en-US"/>
           </a:p>
         </p:txBody>
       </p:sp>
@@ -1722,38 +1709,37 @@
           <a:p>
             <a:pPr lvl="0"/>
             <a:r>
-              <a:rPr lang="en-US" smtClean="0"/>
+              <a:rPr lang="en-US"/>
               <a:t>Click to edit Master text styles</a:t>
             </a:r>
           </a:p>
           <a:p>
             <a:pPr lvl="1"/>
             <a:r>
-              <a:rPr lang="en-US" smtClean="0"/>
+              <a:rPr lang="en-US"/>
               <a:t>Second level</a:t>
             </a:r>
           </a:p>
           <a:p>
             <a:pPr lvl="2"/>
             <a:r>
-              <a:rPr lang="en-US" smtClean="0"/>
+              <a:rPr lang="en-US"/>
               <a:t>Third level</a:t>
             </a:r>
           </a:p>
           <a:p>
             <a:pPr lvl="3"/>
             <a:r>
-              <a:rPr lang="en-US" smtClean="0"/>
+              <a:rPr lang="en-US"/>
               <a:t>Fourth level</a:t>
             </a:r>
           </a:p>
           <a:p>
             <a:pPr lvl="4"/>
             <a:r>
-              <a:rPr lang="en-US" smtClean="0"/>
+              <a:rPr lang="en-US"/>
               <a:t>Fifth level</a:t>
             </a:r>
-            <a:endParaRPr lang="en-US"/>
           </a:p>
         </p:txBody>
       </p:sp>
@@ -1774,7 +1760,7 @@
           <a:p>
             <a:fld id="{699DC775-C286-4358-8C92-D7E584E969B3}" type="datetimeFigureOut">
               <a:rPr lang="en-US" smtClean="0"/>
-              <a:t>30-Jun-15</a:t>
+              <a:t>1/23/2017</a:t>
             </a:fld>
             <a:endParaRPr lang="en-US"/>
           </a:p>
@@ -1877,10 +1863,9 @@
           </a:lstStyle>
           <a:p>
             <a:r>
-              <a:rPr lang="en-US" smtClean="0"/>
+              <a:rPr lang="en-US"/>
               <a:t>Click to edit Master title style</a:t>
             </a:r>
-            <a:endParaRPr lang="en-US"/>
           </a:p>
         </p:txBody>
       </p:sp>
@@ -1997,7 +1982,7 @@
           <a:p>
             <a:pPr lvl="0"/>
             <a:r>
-              <a:rPr lang="en-US" smtClean="0"/>
+              <a:rPr lang="en-US"/>
               <a:t>Click to edit Master text styles</a:t>
             </a:r>
           </a:p>
@@ -2020,7 +2005,7 @@
           <a:p>
             <a:fld id="{699DC775-C286-4358-8C92-D7E584E969B3}" type="datetimeFigureOut">
               <a:rPr lang="en-US" smtClean="0"/>
-              <a:t>30-Jun-15</a:t>
+              <a:t>1/23/2017</a:t>
             </a:fld>
             <a:endParaRPr lang="en-US"/>
           </a:p>
@@ -2114,10 +2099,9 @@
           <a:lstStyle/>
           <a:p>
             <a:r>
-              <a:rPr lang="en-US" smtClean="0"/>
+              <a:rPr lang="en-US"/>
               <a:t>Click to edit Master title style</a:t>
             </a:r>
-            <a:endParaRPr lang="en-US"/>
           </a:p>
         </p:txBody>
       </p:sp>
@@ -2171,38 +2155,37 @@
           <a:p>
             <a:pPr lvl="0"/>
             <a:r>
-              <a:rPr lang="en-US" smtClean="0"/>
+              <a:rPr lang="en-US"/>
               <a:t>Click to edit Master text styles</a:t>
             </a:r>
           </a:p>
           <a:p>
             <a:pPr lvl="1"/>
             <a:r>
-              <a:rPr lang="en-US" smtClean="0"/>
+              <a:rPr lang="en-US"/>
               <a:t>Second level</a:t>
             </a:r>
           </a:p>
           <a:p>
             <a:pPr lvl="2"/>
             <a:r>
-              <a:rPr lang="en-US" smtClean="0"/>
+              <a:rPr lang="en-US"/>
               <a:t>Third level</a:t>
             </a:r>
           </a:p>
           <a:p>
             <a:pPr lvl="3"/>
             <a:r>
-              <a:rPr lang="en-US" smtClean="0"/>
+              <a:rPr lang="en-US"/>
               <a:t>Fourth level</a:t>
             </a:r>
           </a:p>
           <a:p>
             <a:pPr lvl="4"/>
             <a:r>
-              <a:rPr lang="en-US" smtClean="0"/>
+              <a:rPr lang="en-US"/>
               <a:t>Fifth level</a:t>
             </a:r>
-            <a:endParaRPr lang="en-US"/>
           </a:p>
         </p:txBody>
       </p:sp>
@@ -2256,38 +2239,37 @@
           <a:p>
             <a:pPr lvl="0"/>
             <a:r>
-              <a:rPr lang="en-US" smtClean="0"/>
+              <a:rPr lang="en-US"/>
               <a:t>Click to edit Master text styles</a:t>
             </a:r>
           </a:p>
           <a:p>
             <a:pPr lvl="1"/>
             <a:r>
-              <a:rPr lang="en-US" smtClean="0"/>
+              <a:rPr lang="en-US"/>
               <a:t>Second level</a:t>
             </a:r>
           </a:p>
           <a:p>
             <a:pPr lvl="2"/>
             <a:r>
-              <a:rPr lang="en-US" smtClean="0"/>
+              <a:rPr lang="en-US"/>
               <a:t>Third level</a:t>
             </a:r>
           </a:p>
           <a:p>
             <a:pPr lvl="3"/>
             <a:r>
-              <a:rPr lang="en-US" smtClean="0"/>
+              <a:rPr lang="en-US"/>
               <a:t>Fourth level</a:t>
             </a:r>
           </a:p>
           <a:p>
             <a:pPr lvl="4"/>
             <a:r>
-              <a:rPr lang="en-US" smtClean="0"/>
+              <a:rPr lang="en-US"/>
               <a:t>Fifth level</a:t>
             </a:r>
-            <a:endParaRPr lang="en-US"/>
           </a:p>
         </p:txBody>
       </p:sp>
@@ -2308,7 +2290,7 @@
           <a:p>
             <a:fld id="{699DC775-C286-4358-8C92-D7E584E969B3}" type="datetimeFigureOut">
               <a:rPr lang="en-US" smtClean="0"/>
-              <a:t>30-Jun-15</a:t>
+              <a:t>1/23/2017</a:t>
             </a:fld>
             <a:endParaRPr lang="en-US"/>
           </a:p>
@@ -2406,10 +2388,9 @@
           </a:lstStyle>
           <a:p>
             <a:r>
-              <a:rPr lang="en-US" smtClean="0"/>
+              <a:rPr lang="en-US"/>
               <a:t>Click to edit Master title style</a:t>
             </a:r>
-            <a:endParaRPr lang="en-US"/>
           </a:p>
         </p:txBody>
       </p:sp>
@@ -2472,7 +2453,7 @@
           <a:p>
             <a:pPr lvl="0"/>
             <a:r>
-              <a:rPr lang="en-US" smtClean="0"/>
+              <a:rPr lang="en-US"/>
               <a:t>Click to edit Master text styles</a:t>
             </a:r>
           </a:p>
@@ -2528,38 +2509,37 @@
           <a:p>
             <a:pPr lvl="0"/>
             <a:r>
-              <a:rPr lang="en-US" smtClean="0"/>
+              <a:rPr lang="en-US"/>
               <a:t>Click to edit Master text styles</a:t>
             </a:r>
           </a:p>
           <a:p>
             <a:pPr lvl="1"/>
             <a:r>
-              <a:rPr lang="en-US" smtClean="0"/>
+              <a:rPr lang="en-US"/>
               <a:t>Second level</a:t>
             </a:r>
           </a:p>
           <a:p>
             <a:pPr lvl="2"/>
             <a:r>
-              <a:rPr lang="en-US" smtClean="0"/>
+              <a:rPr lang="en-US"/>
               <a:t>Third level</a:t>
             </a:r>
           </a:p>
           <a:p>
             <a:pPr lvl="3"/>
             <a:r>
-              <a:rPr lang="en-US" smtClean="0"/>
+              <a:rPr lang="en-US"/>
               <a:t>Fourth level</a:t>
             </a:r>
           </a:p>
           <a:p>
             <a:pPr lvl="4"/>
             <a:r>
-              <a:rPr lang="en-US" smtClean="0"/>
+              <a:rPr lang="en-US"/>
               <a:t>Fifth level</a:t>
             </a:r>
-            <a:endParaRPr lang="en-US"/>
           </a:p>
         </p:txBody>
       </p:sp>
@@ -2622,7 +2602,7 @@
           <a:p>
             <a:pPr lvl="0"/>
             <a:r>
-              <a:rPr lang="en-US" smtClean="0"/>
+              <a:rPr lang="en-US"/>
               <a:t>Click to edit Master text styles</a:t>
             </a:r>
           </a:p>
@@ -2678,38 +2658,37 @@
           <a:p>
             <a:pPr lvl="0"/>
             <a:r>
-              <a:rPr lang="en-US" smtClean="0"/>
+              <a:rPr lang="en-US"/>
               <a:t>Click to edit Master text styles</a:t>
             </a:r>
           </a:p>
           <a:p>
             <a:pPr lvl="1"/>
             <a:r>
-              <a:rPr lang="en-US" smtClean="0"/>
+              <a:rPr lang="en-US"/>
               <a:t>Second level</a:t>
             </a:r>
           </a:p>
           <a:p>
             <a:pPr lvl="2"/>
             <a:r>
-              <a:rPr lang="en-US" smtClean="0"/>
+              <a:rPr lang="en-US"/>
               <a:t>Third level</a:t>
             </a:r>
           </a:p>
           <a:p>
             <a:pPr lvl="3"/>
             <a:r>
-              <a:rPr lang="en-US" smtClean="0"/>
+              <a:rPr lang="en-US"/>
               <a:t>Fourth level</a:t>
             </a:r>
           </a:p>
           <a:p>
             <a:pPr lvl="4"/>
             <a:r>
-              <a:rPr lang="en-US" smtClean="0"/>
+              <a:rPr lang="en-US"/>
               <a:t>Fifth level</a:t>
             </a:r>
-            <a:endParaRPr lang="en-US"/>
           </a:p>
         </p:txBody>
       </p:sp>
@@ -2730,7 +2709,7 @@
           <a:p>
             <a:fld id="{699DC775-C286-4358-8C92-D7E584E969B3}" type="datetimeFigureOut">
               <a:rPr lang="en-US" smtClean="0"/>
-              <a:t>30-Jun-15</a:t>
+              <a:t>1/23/2017</a:t>
             </a:fld>
             <a:endParaRPr lang="en-US"/>
           </a:p>
@@ -2824,10 +2803,9 @@
           <a:lstStyle/>
           <a:p>
             <a:r>
-              <a:rPr lang="en-US" smtClean="0"/>
+              <a:rPr lang="en-US"/>
               <a:t>Click to edit Master title style</a:t>
             </a:r>
-            <a:endParaRPr lang="en-US"/>
           </a:p>
         </p:txBody>
       </p:sp>
@@ -2848,7 +2826,7 @@
           <a:p>
             <a:fld id="{699DC775-C286-4358-8C92-D7E584E969B3}" type="datetimeFigureOut">
               <a:rPr lang="en-US" smtClean="0"/>
-              <a:t>30-Jun-15</a:t>
+              <a:t>1/23/2017</a:t>
             </a:fld>
             <a:endParaRPr lang="en-US"/>
           </a:p>
@@ -2943,7 +2921,7 @@
           <a:p>
             <a:fld id="{699DC775-C286-4358-8C92-D7E584E969B3}" type="datetimeFigureOut">
               <a:rPr lang="en-US" smtClean="0"/>
-              <a:t>30-Jun-15</a:t>
+              <a:t>1/23/2017</a:t>
             </a:fld>
             <a:endParaRPr lang="en-US"/>
           </a:p>
@@ -3037,10 +3015,9 @@
           <a:lstStyle/>
           <a:p>
             <a:r>
-              <a:rPr lang="en-US" smtClean="0"/>
+              <a:rPr lang="en-US"/>
               <a:t>Click to edit Master title style</a:t>
             </a:r>
-            <a:endParaRPr lang="en-US"/>
           </a:p>
         </p:txBody>
       </p:sp>
@@ -3061,38 +3038,37 @@
           <a:p>
             <a:pPr lvl="0"/>
             <a:r>
-              <a:rPr lang="en-US" smtClean="0"/>
+              <a:rPr lang="en-US"/>
               <a:t>Click to edit Master text styles</a:t>
             </a:r>
           </a:p>
           <a:p>
             <a:pPr lvl="1"/>
             <a:r>
-              <a:rPr lang="en-US" smtClean="0"/>
+              <a:rPr lang="en-US"/>
               <a:t>Second level</a:t>
             </a:r>
           </a:p>
           <a:p>
             <a:pPr lvl="2"/>
             <a:r>
-              <a:rPr lang="en-US" smtClean="0"/>
+              <a:rPr lang="en-US"/>
               <a:t>Third level</a:t>
             </a:r>
           </a:p>
           <a:p>
             <a:pPr lvl="3"/>
             <a:r>
-              <a:rPr lang="en-US" smtClean="0"/>
+              <a:rPr lang="en-US"/>
               <a:t>Fourth level</a:t>
             </a:r>
           </a:p>
           <a:p>
             <a:pPr lvl="4"/>
             <a:r>
-              <a:rPr lang="en-US" smtClean="0"/>
+              <a:rPr lang="en-US"/>
               <a:t>Fifth level</a:t>
             </a:r>
-            <a:endParaRPr lang="en-US"/>
           </a:p>
         </p:txBody>
       </p:sp>
@@ -3113,7 +3089,7 @@
           <a:p>
             <a:fld id="{699DC775-C286-4358-8C92-D7E584E969B3}" type="datetimeFigureOut">
               <a:rPr lang="en-US" smtClean="0"/>
-              <a:t>30-Jun-15</a:t>
+              <a:t>1/23/2017</a:t>
             </a:fld>
             <a:endParaRPr lang="en-US"/>
           </a:p>
@@ -3216,10 +3192,9 @@
           </a:lstStyle>
           <a:p>
             <a:r>
-              <a:rPr lang="en-US" smtClean="0"/>
+              <a:rPr lang="en-US"/>
               <a:t>Click to edit Master title style</a:t>
             </a:r>
-            <a:endParaRPr lang="en-US"/>
           </a:p>
         </p:txBody>
       </p:sp>
@@ -3273,38 +3248,37 @@
           <a:p>
             <a:pPr lvl="0"/>
             <a:r>
-              <a:rPr lang="en-US" smtClean="0"/>
+              <a:rPr lang="en-US"/>
               <a:t>Click to edit Master text styles</a:t>
             </a:r>
           </a:p>
           <a:p>
             <a:pPr lvl="1"/>
             <a:r>
-              <a:rPr lang="en-US" smtClean="0"/>
+              <a:rPr lang="en-US"/>
               <a:t>Second level</a:t>
             </a:r>
           </a:p>
           <a:p>
             <a:pPr lvl="2"/>
             <a:r>
-              <a:rPr lang="en-US" smtClean="0"/>
+              <a:rPr lang="en-US"/>
               <a:t>Third level</a:t>
             </a:r>
           </a:p>
           <a:p>
             <a:pPr lvl="3"/>
             <a:r>
-              <a:rPr lang="en-US" smtClean="0"/>
+              <a:rPr lang="en-US"/>
               <a:t>Fourth level</a:t>
             </a:r>
           </a:p>
           <a:p>
             <a:pPr lvl="4"/>
             <a:r>
-              <a:rPr lang="en-US" smtClean="0"/>
+              <a:rPr lang="en-US"/>
               <a:t>Fifth level</a:t>
             </a:r>
-            <a:endParaRPr lang="en-US"/>
           </a:p>
         </p:txBody>
       </p:sp>
@@ -3367,7 +3341,7 @@
           <a:p>
             <a:pPr lvl="0"/>
             <a:r>
-              <a:rPr lang="en-US" smtClean="0"/>
+              <a:rPr lang="en-US"/>
               <a:t>Click to edit Master text styles</a:t>
             </a:r>
           </a:p>
@@ -3390,7 +3364,7 @@
           <a:p>
             <a:fld id="{699DC775-C286-4358-8C92-D7E584E969B3}" type="datetimeFigureOut">
               <a:rPr lang="en-US" smtClean="0"/>
-              <a:t>30-Jun-15</a:t>
+              <a:t>1/23/2017</a:t>
             </a:fld>
             <a:endParaRPr lang="en-US"/>
           </a:p>
@@ -3493,10 +3467,9 @@
           </a:lstStyle>
           <a:p>
             <a:r>
-              <a:rPr lang="en-US" smtClean="0"/>
+              <a:rPr lang="en-US"/>
               <a:t>Click to edit Master title style</a:t>
             </a:r>
-            <a:endParaRPr lang="en-US"/>
           </a:p>
         </p:txBody>
       </p:sp>
@@ -3620,7 +3593,7 @@
           <a:p>
             <a:pPr lvl="0"/>
             <a:r>
-              <a:rPr lang="en-US" smtClean="0"/>
+              <a:rPr lang="en-US"/>
               <a:t>Click to edit Master text styles</a:t>
             </a:r>
           </a:p>
@@ -3643,7 +3616,7 @@
           <a:p>
             <a:fld id="{699DC775-C286-4358-8C92-D7E584E969B3}" type="datetimeFigureOut">
               <a:rPr lang="en-US" smtClean="0"/>
-              <a:t>30-Jun-15</a:t>
+              <a:t>1/23/2017</a:t>
             </a:fld>
             <a:endParaRPr lang="en-US"/>
           </a:p>
@@ -3737,10 +3710,9 @@
           <a:lstStyle/>
           <a:p>
             <a:r>
-              <a:rPr lang="en-US" smtClean="0"/>
+              <a:rPr lang="en-US"/>
               <a:t>Click to edit Master title style</a:t>
             </a:r>
-            <a:endParaRPr lang="en-US"/>
           </a:p>
         </p:txBody>
       </p:sp>
@@ -3761,38 +3733,37 @@
           <a:p>
             <a:pPr lvl="0"/>
             <a:r>
-              <a:rPr lang="en-US" smtClean="0"/>
+              <a:rPr lang="en-US"/>
               <a:t>Click to edit Master text styles</a:t>
             </a:r>
           </a:p>
           <a:p>
             <a:pPr lvl="1"/>
             <a:r>
-              <a:rPr lang="en-US" smtClean="0"/>
+              <a:rPr lang="en-US"/>
               <a:t>Second level</a:t>
             </a:r>
           </a:p>
           <a:p>
             <a:pPr lvl="2"/>
             <a:r>
-              <a:rPr lang="en-US" smtClean="0"/>
+              <a:rPr lang="en-US"/>
               <a:t>Third level</a:t>
             </a:r>
           </a:p>
           <a:p>
             <a:pPr lvl="3"/>
             <a:r>
-              <a:rPr lang="en-US" smtClean="0"/>
+              <a:rPr lang="en-US"/>
               <a:t>Fourth level</a:t>
             </a:r>
           </a:p>
           <a:p>
             <a:pPr lvl="4"/>
             <a:r>
-              <a:rPr lang="en-US" smtClean="0"/>
+              <a:rPr lang="en-US"/>
               <a:t>Fifth level</a:t>
             </a:r>
-            <a:endParaRPr lang="en-US"/>
           </a:p>
         </p:txBody>
       </p:sp>
@@ -3813,7 +3784,7 @@
           <a:p>
             <a:fld id="{699DC775-C286-4358-8C92-D7E584E969B3}" type="datetimeFigureOut">
               <a:rPr lang="en-US" smtClean="0"/>
-              <a:t>30-Jun-15</a:t>
+              <a:t>1/23/2017</a:t>
             </a:fld>
             <a:endParaRPr lang="en-US"/>
           </a:p>
@@ -3912,10 +3883,9 @@
           <a:lstStyle/>
           <a:p>
             <a:r>
-              <a:rPr lang="en-US" smtClean="0"/>
+              <a:rPr lang="en-US"/>
               <a:t>Click to edit Master title style</a:t>
             </a:r>
-            <a:endParaRPr lang="en-US"/>
           </a:p>
         </p:txBody>
       </p:sp>
@@ -3941,38 +3911,37 @@
           <a:p>
             <a:pPr lvl="0"/>
             <a:r>
-              <a:rPr lang="en-US" smtClean="0"/>
+              <a:rPr lang="en-US"/>
               <a:t>Click to edit Master text styles</a:t>
             </a:r>
           </a:p>
           <a:p>
             <a:pPr lvl="1"/>
             <a:r>
-              <a:rPr lang="en-US" smtClean="0"/>
+              <a:rPr lang="en-US"/>
               <a:t>Second level</a:t>
             </a:r>
           </a:p>
           <a:p>
             <a:pPr lvl="2"/>
             <a:r>
-              <a:rPr lang="en-US" smtClean="0"/>
+              <a:rPr lang="en-US"/>
               <a:t>Third level</a:t>
             </a:r>
           </a:p>
           <a:p>
             <a:pPr lvl="3"/>
             <a:r>
-              <a:rPr lang="en-US" smtClean="0"/>
+              <a:rPr lang="en-US"/>
               <a:t>Fourth level</a:t>
             </a:r>
           </a:p>
           <a:p>
             <a:pPr lvl="4"/>
             <a:r>
-              <a:rPr lang="en-US" smtClean="0"/>
+              <a:rPr lang="en-US"/>
               <a:t>Fifth level</a:t>
             </a:r>
-            <a:endParaRPr lang="en-US"/>
           </a:p>
         </p:txBody>
       </p:sp>
@@ -3993,7 +3962,7 @@
           <a:p>
             <a:fld id="{699DC775-C286-4358-8C92-D7E584E969B3}" type="datetimeFigureOut">
               <a:rPr lang="en-US" smtClean="0"/>
-              <a:t>30-Jun-15</a:t>
+              <a:t>1/23/2017</a:t>
             </a:fld>
             <a:endParaRPr lang="en-US"/>
           </a:p>
@@ -4087,10 +4056,9 @@
           <a:lstStyle/>
           <a:p>
             <a:r>
-              <a:rPr lang="en-US" smtClean="0"/>
+              <a:rPr lang="en-US"/>
               <a:t>Click to edit Master title style</a:t>
             </a:r>
-            <a:endParaRPr lang="en-US"/>
           </a:p>
         </p:txBody>
       </p:sp>
@@ -4111,38 +4079,37 @@
           <a:p>
             <a:pPr lvl="0"/>
             <a:r>
-              <a:rPr lang="en-US" smtClean="0"/>
+              <a:rPr lang="en-US"/>
               <a:t>Click to edit Master text styles</a:t>
             </a:r>
           </a:p>
           <a:p>
             <a:pPr lvl="1"/>
             <a:r>
-              <a:rPr lang="en-US" smtClean="0"/>
+              <a:rPr lang="en-US"/>
               <a:t>Second level</a:t>
             </a:r>
           </a:p>
           <a:p>
             <a:pPr lvl="2"/>
             <a:r>
-              <a:rPr lang="en-US" smtClean="0"/>
+              <a:rPr lang="en-US"/>
               <a:t>Third level</a:t>
             </a:r>
           </a:p>
           <a:p>
             <a:pPr lvl="3"/>
             <a:r>
-              <a:rPr lang="en-US" smtClean="0"/>
+              <a:rPr lang="en-US"/>
               <a:t>Fourth level</a:t>
             </a:r>
           </a:p>
           <a:p>
             <a:pPr lvl="4"/>
             <a:r>
-              <a:rPr lang="en-US" smtClean="0"/>
+              <a:rPr lang="en-US"/>
               <a:t>Fifth level</a:t>
             </a:r>
-            <a:endParaRPr lang="en-US"/>
           </a:p>
         </p:txBody>
       </p:sp>
@@ -4163,7 +4130,7 @@
           <a:p>
             <a:fld id="{699DC775-C286-4358-8C92-D7E584E969B3}" type="datetimeFigureOut">
               <a:rPr lang="en-US" smtClean="0"/>
-              <a:t>30-Jun-15</a:t>
+              <a:t>1/23/2017</a:t>
             </a:fld>
             <a:endParaRPr lang="en-US"/>
           </a:p>
@@ -4270,10 +4237,9 @@
           <a:lstStyle/>
           <a:p>
             <a:r>
-              <a:rPr lang="en-US" smtClean="0"/>
+              <a:rPr lang="en-US"/>
               <a:t>Click to edit Master title style</a:t>
             </a:r>
-            <a:endParaRPr lang="en-US"/>
           </a:p>
         </p:txBody>
       </p:sp>
@@ -4389,10 +4355,9 @@
           </a:lstStyle>
           <a:p>
             <a:r>
-              <a:rPr lang="en-US" smtClean="0"/>
+              <a:rPr lang="en-US"/>
               <a:t>Click to edit Master subtitle style</a:t>
             </a:r>
-            <a:endParaRPr lang="en-US"/>
           </a:p>
         </p:txBody>
       </p:sp>
@@ -4413,7 +4378,7 @@
           <a:p>
             <a:fld id="{699DC775-C286-4358-8C92-D7E584E969B3}" type="datetimeFigureOut">
               <a:rPr lang="en-US" smtClean="0"/>
-              <a:t>30-Jun-15</a:t>
+              <a:t>1/23/2017</a:t>
             </a:fld>
             <a:endParaRPr lang="en-US"/>
           </a:p>
@@ -4515,10 +4480,9 @@
           <a:lstStyle/>
           <a:p>
             <a:r>
-              <a:rPr lang="en-US" smtClean="0"/>
+              <a:rPr lang="en-US"/>
               <a:t>Click to edit Master title style</a:t>
             </a:r>
-            <a:endParaRPr lang="en-US"/>
           </a:p>
         </p:txBody>
       </p:sp>
@@ -4539,38 +4503,37 @@
           <a:p>
             <a:pPr lvl="0"/>
             <a:r>
-              <a:rPr lang="en-US" smtClean="0"/>
+              <a:rPr lang="en-US"/>
               <a:t>Click to edit Master text styles</a:t>
             </a:r>
           </a:p>
           <a:p>
             <a:pPr lvl="1"/>
             <a:r>
-              <a:rPr lang="en-US" smtClean="0"/>
+              <a:rPr lang="en-US"/>
               <a:t>Second level</a:t>
             </a:r>
           </a:p>
           <a:p>
             <a:pPr lvl="2"/>
             <a:r>
-              <a:rPr lang="en-US" smtClean="0"/>
+              <a:rPr lang="en-US"/>
               <a:t>Third level</a:t>
             </a:r>
           </a:p>
           <a:p>
             <a:pPr lvl="3"/>
             <a:r>
-              <a:rPr lang="en-US" smtClean="0"/>
+              <a:rPr lang="en-US"/>
               <a:t>Fourth level</a:t>
             </a:r>
           </a:p>
           <a:p>
             <a:pPr lvl="4"/>
             <a:r>
-              <a:rPr lang="en-US" smtClean="0"/>
+              <a:rPr lang="en-US"/>
               <a:t>Fifth level</a:t>
             </a:r>
-            <a:endParaRPr lang="en-US"/>
           </a:p>
         </p:txBody>
       </p:sp>
@@ -4591,7 +4554,7 @@
           <a:p>
             <a:fld id="{699DC775-C286-4358-8C92-D7E584E969B3}" type="datetimeFigureOut">
               <a:rPr lang="en-US" smtClean="0"/>
-              <a:t>30-Jun-15</a:t>
+              <a:t>1/23/2017</a:t>
             </a:fld>
             <a:endParaRPr lang="en-US"/>
           </a:p>
@@ -4702,10 +4665,9 @@
           </a:lstStyle>
           <a:p>
             <a:r>
-              <a:rPr lang="en-US" smtClean="0"/>
+              <a:rPr lang="en-US"/>
               <a:t>Click to edit Master title style</a:t>
             </a:r>
-            <a:endParaRPr lang="en-US"/>
           </a:p>
         </p:txBody>
       </p:sp>
@@ -4822,7 +4784,7 @@
           <a:p>
             <a:pPr lvl="0"/>
             <a:r>
-              <a:rPr lang="en-US" smtClean="0"/>
+              <a:rPr lang="en-US"/>
               <a:t>Click to edit Master text styles</a:t>
             </a:r>
           </a:p>
@@ -4845,7 +4807,7 @@
           <a:p>
             <a:fld id="{699DC775-C286-4358-8C92-D7E584E969B3}" type="datetimeFigureOut">
               <a:rPr lang="en-US" smtClean="0"/>
-              <a:t>30-Jun-15</a:t>
+              <a:t>1/23/2017</a:t>
             </a:fld>
             <a:endParaRPr lang="en-US"/>
           </a:p>
@@ -4947,10 +4909,9 @@
           <a:lstStyle/>
           <a:p>
             <a:r>
-              <a:rPr lang="en-US" smtClean="0"/>
+              <a:rPr lang="en-US"/>
               <a:t>Click to edit Master title style</a:t>
             </a:r>
-            <a:endParaRPr lang="en-US"/>
           </a:p>
         </p:txBody>
       </p:sp>
@@ -5004,38 +4965,37 @@
           <a:p>
             <a:pPr lvl="0"/>
             <a:r>
-              <a:rPr lang="en-US" smtClean="0"/>
+              <a:rPr lang="en-US"/>
               <a:t>Click to edit Master text styles</a:t>
             </a:r>
           </a:p>
           <a:p>
             <a:pPr lvl="1"/>
             <a:r>
-              <a:rPr lang="en-US" smtClean="0"/>
+              <a:rPr lang="en-US"/>
               <a:t>Second level</a:t>
             </a:r>
           </a:p>
           <a:p>
             <a:pPr lvl="2"/>
             <a:r>
-              <a:rPr lang="en-US" smtClean="0"/>
+              <a:rPr lang="en-US"/>
               <a:t>Third level</a:t>
             </a:r>
           </a:p>
           <a:p>
             <a:pPr lvl="3"/>
             <a:r>
-              <a:rPr lang="en-US" smtClean="0"/>
+              <a:rPr lang="en-US"/>
               <a:t>Fourth level</a:t>
             </a:r>
           </a:p>
           <a:p>
             <a:pPr lvl="4"/>
             <a:r>
-              <a:rPr lang="en-US" smtClean="0"/>
+              <a:rPr lang="en-US"/>
               <a:t>Fifth level</a:t>
             </a:r>
-            <a:endParaRPr lang="en-US"/>
           </a:p>
         </p:txBody>
       </p:sp>
@@ -5089,38 +5049,37 @@
           <a:p>
             <a:pPr lvl="0"/>
             <a:r>
-              <a:rPr lang="en-US" smtClean="0"/>
+              <a:rPr lang="en-US"/>
               <a:t>Click to edit Master text styles</a:t>
             </a:r>
           </a:p>
           <a:p>
             <a:pPr lvl="1"/>
             <a:r>
-              <a:rPr lang="en-US" smtClean="0"/>
+              <a:rPr lang="en-US"/>
               <a:t>Second level</a:t>
             </a:r>
           </a:p>
           <a:p>
             <a:pPr lvl="2"/>
             <a:r>
-              <a:rPr lang="en-US" smtClean="0"/>
+              <a:rPr lang="en-US"/>
               <a:t>Third level</a:t>
             </a:r>
           </a:p>
           <a:p>
             <a:pPr lvl="3"/>
             <a:r>
-              <a:rPr lang="en-US" smtClean="0"/>
+              <a:rPr lang="en-US"/>
               <a:t>Fourth level</a:t>
             </a:r>
           </a:p>
           <a:p>
             <a:pPr lvl="4"/>
             <a:r>
-              <a:rPr lang="en-US" smtClean="0"/>
+              <a:rPr lang="en-US"/>
               <a:t>Fifth level</a:t>
             </a:r>
-            <a:endParaRPr lang="en-US"/>
           </a:p>
         </p:txBody>
       </p:sp>
@@ -5141,7 +5100,7 @@
           <a:p>
             <a:fld id="{699DC775-C286-4358-8C92-D7E584E969B3}" type="datetimeFigureOut">
               <a:rPr lang="en-US" smtClean="0"/>
-              <a:t>30-Jun-15</a:t>
+              <a:t>1/23/2017</a:t>
             </a:fld>
             <a:endParaRPr lang="en-US"/>
           </a:p>
@@ -5247,10 +5206,9 @@
           </a:lstStyle>
           <a:p>
             <a:r>
-              <a:rPr lang="en-US" smtClean="0"/>
+              <a:rPr lang="en-US"/>
               <a:t>Click to edit Master title style</a:t>
             </a:r>
-            <a:endParaRPr lang="en-US"/>
           </a:p>
         </p:txBody>
       </p:sp>
@@ -5313,7 +5271,7 @@
           <a:p>
             <a:pPr lvl="0"/>
             <a:r>
-              <a:rPr lang="en-US" smtClean="0"/>
+              <a:rPr lang="en-US"/>
               <a:t>Click to edit Master text styles</a:t>
             </a:r>
           </a:p>
@@ -5369,38 +5327,37 @@
           <a:p>
             <a:pPr lvl="0"/>
             <a:r>
-              <a:rPr lang="en-US" smtClean="0"/>
+              <a:rPr lang="en-US"/>
               <a:t>Click to edit Master text styles</a:t>
             </a:r>
           </a:p>
           <a:p>
             <a:pPr lvl="1"/>
             <a:r>
-              <a:rPr lang="en-US" smtClean="0"/>
+              <a:rPr lang="en-US"/>
               <a:t>Second level</a:t>
             </a:r>
           </a:p>
           <a:p>
             <a:pPr lvl="2"/>
             <a:r>
-              <a:rPr lang="en-US" smtClean="0"/>
+              <a:rPr lang="en-US"/>
               <a:t>Third level</a:t>
             </a:r>
           </a:p>
           <a:p>
             <a:pPr lvl="3"/>
             <a:r>
-              <a:rPr lang="en-US" smtClean="0"/>
+              <a:rPr lang="en-US"/>
               <a:t>Fourth level</a:t>
             </a:r>
           </a:p>
           <a:p>
             <a:pPr lvl="4"/>
             <a:r>
-              <a:rPr lang="en-US" smtClean="0"/>
+              <a:rPr lang="en-US"/>
               <a:t>Fifth level</a:t>
             </a:r>
-            <a:endParaRPr lang="en-US"/>
           </a:p>
         </p:txBody>
       </p:sp>
@@ -5463,7 +5420,7 @@
           <a:p>
             <a:pPr lvl="0"/>
             <a:r>
-              <a:rPr lang="en-US" smtClean="0"/>
+              <a:rPr lang="en-US"/>
               <a:t>Click to edit Master text styles</a:t>
             </a:r>
           </a:p>
@@ -5519,38 +5476,37 @@
           <a:p>
             <a:pPr lvl="0"/>
             <a:r>
-              <a:rPr lang="en-US" smtClean="0"/>
+              <a:rPr lang="en-US"/>
               <a:t>Click to edit Master text styles</a:t>
             </a:r>
           </a:p>
           <a:p>
             <a:pPr lvl="1"/>
             <a:r>
-              <a:rPr lang="en-US" smtClean="0"/>
+              <a:rPr lang="en-US"/>
               <a:t>Second level</a:t>
             </a:r>
           </a:p>
           <a:p>
             <a:pPr lvl="2"/>
             <a:r>
-              <a:rPr lang="en-US" smtClean="0"/>
+              <a:rPr lang="en-US"/>
               <a:t>Third level</a:t>
             </a:r>
           </a:p>
           <a:p>
             <a:pPr lvl="3"/>
             <a:r>
-              <a:rPr lang="en-US" smtClean="0"/>
+              <a:rPr lang="en-US"/>
               <a:t>Fourth level</a:t>
             </a:r>
           </a:p>
           <a:p>
             <a:pPr lvl="4"/>
             <a:r>
-              <a:rPr lang="en-US" smtClean="0"/>
+              <a:rPr lang="en-US"/>
               <a:t>Fifth level</a:t>
             </a:r>
-            <a:endParaRPr lang="en-US"/>
           </a:p>
         </p:txBody>
       </p:sp>
@@ -5571,7 +5527,7 @@
           <a:p>
             <a:fld id="{699DC775-C286-4358-8C92-D7E584E969B3}" type="datetimeFigureOut">
               <a:rPr lang="en-US" smtClean="0"/>
-              <a:t>30-Jun-15</a:t>
+              <a:t>1/23/2017</a:t>
             </a:fld>
             <a:endParaRPr lang="en-US"/>
           </a:p>
@@ -5674,10 +5630,9 @@
           </a:lstStyle>
           <a:p>
             <a:r>
-              <a:rPr lang="en-US" smtClean="0"/>
+              <a:rPr lang="en-US"/>
               <a:t>Click to edit Master title style</a:t>
             </a:r>
-            <a:endParaRPr lang="en-US"/>
           </a:p>
         </p:txBody>
       </p:sp>
@@ -5794,7 +5749,7 @@
           <a:p>
             <a:pPr lvl="0"/>
             <a:r>
-              <a:rPr lang="en-US" smtClean="0"/>
+              <a:rPr lang="en-US"/>
               <a:t>Click to edit Master text styles</a:t>
             </a:r>
           </a:p>
@@ -5817,7 +5772,7 @@
           <a:p>
             <a:fld id="{699DC775-C286-4358-8C92-D7E584E969B3}" type="datetimeFigureOut">
               <a:rPr lang="en-US" smtClean="0"/>
-              <a:t>30-Jun-15</a:t>
+              <a:t>1/23/2017</a:t>
             </a:fld>
             <a:endParaRPr lang="en-US"/>
           </a:p>
@@ -5919,10 +5874,9 @@
           <a:lstStyle/>
           <a:p>
             <a:r>
-              <a:rPr lang="en-US" smtClean="0"/>
+              <a:rPr lang="en-US"/>
               <a:t>Click to edit Master title style</a:t>
             </a:r>
-            <a:endParaRPr lang="en-US"/>
           </a:p>
         </p:txBody>
       </p:sp>
@@ -5943,7 +5897,7 @@
           <a:p>
             <a:fld id="{699DC775-C286-4358-8C92-D7E584E969B3}" type="datetimeFigureOut">
               <a:rPr lang="en-US" smtClean="0"/>
-              <a:t>30-Jun-15</a:t>
+              <a:t>1/23/2017</a:t>
             </a:fld>
             <a:endParaRPr lang="en-US"/>
           </a:p>
@@ -6046,7 +6000,7 @@
           <a:p>
             <a:fld id="{699DC775-C286-4358-8C92-D7E584E969B3}" type="datetimeFigureOut">
               <a:rPr lang="en-US" smtClean="0"/>
-              <a:t>30-Jun-15</a:t>
+              <a:t>1/23/2017</a:t>
             </a:fld>
             <a:endParaRPr lang="en-US"/>
           </a:p>
@@ -6157,10 +6111,9 @@
           </a:lstStyle>
           <a:p>
             <a:r>
-              <a:rPr lang="en-US" smtClean="0"/>
+              <a:rPr lang="en-US"/>
               <a:t>Click to edit Master title style</a:t>
             </a:r>
-            <a:endParaRPr lang="en-US"/>
           </a:p>
         </p:txBody>
       </p:sp>
@@ -6214,38 +6167,37 @@
           <a:p>
             <a:pPr lvl="0"/>
             <a:r>
-              <a:rPr lang="en-US" smtClean="0"/>
+              <a:rPr lang="en-US"/>
               <a:t>Click to edit Master text styles</a:t>
             </a:r>
           </a:p>
           <a:p>
             <a:pPr lvl="1"/>
             <a:r>
-              <a:rPr lang="en-US" smtClean="0"/>
+              <a:rPr lang="en-US"/>
               <a:t>Second level</a:t>
             </a:r>
           </a:p>
           <a:p>
             <a:pPr lvl="2"/>
             <a:r>
-              <a:rPr lang="en-US" smtClean="0"/>
+              <a:rPr lang="en-US"/>
               <a:t>Third level</a:t>
             </a:r>
           </a:p>
           <a:p>
             <a:pPr lvl="3"/>
             <a:r>
-              <a:rPr lang="en-US" smtClean="0"/>
+              <a:rPr lang="en-US"/>
               <a:t>Fourth level</a:t>
             </a:r>
           </a:p>
           <a:p>
             <a:pPr lvl="4"/>
             <a:r>
-              <a:rPr lang="en-US" smtClean="0"/>
+              <a:rPr lang="en-US"/>
               <a:t>Fifth level</a:t>
             </a:r>
-            <a:endParaRPr lang="en-US"/>
           </a:p>
         </p:txBody>
       </p:sp>
@@ -6308,7 +6260,7 @@
           <a:p>
             <a:pPr lvl="0"/>
             <a:r>
-              <a:rPr lang="en-US" smtClean="0"/>
+              <a:rPr lang="en-US"/>
               <a:t>Click to edit Master text styles</a:t>
             </a:r>
           </a:p>
@@ -6331,7 +6283,7 @@
           <a:p>
             <a:fld id="{699DC775-C286-4358-8C92-D7E584E969B3}" type="datetimeFigureOut">
               <a:rPr lang="en-US" smtClean="0"/>
-              <a:t>30-Jun-15</a:t>
+              <a:t>1/23/2017</a:t>
             </a:fld>
             <a:endParaRPr lang="en-US"/>
           </a:p>
@@ -6442,10 +6394,9 @@
           </a:lstStyle>
           <a:p>
             <a:r>
-              <a:rPr lang="en-US" smtClean="0"/>
+              <a:rPr lang="en-US"/>
               <a:t>Click to edit Master title style</a:t>
             </a:r>
-            <a:endParaRPr lang="en-US"/>
           </a:p>
         </p:txBody>
       </p:sp>
@@ -6569,7 +6520,7 @@
           <a:p>
             <a:pPr lvl="0"/>
             <a:r>
-              <a:rPr lang="en-US" smtClean="0"/>
+              <a:rPr lang="en-US"/>
               <a:t>Click to edit Master text styles</a:t>
             </a:r>
           </a:p>
@@ -6592,7 +6543,7 @@
           <a:p>
             <a:fld id="{699DC775-C286-4358-8C92-D7E584E969B3}" type="datetimeFigureOut">
               <a:rPr lang="en-US" smtClean="0"/>
-              <a:t>30-Jun-15</a:t>
+              <a:t>1/23/2017</a:t>
             </a:fld>
             <a:endParaRPr lang="en-US"/>
           </a:p>
@@ -6694,10 +6645,9 @@
           <a:lstStyle/>
           <a:p>
             <a:r>
-              <a:rPr lang="en-US" smtClean="0"/>
+              <a:rPr lang="en-US"/>
               <a:t>Click to edit Master title style</a:t>
             </a:r>
-            <a:endParaRPr lang="en-US"/>
           </a:p>
         </p:txBody>
       </p:sp>
@@ -6718,38 +6668,37 @@
           <a:p>
             <a:pPr lvl="0"/>
             <a:r>
-              <a:rPr lang="en-US" smtClean="0"/>
+              <a:rPr lang="en-US"/>
               <a:t>Click to edit Master text styles</a:t>
             </a:r>
           </a:p>
           <a:p>
             <a:pPr lvl="1"/>
             <a:r>
-              <a:rPr lang="en-US" smtClean="0"/>
+              <a:rPr lang="en-US"/>
               <a:t>Second level</a:t>
             </a:r>
           </a:p>
           <a:p>
             <a:pPr lvl="2"/>
             <a:r>
-              <a:rPr lang="en-US" smtClean="0"/>
+              <a:rPr lang="en-US"/>
               <a:t>Third level</a:t>
             </a:r>
           </a:p>
           <a:p>
             <a:pPr lvl="3"/>
             <a:r>
-              <a:rPr lang="en-US" smtClean="0"/>
+              <a:rPr lang="en-US"/>
               <a:t>Fourth level</a:t>
             </a:r>
           </a:p>
           <a:p>
             <a:pPr lvl="4"/>
             <a:r>
-              <a:rPr lang="en-US" smtClean="0"/>
+              <a:rPr lang="en-US"/>
               <a:t>Fifth level</a:t>
             </a:r>
-            <a:endParaRPr lang="en-US"/>
           </a:p>
         </p:txBody>
       </p:sp>
@@ -6770,7 +6719,7 @@
           <a:p>
             <a:fld id="{699DC775-C286-4358-8C92-D7E584E969B3}" type="datetimeFigureOut">
               <a:rPr lang="en-US" smtClean="0"/>
-              <a:t>30-Jun-15</a:t>
+              <a:t>1/23/2017</a:t>
             </a:fld>
             <a:endParaRPr lang="en-US"/>
           </a:p>
@@ -6877,10 +6826,9 @@
           <a:lstStyle/>
           <a:p>
             <a:r>
-              <a:rPr lang="en-US" smtClean="0"/>
+              <a:rPr lang="en-US"/>
               <a:t>Click to edit Master title style</a:t>
             </a:r>
-            <a:endParaRPr lang="en-US"/>
           </a:p>
         </p:txBody>
       </p:sp>
@@ -6906,38 +6854,37 @@
           <a:p>
             <a:pPr lvl="0"/>
             <a:r>
-              <a:rPr lang="en-US" smtClean="0"/>
+              <a:rPr lang="en-US"/>
               <a:t>Click to edit Master text styles</a:t>
             </a:r>
           </a:p>
           <a:p>
             <a:pPr lvl="1"/>
             <a:r>
-              <a:rPr lang="en-US" smtClean="0"/>
+              <a:rPr lang="en-US"/>
               <a:t>Second level</a:t>
             </a:r>
           </a:p>
           <a:p>
             <a:pPr lvl="2"/>
             <a:r>
-              <a:rPr lang="en-US" smtClean="0"/>
+              <a:rPr lang="en-US"/>
               <a:t>Third level</a:t>
             </a:r>
           </a:p>
           <a:p>
             <a:pPr lvl="3"/>
             <a:r>
-              <a:rPr lang="en-US" smtClean="0"/>
+              <a:rPr lang="en-US"/>
               <a:t>Fourth level</a:t>
             </a:r>
           </a:p>
           <a:p>
             <a:pPr lvl="4"/>
             <a:r>
-              <a:rPr lang="en-US" smtClean="0"/>
+              <a:rPr lang="en-US"/>
               <a:t>Fifth level</a:t>
             </a:r>
-            <a:endParaRPr lang="en-US"/>
           </a:p>
         </p:txBody>
       </p:sp>
@@ -6958,7 +6905,7 @@
           <a:p>
             <a:fld id="{699DC775-C286-4358-8C92-D7E584E969B3}" type="datetimeFigureOut">
               <a:rPr lang="en-US" smtClean="0"/>
-              <a:t>30-Jun-15</a:t>
+              <a:t>1/23/2017</a:t>
             </a:fld>
             <a:endParaRPr lang="en-US"/>
           </a:p>
@@ -7052,10 +6999,9 @@
           <a:lstStyle/>
           <a:p>
             <a:r>
-              <a:rPr lang="en-US" smtClean="0"/>
+              <a:rPr lang="en-US"/>
               <a:t>Click to edit Master title style</a:t>
             </a:r>
-            <a:endParaRPr lang="en-US"/>
           </a:p>
         </p:txBody>
       </p:sp>
@@ -7076,38 +7022,37 @@
           <a:p>
             <a:pPr lvl="0"/>
             <a:r>
-              <a:rPr lang="en-US" smtClean="0"/>
+              <a:rPr lang="en-US"/>
               <a:t>Click to edit Master text styles</a:t>
             </a:r>
           </a:p>
           <a:p>
             <a:pPr lvl="1"/>
             <a:r>
-              <a:rPr lang="en-US" smtClean="0"/>
+              <a:rPr lang="en-US"/>
               <a:t>Second level</a:t>
             </a:r>
           </a:p>
           <a:p>
             <a:pPr lvl="2"/>
             <a:r>
-              <a:rPr lang="en-US" smtClean="0"/>
+              <a:rPr lang="en-US"/>
               <a:t>Third level</a:t>
             </a:r>
           </a:p>
           <a:p>
             <a:pPr lvl="3"/>
             <a:r>
-              <a:rPr lang="en-US" smtClean="0"/>
+              <a:rPr lang="en-US"/>
               <a:t>Fourth level</a:t>
             </a:r>
           </a:p>
           <a:p>
             <a:pPr lvl="4"/>
             <a:r>
-              <a:rPr lang="en-US" smtClean="0"/>
+              <a:rPr lang="en-US"/>
               <a:t>Fifth level</a:t>
             </a:r>
-            <a:endParaRPr lang="en-US"/>
           </a:p>
         </p:txBody>
       </p:sp>
@@ -7128,7 +7073,7 @@
           <a:p>
             <a:fld id="{699DC775-C286-4358-8C92-D7E584E969B3}" type="datetimeFigureOut">
               <a:rPr lang="en-US" smtClean="0"/>
-              <a:t>30-Jun-15</a:t>
+              <a:t>1/23/2017</a:t>
             </a:fld>
             <a:endParaRPr lang="en-US"/>
           </a:p>
@@ -7222,10 +7167,9 @@
           <a:lstStyle/>
           <a:p>
             <a:r>
-              <a:rPr lang="en-US" smtClean="0"/>
+              <a:rPr lang="en-US"/>
               <a:t>Click to edit Master title style</a:t>
             </a:r>
-            <a:endParaRPr lang="en-US"/>
           </a:p>
         </p:txBody>
       </p:sp>
@@ -7279,38 +7223,37 @@
           <a:p>
             <a:pPr lvl="0"/>
             <a:r>
-              <a:rPr lang="en-US" smtClean="0"/>
+              <a:rPr lang="en-US"/>
               <a:t>Click to edit Master text styles</a:t>
             </a:r>
           </a:p>
           <a:p>
             <a:pPr lvl="1"/>
             <a:r>
-              <a:rPr lang="en-US" smtClean="0"/>
+              <a:rPr lang="en-US"/>
               <a:t>Second level</a:t>
             </a:r>
           </a:p>
           <a:p>
             <a:pPr lvl="2"/>
             <a:r>
-              <a:rPr lang="en-US" smtClean="0"/>
+              <a:rPr lang="en-US"/>
               <a:t>Third level</a:t>
             </a:r>
           </a:p>
           <a:p>
             <a:pPr lvl="3"/>
             <a:r>
-              <a:rPr lang="en-US" smtClean="0"/>
+              <a:rPr lang="en-US"/>
               <a:t>Fourth level</a:t>
             </a:r>
           </a:p>
           <a:p>
             <a:pPr lvl="4"/>
             <a:r>
-              <a:rPr lang="en-US" smtClean="0"/>
+              <a:rPr lang="en-US"/>
               <a:t>Fifth level</a:t>
             </a:r>
-            <a:endParaRPr lang="en-US"/>
           </a:p>
         </p:txBody>
       </p:sp>
@@ -7364,38 +7307,37 @@
           <a:p>
             <a:pPr lvl="0"/>
             <a:r>
-              <a:rPr lang="en-US" smtClean="0"/>
+              <a:rPr lang="en-US"/>
               <a:t>Click to edit Master text styles</a:t>
             </a:r>
           </a:p>
           <a:p>
             <a:pPr lvl="1"/>
             <a:r>
-              <a:rPr lang="en-US" smtClean="0"/>
+              <a:rPr lang="en-US"/>
               <a:t>Second level</a:t>
             </a:r>
           </a:p>
           <a:p>
             <a:pPr lvl="2"/>
             <a:r>
-              <a:rPr lang="en-US" smtClean="0"/>
+              <a:rPr lang="en-US"/>
               <a:t>Third level</a:t>
             </a:r>
           </a:p>
           <a:p>
             <a:pPr lvl="3"/>
             <a:r>
-              <a:rPr lang="en-US" smtClean="0"/>
+              <a:rPr lang="en-US"/>
               <a:t>Fourth level</a:t>
             </a:r>
           </a:p>
           <a:p>
             <a:pPr lvl="4"/>
             <a:r>
-              <a:rPr lang="en-US" smtClean="0"/>
+              <a:rPr lang="en-US"/>
               <a:t>Fifth level</a:t>
             </a:r>
-            <a:endParaRPr lang="en-US"/>
           </a:p>
         </p:txBody>
       </p:sp>
@@ -7416,7 +7358,7 @@
           <a:p>
             <a:fld id="{699DC775-C286-4358-8C92-D7E584E969B3}" type="datetimeFigureOut">
               <a:rPr lang="en-US" smtClean="0"/>
-              <a:t>30-Jun-15</a:t>
+              <a:t>1/23/2017</a:t>
             </a:fld>
             <a:endParaRPr lang="en-US"/>
           </a:p>
@@ -7514,10 +7456,9 @@
           </a:lstStyle>
           <a:p>
             <a:r>
-              <a:rPr lang="en-US" smtClean="0"/>
+              <a:rPr lang="en-US"/>
               <a:t>Click to edit Master title style</a:t>
             </a:r>
-            <a:endParaRPr lang="en-US"/>
           </a:p>
         </p:txBody>
       </p:sp>
@@ -7580,7 +7521,7 @@
           <a:p>
             <a:pPr lvl="0"/>
             <a:r>
-              <a:rPr lang="en-US" smtClean="0"/>
+              <a:rPr lang="en-US"/>
               <a:t>Click to edit Master text styles</a:t>
             </a:r>
           </a:p>
@@ -7636,38 +7577,37 @@
           <a:p>
             <a:pPr lvl="0"/>
             <a:r>
-              <a:rPr lang="en-US" smtClean="0"/>
+              <a:rPr lang="en-US"/>
               <a:t>Click to edit Master text styles</a:t>
             </a:r>
           </a:p>
           <a:p>
             <a:pPr lvl="1"/>
             <a:r>
-              <a:rPr lang="en-US" smtClean="0"/>
+              <a:rPr lang="en-US"/>
               <a:t>Second level</a:t>
             </a:r>
           </a:p>
           <a:p>
             <a:pPr lvl="2"/>
             <a:r>
-              <a:rPr lang="en-US" smtClean="0"/>
+              <a:rPr lang="en-US"/>
               <a:t>Third level</a:t>
             </a:r>
           </a:p>
           <a:p>
             <a:pPr lvl="3"/>
             <a:r>
-              <a:rPr lang="en-US" smtClean="0"/>
+              <a:rPr lang="en-US"/>
               <a:t>Fourth level</a:t>
             </a:r>
           </a:p>
           <a:p>
             <a:pPr lvl="4"/>
             <a:r>
-              <a:rPr lang="en-US" smtClean="0"/>
+              <a:rPr lang="en-US"/>
               <a:t>Fifth level</a:t>
             </a:r>
-            <a:endParaRPr lang="en-US"/>
           </a:p>
         </p:txBody>
       </p:sp>
@@ -7730,7 +7670,7 @@
           <a:p>
             <a:pPr lvl="0"/>
             <a:r>
-              <a:rPr lang="en-US" smtClean="0"/>
+              <a:rPr lang="en-US"/>
               <a:t>Click to edit Master text styles</a:t>
             </a:r>
           </a:p>
@@ -7786,38 +7726,37 @@
           <a:p>
             <a:pPr lvl="0"/>
             <a:r>
-              <a:rPr lang="en-US" smtClean="0"/>
+              <a:rPr lang="en-US"/>
               <a:t>Click to edit Master text styles</a:t>
             </a:r>
           </a:p>
           <a:p>
             <a:pPr lvl="1"/>
             <a:r>
-              <a:rPr lang="en-US" smtClean="0"/>
+              <a:rPr lang="en-US"/>
               <a:t>Second level</a:t>
             </a:r>
           </a:p>
           <a:p>
             <a:pPr lvl="2"/>
             <a:r>
-              <a:rPr lang="en-US" smtClean="0"/>
+              <a:rPr lang="en-US"/>
               <a:t>Third level</a:t>
             </a:r>
           </a:p>
           <a:p>
             <a:pPr lvl="3"/>
             <a:r>
-              <a:rPr lang="en-US" smtClean="0"/>
+              <a:rPr lang="en-US"/>
               <a:t>Fourth level</a:t>
             </a:r>
           </a:p>
           <a:p>
             <a:pPr lvl="4"/>
             <a:r>
-              <a:rPr lang="en-US" smtClean="0"/>
+              <a:rPr lang="en-US"/>
               <a:t>Fifth level</a:t>
             </a:r>
-            <a:endParaRPr lang="en-US"/>
           </a:p>
         </p:txBody>
       </p:sp>
@@ -7838,7 +7777,7 @@
           <a:p>
             <a:fld id="{699DC775-C286-4358-8C92-D7E584E969B3}" type="datetimeFigureOut">
               <a:rPr lang="en-US" smtClean="0"/>
-              <a:t>30-Jun-15</a:t>
+              <a:t>1/23/2017</a:t>
             </a:fld>
             <a:endParaRPr lang="en-US"/>
           </a:p>
@@ -7932,10 +7871,9 @@
           <a:lstStyle/>
           <a:p>
             <a:r>
-              <a:rPr lang="en-US" smtClean="0"/>
+              <a:rPr lang="en-US"/>
               <a:t>Click to edit Master title style</a:t>
             </a:r>
-            <a:endParaRPr lang="en-US"/>
           </a:p>
         </p:txBody>
       </p:sp>
@@ -7956,7 +7894,7 @@
           <a:p>
             <a:fld id="{699DC775-C286-4358-8C92-D7E584E969B3}" type="datetimeFigureOut">
               <a:rPr lang="en-US" smtClean="0"/>
-              <a:t>30-Jun-15</a:t>
+              <a:t>1/23/2017</a:t>
             </a:fld>
             <a:endParaRPr lang="en-US"/>
           </a:p>
@@ -8051,7 +7989,7 @@
           <a:p>
             <a:fld id="{699DC775-C286-4358-8C92-D7E584E969B3}" type="datetimeFigureOut">
               <a:rPr lang="en-US" smtClean="0"/>
-              <a:t>30-Jun-15</a:t>
+              <a:t>1/23/2017</a:t>
             </a:fld>
             <a:endParaRPr lang="en-US"/>
           </a:p>
@@ -8154,10 +8092,9 @@
           </a:lstStyle>
           <a:p>
             <a:r>
-              <a:rPr lang="en-US" smtClean="0"/>
+              <a:rPr lang="en-US"/>
               <a:t>Click to edit Master title style</a:t>
             </a:r>
-            <a:endParaRPr lang="en-US"/>
           </a:p>
         </p:txBody>
       </p:sp>
@@ -8211,38 +8148,37 @@
           <a:p>
             <a:pPr lvl="0"/>
             <a:r>
-              <a:rPr lang="en-US" smtClean="0"/>
+              <a:rPr lang="en-US"/>
               <a:t>Click to edit Master text styles</a:t>
             </a:r>
           </a:p>
           <a:p>
             <a:pPr lvl="1"/>
             <a:r>
-              <a:rPr lang="en-US" smtClean="0"/>
+              <a:rPr lang="en-US"/>
               <a:t>Second level</a:t>
             </a:r>
           </a:p>
           <a:p>
             <a:pPr lvl="2"/>
             <a:r>
-              <a:rPr lang="en-US" smtClean="0"/>
+              <a:rPr lang="en-US"/>
               <a:t>Third level</a:t>
             </a:r>
           </a:p>
           <a:p>
             <a:pPr lvl="3"/>
             <a:r>
-              <a:rPr lang="en-US" smtClean="0"/>
+              <a:rPr lang="en-US"/>
               <a:t>Fourth level</a:t>
             </a:r>
           </a:p>
           <a:p>
             <a:pPr lvl="4"/>
             <a:r>
-              <a:rPr lang="en-US" smtClean="0"/>
+              <a:rPr lang="en-US"/>
               <a:t>Fifth level</a:t>
             </a:r>
-            <a:endParaRPr lang="en-US"/>
           </a:p>
         </p:txBody>
       </p:sp>
@@ -8305,7 +8241,7 @@
           <a:p>
             <a:pPr lvl="0"/>
             <a:r>
-              <a:rPr lang="en-US" smtClean="0"/>
+              <a:rPr lang="en-US"/>
               <a:t>Click to edit Master text styles</a:t>
             </a:r>
           </a:p>
@@ -8328,7 +8264,7 @@
           <a:p>
             <a:fld id="{699DC775-C286-4358-8C92-D7E584E969B3}" type="datetimeFigureOut">
               <a:rPr lang="en-US" smtClean="0"/>
-              <a:t>30-Jun-15</a:t>
+              <a:t>1/23/2017</a:t>
             </a:fld>
             <a:endParaRPr lang="en-US"/>
           </a:p>
@@ -8431,10 +8367,9 @@
           </a:lstStyle>
           <a:p>
             <a:r>
-              <a:rPr lang="en-US" smtClean="0"/>
+              <a:rPr lang="en-US"/>
               <a:t>Click to edit Master title style</a:t>
             </a:r>
-            <a:endParaRPr lang="en-US"/>
           </a:p>
         </p:txBody>
       </p:sp>
@@ -8558,7 +8493,7 @@
           <a:p>
             <a:pPr lvl="0"/>
             <a:r>
-              <a:rPr lang="en-US" smtClean="0"/>
+              <a:rPr lang="en-US"/>
               <a:t>Click to edit Master text styles</a:t>
             </a:r>
           </a:p>
@@ -8581,7 +8516,7 @@
           <a:p>
             <a:fld id="{699DC775-C286-4358-8C92-D7E584E969B3}" type="datetimeFigureOut">
               <a:rPr lang="en-US" smtClean="0"/>
-              <a:t>30-Jun-15</a:t>
+              <a:t>1/23/2017</a:t>
             </a:fld>
             <a:endParaRPr lang="en-US"/>
           </a:p>
@@ -8690,10 +8625,9 @@
           <a:lstStyle/>
           <a:p>
             <a:r>
-              <a:rPr lang="en-US" smtClean="0"/>
+              <a:rPr lang="en-US"/>
               <a:t>Click to edit Master title style</a:t>
             </a:r>
-            <a:endParaRPr lang="en-US"/>
           </a:p>
         </p:txBody>
       </p:sp>
@@ -8724,38 +8658,37 @@
           <a:p>
             <a:pPr lvl="0"/>
             <a:r>
-              <a:rPr lang="en-US" smtClean="0"/>
+              <a:rPr lang="en-US"/>
               <a:t>Click to edit Master text styles</a:t>
             </a:r>
           </a:p>
           <a:p>
             <a:pPr lvl="1"/>
             <a:r>
-              <a:rPr lang="en-US" smtClean="0"/>
+              <a:rPr lang="en-US"/>
               <a:t>Second level</a:t>
             </a:r>
           </a:p>
           <a:p>
             <a:pPr lvl="2"/>
             <a:r>
-              <a:rPr lang="en-US" smtClean="0"/>
+              <a:rPr lang="en-US"/>
               <a:t>Third level</a:t>
             </a:r>
           </a:p>
           <a:p>
             <a:pPr lvl="3"/>
             <a:r>
-              <a:rPr lang="en-US" smtClean="0"/>
+              <a:rPr lang="en-US"/>
               <a:t>Fourth level</a:t>
             </a:r>
           </a:p>
           <a:p>
             <a:pPr lvl="4"/>
             <a:r>
-              <a:rPr lang="en-US" smtClean="0"/>
+              <a:rPr lang="en-US"/>
               <a:t>Fifth level</a:t>
             </a:r>
-            <a:endParaRPr lang="en-US"/>
           </a:p>
         </p:txBody>
       </p:sp>
@@ -8794,7 +8727,7 @@
           <a:p>
             <a:fld id="{699DC775-C286-4358-8C92-D7E584E969B3}" type="datetimeFigureOut">
               <a:rPr lang="en-US" smtClean="0"/>
-              <a:t>30-Jun-15</a:t>
+              <a:t>1/23/2017</a:t>
             </a:fld>
             <a:endParaRPr lang="en-US"/>
           </a:p>
@@ -9206,10 +9139,9 @@
           <a:lstStyle/>
           <a:p>
             <a:r>
-              <a:rPr lang="en-US" smtClean="0"/>
+              <a:rPr lang="en-US"/>
               <a:t>Click to edit Master title style</a:t>
             </a:r>
-            <a:endParaRPr lang="en-US"/>
           </a:p>
         </p:txBody>
       </p:sp>
@@ -9240,38 +9172,37 @@
           <a:p>
             <a:pPr lvl="0"/>
             <a:r>
-              <a:rPr lang="en-US" smtClean="0"/>
+              <a:rPr lang="en-US"/>
               <a:t>Click to edit Master text styles</a:t>
             </a:r>
           </a:p>
           <a:p>
             <a:pPr lvl="1"/>
             <a:r>
-              <a:rPr lang="en-US" smtClean="0"/>
+              <a:rPr lang="en-US"/>
               <a:t>Second level</a:t>
             </a:r>
           </a:p>
           <a:p>
             <a:pPr lvl="2"/>
             <a:r>
-              <a:rPr lang="en-US" smtClean="0"/>
+              <a:rPr lang="en-US"/>
               <a:t>Third level</a:t>
             </a:r>
           </a:p>
           <a:p>
             <a:pPr lvl="3"/>
             <a:r>
-              <a:rPr lang="en-US" smtClean="0"/>
+              <a:rPr lang="en-US"/>
               <a:t>Fourth level</a:t>
             </a:r>
           </a:p>
           <a:p>
             <a:pPr lvl="4"/>
             <a:r>
-              <a:rPr lang="en-US" smtClean="0"/>
+              <a:rPr lang="en-US"/>
               <a:t>Fifth level</a:t>
             </a:r>
-            <a:endParaRPr lang="en-US"/>
           </a:p>
         </p:txBody>
       </p:sp>
@@ -9310,7 +9241,7 @@
           <a:p>
             <a:fld id="{699DC775-C286-4358-8C92-D7E584E969B3}" type="datetimeFigureOut">
               <a:rPr lang="en-US" smtClean="0"/>
-              <a:t>30-Jun-15</a:t>
+              <a:t>1/23/2017</a:t>
             </a:fld>
             <a:endParaRPr lang="en-US"/>
           </a:p>
@@ -9720,10 +9651,9 @@
           <a:lstStyle/>
           <a:p>
             <a:r>
-              <a:rPr lang="en-US" dirty="0" smtClean="0"/>
+              <a:rPr lang="en-US" dirty="0"/>
               <a:t>Click to edit Master title style</a:t>
             </a:r>
-            <a:endParaRPr lang="en-US" dirty="0"/>
           </a:p>
         </p:txBody>
       </p:sp>
@@ -9754,38 +9684,37 @@
           <a:p>
             <a:pPr lvl="0"/>
             <a:r>
-              <a:rPr lang="en-US" smtClean="0"/>
+              <a:rPr lang="en-US"/>
               <a:t>Click to edit Master text styles</a:t>
             </a:r>
           </a:p>
           <a:p>
             <a:pPr lvl="1"/>
             <a:r>
-              <a:rPr lang="en-US" smtClean="0"/>
+              <a:rPr lang="en-US"/>
               <a:t>Second level</a:t>
             </a:r>
           </a:p>
           <a:p>
             <a:pPr lvl="2"/>
             <a:r>
-              <a:rPr lang="en-US" smtClean="0"/>
+              <a:rPr lang="en-US"/>
               <a:t>Third level</a:t>
             </a:r>
           </a:p>
           <a:p>
             <a:pPr lvl="3"/>
             <a:r>
-              <a:rPr lang="en-US" smtClean="0"/>
+              <a:rPr lang="en-US"/>
               <a:t>Fourth level</a:t>
             </a:r>
           </a:p>
           <a:p>
             <a:pPr lvl="4"/>
             <a:r>
-              <a:rPr lang="en-US" smtClean="0"/>
+              <a:rPr lang="en-US"/>
               <a:t>Fifth level</a:t>
             </a:r>
-            <a:endParaRPr lang="en-US"/>
           </a:p>
         </p:txBody>
       </p:sp>
@@ -9824,7 +9753,7 @@
           <a:p>
             <a:fld id="{699DC775-C286-4358-8C92-D7E584E969B3}" type="datetimeFigureOut">
               <a:rPr lang="en-US" smtClean="0"/>
-              <a:t>30-Jun-15</a:t>
+              <a:t>1/23/2017</a:t>
             </a:fld>
             <a:endParaRPr lang="en-US"/>
           </a:p>
@@ -10355,7 +10284,7 @@
           <a:p>
             <a:pPr algn="ctr"/>
             <a:r>
-              <a:rPr lang="en-US" b="1" smtClean="0">
+              <a:rPr lang="en-US" b="1">
                 <a:solidFill>
                   <a:srgbClr val="FFFF00"/>
                 </a:solidFill>
@@ -10366,18 +10295,13 @@
           <a:p>
             <a:pPr algn="ctr"/>
             <a:r>
-              <a:rPr lang="en-US" smtClean="0">
+              <a:rPr lang="en-US">
                 <a:solidFill>
                   <a:srgbClr val="FFFFFF"/>
                 </a:solidFill>
               </a:rPr>
               <a:t>Adjust the design of this slide and click the 'Sync Agenda' (in Agenda Lab) to replicate the design in the other slides.</a:t>
             </a:r>
-            <a:endParaRPr lang="en-US">
-              <a:solidFill>
-                <a:srgbClr val="FFFFFF"/>
-              </a:solidFill>
-            </a:endParaRPr>
           </a:p>
         </p:txBody>
       </p:sp>
@@ -10472,29 +10396,19 @@
               </a:rPr>
               <a:t> </a:t>
             </a:r>
-            <a:endParaRPr lang="en-US" sz="1600" i="1" u="sng" dirty="0" smtClean="0">
-              <a:solidFill>
-                <a:srgbClr val="000000"/>
-              </a:solidFill>
-            </a:endParaRPr>
           </a:p>
           <a:p>
             <a:pPr>
               <a:buNone/>
             </a:pPr>
             <a:r>
-              <a:rPr lang="en-US" sz="1600" i="1" u="sng" dirty="0" smtClean="0">
+              <a:rPr lang="en-US" sz="1600" i="1" u="sng" dirty="0">
                 <a:solidFill>
                   <a:srgbClr val="000000"/>
                 </a:solidFill>
               </a:rPr>
               <a:t> </a:t>
             </a:r>
-            <a:endParaRPr lang="en-US" sz="1600" i="1" u="sng" dirty="0">
-              <a:solidFill>
-                <a:srgbClr val="000000"/>
-              </a:solidFill>
-            </a:endParaRPr>
           </a:p>
         </p:txBody>
       </p:sp>
@@ -10521,15 +10435,15 @@
           <a:lstStyle/>
           <a:p>
             <a:r>
-              <a:rPr lang="en-US" sz="3600" u="sng" dirty="0" smtClean="0"/>
+              <a:rPr lang="en-US" sz="3600" u="sng" dirty="0"/>
               <a:t>Test</a:t>
             </a:r>
             <a:r>
-              <a:rPr lang="en-US" sz="3600" dirty="0" smtClean="0"/>
+              <a:rPr lang="en-US" sz="3600" dirty="0"/>
               <a:t> </a:t>
             </a:r>
             <a:r>
-              <a:rPr lang="en-US" sz="6600" dirty="0" smtClean="0">
+              <a:rPr lang="en-US" sz="6600" dirty="0">
                 <a:solidFill>
                   <a:schemeClr val="accent6">
                     <a:lumMod val="75000"/>
@@ -10541,7 +10455,7 @@
               <a:t>t</a:t>
             </a:r>
             <a:r>
-              <a:rPr lang="en-US" sz="2000" dirty="0" smtClean="0">
+              <a:rPr lang="en-US" sz="2000" dirty="0">
                 <a:solidFill>
                   <a:schemeClr val="accent6">
                     <a:lumMod val="75000"/>
@@ -10553,7 +10467,7 @@
               <a:t>ext </a:t>
             </a:r>
             <a:r>
-              <a:rPr lang="en-US" sz="6600" dirty="0" smtClean="0">
+              <a:rPr lang="en-US" sz="6600" dirty="0">
                 <a:solidFill>
                   <a:schemeClr val="accent6">
                     <a:lumMod val="75000"/>
@@ -10565,7 +10479,7 @@
               <a:t>b</a:t>
             </a:r>
             <a:r>
-              <a:rPr lang="en-US" sz="9600" dirty="0" smtClean="0">
+              <a:rPr lang="en-US" sz="9600" dirty="0">
                 <a:solidFill>
                   <a:srgbClr val="FF0000"/>
                 </a:solidFill>
@@ -10575,7 +10489,7 @@
               <a:t>o</a:t>
             </a:r>
             <a:r>
-              <a:rPr lang="en-US" sz="6600" dirty="0" smtClean="0">
+              <a:rPr lang="en-US" sz="6600" dirty="0">
                 <a:solidFill>
                   <a:schemeClr val="accent6">
                     <a:lumMod val="75000"/>
@@ -10587,21 +10501,21 @@
               <a:t>x </a:t>
             </a:r>
             <a:r>
-              <a:rPr lang="en-US" dirty="0" smtClean="0">
+              <a:rPr lang="en-US" dirty="0">
                 <a:latin typeface="Arial Black" pitchFamily="34" charset="0"/>
               </a:rPr>
               <a:t>with </a:t>
             </a:r>
             <a:r>
-              <a:rPr lang="en-US" dirty="0" smtClean="0"/>
+              <a:rPr lang="en-US" dirty="0"/>
               <a:t>a</a:t>
             </a:r>
             <a:r>
-              <a:rPr lang="en-US" sz="3600" dirty="0" smtClean="0"/>
+              <a:rPr lang="en-US" sz="3600" dirty="0"/>
               <a:t> lot of </a:t>
             </a:r>
             <a:r>
-              <a:rPr lang="en-US" sz="8800" b="1" dirty="0" smtClean="0">
+              <a:rPr lang="en-US" sz="8800" b="1" dirty="0">
                 <a:solidFill>
                   <a:srgbClr val="FF0000"/>
                 </a:solidFill>
@@ -10615,21 +10529,21 @@
               <a:buChar char="•"/>
             </a:pPr>
             <a:r>
-              <a:rPr lang="en-US" sz="3600" dirty="0" smtClean="0"/>
+              <a:rPr lang="en-US" sz="3600" dirty="0"/>
               <a:t>In </a:t>
             </a:r>
             <a:r>
-              <a:rPr lang="en-US" sz="3600" u="sng" dirty="0" smtClean="0">
+              <a:rPr lang="en-US" sz="3600" u="sng" dirty="0">
                 <a:latin typeface="Arial Black" pitchFamily="34" charset="0"/>
               </a:rPr>
               <a:t>multiple</a:t>
             </a:r>
             <a:r>
-              <a:rPr lang="en-US" sz="3600" dirty="0" smtClean="0"/>
+              <a:rPr lang="en-US" sz="3600" dirty="0"/>
               <a:t>      </a:t>
             </a:r>
             <a:r>
-              <a:rPr lang="en-US" sz="3600" dirty="0" smtClean="0">
+              <a:rPr lang="en-US" sz="3600" dirty="0">
                 <a:solidFill>
                   <a:srgbClr val="0070C0"/>
                 </a:solidFill>
@@ -10643,7 +10557,7 @@
               <a:buChar char="•"/>
             </a:pPr>
             <a:r>
-              <a:rPr lang="en-US" sz="3600" dirty="0" smtClean="0">
+              <a:rPr lang="en-US" sz="3600" dirty="0">
                 <a:solidFill>
                   <a:srgbClr val="0070C0"/>
                 </a:solidFill>
@@ -10653,11 +10567,11 @@
           </a:p>
           <a:p>
             <a:r>
-              <a:rPr lang="en-US" sz="3600" dirty="0" smtClean="0"/>
+              <a:rPr lang="en-US" sz="3600" dirty="0"/>
               <a:t>With </a:t>
             </a:r>
             <a:r>
-              <a:rPr lang="en-US" sz="3600" b="1" dirty="0" smtClean="0">
+              <a:rPr lang="en-US" sz="3600" b="1" dirty="0">
                 <a:solidFill>
                   <a:srgbClr val="FF0000"/>
                 </a:solidFill>
@@ -10665,7 +10579,7 @@
               <a:t>v</a:t>
             </a:r>
             <a:r>
-              <a:rPr lang="en-US" sz="3600" b="1" dirty="0" smtClean="0">
+              <a:rPr lang="en-US" sz="3600" b="1" dirty="0">
                 <a:solidFill>
                   <a:srgbClr val="FFC000"/>
                 </a:solidFill>
@@ -10673,7 +10587,7 @@
               <a:t>a</a:t>
             </a:r>
             <a:r>
-              <a:rPr lang="en-US" sz="3600" b="1" dirty="0" smtClean="0">
+              <a:rPr lang="en-US" sz="3600" b="1" dirty="0">
                 <a:solidFill>
                   <a:srgbClr val="FFFF00"/>
                 </a:solidFill>
@@ -10681,7 +10595,7 @@
               <a:t>r</a:t>
             </a:r>
             <a:r>
-              <a:rPr lang="en-US" sz="3600" b="1" dirty="0" smtClean="0">
+              <a:rPr lang="en-US" sz="3600" b="1" dirty="0">
                 <a:solidFill>
                   <a:srgbClr val="00B050"/>
                 </a:solidFill>
@@ -10689,7 +10603,7 @@
               <a:t>y</a:t>
             </a:r>
             <a:r>
-              <a:rPr lang="en-US" sz="3600" b="1" dirty="0" smtClean="0">
+              <a:rPr lang="en-US" sz="3600" b="1" dirty="0">
                 <a:solidFill>
                   <a:srgbClr val="0070C0"/>
                 </a:solidFill>
@@ -10697,7 +10611,7 @@
               <a:t>i</a:t>
             </a:r>
             <a:r>
-              <a:rPr lang="en-US" sz="3600" b="1" dirty="0" smtClean="0">
+              <a:rPr lang="en-US" sz="3600" b="1" dirty="0">
                 <a:solidFill>
                   <a:srgbClr val="7030A0"/>
                 </a:solidFill>
@@ -10705,7 +10619,7 @@
               <a:t>n</a:t>
             </a:r>
             <a:r>
-              <a:rPr lang="en-US" sz="3600" b="1" dirty="0" smtClean="0">
+              <a:rPr lang="en-US" sz="3600" b="1" dirty="0">
                 <a:solidFill>
                   <a:srgbClr val="002060"/>
                 </a:solidFill>
@@ -10713,11 +10627,11 @@
               <a:t>g</a:t>
             </a:r>
             <a:r>
-              <a:rPr lang="en-US" sz="3600" dirty="0" smtClean="0"/>
+              <a:rPr lang="en-US" sz="3600" dirty="0"/>
               <a:t> </a:t>
             </a:r>
             <a:r>
-              <a:rPr lang="en-US" sz="3600" dirty="0" smtClean="0">
+              <a:rPr lang="en-US" sz="3600" dirty="0">
                 <a:solidFill>
                   <a:srgbClr val="00B050"/>
                 </a:solidFill>
@@ -10781,14 +10695,6 @@
   <p:clrMapOvr>
     <a:masterClrMapping/>
   </p:clrMapOvr>
-  <mc:AlternateContent xmlns:mc="http://schemas.openxmlformats.org/markup-compatibility/2006" xmlns:p14="http://schemas.microsoft.com/office/powerpoint/2010/main">
-    <mc:Choice Requires="p14">
-      <p:transition spd="slow" p14:dur="2000"/>
-    </mc:Choice>
-    <mc:Fallback xmlns="">
-      <p:transition spd="slow"/>
-    </mc:Fallback>
-  </mc:AlternateContent>
   <p:timing>
     <p:tnLst>
       <p:par>
@@ -11185,23 +11091,21 @@
           <a:p>
             <a:pPr lvl="0"/>
             <a:r>
-              <a:rPr lang="en-US" smtClean="0"/>
+              <a:rPr lang="en-US"/>
               <a:t>One Slide</a:t>
             </a:r>
-            <a:endParaRPr lang="en-US"/>
           </a:p>
           <a:p>
             <a:pPr lvl="0"/>
             <a:r>
-              <a:rPr lang="en-US" smtClean="0"/>
+              <a:rPr lang="en-US"/>
               <a:t>Two Slides</a:t>
             </a:r>
-            <a:endParaRPr lang="en-US"/>
           </a:p>
           <a:p>
             <a:pPr lvl="0"/>
             <a:r>
-              <a:rPr lang="en-US" sz="4400" smtClean="0">
+              <a:rPr lang="en-US" sz="4400">
                 <a:solidFill>
                   <a:srgbClr val="1F497D">
                     <a:lumMod val="60000"/>
@@ -11212,52 +11116,33 @@
               </a:rPr>
               <a:t>New Section</a:t>
             </a:r>
-            <a:endParaRPr lang="en-US" sz="4400">
-              <a:solidFill>
-                <a:srgbClr val="1F497D">
-                  <a:lumMod val="60000"/>
-                  <a:lumOff val="40000"/>
-                </a:srgbClr>
-              </a:solidFill>
-              <a:latin typeface="Arial Black" pitchFamily="34" charset="0"/>
-            </a:endParaRPr>
           </a:p>
           <a:p>
             <a:pPr lvl="0"/>
             <a:r>
-              <a:rPr lang="en-US" sz="2800" b="0" i="1" u="sng" smtClean="0">
+              <a:rPr lang="en-US" sz="2800" b="0" i="1" u="sng">
                 <a:solidFill>
                   <a:srgbClr val="000000"/>
                 </a:solidFill>
               </a:rPr>
               <a:t>Same Name</a:t>
             </a:r>
-            <a:endParaRPr lang="en-US" sz="2800" b="0" i="1" u="sng">
-              <a:solidFill>
-                <a:srgbClr val="000000"/>
-              </a:solidFill>
-            </a:endParaRPr>
           </a:p>
           <a:p>
             <a:pPr lvl="0"/>
             <a:r>
-              <a:rPr lang="en-US" sz="2800" b="0" i="1" u="sng" smtClean="0">
+              <a:rPr lang="en-US" sz="2800" b="0" i="1" u="sng">
                 <a:solidFill>
                   <a:srgbClr val="000000"/>
                 </a:solidFill>
               </a:rPr>
               <a:t>New Section</a:t>
             </a:r>
-            <a:endParaRPr lang="en-US" sz="2800" b="0" i="1" u="sng">
-              <a:solidFill>
-                <a:srgbClr val="000000"/>
-              </a:solidFill>
-            </a:endParaRPr>
           </a:p>
           <a:p>
             <a:pPr lvl="0"/>
             <a:r>
-              <a:rPr lang="ja-JP" altLang="en-US" sz="2800" b="0" i="1" u="sng" smtClean="0">
+              <a:rPr lang="ja-JP" altLang="en-US" sz="2800" b="0" i="1" u="sng">
                 <a:solidFill>
                   <a:srgbClr val="000000"/>
                 </a:solidFill>
@@ -11265,18 +11150,13 @@
               <a:t>あいうえお</a:t>
             </a:r>
             <a:r>
-              <a:rPr lang="en-US" sz="2800" b="0" i="1" u="sng" smtClean="0">
+              <a:rPr lang="en-US" sz="2800" b="0" i="1" u="sng">
                 <a:solidFill>
                   <a:srgbClr val="000000"/>
                 </a:solidFill>
               </a:rPr>
               <a:t>kl)(*&amp;%$#@85v_+)0_@#%L:CF]1</a:t>
             </a:r>
-            <a:endParaRPr lang="en-US" sz="2800" b="0" i="1" u="sng">
-              <a:solidFill>
-                <a:srgbClr val="000000"/>
-              </a:solidFill>
-            </a:endParaRPr>
           </a:p>
           <a:p>
             <a:endParaRPr lang="en-US" dirty="0"/>
@@ -11764,13 +11644,6 @@
   <p:clrMapOvr>
     <a:masterClrMapping/>
   </p:clrMapOvr>
-  <p:timing>
-    <p:tnLst>
-      <p:par>
-        <p:cTn id="1" dur="indefinite" restart="never" nodeType="tmRoot"/>
-      </p:par>
-    </p:tnLst>
-  </p:timing>
 </p:sld>
 </file>
 
@@ -12058,23 +11931,21 @@
           <a:p>
             <a:pPr lvl="0"/>
             <a:r>
-              <a:rPr lang="en-US" smtClean="0"/>
+              <a:rPr lang="en-US"/>
               <a:t>One Slide</a:t>
             </a:r>
-            <a:endParaRPr lang="en-US"/>
           </a:p>
           <a:p>
             <a:pPr lvl="0"/>
             <a:r>
-              <a:rPr lang="en-US" smtClean="0"/>
+              <a:rPr lang="en-US"/>
               <a:t>Two Slides</a:t>
             </a:r>
-            <a:endParaRPr lang="en-US"/>
           </a:p>
           <a:p>
             <a:pPr lvl="0"/>
             <a:r>
-              <a:rPr lang="en-US" sz="4400" smtClean="0">
+              <a:rPr lang="en-US" sz="4400">
                 <a:solidFill>
                   <a:srgbClr val="1F497D">
                     <a:lumMod val="60000"/>
@@ -12085,52 +11956,33 @@
               </a:rPr>
               <a:t>New Section</a:t>
             </a:r>
-            <a:endParaRPr lang="en-US" sz="4400">
-              <a:solidFill>
-                <a:srgbClr val="1F497D">
-                  <a:lumMod val="60000"/>
-                  <a:lumOff val="40000"/>
-                </a:srgbClr>
-              </a:solidFill>
-              <a:latin typeface="Arial Black" pitchFamily="34" charset="0"/>
-            </a:endParaRPr>
           </a:p>
           <a:p>
             <a:pPr lvl="0"/>
             <a:r>
-              <a:rPr lang="en-US" sz="2800" b="0" i="1" u="sng" smtClean="0">
+              <a:rPr lang="en-US" sz="2800" b="0" i="1" u="sng">
                 <a:solidFill>
                   <a:srgbClr val="000000"/>
                 </a:solidFill>
               </a:rPr>
               <a:t>Same Name</a:t>
             </a:r>
-            <a:endParaRPr lang="en-US" sz="2800" b="0" i="1" u="sng">
-              <a:solidFill>
-                <a:srgbClr val="000000"/>
-              </a:solidFill>
-            </a:endParaRPr>
           </a:p>
           <a:p>
             <a:pPr lvl="0"/>
             <a:r>
-              <a:rPr lang="en-US" sz="2800" b="0" i="1" u="sng" smtClean="0">
+              <a:rPr lang="en-US" sz="2800" b="0" i="1" u="sng">
                 <a:solidFill>
                   <a:srgbClr val="000000"/>
                 </a:solidFill>
               </a:rPr>
               <a:t>New Section</a:t>
             </a:r>
-            <a:endParaRPr lang="en-US" sz="2800" b="0" i="1" u="sng">
-              <a:solidFill>
-                <a:srgbClr val="000000"/>
-              </a:solidFill>
-            </a:endParaRPr>
           </a:p>
           <a:p>
             <a:pPr lvl="0"/>
             <a:r>
-              <a:rPr lang="ja-JP" altLang="en-US" sz="2800" b="0" i="1" u="sng" smtClean="0">
+              <a:rPr lang="ja-JP" altLang="en-US" sz="2800" b="0" i="1" u="sng">
                 <a:solidFill>
                   <a:srgbClr val="000000"/>
                 </a:solidFill>
@@ -12138,18 +11990,13 @@
               <a:t>あいうえお</a:t>
             </a:r>
             <a:r>
-              <a:rPr lang="en-US" sz="2800" b="0" i="1" u="sng" smtClean="0">
+              <a:rPr lang="en-US" sz="2800" b="0" i="1" u="sng">
                 <a:solidFill>
                   <a:srgbClr val="000000"/>
                 </a:solidFill>
               </a:rPr>
               <a:t>kl)(*&amp;%$#@85v_+)0_@#%L:CF]1</a:t>
             </a:r>
-            <a:endParaRPr lang="en-US" sz="2800" b="0" i="1" u="sng">
-              <a:solidFill>
-                <a:srgbClr val="000000"/>
-              </a:solidFill>
-            </a:endParaRPr>
           </a:p>
           <a:p>
             <a:endParaRPr lang="en-US"/>
@@ -12894,31 +12741,28 @@
           <a:p>
             <a:pPr lvl="0"/>
             <a:r>
-              <a:rPr lang="en-US" smtClean="0"/>
+              <a:rPr lang="en-US"/>
               <a:t>One Slide</a:t>
             </a:r>
-            <a:endParaRPr lang="en-US"/>
           </a:p>
           <a:p>
             <a:pPr lvl="0"/>
             <a:r>
-              <a:rPr lang="en-US" smtClean="0"/>
+              <a:rPr lang="en-US"/>
               <a:t>Two Slides</a:t>
             </a:r>
-            <a:endParaRPr lang="en-US"/>
           </a:p>
           <a:p>
             <a:pPr lvl="0"/>
             <a:r>
-              <a:rPr lang="en-US" smtClean="0"/>
+              <a:rPr lang="en-US"/>
               <a:t>New Section</a:t>
             </a:r>
-            <a:endParaRPr lang="en-US"/>
           </a:p>
           <a:p>
             <a:pPr lvl="0"/>
             <a:r>
-              <a:rPr lang="en-US" sz="4400" smtClean="0">
+              <a:rPr lang="en-US" sz="4400">
                 <a:solidFill>
                   <a:srgbClr val="1F497D">
                     <a:lumMod val="60000"/>
@@ -12929,36 +12773,22 @@
               </a:rPr>
               <a:t>Same Name</a:t>
             </a:r>
-            <a:endParaRPr lang="en-US" sz="4400">
-              <a:solidFill>
-                <a:srgbClr val="1F497D">
-                  <a:lumMod val="60000"/>
-                  <a:lumOff val="40000"/>
-                </a:srgbClr>
-              </a:solidFill>
-              <a:latin typeface="Arial Black" pitchFamily="34" charset="0"/>
-            </a:endParaRPr>
           </a:p>
           <a:p>
             <a:pPr lvl="0"/>
             <a:r>
-              <a:rPr lang="en-US" sz="2800" b="0" i="1" u="sng" smtClean="0">
+              <a:rPr lang="en-US" sz="2800" b="0" i="1" u="sng">
                 <a:solidFill>
                   <a:srgbClr val="000000"/>
                 </a:solidFill>
               </a:rPr>
               <a:t>New Section</a:t>
             </a:r>
-            <a:endParaRPr lang="en-US" sz="2800" b="0" i="1" u="sng">
-              <a:solidFill>
-                <a:srgbClr val="000000"/>
-              </a:solidFill>
-            </a:endParaRPr>
           </a:p>
           <a:p>
             <a:pPr lvl="0"/>
             <a:r>
-              <a:rPr lang="ja-JP" altLang="en-US" sz="2800" b="0" i="1" u="sng" smtClean="0">
+              <a:rPr lang="ja-JP" altLang="en-US" sz="2800" b="0" i="1" u="sng">
                 <a:solidFill>
                   <a:srgbClr val="000000"/>
                 </a:solidFill>
@@ -12966,18 +12796,13 @@
               <a:t>あいうえお</a:t>
             </a:r>
             <a:r>
-              <a:rPr lang="en-US" sz="2800" b="0" i="1" u="sng" smtClean="0">
+              <a:rPr lang="en-US" sz="2800" b="0" i="1" u="sng">
                 <a:solidFill>
                   <a:srgbClr val="000000"/>
                 </a:solidFill>
               </a:rPr>
               <a:t>kl)(*&amp;%$#@85v_+)0_@#%L:CF]1</a:t>
             </a:r>
-            <a:endParaRPr lang="en-US" sz="2800" b="0" i="1" u="sng">
-              <a:solidFill>
-                <a:srgbClr val="000000"/>
-              </a:solidFill>
-            </a:endParaRPr>
           </a:p>
           <a:p>
             <a:endParaRPr lang="en-US"/>
@@ -13592,10 +13417,9 @@
           </a:lstStyle>
           <a:p>
             <a:r>
-              <a:rPr lang="en-US" dirty="0" smtClean="0"/>
+              <a:rPr lang="en-US" dirty="0"/>
               <a:t>Pattern</a:t>
             </a:r>
-            <a:endParaRPr lang="en-US" dirty="0"/>
           </a:p>
         </p:txBody>
       </p:sp>
@@ -13609,13 +13433,6 @@
   <p:clrMapOvr>
     <a:masterClrMapping/>
   </p:clrMapOvr>
-  <p:timing>
-    <p:tnLst>
-      <p:par>
-        <p:cTn id="1" dur="indefinite" restart="never" nodeType="tmRoot"/>
-      </p:par>
-    </p:tnLst>
-  </p:timing>
 </p:sld>
 </file>
 
@@ -13646,13 +13463,6 @@
   <p:clrMapOvr>
     <a:masterClrMapping/>
   </p:clrMapOvr>
-  <p:timing>
-    <p:tnLst>
-      <p:par>
-        <p:cTn id="1" dur="indefinite" restart="never" nodeType="tmRoot"/>
-      </p:par>
-    </p:tnLst>
-  </p:timing>
 </p:sld>
 </file>
 
@@ -13726,7 +13536,7 @@
           <a:lstStyle/>
           <a:p>
             <a:r>
-              <a:rPr lang="en-US" sz="6000" dirty="0" smtClean="0"/>
+              <a:rPr lang="en-US" sz="6000" dirty="0"/>
               <a:t>Test Image</a:t>
             </a:r>
             <a:endParaRPr lang="en-SG" sz="6000" dirty="0"/>
@@ -13743,13 +13553,6 @@
   <p:clrMapOvr>
     <a:masterClrMapping/>
   </p:clrMapOvr>
-  <p:timing>
-    <p:tnLst>
-      <p:par>
-        <p:cTn id="1" dur="indefinite" restart="never" nodeType="tmRoot"/>
-      </p:par>
-    </p:tnLst>
-  </p:timing>
 </p:sld>
 </file>
 
@@ -13793,7 +13596,7 @@
           <a:lstStyle/>
           <a:p>
             <a:r>
-              <a:rPr lang="en-US" sz="6000" dirty="0" smtClean="0"/>
+              <a:rPr lang="en-US" sz="6000" dirty="0"/>
               <a:t>A long section</a:t>
             </a:r>
             <a:endParaRPr lang="en-SG" sz="6000" dirty="0"/>
@@ -13810,13 +13613,6 @@
   <p:clrMapOvr>
     <a:masterClrMapping/>
   </p:clrMapOvr>
-  <p:timing>
-    <p:tnLst>
-      <p:par>
-        <p:cTn id="1" dur="indefinite" restart="never" nodeType="tmRoot"/>
-      </p:par>
-    </p:tnLst>
-  </p:timing>
 </p:sld>
 </file>
 
@@ -13855,13 +13651,6 @@
   <p:clrMapOvr>
     <a:masterClrMapping/>
   </p:clrMapOvr>
-  <p:timing>
-    <p:tnLst>
-      <p:par>
-        <p:cTn id="1" dur="indefinite" restart="never" nodeType="tmRoot"/>
-      </p:par>
-    </p:tnLst>
-  </p:timing>
 </p:sld>
 </file>
 
@@ -14149,31 +13938,28 @@
           <a:p>
             <a:pPr lvl="0"/>
             <a:r>
-              <a:rPr lang="en-US" smtClean="0"/>
+              <a:rPr lang="en-US"/>
               <a:t>One Slide</a:t>
             </a:r>
-            <a:endParaRPr lang="en-US"/>
           </a:p>
           <a:p>
             <a:pPr lvl="0"/>
             <a:r>
-              <a:rPr lang="en-US" smtClean="0"/>
+              <a:rPr lang="en-US"/>
               <a:t>Two Slides</a:t>
             </a:r>
-            <a:endParaRPr lang="en-US"/>
           </a:p>
           <a:p>
             <a:pPr lvl="0"/>
             <a:r>
-              <a:rPr lang="en-US" smtClean="0"/>
+              <a:rPr lang="en-US"/>
               <a:t>New Section</a:t>
             </a:r>
-            <a:endParaRPr lang="en-US"/>
           </a:p>
           <a:p>
             <a:pPr lvl="0"/>
             <a:r>
-              <a:rPr lang="en-US" sz="4400" smtClean="0">
+              <a:rPr lang="en-US" sz="4400">
                 <a:solidFill>
                   <a:srgbClr val="1F497D">
                     <a:lumMod val="60000"/>
@@ -14184,36 +13970,22 @@
               </a:rPr>
               <a:t>Same Name</a:t>
             </a:r>
-            <a:endParaRPr lang="en-US" sz="4400">
-              <a:solidFill>
-                <a:srgbClr val="1F497D">
-                  <a:lumMod val="60000"/>
-                  <a:lumOff val="40000"/>
-                </a:srgbClr>
-              </a:solidFill>
-              <a:latin typeface="Arial Black" pitchFamily="34" charset="0"/>
-            </a:endParaRPr>
           </a:p>
           <a:p>
             <a:pPr lvl="0"/>
             <a:r>
-              <a:rPr lang="en-US" sz="2800" b="0" i="1" u="sng" smtClean="0">
+              <a:rPr lang="en-US" sz="2800" b="0" i="1" u="sng">
                 <a:solidFill>
                   <a:srgbClr val="000000"/>
                 </a:solidFill>
               </a:rPr>
               <a:t>New Section</a:t>
             </a:r>
-            <a:endParaRPr lang="en-US" sz="2800" b="0" i="1" u="sng">
-              <a:solidFill>
-                <a:srgbClr val="000000"/>
-              </a:solidFill>
-            </a:endParaRPr>
           </a:p>
           <a:p>
             <a:pPr lvl="0"/>
             <a:r>
-              <a:rPr lang="ja-JP" altLang="en-US" sz="2800" b="0" i="1" u="sng" smtClean="0">
+              <a:rPr lang="ja-JP" altLang="en-US" sz="2800" b="0" i="1" u="sng">
                 <a:solidFill>
                   <a:srgbClr val="000000"/>
                 </a:solidFill>
@@ -14221,18 +13993,13 @@
               <a:t>あいうえお</a:t>
             </a:r>
             <a:r>
-              <a:rPr lang="en-US" sz="2800" b="0" i="1" u="sng" smtClean="0">
+              <a:rPr lang="en-US" sz="2800" b="0" i="1" u="sng">
                 <a:solidFill>
                   <a:srgbClr val="000000"/>
                 </a:solidFill>
               </a:rPr>
               <a:t>kl)(*&amp;%$#@85v_+)0_@#%L:CF]1</a:t>
             </a:r>
-            <a:endParaRPr lang="en-US" sz="2800" b="0" i="1" u="sng">
-              <a:solidFill>
-                <a:srgbClr val="000000"/>
-              </a:solidFill>
-            </a:endParaRPr>
           </a:p>
           <a:p>
             <a:endParaRPr lang="en-US"/>
@@ -14728,7 +14495,7 @@
           <a:lstStyle/>
           <a:p>
             <a:r>
-              <a:rPr lang="en-US" sz="5400" b="1" dirty="0" err="1" smtClean="0">
+              <a:rPr lang="en-US" sz="5400" b="1" dirty="0" err="1">
                 <a:solidFill>
                   <a:schemeClr val="accent6">
                     <a:lumMod val="75000"/>
@@ -14738,7 +14505,7 @@
               <a:t>PowerPointLabs</a:t>
             </a:r>
             <a:r>
-              <a:rPr lang="en-US" sz="5400" b="1" dirty="0" smtClean="0">
+              <a:rPr lang="en-US" sz="5400" b="1" dirty="0">
                 <a:solidFill>
                   <a:schemeClr val="accent6">
                     <a:lumMod val="75000"/>
@@ -14776,7 +14543,7 @@
               <a:buNone/>
             </a:pPr>
             <a:r>
-              <a:rPr lang="en-US" b="1" dirty="0" smtClean="0">
+              <a:rPr lang="en-US" b="1" dirty="0">
                 <a:solidFill>
                   <a:srgbClr val="0070C0"/>
                 </a:solidFill>
@@ -14787,84 +14554,31 @@
           <a:p>
             <a:pPr marL="285750" indent="-285750"/>
             <a:r>
-              <a:rPr lang="en-US" b="1" dirty="0" smtClean="0">
+              <a:rPr lang="en-US" b="1" dirty="0">
                 <a:solidFill>
                   <a:srgbClr val="0070C0"/>
                 </a:solidFill>
               </a:rPr>
-              <a:t>DO </a:t>
-            </a:r>
-            <a:r>
-              <a:rPr lang="en-US" b="1" dirty="0">
+              <a:t>DO NOT SAVE </a:t>
+            </a:r>
+            <a:r>
+              <a:rPr lang="en-US" dirty="0">
                 <a:solidFill>
                   <a:srgbClr val="0070C0"/>
                 </a:solidFill>
               </a:rPr>
-              <a:t>NOT SAVE </a:t>
-            </a:r>
-            <a:r>
-              <a:rPr lang="en-US" dirty="0" smtClean="0">
+              <a:t>these slides after testing. Keep this file in its original form.</a:t>
+            </a:r>
+          </a:p>
+          <a:p>
+            <a:pPr marL="285750" indent="-285750"/>
+            <a:r>
+              <a:rPr lang="en-US" dirty="0">
                 <a:solidFill>
                   <a:srgbClr val="0070C0"/>
                 </a:solidFill>
               </a:rPr>
-              <a:t>these slides after testing. Keep this file in its original form.</a:t>
-            </a:r>
-            <a:endParaRPr lang="en-US" dirty="0">
-              <a:solidFill>
-                <a:srgbClr val="0070C0"/>
-              </a:solidFill>
-            </a:endParaRPr>
-          </a:p>
-          <a:p>
-            <a:pPr marL="285750" indent="-285750"/>
-            <a:r>
-              <a:rPr lang="en-US" dirty="0">
-                <a:solidFill>
-                  <a:srgbClr val="0070C0"/>
-                </a:solidFill>
-              </a:rPr>
-              <a:t>If </a:t>
-            </a:r>
-            <a:r>
-              <a:rPr lang="en-US" dirty="0" smtClean="0">
-                <a:solidFill>
-                  <a:srgbClr val="0070C0"/>
-                </a:solidFill>
-              </a:rPr>
-              <a:t>your </a:t>
-            </a:r>
-            <a:r>
-              <a:rPr lang="en-US" dirty="0">
-                <a:solidFill>
-                  <a:srgbClr val="0070C0"/>
-                </a:solidFill>
-              </a:rPr>
-              <a:t>result </a:t>
-            </a:r>
-            <a:r>
-              <a:rPr lang="en-US" dirty="0" smtClean="0">
-                <a:solidFill>
-                  <a:srgbClr val="0070C0"/>
-                </a:solidFill>
-              </a:rPr>
-              <a:t>is different from the </a:t>
-            </a:r>
-            <a:r>
-              <a:rPr lang="en-US" dirty="0">
-                <a:solidFill>
-                  <a:srgbClr val="0070C0"/>
-                </a:solidFill>
-              </a:rPr>
-              <a:t>expected output, </a:t>
-            </a:r>
-            <a:r>
-              <a:rPr lang="en-US" dirty="0" smtClean="0">
-                <a:solidFill>
-                  <a:srgbClr val="0070C0"/>
-                </a:solidFill>
-              </a:rPr>
-              <a:t>please submit a bug report (attach slides/screenshots as necessary).</a:t>
+              <a:t>If your result is different from the expected output, please submit a bug report (attach slides/screenshots as necessary).</a:t>
             </a:r>
             <a:endParaRPr lang="en-SG" dirty="0">
               <a:solidFill>
@@ -14887,13 +14601,6 @@
   <p:clrMapOvr>
     <a:masterClrMapping/>
   </p:clrMapOvr>
-  <p:timing>
-    <p:tnLst>
-      <p:par>
-        <p:cTn id="1" dur="indefinite" restart="never" nodeType="tmRoot"/>
-      </p:par>
-    </p:tnLst>
-  </p:timing>
 </p:sld>
 </file>
 
@@ -15181,39 +14888,35 @@
           <a:p>
             <a:pPr lvl="0"/>
             <a:r>
-              <a:rPr lang="en-US" smtClean="0"/>
+              <a:rPr lang="en-US"/>
               <a:t>One Slide</a:t>
             </a:r>
-            <a:endParaRPr lang="en-US"/>
           </a:p>
           <a:p>
             <a:pPr lvl="0"/>
             <a:r>
-              <a:rPr lang="en-US" smtClean="0"/>
+              <a:rPr lang="en-US"/>
               <a:t>Two Slides</a:t>
             </a:r>
-            <a:endParaRPr lang="en-US"/>
           </a:p>
           <a:p>
             <a:pPr lvl="0"/>
             <a:r>
-              <a:rPr lang="en-US" smtClean="0"/>
+              <a:rPr lang="en-US"/>
               <a:t>New Section</a:t>
             </a:r>
-            <a:endParaRPr lang="en-US"/>
           </a:p>
           <a:p>
             <a:pPr lvl="0"/>
             <a:r>
-              <a:rPr lang="en-US" smtClean="0"/>
+              <a:rPr lang="en-US"/>
               <a:t>Same Name</a:t>
             </a:r>
-            <a:endParaRPr lang="en-US"/>
           </a:p>
           <a:p>
             <a:pPr lvl="0"/>
             <a:r>
-              <a:rPr lang="en-US" sz="4400" smtClean="0">
+              <a:rPr lang="en-US" sz="4400">
                 <a:solidFill>
                   <a:srgbClr val="1F497D">
                     <a:lumMod val="60000"/>
@@ -15224,20 +14927,11 @@
               </a:rPr>
               <a:t>New Section</a:t>
             </a:r>
-            <a:endParaRPr lang="en-US" sz="4400">
-              <a:solidFill>
-                <a:srgbClr val="1F497D">
-                  <a:lumMod val="60000"/>
-                  <a:lumOff val="40000"/>
-                </a:srgbClr>
-              </a:solidFill>
-              <a:latin typeface="Arial Black" pitchFamily="34" charset="0"/>
-            </a:endParaRPr>
           </a:p>
           <a:p>
             <a:pPr lvl="0"/>
             <a:r>
-              <a:rPr lang="ja-JP" altLang="en-US" sz="2800" b="0" i="1" u="sng" smtClean="0">
+              <a:rPr lang="ja-JP" altLang="en-US" sz="2800" b="0" i="1" u="sng">
                 <a:solidFill>
                   <a:srgbClr val="000000"/>
                 </a:solidFill>
@@ -15245,18 +14939,13 @@
               <a:t>あいうえお</a:t>
             </a:r>
             <a:r>
-              <a:rPr lang="en-US" sz="2800" b="0" i="1" u="sng" smtClean="0">
+              <a:rPr lang="en-US" sz="2800" b="0" i="1" u="sng">
                 <a:solidFill>
                   <a:srgbClr val="000000"/>
                 </a:solidFill>
               </a:rPr>
               <a:t>kl)(*&amp;%$#@85v_+)0_@#%L:CF]1</a:t>
             </a:r>
-            <a:endParaRPr lang="en-US" sz="2800" b="0" i="1" u="sng">
-              <a:solidFill>
-                <a:srgbClr val="000000"/>
-              </a:solidFill>
-            </a:endParaRPr>
           </a:p>
           <a:p>
             <a:endParaRPr lang="en-US" dirty="0"/>
@@ -15753,13 +15442,6 @@
   <p:clrMapOvr>
     <a:masterClrMapping/>
   </p:clrMapOvr>
-  <p:timing>
-    <p:tnLst>
-      <p:par>
-        <p:cTn id="1" dur="indefinite" restart="never" nodeType="tmRoot"/>
-      </p:par>
-    </p:tnLst>
-  </p:timing>
 </p:sld>
 </file>
 
@@ -15790,13 +15472,6 @@
   <p:clrMapOvr>
     <a:masterClrMapping/>
   </p:clrMapOvr>
-  <p:timing>
-    <p:tnLst>
-      <p:par>
-        <p:cTn id="1" dur="indefinite" restart="never" nodeType="tmRoot"/>
-      </p:par>
-    </p:tnLst>
-  </p:timing>
 </p:sld>
 </file>
 
@@ -16084,39 +15759,35 @@
           <a:p>
             <a:pPr lvl="0"/>
             <a:r>
-              <a:rPr lang="en-US" smtClean="0"/>
+              <a:rPr lang="en-US"/>
               <a:t>One Slide</a:t>
             </a:r>
-            <a:endParaRPr lang="en-US"/>
           </a:p>
           <a:p>
             <a:pPr lvl="0"/>
             <a:r>
-              <a:rPr lang="en-US" smtClean="0"/>
+              <a:rPr lang="en-US"/>
               <a:t>Two Slides</a:t>
             </a:r>
-            <a:endParaRPr lang="en-US"/>
           </a:p>
           <a:p>
             <a:pPr lvl="0"/>
             <a:r>
-              <a:rPr lang="en-US" smtClean="0"/>
+              <a:rPr lang="en-US"/>
               <a:t>New Section</a:t>
             </a:r>
-            <a:endParaRPr lang="en-US"/>
           </a:p>
           <a:p>
             <a:pPr lvl="0"/>
             <a:r>
-              <a:rPr lang="en-US" smtClean="0"/>
+              <a:rPr lang="en-US"/>
               <a:t>Same Name</a:t>
             </a:r>
-            <a:endParaRPr lang="en-US"/>
           </a:p>
           <a:p>
             <a:pPr lvl="0"/>
             <a:r>
-              <a:rPr lang="en-US" sz="4400" smtClean="0">
+              <a:rPr lang="en-US" sz="4400">
                 <a:solidFill>
                   <a:srgbClr val="1F497D">
                     <a:lumMod val="60000"/>
@@ -16127,20 +15798,11 @@
               </a:rPr>
               <a:t>New Section</a:t>
             </a:r>
-            <a:endParaRPr lang="en-US" sz="4400">
-              <a:solidFill>
-                <a:srgbClr val="1F497D">
-                  <a:lumMod val="60000"/>
-                  <a:lumOff val="40000"/>
-                </a:srgbClr>
-              </a:solidFill>
-              <a:latin typeface="Arial Black" pitchFamily="34" charset="0"/>
-            </a:endParaRPr>
           </a:p>
           <a:p>
             <a:pPr lvl="0"/>
             <a:r>
-              <a:rPr lang="ja-JP" altLang="en-US" sz="2800" b="0" i="1" u="sng" smtClean="0">
+              <a:rPr lang="ja-JP" altLang="en-US" sz="2800" b="0" i="1" u="sng">
                 <a:solidFill>
                   <a:srgbClr val="000000"/>
                 </a:solidFill>
@@ -16148,18 +15810,13 @@
               <a:t>あいうえお</a:t>
             </a:r>
             <a:r>
-              <a:rPr lang="en-US" sz="2800" b="0" i="1" u="sng" smtClean="0">
+              <a:rPr lang="en-US" sz="2800" b="0" i="1" u="sng">
                 <a:solidFill>
                   <a:srgbClr val="000000"/>
                 </a:solidFill>
               </a:rPr>
               <a:t>kl)(*&amp;%$#@85v_+)0_@#%L:CF]1</a:t>
             </a:r>
-            <a:endParaRPr lang="en-US" sz="2800" b="0" i="1" u="sng">
-              <a:solidFill>
-                <a:srgbClr val="000000"/>
-              </a:solidFill>
-            </a:endParaRPr>
           </a:p>
           <a:p>
             <a:endParaRPr lang="en-US"/>
@@ -16904,47 +16561,42 @@
           <a:p>
             <a:pPr lvl="0"/>
             <a:r>
-              <a:rPr lang="en-US" smtClean="0"/>
+              <a:rPr lang="en-US"/>
               <a:t>One Slide</a:t>
             </a:r>
-            <a:endParaRPr lang="en-US"/>
           </a:p>
           <a:p>
             <a:pPr lvl="0"/>
             <a:r>
-              <a:rPr lang="en-US" smtClean="0"/>
+              <a:rPr lang="en-US"/>
               <a:t>Two Slides</a:t>
             </a:r>
-            <a:endParaRPr lang="en-US"/>
           </a:p>
           <a:p>
             <a:pPr lvl="0"/>
             <a:r>
-              <a:rPr lang="en-US" smtClean="0"/>
+              <a:rPr lang="en-US"/>
               <a:t>New Section</a:t>
             </a:r>
-            <a:endParaRPr lang="en-US"/>
           </a:p>
           <a:p>
             <a:pPr lvl="0"/>
             <a:r>
-              <a:rPr lang="en-US" smtClean="0"/>
+              <a:rPr lang="en-US"/>
               <a:t>Same Name</a:t>
             </a:r>
-            <a:endParaRPr lang="en-US"/>
           </a:p>
           <a:p>
             <a:pPr lvl="0"/>
             <a:r>
-              <a:rPr lang="en-US" smtClean="0"/>
+              <a:rPr lang="en-US"/>
               <a:t>New Section</a:t>
             </a:r>
-            <a:endParaRPr lang="en-US"/>
           </a:p>
           <a:p>
             <a:pPr lvl="0"/>
             <a:r>
-              <a:rPr lang="ja-JP" altLang="en-US" sz="4400" smtClean="0">
+              <a:rPr lang="ja-JP" altLang="en-US" sz="4400">
                 <a:solidFill>
                   <a:srgbClr val="1F497D">
                     <a:lumMod val="60000"/>
@@ -16956,7 +16608,7 @@
               <a:t>あいうえお</a:t>
             </a:r>
             <a:r>
-              <a:rPr lang="en-US" sz="4400" smtClean="0">
+              <a:rPr lang="en-US" sz="4400">
                 <a:solidFill>
                   <a:srgbClr val="1F497D">
                     <a:lumMod val="60000"/>
@@ -16967,15 +16619,6 @@
               </a:rPr>
               <a:t>kl)(*&amp;%$#@85v_+)0_@#%L:CF]1</a:t>
             </a:r>
-            <a:endParaRPr lang="en-US" sz="4400">
-              <a:solidFill>
-                <a:srgbClr val="1F497D">
-                  <a:lumMod val="60000"/>
-                  <a:lumOff val="40000"/>
-                </a:srgbClr>
-              </a:solidFill>
-              <a:latin typeface="Arial Black" pitchFamily="34" charset="0"/>
-            </a:endParaRPr>
           </a:p>
           <a:p>
             <a:endParaRPr lang="en-US"/>
@@ -17471,13 +17114,6 @@
   <p:clrMapOvr>
     <a:masterClrMapping/>
   </p:clrMapOvr>
-  <p:timing>
-    <p:tnLst>
-      <p:par>
-        <p:cTn id="1" dur="indefinite" restart="never" nodeType="tmRoot"/>
-      </p:par>
-    </p:tnLst>
-  </p:timing>
 </p:sld>
 </file>
 
@@ -17765,47 +17401,42 @@
           <a:p>
             <a:pPr lvl="0"/>
             <a:r>
-              <a:rPr lang="en-US" smtClean="0"/>
+              <a:rPr lang="en-US"/>
               <a:t>One Slide</a:t>
             </a:r>
-            <a:endParaRPr lang="en-US"/>
           </a:p>
           <a:p>
             <a:pPr lvl="0"/>
             <a:r>
-              <a:rPr lang="en-US" smtClean="0"/>
+              <a:rPr lang="en-US"/>
               <a:t>Two Slides</a:t>
             </a:r>
-            <a:endParaRPr lang="en-US"/>
           </a:p>
           <a:p>
             <a:pPr lvl="0"/>
             <a:r>
-              <a:rPr lang="en-US" smtClean="0"/>
+              <a:rPr lang="en-US"/>
               <a:t>New Section</a:t>
             </a:r>
-            <a:endParaRPr lang="en-US"/>
           </a:p>
           <a:p>
             <a:pPr lvl="0"/>
             <a:r>
-              <a:rPr lang="en-US" smtClean="0"/>
+              <a:rPr lang="en-US"/>
               <a:t>Same Name</a:t>
             </a:r>
-            <a:endParaRPr lang="en-US"/>
           </a:p>
           <a:p>
             <a:pPr lvl="0"/>
             <a:r>
-              <a:rPr lang="en-US" smtClean="0"/>
+              <a:rPr lang="en-US"/>
               <a:t>New Section</a:t>
             </a:r>
-            <a:endParaRPr lang="en-US"/>
           </a:p>
           <a:p>
             <a:pPr lvl="0"/>
             <a:r>
-              <a:rPr lang="ja-JP" altLang="en-US" sz="4400" smtClean="0">
+              <a:rPr lang="ja-JP" altLang="en-US" sz="4400">
                 <a:solidFill>
                   <a:srgbClr val="1F497D">
                     <a:lumMod val="60000"/>
@@ -17817,7 +17448,7 @@
               <a:t>あいうえお</a:t>
             </a:r>
             <a:r>
-              <a:rPr lang="en-US" sz="4400" smtClean="0">
+              <a:rPr lang="en-US" sz="4400">
                 <a:solidFill>
                   <a:srgbClr val="1F497D">
                     <a:lumMod val="60000"/>
@@ -17828,15 +17459,6 @@
               </a:rPr>
               <a:t>kl)(*&amp;%$#@85v_+)0_@#%L:CF]1</a:t>
             </a:r>
-            <a:endParaRPr lang="en-US" sz="4400">
-              <a:solidFill>
-                <a:srgbClr val="1F497D">
-                  <a:lumMod val="60000"/>
-                  <a:lumOff val="40000"/>
-                </a:srgbClr>
-              </a:solidFill>
-              <a:latin typeface="Arial Black" pitchFamily="34" charset="0"/>
-            </a:endParaRPr>
           </a:p>
           <a:p>
             <a:endParaRPr lang="en-US"/>
@@ -18581,54 +18203,48 @@
           <a:p>
             <a:pPr lvl="0"/>
             <a:r>
-              <a:rPr lang="en-US" smtClean="0"/>
+              <a:rPr lang="en-US"/>
               <a:t>One Slide</a:t>
             </a:r>
-            <a:endParaRPr lang="en-US"/>
           </a:p>
           <a:p>
             <a:pPr lvl="0"/>
             <a:r>
-              <a:rPr lang="en-US" smtClean="0"/>
+              <a:rPr lang="en-US"/>
               <a:t>Two Slides</a:t>
             </a:r>
-            <a:endParaRPr lang="en-US"/>
           </a:p>
           <a:p>
             <a:pPr lvl="0"/>
             <a:r>
-              <a:rPr lang="en-US" smtClean="0"/>
+              <a:rPr lang="en-US"/>
               <a:t>New Section</a:t>
             </a:r>
-            <a:endParaRPr lang="en-US"/>
           </a:p>
           <a:p>
             <a:pPr lvl="0"/>
             <a:r>
-              <a:rPr lang="en-US" smtClean="0"/>
+              <a:rPr lang="en-US"/>
               <a:t>Same Name</a:t>
             </a:r>
-            <a:endParaRPr lang="en-US"/>
           </a:p>
           <a:p>
             <a:pPr lvl="0"/>
             <a:r>
-              <a:rPr lang="en-US" smtClean="0"/>
+              <a:rPr lang="en-US"/>
               <a:t>New Section</a:t>
             </a:r>
-            <a:endParaRPr lang="en-US"/>
           </a:p>
           <a:p>
             <a:pPr lvl="0"/>
             <a:r>
-              <a:rPr lang="ja-JP" altLang="en-US" smtClean="0"/>
+              <a:rPr lang="ja-JP" altLang="en-US"/>
               <a:t>あいうえお</a:t>
             </a:r>
             <a:r>
-              <a:rPr lang="en-US" smtClean="0"/>
+              <a:rPr lang="en-US"/>
               <a:t>kl)(*&amp;%$#@85v_+)0_@#%L:CF]1</a:t>
             </a:r>
-            <a:endParaRPr lang="en-US"/>
           </a:p>
           <a:p>
             <a:endParaRPr lang="en-US" dirty="0"/>
@@ -18969,13 +18585,13 @@
   <p:clrMapOvr>
     <a:masterClrMapping/>
   </p:clrMapOvr>
-  <mc:AlternateContent xmlns:mc="http://schemas.openxmlformats.org/markup-compatibility/2006">
-    <mc:Choice xmlns:p14="http://schemas.microsoft.com/office/powerpoint/2010/main" Requires="p14">
+  <mc:AlternateContent xmlns:mc="http://schemas.openxmlformats.org/markup-compatibility/2006" xmlns:p14="http://schemas.microsoft.com/office/powerpoint/2010/main">
+    <mc:Choice Requires="p14">
       <p:transition p14:dur="250">
         <p:fade/>
       </p:transition>
     </mc:Choice>
-    <mc:Fallback>
+    <mc:Fallback xmlns="">
       <p:transition>
         <p:fade/>
       </p:transition>
@@ -19110,7 +18726,7 @@
         <p:nvPicPr>
           <p:cNvPr id="2" name="Picture 1"/>
           <p:cNvPicPr>
-            <a:picLocks/>
+            <a:picLocks noChangeAspect="1"/>
           </p:cNvPicPr>
           <p:nvPr/>
         </p:nvPicPr>
@@ -19128,8 +18744,8 @@
         </p:blipFill>
         <p:spPr>
           <a:xfrm>
-            <a:off x="649224" y="992124"/>
-            <a:ext cx="7845552" cy="4873752"/>
+            <a:off x="0" y="1029202"/>
+            <a:ext cx="9144000" cy="4799596"/>
           </a:xfrm>
           <a:prstGeom prst="rect">
             <a:avLst/>
@@ -19139,21 +18755,13 @@
     </p:spTree>
     <p:extLst>
       <p:ext uri="{BB962C8B-B14F-4D97-AF65-F5344CB8AC3E}">
-        <p14:creationId xmlns:p14="http://schemas.microsoft.com/office/powerpoint/2010/main" val="3731948990"/>
+        <p14:creationId xmlns:p14="http://schemas.microsoft.com/office/powerpoint/2010/main" val="1376441204"/>
       </p:ext>
     </p:extLst>
   </p:cSld>
   <p:clrMapOvr>
     <a:masterClrMapping/>
   </p:clrMapOvr>
-  <mc:AlternateContent xmlns:mc="http://schemas.openxmlformats.org/markup-compatibility/2006">
-    <mc:Choice xmlns:p14="http://schemas.microsoft.com/office/powerpoint/2010/main" Requires="p14">
-      <p:transition spd="slow" p14:dur="2000"/>
-    </mc:Choice>
-    <mc:Fallback>
-      <p:transition spd="slow"/>
-    </mc:Fallback>
-  </mc:AlternateContent>
 </p:sld>
 </file>
 
@@ -19441,87 +19049,62 @@
           <a:p>
             <a:pPr lvl="0"/>
             <a:r>
-              <a:rPr lang="en-US" sz="2800" b="0" i="1" u="sng" smtClean="0">
+              <a:rPr lang="en-US" sz="2800" b="0" i="1" u="sng">
                 <a:solidFill>
                   <a:srgbClr val="000000"/>
                 </a:solidFill>
               </a:rPr>
               <a:t>One Slide</a:t>
             </a:r>
-            <a:endParaRPr lang="en-US" sz="2800" b="0" i="1" u="sng">
-              <a:solidFill>
-                <a:srgbClr val="000000"/>
-              </a:solidFill>
-            </a:endParaRPr>
           </a:p>
           <a:p>
             <a:pPr lvl="0"/>
             <a:r>
-              <a:rPr lang="en-US" sz="2800" b="0" i="1" u="sng" smtClean="0">
+              <a:rPr lang="en-US" sz="2800" b="0" i="1" u="sng">
                 <a:solidFill>
                   <a:srgbClr val="000000"/>
                 </a:solidFill>
               </a:rPr>
               <a:t>Two Slides</a:t>
             </a:r>
-            <a:endParaRPr lang="en-US" sz="2800" b="0" i="1" u="sng">
-              <a:solidFill>
-                <a:srgbClr val="000000"/>
-              </a:solidFill>
-            </a:endParaRPr>
           </a:p>
           <a:p>
             <a:pPr lvl="0"/>
             <a:r>
-              <a:rPr lang="en-US" sz="2800" b="0" i="1" u="sng" smtClean="0">
+              <a:rPr lang="en-US" sz="2800" b="0" i="1" u="sng">
                 <a:solidFill>
                   <a:srgbClr val="000000"/>
                 </a:solidFill>
               </a:rPr>
               <a:t>New Section</a:t>
             </a:r>
-            <a:endParaRPr lang="en-US" sz="2800" b="0" i="1" u="sng">
-              <a:solidFill>
-                <a:srgbClr val="000000"/>
-              </a:solidFill>
-            </a:endParaRPr>
           </a:p>
           <a:p>
             <a:pPr lvl="0"/>
             <a:r>
-              <a:rPr lang="en-US" sz="2800" b="0" i="1" u="sng" smtClean="0">
+              <a:rPr lang="en-US" sz="2800" b="0" i="1" u="sng">
                 <a:solidFill>
                   <a:srgbClr val="000000"/>
                 </a:solidFill>
               </a:rPr>
               <a:t>Same Name</a:t>
             </a:r>
-            <a:endParaRPr lang="en-US" sz="2800" b="0" i="1" u="sng">
-              <a:solidFill>
-                <a:srgbClr val="000000"/>
-              </a:solidFill>
-            </a:endParaRPr>
           </a:p>
           <a:p>
             <a:pPr lvl="0"/>
             <a:r>
-              <a:rPr lang="en-US" sz="2800" b="0" i="1" u="sng" smtClean="0">
+              <a:rPr lang="en-US" sz="2800" b="0" i="1" u="sng">
                 <a:solidFill>
                   <a:srgbClr val="000000"/>
                 </a:solidFill>
               </a:rPr>
               <a:t>New Section</a:t>
             </a:r>
-            <a:endParaRPr lang="en-US" sz="2800" b="0" i="1" u="sng">
-              <a:solidFill>
-                <a:srgbClr val="000000"/>
-              </a:solidFill>
-            </a:endParaRPr>
           </a:p>
           <a:p>
             <a:pPr lvl="0"/>
             <a:r>
-              <a:rPr lang="ja-JP" altLang="en-US" sz="2800" b="0" i="1" u="sng" smtClean="0">
+              <a:rPr lang="ja-JP" altLang="en-US" sz="2800" b="0" i="1" u="sng">
                 <a:solidFill>
                   <a:srgbClr val="000000"/>
                 </a:solidFill>
@@ -19529,18 +19112,13 @@
               <a:t>あいうえお</a:t>
             </a:r>
             <a:r>
-              <a:rPr lang="en-US" sz="2800" b="0" i="1" u="sng" smtClean="0">
+              <a:rPr lang="en-US" sz="2800" b="0" i="1" u="sng">
                 <a:solidFill>
                   <a:srgbClr val="000000"/>
                 </a:solidFill>
               </a:rPr>
               <a:t>kl)(*&amp;%$#@85v_+)0_@#%L:CF]1</a:t>
             </a:r>
-            <a:endParaRPr lang="en-US" sz="2800" b="0" i="1" u="sng">
-              <a:solidFill>
-                <a:srgbClr val="000000"/>
-              </a:solidFill>
-            </a:endParaRPr>
           </a:p>
           <a:p>
             <a:endParaRPr lang="en-US" dirty="0"/>
@@ -19881,14 +19459,6 @@
   <p:clrMapOvr>
     <a:masterClrMapping/>
   </p:clrMapOvr>
-  <mc:AlternateContent xmlns:mc="http://schemas.openxmlformats.org/markup-compatibility/2006">
-    <mc:Choice xmlns:p14="http://schemas.microsoft.com/office/powerpoint/2010/main" Requires="p14">
-      <p:transition spd="slow" p14:dur="2000"/>
-    </mc:Choice>
-    <mc:Fallback>
-      <p:transition spd="slow"/>
-    </mc:Fallback>
-  </mc:AlternateContent>
   <p:timing>
     <p:tnLst>
       <p:par>
@@ -20281,7 +19851,7 @@
           <a:p>
             <a:pPr lvl="0"/>
             <a:r>
-              <a:rPr lang="en-US" sz="4400" smtClean="0">
+              <a:rPr lang="en-US" sz="4400">
                 <a:solidFill>
                   <a:srgbClr val="1F497D">
                     <a:lumMod val="60000"/>
@@ -20292,84 +19862,55 @@
               </a:rPr>
               <a:t>One Slide</a:t>
             </a:r>
-            <a:endParaRPr lang="en-US" sz="4400">
-              <a:solidFill>
-                <a:srgbClr val="1F497D">
-                  <a:lumMod val="60000"/>
-                  <a:lumOff val="40000"/>
-                </a:srgbClr>
-              </a:solidFill>
-              <a:latin typeface="Arial Black" pitchFamily="34" charset="0"/>
-            </a:endParaRPr>
           </a:p>
           <a:p>
             <a:pPr lvl="0"/>
             <a:r>
-              <a:rPr lang="en-US" sz="2800" b="0" i="1" u="sng" smtClean="0">
+              <a:rPr lang="en-US" sz="2800" b="0" i="1" u="sng">
                 <a:solidFill>
                   <a:srgbClr val="000000"/>
                 </a:solidFill>
               </a:rPr>
               <a:t>Two Slides</a:t>
             </a:r>
-            <a:endParaRPr lang="en-US" sz="2800" b="0" i="1" u="sng">
-              <a:solidFill>
-                <a:srgbClr val="000000"/>
-              </a:solidFill>
-            </a:endParaRPr>
           </a:p>
           <a:p>
             <a:pPr lvl="0"/>
             <a:r>
-              <a:rPr lang="en-US" sz="2800" b="0" i="1" u="sng" smtClean="0">
+              <a:rPr lang="en-US" sz="2800" b="0" i="1" u="sng">
                 <a:solidFill>
                   <a:srgbClr val="000000"/>
                 </a:solidFill>
               </a:rPr>
               <a:t>New Section</a:t>
             </a:r>
-            <a:endParaRPr lang="en-US" sz="2800" b="0" i="1" u="sng">
-              <a:solidFill>
-                <a:srgbClr val="000000"/>
-              </a:solidFill>
-            </a:endParaRPr>
           </a:p>
           <a:p>
             <a:pPr lvl="0"/>
             <a:r>
-              <a:rPr lang="en-US" sz="2800" b="0" i="1" u="sng" smtClean="0">
+              <a:rPr lang="en-US" sz="2800" b="0" i="1" u="sng">
                 <a:solidFill>
                   <a:srgbClr val="000000"/>
                 </a:solidFill>
               </a:rPr>
               <a:t>Same Name</a:t>
             </a:r>
-            <a:endParaRPr lang="en-US" sz="2800" b="0" i="1" u="sng">
-              <a:solidFill>
-                <a:srgbClr val="000000"/>
-              </a:solidFill>
-            </a:endParaRPr>
           </a:p>
           <a:p>
             <a:pPr lvl="0"/>
             <a:r>
-              <a:rPr lang="en-US" sz="2800" b="0" i="1" u="sng" smtClean="0">
+              <a:rPr lang="en-US" sz="2800" b="0" i="1" u="sng">
                 <a:solidFill>
                   <a:srgbClr val="000000"/>
                 </a:solidFill>
               </a:rPr>
               <a:t>New Section</a:t>
             </a:r>
-            <a:endParaRPr lang="en-US" sz="2800" b="0" i="1" u="sng">
-              <a:solidFill>
-                <a:srgbClr val="000000"/>
-              </a:solidFill>
-            </a:endParaRPr>
           </a:p>
           <a:p>
             <a:pPr lvl="0"/>
             <a:r>
-              <a:rPr lang="ja-JP" altLang="en-US" sz="2800" b="0" i="1" u="sng" smtClean="0">
+              <a:rPr lang="ja-JP" altLang="en-US" sz="2800" b="0" i="1" u="sng">
                 <a:solidFill>
                   <a:srgbClr val="000000"/>
                 </a:solidFill>
@@ -20377,18 +19918,13 @@
               <a:t>あいうえお</a:t>
             </a:r>
             <a:r>
-              <a:rPr lang="en-US" sz="2800" b="0" i="1" u="sng" smtClean="0">
+              <a:rPr lang="en-US" sz="2800" b="0" i="1" u="sng">
                 <a:solidFill>
                   <a:srgbClr val="000000"/>
                 </a:solidFill>
               </a:rPr>
               <a:t>kl)(*&amp;%$#@85v_+)0_@#%L:CF]1</a:t>
             </a:r>
-            <a:endParaRPr lang="en-US" sz="2800" b="0" i="1" u="sng">
-              <a:solidFill>
-                <a:srgbClr val="000000"/>
-              </a:solidFill>
-            </a:endParaRPr>
           </a:p>
           <a:p>
             <a:endParaRPr lang="en-US"/>
@@ -20900,7 +20436,7 @@
           <a:p>
             <a:pPr algn="l"/>
             <a:r>
-              <a:rPr lang="en-US" sz="7200" dirty="0" smtClean="0">
+              <a:rPr lang="en-US" sz="7200" dirty="0">
                 <a:solidFill>
                   <a:schemeClr val="bg1"/>
                 </a:solidFill>
@@ -20938,7 +20474,7 @@
           <a:lstStyle/>
           <a:p>
             <a:r>
-              <a:rPr lang="en-US" sz="2400" b="1" dirty="0" smtClean="0">
+              <a:rPr lang="en-US" sz="2400" b="1" dirty="0">
                 <a:solidFill>
                   <a:schemeClr val="bg1"/>
                 </a:solidFill>
@@ -20952,7 +20488,7 @@
               <a:buChar char="•"/>
             </a:pPr>
             <a:r>
-              <a:rPr lang="en-US" sz="2400" dirty="0" smtClean="0">
+              <a:rPr lang="en-US" sz="2400" dirty="0">
                 <a:solidFill>
                   <a:schemeClr val="bg1"/>
                 </a:solidFill>
@@ -20972,13 +20508,6 @@
   <p:clrMapOvr>
     <a:masterClrMapping/>
   </p:clrMapOvr>
-  <p:timing>
-    <p:tnLst>
-      <p:par>
-        <p:cTn id="1" dur="indefinite" restart="never" nodeType="tmRoot"/>
-      </p:par>
-    </p:tnLst>
-  </p:timing>
 </p:sld>
 </file>
 
@@ -21266,7 +20795,7 @@
           <a:p>
             <a:pPr lvl="0"/>
             <a:r>
-              <a:rPr lang="en-US" sz="4400" smtClean="0">
+              <a:rPr lang="en-US" sz="4400">
                 <a:solidFill>
                   <a:srgbClr val="1F497D">
                     <a:lumMod val="60000"/>
@@ -21277,84 +20806,55 @@
               </a:rPr>
               <a:t>One Slide</a:t>
             </a:r>
-            <a:endParaRPr lang="en-US" sz="4400">
-              <a:solidFill>
-                <a:srgbClr val="1F497D">
-                  <a:lumMod val="60000"/>
-                  <a:lumOff val="40000"/>
-                </a:srgbClr>
-              </a:solidFill>
-              <a:latin typeface="Arial Black" pitchFamily="34" charset="0"/>
-            </a:endParaRPr>
           </a:p>
           <a:p>
             <a:pPr lvl="0"/>
             <a:r>
-              <a:rPr lang="en-US" sz="2800" b="0" i="1" u="sng" smtClean="0">
+              <a:rPr lang="en-US" sz="2800" b="0" i="1" u="sng">
                 <a:solidFill>
                   <a:srgbClr val="000000"/>
                 </a:solidFill>
               </a:rPr>
               <a:t>Two Slides</a:t>
             </a:r>
-            <a:endParaRPr lang="en-US" sz="2800" b="0" i="1" u="sng">
-              <a:solidFill>
-                <a:srgbClr val="000000"/>
-              </a:solidFill>
-            </a:endParaRPr>
           </a:p>
           <a:p>
             <a:pPr lvl="0"/>
             <a:r>
-              <a:rPr lang="en-US" sz="2800" b="0" i="1" u="sng" smtClean="0">
+              <a:rPr lang="en-US" sz="2800" b="0" i="1" u="sng">
                 <a:solidFill>
                   <a:srgbClr val="000000"/>
                 </a:solidFill>
               </a:rPr>
               <a:t>New Section</a:t>
             </a:r>
-            <a:endParaRPr lang="en-US" sz="2800" b="0" i="1" u="sng">
-              <a:solidFill>
-                <a:srgbClr val="000000"/>
-              </a:solidFill>
-            </a:endParaRPr>
           </a:p>
           <a:p>
             <a:pPr lvl="0"/>
             <a:r>
-              <a:rPr lang="en-US" sz="2800" b="0" i="1" u="sng" smtClean="0">
+              <a:rPr lang="en-US" sz="2800" b="0" i="1" u="sng">
                 <a:solidFill>
                   <a:srgbClr val="000000"/>
                 </a:solidFill>
               </a:rPr>
               <a:t>Same Name</a:t>
             </a:r>
-            <a:endParaRPr lang="en-US" sz="2800" b="0" i="1" u="sng">
-              <a:solidFill>
-                <a:srgbClr val="000000"/>
-              </a:solidFill>
-            </a:endParaRPr>
           </a:p>
           <a:p>
             <a:pPr lvl="0"/>
             <a:r>
-              <a:rPr lang="en-US" sz="2800" b="0" i="1" u="sng" smtClean="0">
+              <a:rPr lang="en-US" sz="2800" b="0" i="1" u="sng">
                 <a:solidFill>
                   <a:srgbClr val="000000"/>
                 </a:solidFill>
               </a:rPr>
               <a:t>New Section</a:t>
             </a:r>
-            <a:endParaRPr lang="en-US" sz="2800" b="0" i="1" u="sng">
-              <a:solidFill>
-                <a:srgbClr val="000000"/>
-              </a:solidFill>
-            </a:endParaRPr>
           </a:p>
           <a:p>
             <a:pPr lvl="0"/>
             <a:r>
-              <a:rPr lang="ja-JP" altLang="en-US" sz="2800" b="0" i="1" u="sng" smtClean="0">
+              <a:rPr lang="ja-JP" altLang="en-US" sz="2800" b="0" i="1" u="sng">
                 <a:solidFill>
                   <a:srgbClr val="000000"/>
                 </a:solidFill>
@@ -21362,18 +20862,13 @@
               <a:t>あいうえお</a:t>
             </a:r>
             <a:r>
-              <a:rPr lang="en-US" sz="2800" b="0" i="1" u="sng" smtClean="0">
+              <a:rPr lang="en-US" sz="2800" b="0" i="1" u="sng">
                 <a:solidFill>
                   <a:srgbClr val="000000"/>
                 </a:solidFill>
               </a:rPr>
               <a:t>kl)(*&amp;%$#@85v_+)0_@#%L:CF]1</a:t>
             </a:r>
-            <a:endParaRPr lang="en-US" sz="2800" b="0" i="1" u="sng">
-              <a:solidFill>
-                <a:srgbClr val="000000"/>
-              </a:solidFill>
-            </a:endParaRPr>
           </a:p>
           <a:p>
             <a:endParaRPr lang="en-US"/>
@@ -22158,15 +21653,14 @@
           <a:p>
             <a:pPr lvl="0"/>
             <a:r>
-              <a:rPr lang="en-US" smtClean="0"/>
+              <a:rPr lang="en-US"/>
               <a:t>One Slide</a:t>
             </a:r>
-            <a:endParaRPr lang="en-US"/>
           </a:p>
           <a:p>
             <a:pPr lvl="0"/>
             <a:r>
-              <a:rPr lang="en-US" sz="4400" smtClean="0">
+              <a:rPr lang="en-US" sz="4400">
                 <a:solidFill>
                   <a:srgbClr val="1F497D">
                     <a:lumMod val="60000"/>
@@ -22177,68 +21671,44 @@
               </a:rPr>
               <a:t>Two Slides</a:t>
             </a:r>
-            <a:endParaRPr lang="en-US" sz="4400">
-              <a:solidFill>
-                <a:srgbClr val="1F497D">
-                  <a:lumMod val="60000"/>
-                  <a:lumOff val="40000"/>
-                </a:srgbClr>
-              </a:solidFill>
-              <a:latin typeface="Arial Black" pitchFamily="34" charset="0"/>
-            </a:endParaRPr>
           </a:p>
           <a:p>
             <a:pPr lvl="0"/>
             <a:r>
-              <a:rPr lang="en-US" sz="2800" b="0" i="1" u="sng" smtClean="0">
+              <a:rPr lang="en-US" sz="2800" b="0" i="1" u="sng">
                 <a:solidFill>
                   <a:srgbClr val="000000"/>
                 </a:solidFill>
               </a:rPr>
               <a:t>New Section</a:t>
             </a:r>
-            <a:endParaRPr lang="en-US" sz="2800" b="0" i="1" u="sng">
-              <a:solidFill>
-                <a:srgbClr val="000000"/>
-              </a:solidFill>
-            </a:endParaRPr>
           </a:p>
           <a:p>
             <a:pPr lvl="0"/>
             <a:r>
-              <a:rPr lang="en-US" sz="2800" b="0" i="1" u="sng" smtClean="0">
+              <a:rPr lang="en-US" sz="2800" b="0" i="1" u="sng">
                 <a:solidFill>
                   <a:srgbClr val="000000"/>
                 </a:solidFill>
               </a:rPr>
               <a:t>Same Name</a:t>
             </a:r>
-            <a:endParaRPr lang="en-US" sz="2800" b="0" i="1" u="sng">
-              <a:solidFill>
-                <a:srgbClr val="000000"/>
-              </a:solidFill>
-            </a:endParaRPr>
           </a:p>
           <a:p>
             <a:pPr lvl="0"/>
             <a:r>
-              <a:rPr lang="en-US" sz="2800" b="0" i="1" u="sng" smtClean="0">
+              <a:rPr lang="en-US" sz="2800" b="0" i="1" u="sng">
                 <a:solidFill>
                   <a:srgbClr val="000000"/>
                 </a:solidFill>
               </a:rPr>
               <a:t>New Section</a:t>
             </a:r>
-            <a:endParaRPr lang="en-US" sz="2800" b="0" i="1" u="sng">
-              <a:solidFill>
-                <a:srgbClr val="000000"/>
-              </a:solidFill>
-            </a:endParaRPr>
           </a:p>
           <a:p>
             <a:pPr lvl="0"/>
             <a:r>
-              <a:rPr lang="ja-JP" altLang="en-US" sz="2800" b="0" i="1" u="sng" smtClean="0">
+              <a:rPr lang="ja-JP" altLang="en-US" sz="2800" b="0" i="1" u="sng">
                 <a:solidFill>
                   <a:srgbClr val="000000"/>
                 </a:solidFill>
@@ -22246,18 +21716,13 @@
               <a:t>あいうえお</a:t>
             </a:r>
             <a:r>
-              <a:rPr lang="en-US" sz="2800" b="0" i="1" u="sng" smtClean="0">
+              <a:rPr lang="en-US" sz="2800" b="0" i="1" u="sng">
                 <a:solidFill>
                   <a:srgbClr val="000000"/>
                 </a:solidFill>
               </a:rPr>
               <a:t>kl)(*&amp;%$#@85v_+)0_@#%L:CF]1</a:t>
             </a:r>
-            <a:endParaRPr lang="en-US" sz="2800" b="0" i="1" u="sng">
-              <a:solidFill>
-                <a:srgbClr val="000000"/>
-              </a:solidFill>
-            </a:endParaRPr>
           </a:p>
           <a:p>
             <a:endParaRPr lang="en-US"/>
@@ -22828,7 +22293,7 @@
           <a:lstStyle/>
           <a:p>
             <a:r>
-              <a:rPr lang="en-US" sz="6000" dirty="0" smtClean="0"/>
+              <a:rPr lang="en-US" sz="6000" dirty="0"/>
               <a:t>Test Image</a:t>
             </a:r>
             <a:endParaRPr lang="en-SG" sz="6000" dirty="0"/>
@@ -22845,13 +22310,6 @@
   <p:clrMapOvr>
     <a:masterClrMapping/>
   </p:clrMapOvr>
-  <p:timing>
-    <p:tnLst>
-      <p:par>
-        <p:cTn id="1" dur="indefinite" restart="never" nodeType="tmRoot"/>
-      </p:par>
-    </p:tnLst>
-  </p:timing>
 </p:sld>
 </file>
 
@@ -23139,15 +22597,14 @@
           <a:p>
             <a:pPr lvl="0"/>
             <a:r>
-              <a:rPr lang="en-US" smtClean="0"/>
+              <a:rPr lang="en-US"/>
               <a:t>One Slide</a:t>
             </a:r>
-            <a:endParaRPr lang="en-US"/>
           </a:p>
           <a:p>
             <a:pPr lvl="0"/>
             <a:r>
-              <a:rPr lang="en-US" sz="4400" smtClean="0">
+              <a:rPr lang="en-US" sz="4400">
                 <a:solidFill>
                   <a:srgbClr val="1F497D">
                     <a:lumMod val="60000"/>
@@ -23158,68 +22615,44 @@
               </a:rPr>
               <a:t>Two Slides</a:t>
             </a:r>
-            <a:endParaRPr lang="en-US" sz="4400">
-              <a:solidFill>
-                <a:srgbClr val="1F497D">
-                  <a:lumMod val="60000"/>
-                  <a:lumOff val="40000"/>
-                </a:srgbClr>
-              </a:solidFill>
-              <a:latin typeface="Arial Black" pitchFamily="34" charset="0"/>
-            </a:endParaRPr>
           </a:p>
           <a:p>
             <a:pPr lvl="0"/>
             <a:r>
-              <a:rPr lang="en-US" sz="2800" b="0" i="1" u="sng" smtClean="0">
+              <a:rPr lang="en-US" sz="2800" b="0" i="1" u="sng">
                 <a:solidFill>
                   <a:srgbClr val="000000"/>
                 </a:solidFill>
               </a:rPr>
               <a:t>New Section</a:t>
             </a:r>
-            <a:endParaRPr lang="en-US" sz="2800" b="0" i="1" u="sng">
-              <a:solidFill>
-                <a:srgbClr val="000000"/>
-              </a:solidFill>
-            </a:endParaRPr>
           </a:p>
           <a:p>
             <a:pPr lvl="0"/>
             <a:r>
-              <a:rPr lang="en-US" sz="2800" b="0" i="1" u="sng" smtClean="0">
+              <a:rPr lang="en-US" sz="2800" b="0" i="1" u="sng">
                 <a:solidFill>
                   <a:srgbClr val="000000"/>
                 </a:solidFill>
               </a:rPr>
               <a:t>Same Name</a:t>
             </a:r>
-            <a:endParaRPr lang="en-US" sz="2800" b="0" i="1" u="sng">
-              <a:solidFill>
-                <a:srgbClr val="000000"/>
-              </a:solidFill>
-            </a:endParaRPr>
           </a:p>
           <a:p>
             <a:pPr lvl="0"/>
             <a:r>
-              <a:rPr lang="en-US" sz="2800" b="0" i="1" u="sng" smtClean="0">
+              <a:rPr lang="en-US" sz="2800" b="0" i="1" u="sng">
                 <a:solidFill>
                   <a:srgbClr val="000000"/>
                 </a:solidFill>
               </a:rPr>
               <a:t>New Section</a:t>
             </a:r>
-            <a:endParaRPr lang="en-US" sz="2800" b="0" i="1" u="sng">
-              <a:solidFill>
-                <a:srgbClr val="000000"/>
-              </a:solidFill>
-            </a:endParaRPr>
           </a:p>
           <a:p>
             <a:pPr lvl="0"/>
             <a:r>
-              <a:rPr lang="ja-JP" altLang="en-US" sz="2800" b="0" i="1" u="sng" smtClean="0">
+              <a:rPr lang="ja-JP" altLang="en-US" sz="2800" b="0" i="1" u="sng">
                 <a:solidFill>
                   <a:srgbClr val="000000"/>
                 </a:solidFill>
@@ -23227,18 +22660,13 @@
               <a:t>あいうえお</a:t>
             </a:r>
             <a:r>
-              <a:rPr lang="en-US" sz="2800" b="0" i="1" u="sng" smtClean="0">
+              <a:rPr lang="en-US" sz="2800" b="0" i="1" u="sng">
                 <a:solidFill>
                   <a:srgbClr val="000000"/>
                 </a:solidFill>
               </a:rPr>
               <a:t>kl)(*&amp;%$#@85v_+)0_@#%L:CF]1</a:t>
             </a:r>
-            <a:endParaRPr lang="en-US" sz="2800" b="0" i="1" u="sng">
-              <a:solidFill>
-                <a:srgbClr val="000000"/>
-              </a:solidFill>
-            </a:endParaRPr>
           </a:p>
           <a:p>
             <a:endParaRPr lang="en-US" dirty="0"/>

--- a/doc/test/AgendaSlidesTextAfterSync.pptx
+++ b/doc/test/AgendaSlidesTextAfterSync.pptx
@@ -37,7 +37,7 @@
     <p:sldId id="314" r:id="rId28"/>
     <p:sldId id="325" r:id="rId29"/>
     <p:sldId id="333" r:id="rId30"/>
-    <p:sldId id="337" r:id="rId31"/>
+    <p:sldId id="334" r:id="rId31"/>
   </p:sldIdLst>
   <p:sldSz cx="9144000" cy="6858000" type="screen4x3"/>
   <p:notesSz cx="6858000" cy="9144000"/>
@@ -192,13 +192,13 @@
             <p14:sldId id="314"/>
             <p14:sldId id="325"/>
             <p14:sldId id="333"/>
-            <p14:sldId id="337"/>
+            <p14:sldId id="334"/>
           </p14:sldIdLst>
         </p14:section>
       </p14:sectionLst>
     </p:ext>
     <p:ext uri="{EFAFB233-063F-42B5-8137-9DF3F51BA10A}">
-      <p15:sldGuideLst xmlns:p15="http://schemas.microsoft.com/office/powerpoint/2012/main">
+      <p15:sldGuideLst xmlns:p15="http://schemas.microsoft.com/office/powerpoint/2012/main" xmlns="">
         <p15:guide id="1" orient="horz" pos="2160">
           <p15:clr>
             <a:srgbClr val="A4A3A4"/>
@@ -297,7 +297,7 @@
           <a:p>
             <a:fld id="{C33977A5-270E-4E03-B118-17345E304686}" type="datetimeFigureOut">
               <a:rPr lang="en-US" smtClean="0"/>
-              <a:t>1/23/2017</a:t>
+              <a:t>30-Jun-15</a:t>
             </a:fld>
             <a:endParaRPr lang="en-US"/>
           </a:p>
@@ -361,37 +361,38 @@
           <a:p>
             <a:pPr lvl="0"/>
             <a:r>
-              <a:rPr lang="en-US"/>
+              <a:rPr lang="en-US" smtClean="0"/>
               <a:t>Click to edit Master text styles</a:t>
             </a:r>
           </a:p>
           <a:p>
             <a:pPr lvl="1"/>
             <a:r>
-              <a:rPr lang="en-US"/>
+              <a:rPr lang="en-US" smtClean="0"/>
               <a:t>Second level</a:t>
             </a:r>
           </a:p>
           <a:p>
             <a:pPr lvl="2"/>
             <a:r>
-              <a:rPr lang="en-US"/>
+              <a:rPr lang="en-US" smtClean="0"/>
               <a:t>Third level</a:t>
             </a:r>
           </a:p>
           <a:p>
             <a:pPr lvl="3"/>
             <a:r>
-              <a:rPr lang="en-US"/>
+              <a:rPr lang="en-US" smtClean="0"/>
               <a:t>Fourth level</a:t>
             </a:r>
           </a:p>
           <a:p>
             <a:pPr lvl="4"/>
             <a:r>
-              <a:rPr lang="en-US"/>
+              <a:rPr lang="en-US" smtClean="0"/>
               <a:t>Fifth level</a:t>
             </a:r>
+            <a:endParaRPr lang="en-US"/>
           </a:p>
         </p:txBody>
       </p:sp>
@@ -609,17 +610,18 @@
           <a:lstStyle/>
           <a:p>
             <a:r>
-              <a:rPr lang="en-US" dirty="0"/>
+              <a:rPr lang="en-US" dirty="0" smtClean="0"/>
               <a:t>This notes page is used to store data - Do not edit the notes. VW5uYW1lZCBTaGFwZSAyMDE1MDYyNDE3MjAxMzM4NzkxOQ==@VW5uYW1lZCBTaGFwZSAyMDE1MDYyNDE3MjAxMzM4NzkxNw==@VW5uYW1lZCBTaGFwZSAyMDE1MDYyNDE3MjAxMzM4ODkyMQ==@</a:t>
             </a:r>
             <a:r>
-              <a:rPr lang="en-US" dirty="0" err="1"/>
+              <a:rPr lang="en-US" dirty="0" err="1" smtClean="0"/>
               <a:t>UFBUVGVtcGxhdGVNYXJrZXI</a:t>
             </a:r>
             <a:r>
-              <a:rPr lang="en-US"/>
+              <a:rPr lang="en-US" smtClean="0"/>
               <a:t>=@UHB0TGFic0FnZW5kYV8mXkBDb250ZW50U2hhcGVfJl5AMjAxNTA2MTkxNjI4Mzg3Nzg1MA==@VW5uYW1lZCBTaGFwZSAyMDE1MDYyNDE3MjAxMzM4NTkxNQ==@VW5uYW1lZCBTaGFwZSAyMDE1MDYyNDE3MjAxMzM4MjkxNA==@1532297848</a:t>
             </a:r>
+            <a:endParaRPr lang="en-US"/>
           </a:p>
         </p:txBody>
       </p:sp>
@@ -697,9 +699,10 @@
           <a:lstStyle/>
           <a:p>
             <a:r>
-              <a:rPr lang="en-US"/>
+              <a:rPr lang="en-US" smtClean="0"/>
               <a:t>Click to edit Master title style</a:t>
             </a:r>
+            <a:endParaRPr lang="en-US"/>
           </a:p>
         </p:txBody>
       </p:sp>
@@ -815,9 +818,10 @@
           </a:lstStyle>
           <a:p>
             <a:r>
-              <a:rPr lang="en-US"/>
+              <a:rPr lang="en-US" smtClean="0"/>
               <a:t>Click to edit Master subtitle style</a:t>
             </a:r>
+            <a:endParaRPr lang="en-US"/>
           </a:p>
         </p:txBody>
       </p:sp>
@@ -838,7 +842,7 @@
           <a:p>
             <a:fld id="{699DC775-C286-4358-8C92-D7E584E969B3}" type="datetimeFigureOut">
               <a:rPr lang="en-US" smtClean="0"/>
-              <a:t>1/23/2017</a:t>
+              <a:t>30-Jun-15</a:t>
             </a:fld>
             <a:endParaRPr lang="en-US"/>
           </a:p>
@@ -932,9 +936,10 @@
           <a:lstStyle/>
           <a:p>
             <a:r>
-              <a:rPr lang="en-US"/>
+              <a:rPr lang="en-US" smtClean="0"/>
               <a:t>Click to edit Master title style</a:t>
             </a:r>
+            <a:endParaRPr lang="en-US"/>
           </a:p>
         </p:txBody>
       </p:sp>
@@ -955,37 +960,38 @@
           <a:p>
             <a:pPr lvl="0"/>
             <a:r>
-              <a:rPr lang="en-US"/>
+              <a:rPr lang="en-US" smtClean="0"/>
               <a:t>Click to edit Master text styles</a:t>
             </a:r>
           </a:p>
           <a:p>
             <a:pPr lvl="1"/>
             <a:r>
-              <a:rPr lang="en-US"/>
+              <a:rPr lang="en-US" smtClean="0"/>
               <a:t>Second level</a:t>
             </a:r>
           </a:p>
           <a:p>
             <a:pPr lvl="2"/>
             <a:r>
-              <a:rPr lang="en-US"/>
+              <a:rPr lang="en-US" smtClean="0"/>
               <a:t>Third level</a:t>
             </a:r>
           </a:p>
           <a:p>
             <a:pPr lvl="3"/>
             <a:r>
-              <a:rPr lang="en-US"/>
+              <a:rPr lang="en-US" smtClean="0"/>
               <a:t>Fourth level</a:t>
             </a:r>
           </a:p>
           <a:p>
             <a:pPr lvl="4"/>
             <a:r>
-              <a:rPr lang="en-US"/>
+              <a:rPr lang="en-US" smtClean="0"/>
               <a:t>Fifth level</a:t>
             </a:r>
+            <a:endParaRPr lang="en-US"/>
           </a:p>
         </p:txBody>
       </p:sp>
@@ -1006,7 +1012,7 @@
           <a:p>
             <a:fld id="{699DC775-C286-4358-8C92-D7E584E969B3}" type="datetimeFigureOut">
               <a:rPr lang="en-US" smtClean="0"/>
-              <a:t>1/23/2017</a:t>
+              <a:t>30-Jun-15</a:t>
             </a:fld>
             <a:endParaRPr lang="en-US"/>
           </a:p>
@@ -1105,9 +1111,10 @@
           <a:lstStyle/>
           <a:p>
             <a:r>
-              <a:rPr lang="en-US"/>
+              <a:rPr lang="en-US" smtClean="0"/>
               <a:t>Click to edit Master title style</a:t>
             </a:r>
+            <a:endParaRPr lang="en-US"/>
           </a:p>
         </p:txBody>
       </p:sp>
@@ -1133,37 +1140,38 @@
           <a:p>
             <a:pPr lvl="0"/>
             <a:r>
-              <a:rPr lang="en-US"/>
+              <a:rPr lang="en-US" smtClean="0"/>
               <a:t>Click to edit Master text styles</a:t>
             </a:r>
           </a:p>
           <a:p>
             <a:pPr lvl="1"/>
             <a:r>
-              <a:rPr lang="en-US"/>
+              <a:rPr lang="en-US" smtClean="0"/>
               <a:t>Second level</a:t>
             </a:r>
           </a:p>
           <a:p>
             <a:pPr lvl="2"/>
             <a:r>
-              <a:rPr lang="en-US"/>
+              <a:rPr lang="en-US" smtClean="0"/>
               <a:t>Third level</a:t>
             </a:r>
           </a:p>
           <a:p>
             <a:pPr lvl="3"/>
             <a:r>
-              <a:rPr lang="en-US"/>
+              <a:rPr lang="en-US" smtClean="0"/>
               <a:t>Fourth level</a:t>
             </a:r>
           </a:p>
           <a:p>
             <a:pPr lvl="4"/>
             <a:r>
-              <a:rPr lang="en-US"/>
+              <a:rPr lang="en-US" smtClean="0"/>
               <a:t>Fifth level</a:t>
             </a:r>
+            <a:endParaRPr lang="en-US"/>
           </a:p>
         </p:txBody>
       </p:sp>
@@ -1184,7 +1192,7 @@
           <a:p>
             <a:fld id="{699DC775-C286-4358-8C92-D7E584E969B3}" type="datetimeFigureOut">
               <a:rPr lang="en-US" smtClean="0"/>
-              <a:t>1/23/2017</a:t>
+              <a:t>30-Jun-15</a:t>
             </a:fld>
             <a:endParaRPr lang="en-US"/>
           </a:p>
@@ -1278,9 +1286,10 @@
           <a:lstStyle/>
           <a:p>
             <a:r>
-              <a:rPr lang="en-US"/>
+              <a:rPr lang="en-US" smtClean="0"/>
               <a:t>Click to edit Master title style</a:t>
             </a:r>
+            <a:endParaRPr lang="en-US"/>
           </a:p>
         </p:txBody>
       </p:sp>
@@ -1301,37 +1310,38 @@
           <a:p>
             <a:pPr lvl="0"/>
             <a:r>
-              <a:rPr lang="en-US"/>
+              <a:rPr lang="en-US" smtClean="0"/>
               <a:t>Click to edit Master text styles</a:t>
             </a:r>
           </a:p>
           <a:p>
             <a:pPr lvl="1"/>
             <a:r>
-              <a:rPr lang="en-US"/>
+              <a:rPr lang="en-US" smtClean="0"/>
               <a:t>Second level</a:t>
             </a:r>
           </a:p>
           <a:p>
             <a:pPr lvl="2"/>
             <a:r>
-              <a:rPr lang="en-US"/>
+              <a:rPr lang="en-US" smtClean="0"/>
               <a:t>Third level</a:t>
             </a:r>
           </a:p>
           <a:p>
             <a:pPr lvl="3"/>
             <a:r>
-              <a:rPr lang="en-US"/>
+              <a:rPr lang="en-US" smtClean="0"/>
               <a:t>Fourth level</a:t>
             </a:r>
           </a:p>
           <a:p>
             <a:pPr lvl="4"/>
             <a:r>
-              <a:rPr lang="en-US"/>
+              <a:rPr lang="en-US" smtClean="0"/>
               <a:t>Fifth level</a:t>
             </a:r>
+            <a:endParaRPr lang="en-US"/>
           </a:p>
         </p:txBody>
       </p:sp>
@@ -1352,7 +1362,7 @@
           <a:p>
             <a:fld id="{699DC775-C286-4358-8C92-D7E584E969B3}" type="datetimeFigureOut">
               <a:rPr lang="en-US" smtClean="0"/>
-              <a:t>1/23/2017</a:t>
+              <a:t>30-Jun-15</a:t>
             </a:fld>
             <a:endParaRPr lang="en-US"/>
           </a:p>
@@ -1451,9 +1461,10 @@
           <a:lstStyle/>
           <a:p>
             <a:r>
-              <a:rPr lang="en-US"/>
+              <a:rPr lang="en-US" smtClean="0"/>
               <a:t>Click to edit Master title style</a:t>
             </a:r>
+            <a:endParaRPr lang="en-US"/>
           </a:p>
         </p:txBody>
       </p:sp>
@@ -1569,9 +1580,10 @@
           </a:lstStyle>
           <a:p>
             <a:r>
-              <a:rPr lang="en-US"/>
+              <a:rPr lang="en-US" smtClean="0"/>
               <a:t>Click to edit Master subtitle style</a:t>
             </a:r>
+            <a:endParaRPr lang="en-US"/>
           </a:p>
         </p:txBody>
       </p:sp>
@@ -1592,7 +1604,7 @@
           <a:p>
             <a:fld id="{699DC775-C286-4358-8C92-D7E584E969B3}" type="datetimeFigureOut">
               <a:rPr lang="en-US" smtClean="0"/>
-              <a:t>1/23/2017</a:t>
+              <a:t>30-Jun-15</a:t>
             </a:fld>
             <a:endParaRPr lang="en-US"/>
           </a:p>
@@ -1686,9 +1698,10 @@
           <a:lstStyle/>
           <a:p>
             <a:r>
-              <a:rPr lang="en-US"/>
+              <a:rPr lang="en-US" smtClean="0"/>
               <a:t>Click to edit Master title style</a:t>
             </a:r>
+            <a:endParaRPr lang="en-US"/>
           </a:p>
         </p:txBody>
       </p:sp>
@@ -1709,37 +1722,38 @@
           <a:p>
             <a:pPr lvl="0"/>
             <a:r>
-              <a:rPr lang="en-US"/>
+              <a:rPr lang="en-US" smtClean="0"/>
               <a:t>Click to edit Master text styles</a:t>
             </a:r>
           </a:p>
           <a:p>
             <a:pPr lvl="1"/>
             <a:r>
-              <a:rPr lang="en-US"/>
+              <a:rPr lang="en-US" smtClean="0"/>
               <a:t>Second level</a:t>
             </a:r>
           </a:p>
           <a:p>
             <a:pPr lvl="2"/>
             <a:r>
-              <a:rPr lang="en-US"/>
+              <a:rPr lang="en-US" smtClean="0"/>
               <a:t>Third level</a:t>
             </a:r>
           </a:p>
           <a:p>
             <a:pPr lvl="3"/>
             <a:r>
-              <a:rPr lang="en-US"/>
+              <a:rPr lang="en-US" smtClean="0"/>
               <a:t>Fourth level</a:t>
             </a:r>
           </a:p>
           <a:p>
             <a:pPr lvl="4"/>
             <a:r>
-              <a:rPr lang="en-US"/>
+              <a:rPr lang="en-US" smtClean="0"/>
               <a:t>Fifth level</a:t>
             </a:r>
+            <a:endParaRPr lang="en-US"/>
           </a:p>
         </p:txBody>
       </p:sp>
@@ -1760,7 +1774,7 @@
           <a:p>
             <a:fld id="{699DC775-C286-4358-8C92-D7E584E969B3}" type="datetimeFigureOut">
               <a:rPr lang="en-US" smtClean="0"/>
-              <a:t>1/23/2017</a:t>
+              <a:t>30-Jun-15</a:t>
             </a:fld>
             <a:endParaRPr lang="en-US"/>
           </a:p>
@@ -1863,9 +1877,10 @@
           </a:lstStyle>
           <a:p>
             <a:r>
-              <a:rPr lang="en-US"/>
+              <a:rPr lang="en-US" smtClean="0"/>
               <a:t>Click to edit Master title style</a:t>
             </a:r>
+            <a:endParaRPr lang="en-US"/>
           </a:p>
         </p:txBody>
       </p:sp>
@@ -1982,7 +1997,7 @@
           <a:p>
             <a:pPr lvl="0"/>
             <a:r>
-              <a:rPr lang="en-US"/>
+              <a:rPr lang="en-US" smtClean="0"/>
               <a:t>Click to edit Master text styles</a:t>
             </a:r>
           </a:p>
@@ -2005,7 +2020,7 @@
           <a:p>
             <a:fld id="{699DC775-C286-4358-8C92-D7E584E969B3}" type="datetimeFigureOut">
               <a:rPr lang="en-US" smtClean="0"/>
-              <a:t>1/23/2017</a:t>
+              <a:t>30-Jun-15</a:t>
             </a:fld>
             <a:endParaRPr lang="en-US"/>
           </a:p>
@@ -2099,9 +2114,10 @@
           <a:lstStyle/>
           <a:p>
             <a:r>
-              <a:rPr lang="en-US"/>
+              <a:rPr lang="en-US" smtClean="0"/>
               <a:t>Click to edit Master title style</a:t>
             </a:r>
+            <a:endParaRPr lang="en-US"/>
           </a:p>
         </p:txBody>
       </p:sp>
@@ -2155,37 +2171,38 @@
           <a:p>
             <a:pPr lvl="0"/>
             <a:r>
-              <a:rPr lang="en-US"/>
+              <a:rPr lang="en-US" smtClean="0"/>
               <a:t>Click to edit Master text styles</a:t>
             </a:r>
           </a:p>
           <a:p>
             <a:pPr lvl="1"/>
             <a:r>
-              <a:rPr lang="en-US"/>
+              <a:rPr lang="en-US" smtClean="0"/>
               <a:t>Second level</a:t>
             </a:r>
           </a:p>
           <a:p>
             <a:pPr lvl="2"/>
             <a:r>
-              <a:rPr lang="en-US"/>
+              <a:rPr lang="en-US" smtClean="0"/>
               <a:t>Third level</a:t>
             </a:r>
           </a:p>
           <a:p>
             <a:pPr lvl="3"/>
             <a:r>
-              <a:rPr lang="en-US"/>
+              <a:rPr lang="en-US" smtClean="0"/>
               <a:t>Fourth level</a:t>
             </a:r>
           </a:p>
           <a:p>
             <a:pPr lvl="4"/>
             <a:r>
-              <a:rPr lang="en-US"/>
+              <a:rPr lang="en-US" smtClean="0"/>
               <a:t>Fifth level</a:t>
             </a:r>
+            <a:endParaRPr lang="en-US"/>
           </a:p>
         </p:txBody>
       </p:sp>
@@ -2239,37 +2256,38 @@
           <a:p>
             <a:pPr lvl="0"/>
             <a:r>
-              <a:rPr lang="en-US"/>
+              <a:rPr lang="en-US" smtClean="0"/>
               <a:t>Click to edit Master text styles</a:t>
             </a:r>
           </a:p>
           <a:p>
             <a:pPr lvl="1"/>
             <a:r>
-              <a:rPr lang="en-US"/>
+              <a:rPr lang="en-US" smtClean="0"/>
               <a:t>Second level</a:t>
             </a:r>
           </a:p>
           <a:p>
             <a:pPr lvl="2"/>
             <a:r>
-              <a:rPr lang="en-US"/>
+              <a:rPr lang="en-US" smtClean="0"/>
               <a:t>Third level</a:t>
             </a:r>
           </a:p>
           <a:p>
             <a:pPr lvl="3"/>
             <a:r>
-              <a:rPr lang="en-US"/>
+              <a:rPr lang="en-US" smtClean="0"/>
               <a:t>Fourth level</a:t>
             </a:r>
           </a:p>
           <a:p>
             <a:pPr lvl="4"/>
             <a:r>
-              <a:rPr lang="en-US"/>
+              <a:rPr lang="en-US" smtClean="0"/>
               <a:t>Fifth level</a:t>
             </a:r>
+            <a:endParaRPr lang="en-US"/>
           </a:p>
         </p:txBody>
       </p:sp>
@@ -2290,7 +2308,7 @@
           <a:p>
             <a:fld id="{699DC775-C286-4358-8C92-D7E584E969B3}" type="datetimeFigureOut">
               <a:rPr lang="en-US" smtClean="0"/>
-              <a:t>1/23/2017</a:t>
+              <a:t>30-Jun-15</a:t>
             </a:fld>
             <a:endParaRPr lang="en-US"/>
           </a:p>
@@ -2388,9 +2406,10 @@
           </a:lstStyle>
           <a:p>
             <a:r>
-              <a:rPr lang="en-US"/>
+              <a:rPr lang="en-US" smtClean="0"/>
               <a:t>Click to edit Master title style</a:t>
             </a:r>
+            <a:endParaRPr lang="en-US"/>
           </a:p>
         </p:txBody>
       </p:sp>
@@ -2453,7 +2472,7 @@
           <a:p>
             <a:pPr lvl="0"/>
             <a:r>
-              <a:rPr lang="en-US"/>
+              <a:rPr lang="en-US" smtClean="0"/>
               <a:t>Click to edit Master text styles</a:t>
             </a:r>
           </a:p>
@@ -2509,37 +2528,38 @@
           <a:p>
             <a:pPr lvl="0"/>
             <a:r>
-              <a:rPr lang="en-US"/>
+              <a:rPr lang="en-US" smtClean="0"/>
               <a:t>Click to edit Master text styles</a:t>
             </a:r>
           </a:p>
           <a:p>
             <a:pPr lvl="1"/>
             <a:r>
-              <a:rPr lang="en-US"/>
+              <a:rPr lang="en-US" smtClean="0"/>
               <a:t>Second level</a:t>
             </a:r>
           </a:p>
           <a:p>
             <a:pPr lvl="2"/>
             <a:r>
-              <a:rPr lang="en-US"/>
+              <a:rPr lang="en-US" smtClean="0"/>
               <a:t>Third level</a:t>
             </a:r>
           </a:p>
           <a:p>
             <a:pPr lvl="3"/>
             <a:r>
-              <a:rPr lang="en-US"/>
+              <a:rPr lang="en-US" smtClean="0"/>
               <a:t>Fourth level</a:t>
             </a:r>
           </a:p>
           <a:p>
             <a:pPr lvl="4"/>
             <a:r>
-              <a:rPr lang="en-US"/>
+              <a:rPr lang="en-US" smtClean="0"/>
               <a:t>Fifth level</a:t>
             </a:r>
+            <a:endParaRPr lang="en-US"/>
           </a:p>
         </p:txBody>
       </p:sp>
@@ -2602,7 +2622,7 @@
           <a:p>
             <a:pPr lvl="0"/>
             <a:r>
-              <a:rPr lang="en-US"/>
+              <a:rPr lang="en-US" smtClean="0"/>
               <a:t>Click to edit Master text styles</a:t>
             </a:r>
           </a:p>
@@ -2658,37 +2678,38 @@
           <a:p>
             <a:pPr lvl="0"/>
             <a:r>
-              <a:rPr lang="en-US"/>
+              <a:rPr lang="en-US" smtClean="0"/>
               <a:t>Click to edit Master text styles</a:t>
             </a:r>
           </a:p>
           <a:p>
             <a:pPr lvl="1"/>
             <a:r>
-              <a:rPr lang="en-US"/>
+              <a:rPr lang="en-US" smtClean="0"/>
               <a:t>Second level</a:t>
             </a:r>
           </a:p>
           <a:p>
             <a:pPr lvl="2"/>
             <a:r>
-              <a:rPr lang="en-US"/>
+              <a:rPr lang="en-US" smtClean="0"/>
               <a:t>Third level</a:t>
             </a:r>
           </a:p>
           <a:p>
             <a:pPr lvl="3"/>
             <a:r>
-              <a:rPr lang="en-US"/>
+              <a:rPr lang="en-US" smtClean="0"/>
               <a:t>Fourth level</a:t>
             </a:r>
           </a:p>
           <a:p>
             <a:pPr lvl="4"/>
             <a:r>
-              <a:rPr lang="en-US"/>
+              <a:rPr lang="en-US" smtClean="0"/>
               <a:t>Fifth level</a:t>
             </a:r>
+            <a:endParaRPr lang="en-US"/>
           </a:p>
         </p:txBody>
       </p:sp>
@@ -2709,7 +2730,7 @@
           <a:p>
             <a:fld id="{699DC775-C286-4358-8C92-D7E584E969B3}" type="datetimeFigureOut">
               <a:rPr lang="en-US" smtClean="0"/>
-              <a:t>1/23/2017</a:t>
+              <a:t>30-Jun-15</a:t>
             </a:fld>
             <a:endParaRPr lang="en-US"/>
           </a:p>
@@ -2803,9 +2824,10 @@
           <a:lstStyle/>
           <a:p>
             <a:r>
-              <a:rPr lang="en-US"/>
+              <a:rPr lang="en-US" smtClean="0"/>
               <a:t>Click to edit Master title style</a:t>
             </a:r>
+            <a:endParaRPr lang="en-US"/>
           </a:p>
         </p:txBody>
       </p:sp>
@@ -2826,7 +2848,7 @@
           <a:p>
             <a:fld id="{699DC775-C286-4358-8C92-D7E584E969B3}" type="datetimeFigureOut">
               <a:rPr lang="en-US" smtClean="0"/>
-              <a:t>1/23/2017</a:t>
+              <a:t>30-Jun-15</a:t>
             </a:fld>
             <a:endParaRPr lang="en-US"/>
           </a:p>
@@ -2921,7 +2943,7 @@
           <a:p>
             <a:fld id="{699DC775-C286-4358-8C92-D7E584E969B3}" type="datetimeFigureOut">
               <a:rPr lang="en-US" smtClean="0"/>
-              <a:t>1/23/2017</a:t>
+              <a:t>30-Jun-15</a:t>
             </a:fld>
             <a:endParaRPr lang="en-US"/>
           </a:p>
@@ -3015,9 +3037,10 @@
           <a:lstStyle/>
           <a:p>
             <a:r>
-              <a:rPr lang="en-US"/>
+              <a:rPr lang="en-US" smtClean="0"/>
               <a:t>Click to edit Master title style</a:t>
             </a:r>
+            <a:endParaRPr lang="en-US"/>
           </a:p>
         </p:txBody>
       </p:sp>
@@ -3038,37 +3061,38 @@
           <a:p>
             <a:pPr lvl="0"/>
             <a:r>
-              <a:rPr lang="en-US"/>
+              <a:rPr lang="en-US" smtClean="0"/>
               <a:t>Click to edit Master text styles</a:t>
             </a:r>
           </a:p>
           <a:p>
             <a:pPr lvl="1"/>
             <a:r>
-              <a:rPr lang="en-US"/>
+              <a:rPr lang="en-US" smtClean="0"/>
               <a:t>Second level</a:t>
             </a:r>
           </a:p>
           <a:p>
             <a:pPr lvl="2"/>
             <a:r>
-              <a:rPr lang="en-US"/>
+              <a:rPr lang="en-US" smtClean="0"/>
               <a:t>Third level</a:t>
             </a:r>
           </a:p>
           <a:p>
             <a:pPr lvl="3"/>
             <a:r>
-              <a:rPr lang="en-US"/>
+              <a:rPr lang="en-US" smtClean="0"/>
               <a:t>Fourth level</a:t>
             </a:r>
           </a:p>
           <a:p>
             <a:pPr lvl="4"/>
             <a:r>
-              <a:rPr lang="en-US"/>
+              <a:rPr lang="en-US" smtClean="0"/>
               <a:t>Fifth level</a:t>
             </a:r>
+            <a:endParaRPr lang="en-US"/>
           </a:p>
         </p:txBody>
       </p:sp>
@@ -3089,7 +3113,7 @@
           <a:p>
             <a:fld id="{699DC775-C286-4358-8C92-D7E584E969B3}" type="datetimeFigureOut">
               <a:rPr lang="en-US" smtClean="0"/>
-              <a:t>1/23/2017</a:t>
+              <a:t>30-Jun-15</a:t>
             </a:fld>
             <a:endParaRPr lang="en-US"/>
           </a:p>
@@ -3192,9 +3216,10 @@
           </a:lstStyle>
           <a:p>
             <a:r>
-              <a:rPr lang="en-US"/>
+              <a:rPr lang="en-US" smtClean="0"/>
               <a:t>Click to edit Master title style</a:t>
             </a:r>
+            <a:endParaRPr lang="en-US"/>
           </a:p>
         </p:txBody>
       </p:sp>
@@ -3248,37 +3273,38 @@
           <a:p>
             <a:pPr lvl="0"/>
             <a:r>
-              <a:rPr lang="en-US"/>
+              <a:rPr lang="en-US" smtClean="0"/>
               <a:t>Click to edit Master text styles</a:t>
             </a:r>
           </a:p>
           <a:p>
             <a:pPr lvl="1"/>
             <a:r>
-              <a:rPr lang="en-US"/>
+              <a:rPr lang="en-US" smtClean="0"/>
               <a:t>Second level</a:t>
             </a:r>
           </a:p>
           <a:p>
             <a:pPr lvl="2"/>
             <a:r>
-              <a:rPr lang="en-US"/>
+              <a:rPr lang="en-US" smtClean="0"/>
               <a:t>Third level</a:t>
             </a:r>
           </a:p>
           <a:p>
             <a:pPr lvl="3"/>
             <a:r>
-              <a:rPr lang="en-US"/>
+              <a:rPr lang="en-US" smtClean="0"/>
               <a:t>Fourth level</a:t>
             </a:r>
           </a:p>
           <a:p>
             <a:pPr lvl="4"/>
             <a:r>
-              <a:rPr lang="en-US"/>
+              <a:rPr lang="en-US" smtClean="0"/>
               <a:t>Fifth level</a:t>
             </a:r>
+            <a:endParaRPr lang="en-US"/>
           </a:p>
         </p:txBody>
       </p:sp>
@@ -3341,7 +3367,7 @@
           <a:p>
             <a:pPr lvl="0"/>
             <a:r>
-              <a:rPr lang="en-US"/>
+              <a:rPr lang="en-US" smtClean="0"/>
               <a:t>Click to edit Master text styles</a:t>
             </a:r>
           </a:p>
@@ -3364,7 +3390,7 @@
           <a:p>
             <a:fld id="{699DC775-C286-4358-8C92-D7E584E969B3}" type="datetimeFigureOut">
               <a:rPr lang="en-US" smtClean="0"/>
-              <a:t>1/23/2017</a:t>
+              <a:t>30-Jun-15</a:t>
             </a:fld>
             <a:endParaRPr lang="en-US"/>
           </a:p>
@@ -3467,9 +3493,10 @@
           </a:lstStyle>
           <a:p>
             <a:r>
-              <a:rPr lang="en-US"/>
+              <a:rPr lang="en-US" smtClean="0"/>
               <a:t>Click to edit Master title style</a:t>
             </a:r>
+            <a:endParaRPr lang="en-US"/>
           </a:p>
         </p:txBody>
       </p:sp>
@@ -3593,7 +3620,7 @@
           <a:p>
             <a:pPr lvl="0"/>
             <a:r>
-              <a:rPr lang="en-US"/>
+              <a:rPr lang="en-US" smtClean="0"/>
               <a:t>Click to edit Master text styles</a:t>
             </a:r>
           </a:p>
@@ -3616,7 +3643,7 @@
           <a:p>
             <a:fld id="{699DC775-C286-4358-8C92-D7E584E969B3}" type="datetimeFigureOut">
               <a:rPr lang="en-US" smtClean="0"/>
-              <a:t>1/23/2017</a:t>
+              <a:t>30-Jun-15</a:t>
             </a:fld>
             <a:endParaRPr lang="en-US"/>
           </a:p>
@@ -3710,9 +3737,10 @@
           <a:lstStyle/>
           <a:p>
             <a:r>
-              <a:rPr lang="en-US"/>
+              <a:rPr lang="en-US" smtClean="0"/>
               <a:t>Click to edit Master title style</a:t>
             </a:r>
+            <a:endParaRPr lang="en-US"/>
           </a:p>
         </p:txBody>
       </p:sp>
@@ -3733,37 +3761,38 @@
           <a:p>
             <a:pPr lvl="0"/>
             <a:r>
-              <a:rPr lang="en-US"/>
+              <a:rPr lang="en-US" smtClean="0"/>
               <a:t>Click to edit Master text styles</a:t>
             </a:r>
           </a:p>
           <a:p>
             <a:pPr lvl="1"/>
             <a:r>
-              <a:rPr lang="en-US"/>
+              <a:rPr lang="en-US" smtClean="0"/>
               <a:t>Second level</a:t>
             </a:r>
           </a:p>
           <a:p>
             <a:pPr lvl="2"/>
             <a:r>
-              <a:rPr lang="en-US"/>
+              <a:rPr lang="en-US" smtClean="0"/>
               <a:t>Third level</a:t>
             </a:r>
           </a:p>
           <a:p>
             <a:pPr lvl="3"/>
             <a:r>
-              <a:rPr lang="en-US"/>
+              <a:rPr lang="en-US" smtClean="0"/>
               <a:t>Fourth level</a:t>
             </a:r>
           </a:p>
           <a:p>
             <a:pPr lvl="4"/>
             <a:r>
-              <a:rPr lang="en-US"/>
+              <a:rPr lang="en-US" smtClean="0"/>
               <a:t>Fifth level</a:t>
             </a:r>
+            <a:endParaRPr lang="en-US"/>
           </a:p>
         </p:txBody>
       </p:sp>
@@ -3784,7 +3813,7 @@
           <a:p>
             <a:fld id="{699DC775-C286-4358-8C92-D7E584E969B3}" type="datetimeFigureOut">
               <a:rPr lang="en-US" smtClean="0"/>
-              <a:t>1/23/2017</a:t>
+              <a:t>30-Jun-15</a:t>
             </a:fld>
             <a:endParaRPr lang="en-US"/>
           </a:p>
@@ -3883,9 +3912,10 @@
           <a:lstStyle/>
           <a:p>
             <a:r>
-              <a:rPr lang="en-US"/>
+              <a:rPr lang="en-US" smtClean="0"/>
               <a:t>Click to edit Master title style</a:t>
             </a:r>
+            <a:endParaRPr lang="en-US"/>
           </a:p>
         </p:txBody>
       </p:sp>
@@ -3911,37 +3941,38 @@
           <a:p>
             <a:pPr lvl="0"/>
             <a:r>
-              <a:rPr lang="en-US"/>
+              <a:rPr lang="en-US" smtClean="0"/>
               <a:t>Click to edit Master text styles</a:t>
             </a:r>
           </a:p>
           <a:p>
             <a:pPr lvl="1"/>
             <a:r>
-              <a:rPr lang="en-US"/>
+              <a:rPr lang="en-US" smtClean="0"/>
               <a:t>Second level</a:t>
             </a:r>
           </a:p>
           <a:p>
             <a:pPr lvl="2"/>
             <a:r>
-              <a:rPr lang="en-US"/>
+              <a:rPr lang="en-US" smtClean="0"/>
               <a:t>Third level</a:t>
             </a:r>
           </a:p>
           <a:p>
             <a:pPr lvl="3"/>
             <a:r>
-              <a:rPr lang="en-US"/>
+              <a:rPr lang="en-US" smtClean="0"/>
               <a:t>Fourth level</a:t>
             </a:r>
           </a:p>
           <a:p>
             <a:pPr lvl="4"/>
             <a:r>
-              <a:rPr lang="en-US"/>
+              <a:rPr lang="en-US" smtClean="0"/>
               <a:t>Fifth level</a:t>
             </a:r>
+            <a:endParaRPr lang="en-US"/>
           </a:p>
         </p:txBody>
       </p:sp>
@@ -3962,7 +3993,7 @@
           <a:p>
             <a:fld id="{699DC775-C286-4358-8C92-D7E584E969B3}" type="datetimeFigureOut">
               <a:rPr lang="en-US" smtClean="0"/>
-              <a:t>1/23/2017</a:t>
+              <a:t>30-Jun-15</a:t>
             </a:fld>
             <a:endParaRPr lang="en-US"/>
           </a:p>
@@ -4056,9 +4087,10 @@
           <a:lstStyle/>
           <a:p>
             <a:r>
-              <a:rPr lang="en-US"/>
+              <a:rPr lang="en-US" smtClean="0"/>
               <a:t>Click to edit Master title style</a:t>
             </a:r>
+            <a:endParaRPr lang="en-US"/>
           </a:p>
         </p:txBody>
       </p:sp>
@@ -4079,37 +4111,38 @@
           <a:p>
             <a:pPr lvl="0"/>
             <a:r>
-              <a:rPr lang="en-US"/>
+              <a:rPr lang="en-US" smtClean="0"/>
               <a:t>Click to edit Master text styles</a:t>
             </a:r>
           </a:p>
           <a:p>
             <a:pPr lvl="1"/>
             <a:r>
-              <a:rPr lang="en-US"/>
+              <a:rPr lang="en-US" smtClean="0"/>
               <a:t>Second level</a:t>
             </a:r>
           </a:p>
           <a:p>
             <a:pPr lvl="2"/>
             <a:r>
-              <a:rPr lang="en-US"/>
+              <a:rPr lang="en-US" smtClean="0"/>
               <a:t>Third level</a:t>
             </a:r>
           </a:p>
           <a:p>
             <a:pPr lvl="3"/>
             <a:r>
-              <a:rPr lang="en-US"/>
+              <a:rPr lang="en-US" smtClean="0"/>
               <a:t>Fourth level</a:t>
             </a:r>
           </a:p>
           <a:p>
             <a:pPr lvl="4"/>
             <a:r>
-              <a:rPr lang="en-US"/>
+              <a:rPr lang="en-US" smtClean="0"/>
               <a:t>Fifth level</a:t>
             </a:r>
+            <a:endParaRPr lang="en-US"/>
           </a:p>
         </p:txBody>
       </p:sp>
@@ -4130,7 +4163,7 @@
           <a:p>
             <a:fld id="{699DC775-C286-4358-8C92-D7E584E969B3}" type="datetimeFigureOut">
               <a:rPr lang="en-US" smtClean="0"/>
-              <a:t>1/23/2017</a:t>
+              <a:t>30-Jun-15</a:t>
             </a:fld>
             <a:endParaRPr lang="en-US"/>
           </a:p>
@@ -4237,9 +4270,10 @@
           <a:lstStyle/>
           <a:p>
             <a:r>
-              <a:rPr lang="en-US"/>
+              <a:rPr lang="en-US" smtClean="0"/>
               <a:t>Click to edit Master title style</a:t>
             </a:r>
+            <a:endParaRPr lang="en-US"/>
           </a:p>
         </p:txBody>
       </p:sp>
@@ -4355,9 +4389,10 @@
           </a:lstStyle>
           <a:p>
             <a:r>
-              <a:rPr lang="en-US"/>
+              <a:rPr lang="en-US" smtClean="0"/>
               <a:t>Click to edit Master subtitle style</a:t>
             </a:r>
+            <a:endParaRPr lang="en-US"/>
           </a:p>
         </p:txBody>
       </p:sp>
@@ -4378,7 +4413,7 @@
           <a:p>
             <a:fld id="{699DC775-C286-4358-8C92-D7E584E969B3}" type="datetimeFigureOut">
               <a:rPr lang="en-US" smtClean="0"/>
-              <a:t>1/23/2017</a:t>
+              <a:t>30-Jun-15</a:t>
             </a:fld>
             <a:endParaRPr lang="en-US"/>
           </a:p>
@@ -4480,9 +4515,10 @@
           <a:lstStyle/>
           <a:p>
             <a:r>
-              <a:rPr lang="en-US"/>
+              <a:rPr lang="en-US" smtClean="0"/>
               <a:t>Click to edit Master title style</a:t>
             </a:r>
+            <a:endParaRPr lang="en-US"/>
           </a:p>
         </p:txBody>
       </p:sp>
@@ -4503,37 +4539,38 @@
           <a:p>
             <a:pPr lvl="0"/>
             <a:r>
-              <a:rPr lang="en-US"/>
+              <a:rPr lang="en-US" smtClean="0"/>
               <a:t>Click to edit Master text styles</a:t>
             </a:r>
           </a:p>
           <a:p>
             <a:pPr lvl="1"/>
             <a:r>
-              <a:rPr lang="en-US"/>
+              <a:rPr lang="en-US" smtClean="0"/>
               <a:t>Second level</a:t>
             </a:r>
           </a:p>
           <a:p>
             <a:pPr lvl="2"/>
             <a:r>
-              <a:rPr lang="en-US"/>
+              <a:rPr lang="en-US" smtClean="0"/>
               <a:t>Third level</a:t>
             </a:r>
           </a:p>
           <a:p>
             <a:pPr lvl="3"/>
             <a:r>
-              <a:rPr lang="en-US"/>
+              <a:rPr lang="en-US" smtClean="0"/>
               <a:t>Fourth level</a:t>
             </a:r>
           </a:p>
           <a:p>
             <a:pPr lvl="4"/>
             <a:r>
-              <a:rPr lang="en-US"/>
+              <a:rPr lang="en-US" smtClean="0"/>
               <a:t>Fifth level</a:t>
             </a:r>
+            <a:endParaRPr lang="en-US"/>
           </a:p>
         </p:txBody>
       </p:sp>
@@ -4554,7 +4591,7 @@
           <a:p>
             <a:fld id="{699DC775-C286-4358-8C92-D7E584E969B3}" type="datetimeFigureOut">
               <a:rPr lang="en-US" smtClean="0"/>
-              <a:t>1/23/2017</a:t>
+              <a:t>30-Jun-15</a:t>
             </a:fld>
             <a:endParaRPr lang="en-US"/>
           </a:p>
@@ -4665,9 +4702,10 @@
           </a:lstStyle>
           <a:p>
             <a:r>
-              <a:rPr lang="en-US"/>
+              <a:rPr lang="en-US" smtClean="0"/>
               <a:t>Click to edit Master title style</a:t>
             </a:r>
+            <a:endParaRPr lang="en-US"/>
           </a:p>
         </p:txBody>
       </p:sp>
@@ -4784,7 +4822,7 @@
           <a:p>
             <a:pPr lvl="0"/>
             <a:r>
-              <a:rPr lang="en-US"/>
+              <a:rPr lang="en-US" smtClean="0"/>
               <a:t>Click to edit Master text styles</a:t>
             </a:r>
           </a:p>
@@ -4807,7 +4845,7 @@
           <a:p>
             <a:fld id="{699DC775-C286-4358-8C92-D7E584E969B3}" type="datetimeFigureOut">
               <a:rPr lang="en-US" smtClean="0"/>
-              <a:t>1/23/2017</a:t>
+              <a:t>30-Jun-15</a:t>
             </a:fld>
             <a:endParaRPr lang="en-US"/>
           </a:p>
@@ -4909,9 +4947,10 @@
           <a:lstStyle/>
           <a:p>
             <a:r>
-              <a:rPr lang="en-US"/>
+              <a:rPr lang="en-US" smtClean="0"/>
               <a:t>Click to edit Master title style</a:t>
             </a:r>
+            <a:endParaRPr lang="en-US"/>
           </a:p>
         </p:txBody>
       </p:sp>
@@ -4965,37 +5004,38 @@
           <a:p>
             <a:pPr lvl="0"/>
             <a:r>
-              <a:rPr lang="en-US"/>
+              <a:rPr lang="en-US" smtClean="0"/>
               <a:t>Click to edit Master text styles</a:t>
             </a:r>
           </a:p>
           <a:p>
             <a:pPr lvl="1"/>
             <a:r>
-              <a:rPr lang="en-US"/>
+              <a:rPr lang="en-US" smtClean="0"/>
               <a:t>Second level</a:t>
             </a:r>
           </a:p>
           <a:p>
             <a:pPr lvl="2"/>
             <a:r>
-              <a:rPr lang="en-US"/>
+              <a:rPr lang="en-US" smtClean="0"/>
               <a:t>Third level</a:t>
             </a:r>
           </a:p>
           <a:p>
             <a:pPr lvl="3"/>
             <a:r>
-              <a:rPr lang="en-US"/>
+              <a:rPr lang="en-US" smtClean="0"/>
               <a:t>Fourth level</a:t>
             </a:r>
           </a:p>
           <a:p>
             <a:pPr lvl="4"/>
             <a:r>
-              <a:rPr lang="en-US"/>
+              <a:rPr lang="en-US" smtClean="0"/>
               <a:t>Fifth level</a:t>
             </a:r>
+            <a:endParaRPr lang="en-US"/>
           </a:p>
         </p:txBody>
       </p:sp>
@@ -5049,37 +5089,38 @@
           <a:p>
             <a:pPr lvl="0"/>
             <a:r>
-              <a:rPr lang="en-US"/>
+              <a:rPr lang="en-US" smtClean="0"/>
               <a:t>Click to edit Master text styles</a:t>
             </a:r>
           </a:p>
           <a:p>
             <a:pPr lvl="1"/>
             <a:r>
-              <a:rPr lang="en-US"/>
+              <a:rPr lang="en-US" smtClean="0"/>
               <a:t>Second level</a:t>
             </a:r>
           </a:p>
           <a:p>
             <a:pPr lvl="2"/>
             <a:r>
-              <a:rPr lang="en-US"/>
+              <a:rPr lang="en-US" smtClean="0"/>
               <a:t>Third level</a:t>
             </a:r>
           </a:p>
           <a:p>
             <a:pPr lvl="3"/>
             <a:r>
-              <a:rPr lang="en-US"/>
+              <a:rPr lang="en-US" smtClean="0"/>
               <a:t>Fourth level</a:t>
             </a:r>
           </a:p>
           <a:p>
             <a:pPr lvl="4"/>
             <a:r>
-              <a:rPr lang="en-US"/>
+              <a:rPr lang="en-US" smtClean="0"/>
               <a:t>Fifth level</a:t>
             </a:r>
+            <a:endParaRPr lang="en-US"/>
           </a:p>
         </p:txBody>
       </p:sp>
@@ -5100,7 +5141,7 @@
           <a:p>
             <a:fld id="{699DC775-C286-4358-8C92-D7E584E969B3}" type="datetimeFigureOut">
               <a:rPr lang="en-US" smtClean="0"/>
-              <a:t>1/23/2017</a:t>
+              <a:t>30-Jun-15</a:t>
             </a:fld>
             <a:endParaRPr lang="en-US"/>
           </a:p>
@@ -5206,9 +5247,10 @@
           </a:lstStyle>
           <a:p>
             <a:r>
-              <a:rPr lang="en-US"/>
+              <a:rPr lang="en-US" smtClean="0"/>
               <a:t>Click to edit Master title style</a:t>
             </a:r>
+            <a:endParaRPr lang="en-US"/>
           </a:p>
         </p:txBody>
       </p:sp>
@@ -5271,7 +5313,7 @@
           <a:p>
             <a:pPr lvl="0"/>
             <a:r>
-              <a:rPr lang="en-US"/>
+              <a:rPr lang="en-US" smtClean="0"/>
               <a:t>Click to edit Master text styles</a:t>
             </a:r>
           </a:p>
@@ -5327,37 +5369,38 @@
           <a:p>
             <a:pPr lvl="0"/>
             <a:r>
-              <a:rPr lang="en-US"/>
+              <a:rPr lang="en-US" smtClean="0"/>
               <a:t>Click to edit Master text styles</a:t>
             </a:r>
           </a:p>
           <a:p>
             <a:pPr lvl="1"/>
             <a:r>
-              <a:rPr lang="en-US"/>
+              <a:rPr lang="en-US" smtClean="0"/>
               <a:t>Second level</a:t>
             </a:r>
           </a:p>
           <a:p>
             <a:pPr lvl="2"/>
             <a:r>
-              <a:rPr lang="en-US"/>
+              <a:rPr lang="en-US" smtClean="0"/>
               <a:t>Third level</a:t>
             </a:r>
           </a:p>
           <a:p>
             <a:pPr lvl="3"/>
             <a:r>
-              <a:rPr lang="en-US"/>
+              <a:rPr lang="en-US" smtClean="0"/>
               <a:t>Fourth level</a:t>
             </a:r>
           </a:p>
           <a:p>
             <a:pPr lvl="4"/>
             <a:r>
-              <a:rPr lang="en-US"/>
+              <a:rPr lang="en-US" smtClean="0"/>
               <a:t>Fifth level</a:t>
             </a:r>
+            <a:endParaRPr lang="en-US"/>
           </a:p>
         </p:txBody>
       </p:sp>
@@ -5420,7 +5463,7 @@
           <a:p>
             <a:pPr lvl="0"/>
             <a:r>
-              <a:rPr lang="en-US"/>
+              <a:rPr lang="en-US" smtClean="0"/>
               <a:t>Click to edit Master text styles</a:t>
             </a:r>
           </a:p>
@@ -5476,37 +5519,38 @@
           <a:p>
             <a:pPr lvl="0"/>
             <a:r>
-              <a:rPr lang="en-US"/>
+              <a:rPr lang="en-US" smtClean="0"/>
               <a:t>Click to edit Master text styles</a:t>
             </a:r>
           </a:p>
           <a:p>
             <a:pPr lvl="1"/>
             <a:r>
-              <a:rPr lang="en-US"/>
+              <a:rPr lang="en-US" smtClean="0"/>
               <a:t>Second level</a:t>
             </a:r>
           </a:p>
           <a:p>
             <a:pPr lvl="2"/>
             <a:r>
-              <a:rPr lang="en-US"/>
+              <a:rPr lang="en-US" smtClean="0"/>
               <a:t>Third level</a:t>
             </a:r>
           </a:p>
           <a:p>
             <a:pPr lvl="3"/>
             <a:r>
-              <a:rPr lang="en-US"/>
+              <a:rPr lang="en-US" smtClean="0"/>
               <a:t>Fourth level</a:t>
             </a:r>
           </a:p>
           <a:p>
             <a:pPr lvl="4"/>
             <a:r>
-              <a:rPr lang="en-US"/>
+              <a:rPr lang="en-US" smtClean="0"/>
               <a:t>Fifth level</a:t>
             </a:r>
+            <a:endParaRPr lang="en-US"/>
           </a:p>
         </p:txBody>
       </p:sp>
@@ -5527,7 +5571,7 @@
           <a:p>
             <a:fld id="{699DC775-C286-4358-8C92-D7E584E969B3}" type="datetimeFigureOut">
               <a:rPr lang="en-US" smtClean="0"/>
-              <a:t>1/23/2017</a:t>
+              <a:t>30-Jun-15</a:t>
             </a:fld>
             <a:endParaRPr lang="en-US"/>
           </a:p>
@@ -5630,9 +5674,10 @@
           </a:lstStyle>
           <a:p>
             <a:r>
-              <a:rPr lang="en-US"/>
+              <a:rPr lang="en-US" smtClean="0"/>
               <a:t>Click to edit Master title style</a:t>
             </a:r>
+            <a:endParaRPr lang="en-US"/>
           </a:p>
         </p:txBody>
       </p:sp>
@@ -5749,7 +5794,7 @@
           <a:p>
             <a:pPr lvl="0"/>
             <a:r>
-              <a:rPr lang="en-US"/>
+              <a:rPr lang="en-US" smtClean="0"/>
               <a:t>Click to edit Master text styles</a:t>
             </a:r>
           </a:p>
@@ -5772,7 +5817,7 @@
           <a:p>
             <a:fld id="{699DC775-C286-4358-8C92-D7E584E969B3}" type="datetimeFigureOut">
               <a:rPr lang="en-US" smtClean="0"/>
-              <a:t>1/23/2017</a:t>
+              <a:t>30-Jun-15</a:t>
             </a:fld>
             <a:endParaRPr lang="en-US"/>
           </a:p>
@@ -5874,9 +5919,10 @@
           <a:lstStyle/>
           <a:p>
             <a:r>
-              <a:rPr lang="en-US"/>
+              <a:rPr lang="en-US" smtClean="0"/>
               <a:t>Click to edit Master title style</a:t>
             </a:r>
+            <a:endParaRPr lang="en-US"/>
           </a:p>
         </p:txBody>
       </p:sp>
@@ -5897,7 +5943,7 @@
           <a:p>
             <a:fld id="{699DC775-C286-4358-8C92-D7E584E969B3}" type="datetimeFigureOut">
               <a:rPr lang="en-US" smtClean="0"/>
-              <a:t>1/23/2017</a:t>
+              <a:t>30-Jun-15</a:t>
             </a:fld>
             <a:endParaRPr lang="en-US"/>
           </a:p>
@@ -6000,7 +6046,7 @@
           <a:p>
             <a:fld id="{699DC775-C286-4358-8C92-D7E584E969B3}" type="datetimeFigureOut">
               <a:rPr lang="en-US" smtClean="0"/>
-              <a:t>1/23/2017</a:t>
+              <a:t>30-Jun-15</a:t>
             </a:fld>
             <a:endParaRPr lang="en-US"/>
           </a:p>
@@ -6111,9 +6157,10 @@
           </a:lstStyle>
           <a:p>
             <a:r>
-              <a:rPr lang="en-US"/>
+              <a:rPr lang="en-US" smtClean="0"/>
               <a:t>Click to edit Master title style</a:t>
             </a:r>
+            <a:endParaRPr lang="en-US"/>
           </a:p>
         </p:txBody>
       </p:sp>
@@ -6167,37 +6214,38 @@
           <a:p>
             <a:pPr lvl="0"/>
             <a:r>
-              <a:rPr lang="en-US"/>
+              <a:rPr lang="en-US" smtClean="0"/>
               <a:t>Click to edit Master text styles</a:t>
             </a:r>
           </a:p>
           <a:p>
             <a:pPr lvl="1"/>
             <a:r>
-              <a:rPr lang="en-US"/>
+              <a:rPr lang="en-US" smtClean="0"/>
               <a:t>Second level</a:t>
             </a:r>
           </a:p>
           <a:p>
             <a:pPr lvl="2"/>
             <a:r>
-              <a:rPr lang="en-US"/>
+              <a:rPr lang="en-US" smtClean="0"/>
               <a:t>Third level</a:t>
             </a:r>
           </a:p>
           <a:p>
             <a:pPr lvl="3"/>
             <a:r>
-              <a:rPr lang="en-US"/>
+              <a:rPr lang="en-US" smtClean="0"/>
               <a:t>Fourth level</a:t>
             </a:r>
           </a:p>
           <a:p>
             <a:pPr lvl="4"/>
             <a:r>
-              <a:rPr lang="en-US"/>
+              <a:rPr lang="en-US" smtClean="0"/>
               <a:t>Fifth level</a:t>
             </a:r>
+            <a:endParaRPr lang="en-US"/>
           </a:p>
         </p:txBody>
       </p:sp>
@@ -6260,7 +6308,7 @@
           <a:p>
             <a:pPr lvl="0"/>
             <a:r>
-              <a:rPr lang="en-US"/>
+              <a:rPr lang="en-US" smtClean="0"/>
               <a:t>Click to edit Master text styles</a:t>
             </a:r>
           </a:p>
@@ -6283,7 +6331,7 @@
           <a:p>
             <a:fld id="{699DC775-C286-4358-8C92-D7E584E969B3}" type="datetimeFigureOut">
               <a:rPr lang="en-US" smtClean="0"/>
-              <a:t>1/23/2017</a:t>
+              <a:t>30-Jun-15</a:t>
             </a:fld>
             <a:endParaRPr lang="en-US"/>
           </a:p>
@@ -6394,9 +6442,10 @@
           </a:lstStyle>
           <a:p>
             <a:r>
-              <a:rPr lang="en-US"/>
+              <a:rPr lang="en-US" smtClean="0"/>
               <a:t>Click to edit Master title style</a:t>
             </a:r>
+            <a:endParaRPr lang="en-US"/>
           </a:p>
         </p:txBody>
       </p:sp>
@@ -6520,7 +6569,7 @@
           <a:p>
             <a:pPr lvl="0"/>
             <a:r>
-              <a:rPr lang="en-US"/>
+              <a:rPr lang="en-US" smtClean="0"/>
               <a:t>Click to edit Master text styles</a:t>
             </a:r>
           </a:p>
@@ -6543,7 +6592,7 @@
           <a:p>
             <a:fld id="{699DC775-C286-4358-8C92-D7E584E969B3}" type="datetimeFigureOut">
               <a:rPr lang="en-US" smtClean="0"/>
-              <a:t>1/23/2017</a:t>
+              <a:t>30-Jun-15</a:t>
             </a:fld>
             <a:endParaRPr lang="en-US"/>
           </a:p>
@@ -6645,9 +6694,10 @@
           <a:lstStyle/>
           <a:p>
             <a:r>
-              <a:rPr lang="en-US"/>
+              <a:rPr lang="en-US" smtClean="0"/>
               <a:t>Click to edit Master title style</a:t>
             </a:r>
+            <a:endParaRPr lang="en-US"/>
           </a:p>
         </p:txBody>
       </p:sp>
@@ -6668,37 +6718,38 @@
           <a:p>
             <a:pPr lvl="0"/>
             <a:r>
-              <a:rPr lang="en-US"/>
+              <a:rPr lang="en-US" smtClean="0"/>
               <a:t>Click to edit Master text styles</a:t>
             </a:r>
           </a:p>
           <a:p>
             <a:pPr lvl="1"/>
             <a:r>
-              <a:rPr lang="en-US"/>
+              <a:rPr lang="en-US" smtClean="0"/>
               <a:t>Second level</a:t>
             </a:r>
           </a:p>
           <a:p>
             <a:pPr lvl="2"/>
             <a:r>
-              <a:rPr lang="en-US"/>
+              <a:rPr lang="en-US" smtClean="0"/>
               <a:t>Third level</a:t>
             </a:r>
           </a:p>
           <a:p>
             <a:pPr lvl="3"/>
             <a:r>
-              <a:rPr lang="en-US"/>
+              <a:rPr lang="en-US" smtClean="0"/>
               <a:t>Fourth level</a:t>
             </a:r>
           </a:p>
           <a:p>
             <a:pPr lvl="4"/>
             <a:r>
-              <a:rPr lang="en-US"/>
+              <a:rPr lang="en-US" smtClean="0"/>
               <a:t>Fifth level</a:t>
             </a:r>
+            <a:endParaRPr lang="en-US"/>
           </a:p>
         </p:txBody>
       </p:sp>
@@ -6719,7 +6770,7 @@
           <a:p>
             <a:fld id="{699DC775-C286-4358-8C92-D7E584E969B3}" type="datetimeFigureOut">
               <a:rPr lang="en-US" smtClean="0"/>
-              <a:t>1/23/2017</a:t>
+              <a:t>30-Jun-15</a:t>
             </a:fld>
             <a:endParaRPr lang="en-US"/>
           </a:p>
@@ -6826,9 +6877,10 @@
           <a:lstStyle/>
           <a:p>
             <a:r>
-              <a:rPr lang="en-US"/>
+              <a:rPr lang="en-US" smtClean="0"/>
               <a:t>Click to edit Master title style</a:t>
             </a:r>
+            <a:endParaRPr lang="en-US"/>
           </a:p>
         </p:txBody>
       </p:sp>
@@ -6854,37 +6906,38 @@
           <a:p>
             <a:pPr lvl="0"/>
             <a:r>
-              <a:rPr lang="en-US"/>
+              <a:rPr lang="en-US" smtClean="0"/>
               <a:t>Click to edit Master text styles</a:t>
             </a:r>
           </a:p>
           <a:p>
             <a:pPr lvl="1"/>
             <a:r>
-              <a:rPr lang="en-US"/>
+              <a:rPr lang="en-US" smtClean="0"/>
               <a:t>Second level</a:t>
             </a:r>
           </a:p>
           <a:p>
             <a:pPr lvl="2"/>
             <a:r>
-              <a:rPr lang="en-US"/>
+              <a:rPr lang="en-US" smtClean="0"/>
               <a:t>Third level</a:t>
             </a:r>
           </a:p>
           <a:p>
             <a:pPr lvl="3"/>
             <a:r>
-              <a:rPr lang="en-US"/>
+              <a:rPr lang="en-US" smtClean="0"/>
               <a:t>Fourth level</a:t>
             </a:r>
           </a:p>
           <a:p>
             <a:pPr lvl="4"/>
             <a:r>
-              <a:rPr lang="en-US"/>
+              <a:rPr lang="en-US" smtClean="0"/>
               <a:t>Fifth level</a:t>
             </a:r>
+            <a:endParaRPr lang="en-US"/>
           </a:p>
         </p:txBody>
       </p:sp>
@@ -6905,7 +6958,7 @@
           <a:p>
             <a:fld id="{699DC775-C286-4358-8C92-D7E584E969B3}" type="datetimeFigureOut">
               <a:rPr lang="en-US" smtClean="0"/>
-              <a:t>1/23/2017</a:t>
+              <a:t>30-Jun-15</a:t>
             </a:fld>
             <a:endParaRPr lang="en-US"/>
           </a:p>
@@ -6999,9 +7052,10 @@
           <a:lstStyle/>
           <a:p>
             <a:r>
-              <a:rPr lang="en-US"/>
+              <a:rPr lang="en-US" smtClean="0"/>
               <a:t>Click to edit Master title style</a:t>
             </a:r>
+            <a:endParaRPr lang="en-US"/>
           </a:p>
         </p:txBody>
       </p:sp>
@@ -7022,37 +7076,38 @@
           <a:p>
             <a:pPr lvl="0"/>
             <a:r>
-              <a:rPr lang="en-US"/>
+              <a:rPr lang="en-US" smtClean="0"/>
               <a:t>Click to edit Master text styles</a:t>
             </a:r>
           </a:p>
           <a:p>
             <a:pPr lvl="1"/>
             <a:r>
-              <a:rPr lang="en-US"/>
+              <a:rPr lang="en-US" smtClean="0"/>
               <a:t>Second level</a:t>
             </a:r>
           </a:p>
           <a:p>
             <a:pPr lvl="2"/>
             <a:r>
-              <a:rPr lang="en-US"/>
+              <a:rPr lang="en-US" smtClean="0"/>
               <a:t>Third level</a:t>
             </a:r>
           </a:p>
           <a:p>
             <a:pPr lvl="3"/>
             <a:r>
-              <a:rPr lang="en-US"/>
+              <a:rPr lang="en-US" smtClean="0"/>
               <a:t>Fourth level</a:t>
             </a:r>
           </a:p>
           <a:p>
             <a:pPr lvl="4"/>
             <a:r>
-              <a:rPr lang="en-US"/>
+              <a:rPr lang="en-US" smtClean="0"/>
               <a:t>Fifth level</a:t>
             </a:r>
+            <a:endParaRPr lang="en-US"/>
           </a:p>
         </p:txBody>
       </p:sp>
@@ -7073,7 +7128,7 @@
           <a:p>
             <a:fld id="{699DC775-C286-4358-8C92-D7E584E969B3}" type="datetimeFigureOut">
               <a:rPr lang="en-US" smtClean="0"/>
-              <a:t>1/23/2017</a:t>
+              <a:t>30-Jun-15</a:t>
             </a:fld>
             <a:endParaRPr lang="en-US"/>
           </a:p>
@@ -7167,9 +7222,10 @@
           <a:lstStyle/>
           <a:p>
             <a:r>
-              <a:rPr lang="en-US"/>
+              <a:rPr lang="en-US" smtClean="0"/>
               <a:t>Click to edit Master title style</a:t>
             </a:r>
+            <a:endParaRPr lang="en-US"/>
           </a:p>
         </p:txBody>
       </p:sp>
@@ -7223,37 +7279,38 @@
           <a:p>
             <a:pPr lvl="0"/>
             <a:r>
-              <a:rPr lang="en-US"/>
+              <a:rPr lang="en-US" smtClean="0"/>
               <a:t>Click to edit Master text styles</a:t>
             </a:r>
           </a:p>
           <a:p>
             <a:pPr lvl="1"/>
             <a:r>
-              <a:rPr lang="en-US"/>
+              <a:rPr lang="en-US" smtClean="0"/>
               <a:t>Second level</a:t>
             </a:r>
           </a:p>
           <a:p>
             <a:pPr lvl="2"/>
             <a:r>
-              <a:rPr lang="en-US"/>
+              <a:rPr lang="en-US" smtClean="0"/>
               <a:t>Third level</a:t>
             </a:r>
           </a:p>
           <a:p>
             <a:pPr lvl="3"/>
             <a:r>
-              <a:rPr lang="en-US"/>
+              <a:rPr lang="en-US" smtClean="0"/>
               <a:t>Fourth level</a:t>
             </a:r>
           </a:p>
           <a:p>
             <a:pPr lvl="4"/>
             <a:r>
-              <a:rPr lang="en-US"/>
+              <a:rPr lang="en-US" smtClean="0"/>
               <a:t>Fifth level</a:t>
             </a:r>
+            <a:endParaRPr lang="en-US"/>
           </a:p>
         </p:txBody>
       </p:sp>
@@ -7307,37 +7364,38 @@
           <a:p>
             <a:pPr lvl="0"/>
             <a:r>
-              <a:rPr lang="en-US"/>
+              <a:rPr lang="en-US" smtClean="0"/>
               <a:t>Click to edit Master text styles</a:t>
             </a:r>
           </a:p>
           <a:p>
             <a:pPr lvl="1"/>
             <a:r>
-              <a:rPr lang="en-US"/>
+              <a:rPr lang="en-US" smtClean="0"/>
               <a:t>Second level</a:t>
             </a:r>
           </a:p>
           <a:p>
             <a:pPr lvl="2"/>
             <a:r>
-              <a:rPr lang="en-US"/>
+              <a:rPr lang="en-US" smtClean="0"/>
               <a:t>Third level</a:t>
             </a:r>
           </a:p>
           <a:p>
             <a:pPr lvl="3"/>
             <a:r>
-              <a:rPr lang="en-US"/>
+              <a:rPr lang="en-US" smtClean="0"/>
               <a:t>Fourth level</a:t>
             </a:r>
           </a:p>
           <a:p>
             <a:pPr lvl="4"/>
             <a:r>
-              <a:rPr lang="en-US"/>
+              <a:rPr lang="en-US" smtClean="0"/>
               <a:t>Fifth level</a:t>
             </a:r>
+            <a:endParaRPr lang="en-US"/>
           </a:p>
         </p:txBody>
       </p:sp>
@@ -7358,7 +7416,7 @@
           <a:p>
             <a:fld id="{699DC775-C286-4358-8C92-D7E584E969B3}" type="datetimeFigureOut">
               <a:rPr lang="en-US" smtClean="0"/>
-              <a:t>1/23/2017</a:t>
+              <a:t>30-Jun-15</a:t>
             </a:fld>
             <a:endParaRPr lang="en-US"/>
           </a:p>
@@ -7456,9 +7514,10 @@
           </a:lstStyle>
           <a:p>
             <a:r>
-              <a:rPr lang="en-US"/>
+              <a:rPr lang="en-US" smtClean="0"/>
               <a:t>Click to edit Master title style</a:t>
             </a:r>
+            <a:endParaRPr lang="en-US"/>
           </a:p>
         </p:txBody>
       </p:sp>
@@ -7521,7 +7580,7 @@
           <a:p>
             <a:pPr lvl="0"/>
             <a:r>
-              <a:rPr lang="en-US"/>
+              <a:rPr lang="en-US" smtClean="0"/>
               <a:t>Click to edit Master text styles</a:t>
             </a:r>
           </a:p>
@@ -7577,37 +7636,38 @@
           <a:p>
             <a:pPr lvl="0"/>
             <a:r>
-              <a:rPr lang="en-US"/>
+              <a:rPr lang="en-US" smtClean="0"/>
               <a:t>Click to edit Master text styles</a:t>
             </a:r>
           </a:p>
           <a:p>
             <a:pPr lvl="1"/>
             <a:r>
-              <a:rPr lang="en-US"/>
+              <a:rPr lang="en-US" smtClean="0"/>
               <a:t>Second level</a:t>
             </a:r>
           </a:p>
           <a:p>
             <a:pPr lvl="2"/>
             <a:r>
-              <a:rPr lang="en-US"/>
+              <a:rPr lang="en-US" smtClean="0"/>
               <a:t>Third level</a:t>
             </a:r>
           </a:p>
           <a:p>
             <a:pPr lvl="3"/>
             <a:r>
-              <a:rPr lang="en-US"/>
+              <a:rPr lang="en-US" smtClean="0"/>
               <a:t>Fourth level</a:t>
             </a:r>
           </a:p>
           <a:p>
             <a:pPr lvl="4"/>
             <a:r>
-              <a:rPr lang="en-US"/>
+              <a:rPr lang="en-US" smtClean="0"/>
               <a:t>Fifth level</a:t>
             </a:r>
+            <a:endParaRPr lang="en-US"/>
           </a:p>
         </p:txBody>
       </p:sp>
@@ -7670,7 +7730,7 @@
           <a:p>
             <a:pPr lvl="0"/>
             <a:r>
-              <a:rPr lang="en-US"/>
+              <a:rPr lang="en-US" smtClean="0"/>
               <a:t>Click to edit Master text styles</a:t>
             </a:r>
           </a:p>
@@ -7726,37 +7786,38 @@
           <a:p>
             <a:pPr lvl="0"/>
             <a:r>
-              <a:rPr lang="en-US"/>
+              <a:rPr lang="en-US" smtClean="0"/>
               <a:t>Click to edit Master text styles</a:t>
             </a:r>
           </a:p>
           <a:p>
             <a:pPr lvl="1"/>
             <a:r>
-              <a:rPr lang="en-US"/>
+              <a:rPr lang="en-US" smtClean="0"/>
               <a:t>Second level</a:t>
             </a:r>
           </a:p>
           <a:p>
             <a:pPr lvl="2"/>
             <a:r>
-              <a:rPr lang="en-US"/>
+              <a:rPr lang="en-US" smtClean="0"/>
               <a:t>Third level</a:t>
             </a:r>
           </a:p>
           <a:p>
             <a:pPr lvl="3"/>
             <a:r>
-              <a:rPr lang="en-US"/>
+              <a:rPr lang="en-US" smtClean="0"/>
               <a:t>Fourth level</a:t>
             </a:r>
           </a:p>
           <a:p>
             <a:pPr lvl="4"/>
             <a:r>
-              <a:rPr lang="en-US"/>
+              <a:rPr lang="en-US" smtClean="0"/>
               <a:t>Fifth level</a:t>
             </a:r>
+            <a:endParaRPr lang="en-US"/>
           </a:p>
         </p:txBody>
       </p:sp>
@@ -7777,7 +7838,7 @@
           <a:p>
             <a:fld id="{699DC775-C286-4358-8C92-D7E584E969B3}" type="datetimeFigureOut">
               <a:rPr lang="en-US" smtClean="0"/>
-              <a:t>1/23/2017</a:t>
+              <a:t>30-Jun-15</a:t>
             </a:fld>
             <a:endParaRPr lang="en-US"/>
           </a:p>
@@ -7871,9 +7932,10 @@
           <a:lstStyle/>
           <a:p>
             <a:r>
-              <a:rPr lang="en-US"/>
+              <a:rPr lang="en-US" smtClean="0"/>
               <a:t>Click to edit Master title style</a:t>
             </a:r>
+            <a:endParaRPr lang="en-US"/>
           </a:p>
         </p:txBody>
       </p:sp>
@@ -7894,7 +7956,7 @@
           <a:p>
             <a:fld id="{699DC775-C286-4358-8C92-D7E584E969B3}" type="datetimeFigureOut">
               <a:rPr lang="en-US" smtClean="0"/>
-              <a:t>1/23/2017</a:t>
+              <a:t>30-Jun-15</a:t>
             </a:fld>
             <a:endParaRPr lang="en-US"/>
           </a:p>
@@ -7989,7 +8051,7 @@
           <a:p>
             <a:fld id="{699DC775-C286-4358-8C92-D7E584E969B3}" type="datetimeFigureOut">
               <a:rPr lang="en-US" smtClean="0"/>
-              <a:t>1/23/2017</a:t>
+              <a:t>30-Jun-15</a:t>
             </a:fld>
             <a:endParaRPr lang="en-US"/>
           </a:p>
@@ -8092,9 +8154,10 @@
           </a:lstStyle>
           <a:p>
             <a:r>
-              <a:rPr lang="en-US"/>
+              <a:rPr lang="en-US" smtClean="0"/>
               <a:t>Click to edit Master title style</a:t>
             </a:r>
+            <a:endParaRPr lang="en-US"/>
           </a:p>
         </p:txBody>
       </p:sp>
@@ -8148,37 +8211,38 @@
           <a:p>
             <a:pPr lvl="0"/>
             <a:r>
-              <a:rPr lang="en-US"/>
+              <a:rPr lang="en-US" smtClean="0"/>
               <a:t>Click to edit Master text styles</a:t>
             </a:r>
           </a:p>
           <a:p>
             <a:pPr lvl="1"/>
             <a:r>
-              <a:rPr lang="en-US"/>
+              <a:rPr lang="en-US" smtClean="0"/>
               <a:t>Second level</a:t>
             </a:r>
           </a:p>
           <a:p>
             <a:pPr lvl="2"/>
             <a:r>
-              <a:rPr lang="en-US"/>
+              <a:rPr lang="en-US" smtClean="0"/>
               <a:t>Third level</a:t>
             </a:r>
           </a:p>
           <a:p>
             <a:pPr lvl="3"/>
             <a:r>
-              <a:rPr lang="en-US"/>
+              <a:rPr lang="en-US" smtClean="0"/>
               <a:t>Fourth level</a:t>
             </a:r>
           </a:p>
           <a:p>
             <a:pPr lvl="4"/>
             <a:r>
-              <a:rPr lang="en-US"/>
+              <a:rPr lang="en-US" smtClean="0"/>
               <a:t>Fifth level</a:t>
             </a:r>
+            <a:endParaRPr lang="en-US"/>
           </a:p>
         </p:txBody>
       </p:sp>
@@ -8241,7 +8305,7 @@
           <a:p>
             <a:pPr lvl="0"/>
             <a:r>
-              <a:rPr lang="en-US"/>
+              <a:rPr lang="en-US" smtClean="0"/>
               <a:t>Click to edit Master text styles</a:t>
             </a:r>
           </a:p>
@@ -8264,7 +8328,7 @@
           <a:p>
             <a:fld id="{699DC775-C286-4358-8C92-D7E584E969B3}" type="datetimeFigureOut">
               <a:rPr lang="en-US" smtClean="0"/>
-              <a:t>1/23/2017</a:t>
+              <a:t>30-Jun-15</a:t>
             </a:fld>
             <a:endParaRPr lang="en-US"/>
           </a:p>
@@ -8367,9 +8431,10 @@
           </a:lstStyle>
           <a:p>
             <a:r>
-              <a:rPr lang="en-US"/>
+              <a:rPr lang="en-US" smtClean="0"/>
               <a:t>Click to edit Master title style</a:t>
             </a:r>
+            <a:endParaRPr lang="en-US"/>
           </a:p>
         </p:txBody>
       </p:sp>
@@ -8493,7 +8558,7 @@
           <a:p>
             <a:pPr lvl="0"/>
             <a:r>
-              <a:rPr lang="en-US"/>
+              <a:rPr lang="en-US" smtClean="0"/>
               <a:t>Click to edit Master text styles</a:t>
             </a:r>
           </a:p>
@@ -8516,7 +8581,7 @@
           <a:p>
             <a:fld id="{699DC775-C286-4358-8C92-D7E584E969B3}" type="datetimeFigureOut">
               <a:rPr lang="en-US" smtClean="0"/>
-              <a:t>1/23/2017</a:t>
+              <a:t>30-Jun-15</a:t>
             </a:fld>
             <a:endParaRPr lang="en-US"/>
           </a:p>
@@ -8625,9 +8690,10 @@
           <a:lstStyle/>
           <a:p>
             <a:r>
-              <a:rPr lang="en-US"/>
+              <a:rPr lang="en-US" smtClean="0"/>
               <a:t>Click to edit Master title style</a:t>
             </a:r>
+            <a:endParaRPr lang="en-US"/>
           </a:p>
         </p:txBody>
       </p:sp>
@@ -8658,37 +8724,38 @@
           <a:p>
             <a:pPr lvl="0"/>
             <a:r>
-              <a:rPr lang="en-US"/>
+              <a:rPr lang="en-US" smtClean="0"/>
               <a:t>Click to edit Master text styles</a:t>
             </a:r>
           </a:p>
           <a:p>
             <a:pPr lvl="1"/>
             <a:r>
-              <a:rPr lang="en-US"/>
+              <a:rPr lang="en-US" smtClean="0"/>
               <a:t>Second level</a:t>
             </a:r>
           </a:p>
           <a:p>
             <a:pPr lvl="2"/>
             <a:r>
-              <a:rPr lang="en-US"/>
+              <a:rPr lang="en-US" smtClean="0"/>
               <a:t>Third level</a:t>
             </a:r>
           </a:p>
           <a:p>
             <a:pPr lvl="3"/>
             <a:r>
-              <a:rPr lang="en-US"/>
+              <a:rPr lang="en-US" smtClean="0"/>
               <a:t>Fourth level</a:t>
             </a:r>
           </a:p>
           <a:p>
             <a:pPr lvl="4"/>
             <a:r>
-              <a:rPr lang="en-US"/>
+              <a:rPr lang="en-US" smtClean="0"/>
               <a:t>Fifth level</a:t>
             </a:r>
+            <a:endParaRPr lang="en-US"/>
           </a:p>
         </p:txBody>
       </p:sp>
@@ -8727,7 +8794,7 @@
           <a:p>
             <a:fld id="{699DC775-C286-4358-8C92-D7E584E969B3}" type="datetimeFigureOut">
               <a:rPr lang="en-US" smtClean="0"/>
-              <a:t>1/23/2017</a:t>
+              <a:t>30-Jun-15</a:t>
             </a:fld>
             <a:endParaRPr lang="en-US"/>
           </a:p>
@@ -9139,9 +9206,10 @@
           <a:lstStyle/>
           <a:p>
             <a:r>
-              <a:rPr lang="en-US"/>
+              <a:rPr lang="en-US" smtClean="0"/>
               <a:t>Click to edit Master title style</a:t>
             </a:r>
+            <a:endParaRPr lang="en-US"/>
           </a:p>
         </p:txBody>
       </p:sp>
@@ -9172,37 +9240,38 @@
           <a:p>
             <a:pPr lvl="0"/>
             <a:r>
-              <a:rPr lang="en-US"/>
+              <a:rPr lang="en-US" smtClean="0"/>
               <a:t>Click to edit Master text styles</a:t>
             </a:r>
           </a:p>
           <a:p>
             <a:pPr lvl="1"/>
             <a:r>
-              <a:rPr lang="en-US"/>
+              <a:rPr lang="en-US" smtClean="0"/>
               <a:t>Second level</a:t>
             </a:r>
           </a:p>
           <a:p>
             <a:pPr lvl="2"/>
             <a:r>
-              <a:rPr lang="en-US"/>
+              <a:rPr lang="en-US" smtClean="0"/>
               <a:t>Third level</a:t>
             </a:r>
           </a:p>
           <a:p>
             <a:pPr lvl="3"/>
             <a:r>
-              <a:rPr lang="en-US"/>
+              <a:rPr lang="en-US" smtClean="0"/>
               <a:t>Fourth level</a:t>
             </a:r>
           </a:p>
           <a:p>
             <a:pPr lvl="4"/>
             <a:r>
-              <a:rPr lang="en-US"/>
+              <a:rPr lang="en-US" smtClean="0"/>
               <a:t>Fifth level</a:t>
             </a:r>
+            <a:endParaRPr lang="en-US"/>
           </a:p>
         </p:txBody>
       </p:sp>
@@ -9241,7 +9310,7 @@
           <a:p>
             <a:fld id="{699DC775-C286-4358-8C92-D7E584E969B3}" type="datetimeFigureOut">
               <a:rPr lang="en-US" smtClean="0"/>
-              <a:t>1/23/2017</a:t>
+              <a:t>30-Jun-15</a:t>
             </a:fld>
             <a:endParaRPr lang="en-US"/>
           </a:p>
@@ -9651,9 +9720,10 @@
           <a:lstStyle/>
           <a:p>
             <a:r>
-              <a:rPr lang="en-US" dirty="0"/>
+              <a:rPr lang="en-US" dirty="0" smtClean="0"/>
               <a:t>Click to edit Master title style</a:t>
             </a:r>
+            <a:endParaRPr lang="en-US" dirty="0"/>
           </a:p>
         </p:txBody>
       </p:sp>
@@ -9684,37 +9754,38 @@
           <a:p>
             <a:pPr lvl="0"/>
             <a:r>
-              <a:rPr lang="en-US"/>
+              <a:rPr lang="en-US" smtClean="0"/>
               <a:t>Click to edit Master text styles</a:t>
             </a:r>
           </a:p>
           <a:p>
             <a:pPr lvl="1"/>
             <a:r>
-              <a:rPr lang="en-US"/>
+              <a:rPr lang="en-US" smtClean="0"/>
               <a:t>Second level</a:t>
             </a:r>
           </a:p>
           <a:p>
             <a:pPr lvl="2"/>
             <a:r>
-              <a:rPr lang="en-US"/>
+              <a:rPr lang="en-US" smtClean="0"/>
               <a:t>Third level</a:t>
             </a:r>
           </a:p>
           <a:p>
             <a:pPr lvl="3"/>
             <a:r>
-              <a:rPr lang="en-US"/>
+              <a:rPr lang="en-US" smtClean="0"/>
               <a:t>Fourth level</a:t>
             </a:r>
           </a:p>
           <a:p>
             <a:pPr lvl="4"/>
             <a:r>
-              <a:rPr lang="en-US"/>
+              <a:rPr lang="en-US" smtClean="0"/>
               <a:t>Fifth level</a:t>
             </a:r>
+            <a:endParaRPr lang="en-US"/>
           </a:p>
         </p:txBody>
       </p:sp>
@@ -9753,7 +9824,7 @@
           <a:p>
             <a:fld id="{699DC775-C286-4358-8C92-D7E584E969B3}" type="datetimeFigureOut">
               <a:rPr lang="en-US" smtClean="0"/>
-              <a:t>1/23/2017</a:t>
+              <a:t>30-Jun-15</a:t>
             </a:fld>
             <a:endParaRPr lang="en-US"/>
           </a:p>
@@ -10284,7 +10355,7 @@
           <a:p>
             <a:pPr algn="ctr"/>
             <a:r>
-              <a:rPr lang="en-US" b="1">
+              <a:rPr lang="en-US" b="1" smtClean="0">
                 <a:solidFill>
                   <a:srgbClr val="FFFF00"/>
                 </a:solidFill>
@@ -10295,13 +10366,18 @@
           <a:p>
             <a:pPr algn="ctr"/>
             <a:r>
-              <a:rPr lang="en-US">
+              <a:rPr lang="en-US" smtClean="0">
                 <a:solidFill>
                   <a:srgbClr val="FFFFFF"/>
                 </a:solidFill>
               </a:rPr>
               <a:t>Adjust the design of this slide and click the 'Sync Agenda' (in Agenda Lab) to replicate the design in the other slides.</a:t>
             </a:r>
+            <a:endParaRPr lang="en-US">
+              <a:solidFill>
+                <a:srgbClr val="FFFFFF"/>
+              </a:solidFill>
+            </a:endParaRPr>
           </a:p>
         </p:txBody>
       </p:sp>
@@ -10396,19 +10472,29 @@
               </a:rPr>
               <a:t> </a:t>
             </a:r>
+            <a:endParaRPr lang="en-US" sz="1600" i="1" u="sng" dirty="0" smtClean="0">
+              <a:solidFill>
+                <a:srgbClr val="000000"/>
+              </a:solidFill>
+            </a:endParaRPr>
           </a:p>
           <a:p>
             <a:pPr>
               <a:buNone/>
             </a:pPr>
             <a:r>
-              <a:rPr lang="en-US" sz="1600" i="1" u="sng" dirty="0">
+              <a:rPr lang="en-US" sz="1600" i="1" u="sng" dirty="0" smtClean="0">
                 <a:solidFill>
                   <a:srgbClr val="000000"/>
                 </a:solidFill>
               </a:rPr>
               <a:t> </a:t>
             </a:r>
+            <a:endParaRPr lang="en-US" sz="1600" i="1" u="sng" dirty="0">
+              <a:solidFill>
+                <a:srgbClr val="000000"/>
+              </a:solidFill>
+            </a:endParaRPr>
           </a:p>
         </p:txBody>
       </p:sp>
@@ -10435,15 +10521,15 @@
           <a:lstStyle/>
           <a:p>
             <a:r>
-              <a:rPr lang="en-US" sz="3600" u="sng" dirty="0"/>
+              <a:rPr lang="en-US" sz="3600" u="sng" dirty="0" smtClean="0"/>
               <a:t>Test</a:t>
             </a:r>
             <a:r>
-              <a:rPr lang="en-US" sz="3600" dirty="0"/>
+              <a:rPr lang="en-US" sz="3600" dirty="0" smtClean="0"/>
               <a:t> </a:t>
             </a:r>
             <a:r>
-              <a:rPr lang="en-US" sz="6600" dirty="0">
+              <a:rPr lang="en-US" sz="6600" dirty="0" smtClean="0">
                 <a:solidFill>
                   <a:schemeClr val="accent6">
                     <a:lumMod val="75000"/>
@@ -10455,7 +10541,7 @@
               <a:t>t</a:t>
             </a:r>
             <a:r>
-              <a:rPr lang="en-US" sz="2000" dirty="0">
+              <a:rPr lang="en-US" sz="2000" dirty="0" smtClean="0">
                 <a:solidFill>
                   <a:schemeClr val="accent6">
                     <a:lumMod val="75000"/>
@@ -10467,7 +10553,7 @@
               <a:t>ext </a:t>
             </a:r>
             <a:r>
-              <a:rPr lang="en-US" sz="6600" dirty="0">
+              <a:rPr lang="en-US" sz="6600" dirty="0" smtClean="0">
                 <a:solidFill>
                   <a:schemeClr val="accent6">
                     <a:lumMod val="75000"/>
@@ -10479,7 +10565,7 @@
               <a:t>b</a:t>
             </a:r>
             <a:r>
-              <a:rPr lang="en-US" sz="9600" dirty="0">
+              <a:rPr lang="en-US" sz="9600" dirty="0" smtClean="0">
                 <a:solidFill>
                   <a:srgbClr val="FF0000"/>
                 </a:solidFill>
@@ -10489,7 +10575,7 @@
               <a:t>o</a:t>
             </a:r>
             <a:r>
-              <a:rPr lang="en-US" sz="6600" dirty="0">
+              <a:rPr lang="en-US" sz="6600" dirty="0" smtClean="0">
                 <a:solidFill>
                   <a:schemeClr val="accent6">
                     <a:lumMod val="75000"/>
@@ -10501,21 +10587,21 @@
               <a:t>x </a:t>
             </a:r>
             <a:r>
-              <a:rPr lang="en-US" dirty="0">
+              <a:rPr lang="en-US" dirty="0" smtClean="0">
                 <a:latin typeface="Arial Black" pitchFamily="34" charset="0"/>
               </a:rPr>
               <a:t>with </a:t>
             </a:r>
             <a:r>
-              <a:rPr lang="en-US" dirty="0"/>
+              <a:rPr lang="en-US" dirty="0" smtClean="0"/>
               <a:t>a</a:t>
             </a:r>
             <a:r>
-              <a:rPr lang="en-US" sz="3600" dirty="0"/>
+              <a:rPr lang="en-US" sz="3600" dirty="0" smtClean="0"/>
               <a:t> lot of </a:t>
             </a:r>
             <a:r>
-              <a:rPr lang="en-US" sz="8800" b="1" dirty="0">
+              <a:rPr lang="en-US" sz="8800" b="1" dirty="0" smtClean="0">
                 <a:solidFill>
                   <a:srgbClr val="FF0000"/>
                 </a:solidFill>
@@ -10529,21 +10615,21 @@
               <a:buChar char="•"/>
             </a:pPr>
             <a:r>
-              <a:rPr lang="en-US" sz="3600" dirty="0"/>
+              <a:rPr lang="en-US" sz="3600" dirty="0" smtClean="0"/>
               <a:t>In </a:t>
             </a:r>
             <a:r>
-              <a:rPr lang="en-US" sz="3600" u="sng" dirty="0">
+              <a:rPr lang="en-US" sz="3600" u="sng" dirty="0" smtClean="0">
                 <a:latin typeface="Arial Black" pitchFamily="34" charset="0"/>
               </a:rPr>
               <a:t>multiple</a:t>
             </a:r>
             <a:r>
-              <a:rPr lang="en-US" sz="3600" dirty="0"/>
+              <a:rPr lang="en-US" sz="3600" dirty="0" smtClean="0"/>
               <a:t>      </a:t>
             </a:r>
             <a:r>
-              <a:rPr lang="en-US" sz="3600" dirty="0">
+              <a:rPr lang="en-US" sz="3600" dirty="0" smtClean="0">
                 <a:solidFill>
                   <a:srgbClr val="0070C0"/>
                 </a:solidFill>
@@ -10557,7 +10643,7 @@
               <a:buChar char="•"/>
             </a:pPr>
             <a:r>
-              <a:rPr lang="en-US" sz="3600" dirty="0">
+              <a:rPr lang="en-US" sz="3600" dirty="0" smtClean="0">
                 <a:solidFill>
                   <a:srgbClr val="0070C0"/>
                 </a:solidFill>
@@ -10567,11 +10653,11 @@
           </a:p>
           <a:p>
             <a:r>
-              <a:rPr lang="en-US" sz="3600" dirty="0"/>
+              <a:rPr lang="en-US" sz="3600" dirty="0" smtClean="0"/>
               <a:t>With </a:t>
             </a:r>
             <a:r>
-              <a:rPr lang="en-US" sz="3600" b="1" dirty="0">
+              <a:rPr lang="en-US" sz="3600" b="1" dirty="0" smtClean="0">
                 <a:solidFill>
                   <a:srgbClr val="FF0000"/>
                 </a:solidFill>
@@ -10579,7 +10665,7 @@
               <a:t>v</a:t>
             </a:r>
             <a:r>
-              <a:rPr lang="en-US" sz="3600" b="1" dirty="0">
+              <a:rPr lang="en-US" sz="3600" b="1" dirty="0" smtClean="0">
                 <a:solidFill>
                   <a:srgbClr val="FFC000"/>
                 </a:solidFill>
@@ -10587,7 +10673,7 @@
               <a:t>a</a:t>
             </a:r>
             <a:r>
-              <a:rPr lang="en-US" sz="3600" b="1" dirty="0">
+              <a:rPr lang="en-US" sz="3600" b="1" dirty="0" smtClean="0">
                 <a:solidFill>
                   <a:srgbClr val="FFFF00"/>
                 </a:solidFill>
@@ -10595,7 +10681,7 @@
               <a:t>r</a:t>
             </a:r>
             <a:r>
-              <a:rPr lang="en-US" sz="3600" b="1" dirty="0">
+              <a:rPr lang="en-US" sz="3600" b="1" dirty="0" smtClean="0">
                 <a:solidFill>
                   <a:srgbClr val="00B050"/>
                 </a:solidFill>
@@ -10603,7 +10689,7 @@
               <a:t>y</a:t>
             </a:r>
             <a:r>
-              <a:rPr lang="en-US" sz="3600" b="1" dirty="0">
+              <a:rPr lang="en-US" sz="3600" b="1" dirty="0" smtClean="0">
                 <a:solidFill>
                   <a:srgbClr val="0070C0"/>
                 </a:solidFill>
@@ -10611,7 +10697,7 @@
               <a:t>i</a:t>
             </a:r>
             <a:r>
-              <a:rPr lang="en-US" sz="3600" b="1" dirty="0">
+              <a:rPr lang="en-US" sz="3600" b="1" dirty="0" smtClean="0">
                 <a:solidFill>
                   <a:srgbClr val="7030A0"/>
                 </a:solidFill>
@@ -10619,7 +10705,7 @@
               <a:t>n</a:t>
             </a:r>
             <a:r>
-              <a:rPr lang="en-US" sz="3600" b="1" dirty="0">
+              <a:rPr lang="en-US" sz="3600" b="1" dirty="0" smtClean="0">
                 <a:solidFill>
                   <a:srgbClr val="002060"/>
                 </a:solidFill>
@@ -10627,11 +10713,11 @@
               <a:t>g</a:t>
             </a:r>
             <a:r>
-              <a:rPr lang="en-US" sz="3600" dirty="0"/>
+              <a:rPr lang="en-US" sz="3600" dirty="0" smtClean="0"/>
               <a:t> </a:t>
             </a:r>
             <a:r>
-              <a:rPr lang="en-US" sz="3600" dirty="0">
+              <a:rPr lang="en-US" sz="3600" dirty="0" smtClean="0">
                 <a:solidFill>
                   <a:srgbClr val="00B050"/>
                 </a:solidFill>
@@ -10695,6 +10781,14 @@
   <p:clrMapOvr>
     <a:masterClrMapping/>
   </p:clrMapOvr>
+  <mc:AlternateContent xmlns:mc="http://schemas.openxmlformats.org/markup-compatibility/2006" xmlns:p14="http://schemas.microsoft.com/office/powerpoint/2010/main">
+    <mc:Choice Requires="p14">
+      <p:transition spd="slow" p14:dur="2000"/>
+    </mc:Choice>
+    <mc:Fallback xmlns="">
+      <p:transition spd="slow"/>
+    </mc:Fallback>
+  </mc:AlternateContent>
   <p:timing>
     <p:tnLst>
       <p:par>
@@ -11091,21 +11185,23 @@
           <a:p>
             <a:pPr lvl="0"/>
             <a:r>
-              <a:rPr lang="en-US"/>
+              <a:rPr lang="en-US" smtClean="0"/>
               <a:t>One Slide</a:t>
             </a:r>
+            <a:endParaRPr lang="en-US"/>
           </a:p>
           <a:p>
             <a:pPr lvl="0"/>
             <a:r>
-              <a:rPr lang="en-US"/>
+              <a:rPr lang="en-US" smtClean="0"/>
               <a:t>Two Slides</a:t>
             </a:r>
+            <a:endParaRPr lang="en-US"/>
           </a:p>
           <a:p>
             <a:pPr lvl="0"/>
             <a:r>
-              <a:rPr lang="en-US" sz="4400">
+              <a:rPr lang="en-US" sz="4400" smtClean="0">
                 <a:solidFill>
                   <a:srgbClr val="1F497D">
                     <a:lumMod val="60000"/>
@@ -11116,33 +11212,52 @@
               </a:rPr>
               <a:t>New Section</a:t>
             </a:r>
+            <a:endParaRPr lang="en-US" sz="4400">
+              <a:solidFill>
+                <a:srgbClr val="1F497D">
+                  <a:lumMod val="60000"/>
+                  <a:lumOff val="40000"/>
+                </a:srgbClr>
+              </a:solidFill>
+              <a:latin typeface="Arial Black" pitchFamily="34" charset="0"/>
+            </a:endParaRPr>
           </a:p>
           <a:p>
             <a:pPr lvl="0"/>
             <a:r>
-              <a:rPr lang="en-US" sz="2800" b="0" i="1" u="sng">
+              <a:rPr lang="en-US" sz="2800" b="0" i="1" u="sng" smtClean="0">
                 <a:solidFill>
                   <a:srgbClr val="000000"/>
                 </a:solidFill>
               </a:rPr>
               <a:t>Same Name</a:t>
             </a:r>
+            <a:endParaRPr lang="en-US" sz="2800" b="0" i="1" u="sng">
+              <a:solidFill>
+                <a:srgbClr val="000000"/>
+              </a:solidFill>
+            </a:endParaRPr>
           </a:p>
           <a:p>
             <a:pPr lvl="0"/>
             <a:r>
-              <a:rPr lang="en-US" sz="2800" b="0" i="1" u="sng">
+              <a:rPr lang="en-US" sz="2800" b="0" i="1" u="sng" smtClean="0">
                 <a:solidFill>
                   <a:srgbClr val="000000"/>
                 </a:solidFill>
               </a:rPr>
               <a:t>New Section</a:t>
             </a:r>
+            <a:endParaRPr lang="en-US" sz="2800" b="0" i="1" u="sng">
+              <a:solidFill>
+                <a:srgbClr val="000000"/>
+              </a:solidFill>
+            </a:endParaRPr>
           </a:p>
           <a:p>
             <a:pPr lvl="0"/>
             <a:r>
-              <a:rPr lang="ja-JP" altLang="en-US" sz="2800" b="0" i="1" u="sng">
+              <a:rPr lang="ja-JP" altLang="en-US" sz="2800" b="0" i="1" u="sng" smtClean="0">
                 <a:solidFill>
                   <a:srgbClr val="000000"/>
                 </a:solidFill>
@@ -11150,13 +11265,18 @@
               <a:t>あいうえお</a:t>
             </a:r>
             <a:r>
-              <a:rPr lang="en-US" sz="2800" b="0" i="1" u="sng">
+              <a:rPr lang="en-US" sz="2800" b="0" i="1" u="sng" smtClean="0">
                 <a:solidFill>
                   <a:srgbClr val="000000"/>
                 </a:solidFill>
               </a:rPr>
               <a:t>kl)(*&amp;%$#@85v_+)0_@#%L:CF]1</a:t>
             </a:r>
+            <a:endParaRPr lang="en-US" sz="2800" b="0" i="1" u="sng">
+              <a:solidFill>
+                <a:srgbClr val="000000"/>
+              </a:solidFill>
+            </a:endParaRPr>
           </a:p>
           <a:p>
             <a:endParaRPr lang="en-US" dirty="0"/>
@@ -11644,6 +11764,13 @@
   <p:clrMapOvr>
     <a:masterClrMapping/>
   </p:clrMapOvr>
+  <p:timing>
+    <p:tnLst>
+      <p:par>
+        <p:cTn id="1" dur="indefinite" restart="never" nodeType="tmRoot"/>
+      </p:par>
+    </p:tnLst>
+  </p:timing>
 </p:sld>
 </file>
 
@@ -11931,21 +12058,23 @@
           <a:p>
             <a:pPr lvl="0"/>
             <a:r>
-              <a:rPr lang="en-US"/>
+              <a:rPr lang="en-US" smtClean="0"/>
               <a:t>One Slide</a:t>
             </a:r>
+            <a:endParaRPr lang="en-US"/>
           </a:p>
           <a:p>
             <a:pPr lvl="0"/>
             <a:r>
-              <a:rPr lang="en-US"/>
+              <a:rPr lang="en-US" smtClean="0"/>
               <a:t>Two Slides</a:t>
             </a:r>
+            <a:endParaRPr lang="en-US"/>
           </a:p>
           <a:p>
             <a:pPr lvl="0"/>
             <a:r>
-              <a:rPr lang="en-US" sz="4400">
+              <a:rPr lang="en-US" sz="4400" smtClean="0">
                 <a:solidFill>
                   <a:srgbClr val="1F497D">
                     <a:lumMod val="60000"/>
@@ -11956,33 +12085,52 @@
               </a:rPr>
               <a:t>New Section</a:t>
             </a:r>
+            <a:endParaRPr lang="en-US" sz="4400">
+              <a:solidFill>
+                <a:srgbClr val="1F497D">
+                  <a:lumMod val="60000"/>
+                  <a:lumOff val="40000"/>
+                </a:srgbClr>
+              </a:solidFill>
+              <a:latin typeface="Arial Black" pitchFamily="34" charset="0"/>
+            </a:endParaRPr>
           </a:p>
           <a:p>
             <a:pPr lvl="0"/>
             <a:r>
-              <a:rPr lang="en-US" sz="2800" b="0" i="1" u="sng">
+              <a:rPr lang="en-US" sz="2800" b="0" i="1" u="sng" smtClean="0">
                 <a:solidFill>
                   <a:srgbClr val="000000"/>
                 </a:solidFill>
               </a:rPr>
               <a:t>Same Name</a:t>
             </a:r>
+            <a:endParaRPr lang="en-US" sz="2800" b="0" i="1" u="sng">
+              <a:solidFill>
+                <a:srgbClr val="000000"/>
+              </a:solidFill>
+            </a:endParaRPr>
           </a:p>
           <a:p>
             <a:pPr lvl="0"/>
             <a:r>
-              <a:rPr lang="en-US" sz="2800" b="0" i="1" u="sng">
+              <a:rPr lang="en-US" sz="2800" b="0" i="1" u="sng" smtClean="0">
                 <a:solidFill>
                   <a:srgbClr val="000000"/>
                 </a:solidFill>
               </a:rPr>
               <a:t>New Section</a:t>
             </a:r>
+            <a:endParaRPr lang="en-US" sz="2800" b="0" i="1" u="sng">
+              <a:solidFill>
+                <a:srgbClr val="000000"/>
+              </a:solidFill>
+            </a:endParaRPr>
           </a:p>
           <a:p>
             <a:pPr lvl="0"/>
             <a:r>
-              <a:rPr lang="ja-JP" altLang="en-US" sz="2800" b="0" i="1" u="sng">
+              <a:rPr lang="ja-JP" altLang="en-US" sz="2800" b="0" i="1" u="sng" smtClean="0">
                 <a:solidFill>
                   <a:srgbClr val="000000"/>
                 </a:solidFill>
@@ -11990,13 +12138,18 @@
               <a:t>あいうえお</a:t>
             </a:r>
             <a:r>
-              <a:rPr lang="en-US" sz="2800" b="0" i="1" u="sng">
+              <a:rPr lang="en-US" sz="2800" b="0" i="1" u="sng" smtClean="0">
                 <a:solidFill>
                   <a:srgbClr val="000000"/>
                 </a:solidFill>
               </a:rPr>
               <a:t>kl)(*&amp;%$#@85v_+)0_@#%L:CF]1</a:t>
             </a:r>
+            <a:endParaRPr lang="en-US" sz="2800" b="0" i="1" u="sng">
+              <a:solidFill>
+                <a:srgbClr val="000000"/>
+              </a:solidFill>
+            </a:endParaRPr>
           </a:p>
           <a:p>
             <a:endParaRPr lang="en-US"/>
@@ -12741,28 +12894,31 @@
           <a:p>
             <a:pPr lvl="0"/>
             <a:r>
-              <a:rPr lang="en-US"/>
+              <a:rPr lang="en-US" smtClean="0"/>
               <a:t>One Slide</a:t>
             </a:r>
+            <a:endParaRPr lang="en-US"/>
           </a:p>
           <a:p>
             <a:pPr lvl="0"/>
             <a:r>
-              <a:rPr lang="en-US"/>
+              <a:rPr lang="en-US" smtClean="0"/>
               <a:t>Two Slides</a:t>
             </a:r>
+            <a:endParaRPr lang="en-US"/>
           </a:p>
           <a:p>
             <a:pPr lvl="0"/>
             <a:r>
-              <a:rPr lang="en-US"/>
+              <a:rPr lang="en-US" smtClean="0"/>
               <a:t>New Section</a:t>
             </a:r>
+            <a:endParaRPr lang="en-US"/>
           </a:p>
           <a:p>
             <a:pPr lvl="0"/>
             <a:r>
-              <a:rPr lang="en-US" sz="4400">
+              <a:rPr lang="en-US" sz="4400" smtClean="0">
                 <a:solidFill>
                   <a:srgbClr val="1F497D">
                     <a:lumMod val="60000"/>
@@ -12773,22 +12929,36 @@
               </a:rPr>
               <a:t>Same Name</a:t>
             </a:r>
+            <a:endParaRPr lang="en-US" sz="4400">
+              <a:solidFill>
+                <a:srgbClr val="1F497D">
+                  <a:lumMod val="60000"/>
+                  <a:lumOff val="40000"/>
+                </a:srgbClr>
+              </a:solidFill>
+              <a:latin typeface="Arial Black" pitchFamily="34" charset="0"/>
+            </a:endParaRPr>
           </a:p>
           <a:p>
             <a:pPr lvl="0"/>
             <a:r>
-              <a:rPr lang="en-US" sz="2800" b="0" i="1" u="sng">
+              <a:rPr lang="en-US" sz="2800" b="0" i="1" u="sng" smtClean="0">
                 <a:solidFill>
                   <a:srgbClr val="000000"/>
                 </a:solidFill>
               </a:rPr>
               <a:t>New Section</a:t>
             </a:r>
+            <a:endParaRPr lang="en-US" sz="2800" b="0" i="1" u="sng">
+              <a:solidFill>
+                <a:srgbClr val="000000"/>
+              </a:solidFill>
+            </a:endParaRPr>
           </a:p>
           <a:p>
             <a:pPr lvl="0"/>
             <a:r>
-              <a:rPr lang="ja-JP" altLang="en-US" sz="2800" b="0" i="1" u="sng">
+              <a:rPr lang="ja-JP" altLang="en-US" sz="2800" b="0" i="1" u="sng" smtClean="0">
                 <a:solidFill>
                   <a:srgbClr val="000000"/>
                 </a:solidFill>
@@ -12796,13 +12966,18 @@
               <a:t>あいうえお</a:t>
             </a:r>
             <a:r>
-              <a:rPr lang="en-US" sz="2800" b="0" i="1" u="sng">
+              <a:rPr lang="en-US" sz="2800" b="0" i="1" u="sng" smtClean="0">
                 <a:solidFill>
                   <a:srgbClr val="000000"/>
                 </a:solidFill>
               </a:rPr>
               <a:t>kl)(*&amp;%$#@85v_+)0_@#%L:CF]1</a:t>
             </a:r>
+            <a:endParaRPr lang="en-US" sz="2800" b="0" i="1" u="sng">
+              <a:solidFill>
+                <a:srgbClr val="000000"/>
+              </a:solidFill>
+            </a:endParaRPr>
           </a:p>
           <a:p>
             <a:endParaRPr lang="en-US"/>
@@ -13417,9 +13592,10 @@
           </a:lstStyle>
           <a:p>
             <a:r>
-              <a:rPr lang="en-US" dirty="0"/>
+              <a:rPr lang="en-US" dirty="0" smtClean="0"/>
               <a:t>Pattern</a:t>
             </a:r>
+            <a:endParaRPr lang="en-US" dirty="0"/>
           </a:p>
         </p:txBody>
       </p:sp>
@@ -13433,6 +13609,13 @@
   <p:clrMapOvr>
     <a:masterClrMapping/>
   </p:clrMapOvr>
+  <p:timing>
+    <p:tnLst>
+      <p:par>
+        <p:cTn id="1" dur="indefinite" restart="never" nodeType="tmRoot"/>
+      </p:par>
+    </p:tnLst>
+  </p:timing>
 </p:sld>
 </file>
 
@@ -13463,6 +13646,13 @@
   <p:clrMapOvr>
     <a:masterClrMapping/>
   </p:clrMapOvr>
+  <p:timing>
+    <p:tnLst>
+      <p:par>
+        <p:cTn id="1" dur="indefinite" restart="never" nodeType="tmRoot"/>
+      </p:par>
+    </p:tnLst>
+  </p:timing>
 </p:sld>
 </file>
 
@@ -13536,7 +13726,7 @@
           <a:lstStyle/>
           <a:p>
             <a:r>
-              <a:rPr lang="en-US" sz="6000" dirty="0"/>
+              <a:rPr lang="en-US" sz="6000" dirty="0" smtClean="0"/>
               <a:t>Test Image</a:t>
             </a:r>
             <a:endParaRPr lang="en-SG" sz="6000" dirty="0"/>
@@ -13553,6 +13743,13 @@
   <p:clrMapOvr>
     <a:masterClrMapping/>
   </p:clrMapOvr>
+  <p:timing>
+    <p:tnLst>
+      <p:par>
+        <p:cTn id="1" dur="indefinite" restart="never" nodeType="tmRoot"/>
+      </p:par>
+    </p:tnLst>
+  </p:timing>
 </p:sld>
 </file>
 
@@ -13596,7 +13793,7 @@
           <a:lstStyle/>
           <a:p>
             <a:r>
-              <a:rPr lang="en-US" sz="6000" dirty="0"/>
+              <a:rPr lang="en-US" sz="6000" dirty="0" smtClean="0"/>
               <a:t>A long section</a:t>
             </a:r>
             <a:endParaRPr lang="en-SG" sz="6000" dirty="0"/>
@@ -13613,6 +13810,13 @@
   <p:clrMapOvr>
     <a:masterClrMapping/>
   </p:clrMapOvr>
+  <p:timing>
+    <p:tnLst>
+      <p:par>
+        <p:cTn id="1" dur="indefinite" restart="never" nodeType="tmRoot"/>
+      </p:par>
+    </p:tnLst>
+  </p:timing>
 </p:sld>
 </file>
 
@@ -13651,6 +13855,13 @@
   <p:clrMapOvr>
     <a:masterClrMapping/>
   </p:clrMapOvr>
+  <p:timing>
+    <p:tnLst>
+      <p:par>
+        <p:cTn id="1" dur="indefinite" restart="never" nodeType="tmRoot"/>
+      </p:par>
+    </p:tnLst>
+  </p:timing>
 </p:sld>
 </file>
 
@@ -13938,28 +14149,31 @@
           <a:p>
             <a:pPr lvl="0"/>
             <a:r>
-              <a:rPr lang="en-US"/>
+              <a:rPr lang="en-US" smtClean="0"/>
               <a:t>One Slide</a:t>
             </a:r>
+            <a:endParaRPr lang="en-US"/>
           </a:p>
           <a:p>
             <a:pPr lvl="0"/>
             <a:r>
-              <a:rPr lang="en-US"/>
+              <a:rPr lang="en-US" smtClean="0"/>
               <a:t>Two Slides</a:t>
             </a:r>
+            <a:endParaRPr lang="en-US"/>
           </a:p>
           <a:p>
             <a:pPr lvl="0"/>
             <a:r>
-              <a:rPr lang="en-US"/>
+              <a:rPr lang="en-US" smtClean="0"/>
               <a:t>New Section</a:t>
             </a:r>
+            <a:endParaRPr lang="en-US"/>
           </a:p>
           <a:p>
             <a:pPr lvl="0"/>
             <a:r>
-              <a:rPr lang="en-US" sz="4400">
+              <a:rPr lang="en-US" sz="4400" smtClean="0">
                 <a:solidFill>
                   <a:srgbClr val="1F497D">
                     <a:lumMod val="60000"/>
@@ -13970,22 +14184,36 @@
               </a:rPr>
               <a:t>Same Name</a:t>
             </a:r>
+            <a:endParaRPr lang="en-US" sz="4400">
+              <a:solidFill>
+                <a:srgbClr val="1F497D">
+                  <a:lumMod val="60000"/>
+                  <a:lumOff val="40000"/>
+                </a:srgbClr>
+              </a:solidFill>
+              <a:latin typeface="Arial Black" pitchFamily="34" charset="0"/>
+            </a:endParaRPr>
           </a:p>
           <a:p>
             <a:pPr lvl="0"/>
             <a:r>
-              <a:rPr lang="en-US" sz="2800" b="0" i="1" u="sng">
+              <a:rPr lang="en-US" sz="2800" b="0" i="1" u="sng" smtClean="0">
                 <a:solidFill>
                   <a:srgbClr val="000000"/>
                 </a:solidFill>
               </a:rPr>
               <a:t>New Section</a:t>
             </a:r>
+            <a:endParaRPr lang="en-US" sz="2800" b="0" i="1" u="sng">
+              <a:solidFill>
+                <a:srgbClr val="000000"/>
+              </a:solidFill>
+            </a:endParaRPr>
           </a:p>
           <a:p>
             <a:pPr lvl="0"/>
             <a:r>
-              <a:rPr lang="ja-JP" altLang="en-US" sz="2800" b="0" i="1" u="sng">
+              <a:rPr lang="ja-JP" altLang="en-US" sz="2800" b="0" i="1" u="sng" smtClean="0">
                 <a:solidFill>
                   <a:srgbClr val="000000"/>
                 </a:solidFill>
@@ -13993,13 +14221,18 @@
               <a:t>あいうえお</a:t>
             </a:r>
             <a:r>
-              <a:rPr lang="en-US" sz="2800" b="0" i="1" u="sng">
+              <a:rPr lang="en-US" sz="2800" b="0" i="1" u="sng" smtClean="0">
                 <a:solidFill>
                   <a:srgbClr val="000000"/>
                 </a:solidFill>
               </a:rPr>
               <a:t>kl)(*&amp;%$#@85v_+)0_@#%L:CF]1</a:t>
             </a:r>
+            <a:endParaRPr lang="en-US" sz="2800" b="0" i="1" u="sng">
+              <a:solidFill>
+                <a:srgbClr val="000000"/>
+              </a:solidFill>
+            </a:endParaRPr>
           </a:p>
           <a:p>
             <a:endParaRPr lang="en-US"/>
@@ -14495,7 +14728,7 @@
           <a:lstStyle/>
           <a:p>
             <a:r>
-              <a:rPr lang="en-US" sz="5400" b="1" dirty="0" err="1">
+              <a:rPr lang="en-US" sz="5400" b="1" dirty="0" err="1" smtClean="0">
                 <a:solidFill>
                   <a:schemeClr val="accent6">
                     <a:lumMod val="75000"/>
@@ -14505,7 +14738,7 @@
               <a:t>PowerPointLabs</a:t>
             </a:r>
             <a:r>
-              <a:rPr lang="en-US" sz="5400" b="1" dirty="0">
+              <a:rPr lang="en-US" sz="5400" b="1" dirty="0" smtClean="0">
                 <a:solidFill>
                   <a:schemeClr val="accent6">
                     <a:lumMod val="75000"/>
@@ -14543,23 +14776,63 @@
               <a:buNone/>
             </a:pPr>
             <a:r>
+              <a:rPr lang="en-US" b="1" dirty="0" smtClean="0">
+                <a:solidFill>
+                  <a:srgbClr val="0070C0"/>
+                </a:solidFill>
+              </a:rPr>
+              <a:t>General instructions:</a:t>
+            </a:r>
+          </a:p>
+          <a:p>
+            <a:pPr marL="285750" indent="-285750"/>
+            <a:r>
+              <a:rPr lang="en-US" b="1" dirty="0" smtClean="0">
+                <a:solidFill>
+                  <a:srgbClr val="0070C0"/>
+                </a:solidFill>
+              </a:rPr>
+              <a:t>DO </a:t>
+            </a:r>
+            <a:r>
               <a:rPr lang="en-US" b="1" dirty="0">
                 <a:solidFill>
                   <a:srgbClr val="0070C0"/>
                 </a:solidFill>
               </a:rPr>
-              <a:t>General instructions:</a:t>
-            </a:r>
+              <a:t>NOT SAVE </a:t>
+            </a:r>
+            <a:r>
+              <a:rPr lang="en-US" dirty="0" smtClean="0">
+                <a:solidFill>
+                  <a:srgbClr val="0070C0"/>
+                </a:solidFill>
+              </a:rPr>
+              <a:t>these slides after testing. Keep this file in its original form.</a:t>
+            </a:r>
+            <a:endParaRPr lang="en-US" dirty="0">
+              <a:solidFill>
+                <a:srgbClr val="0070C0"/>
+              </a:solidFill>
+            </a:endParaRPr>
           </a:p>
           <a:p>
             <a:pPr marL="285750" indent="-285750"/>
             <a:r>
-              <a:rPr lang="en-US" b="1" dirty="0">
+              <a:rPr lang="en-US" dirty="0">
                 <a:solidFill>
                   <a:srgbClr val="0070C0"/>
                 </a:solidFill>
               </a:rPr>
-              <a:t>DO NOT SAVE </a:t>
+              <a:t>If </a:t>
+            </a:r>
+            <a:r>
+              <a:rPr lang="en-US" dirty="0" smtClean="0">
+                <a:solidFill>
+                  <a:srgbClr val="0070C0"/>
+                </a:solidFill>
+              </a:rPr>
+              <a:t>your </a:t>
             </a:r>
             <a:r>
               <a:rPr lang="en-US" dirty="0">
@@ -14567,18 +14840,31 @@
                   <a:srgbClr val="0070C0"/>
                 </a:solidFill>
               </a:rPr>
-              <a:t>these slides after testing. Keep this file in its original form.</a:t>
-            </a:r>
-          </a:p>
-          <a:p>
-            <a:pPr marL="285750" indent="-285750"/>
+              <a:t>result </a:t>
+            </a:r>
+            <a:r>
+              <a:rPr lang="en-US" dirty="0" smtClean="0">
+                <a:solidFill>
+                  <a:srgbClr val="0070C0"/>
+                </a:solidFill>
+              </a:rPr>
+              <a:t>is different from the </a:t>
+            </a:r>
             <a:r>
               <a:rPr lang="en-US" dirty="0">
                 <a:solidFill>
                   <a:srgbClr val="0070C0"/>
                 </a:solidFill>
               </a:rPr>
-              <a:t>If your result is different from the expected output, please submit a bug report (attach slides/screenshots as necessary).</a:t>
+              <a:t>expected output, </a:t>
+            </a:r>
+            <a:r>
+              <a:rPr lang="en-US" dirty="0" smtClean="0">
+                <a:solidFill>
+                  <a:srgbClr val="0070C0"/>
+                </a:solidFill>
+              </a:rPr>
+              <a:t>please submit a bug report (attach slides/screenshots as necessary).</a:t>
             </a:r>
             <a:endParaRPr lang="en-SG" dirty="0">
               <a:solidFill>
@@ -14601,6 +14887,13 @@
   <p:clrMapOvr>
     <a:masterClrMapping/>
   </p:clrMapOvr>
+  <p:timing>
+    <p:tnLst>
+      <p:par>
+        <p:cTn id="1" dur="indefinite" restart="never" nodeType="tmRoot"/>
+      </p:par>
+    </p:tnLst>
+  </p:timing>
 </p:sld>
 </file>
 
@@ -14888,35 +15181,39 @@
           <a:p>
             <a:pPr lvl="0"/>
             <a:r>
-              <a:rPr lang="en-US"/>
+              <a:rPr lang="en-US" smtClean="0"/>
               <a:t>One Slide</a:t>
             </a:r>
+            <a:endParaRPr lang="en-US"/>
           </a:p>
           <a:p>
             <a:pPr lvl="0"/>
             <a:r>
-              <a:rPr lang="en-US"/>
+              <a:rPr lang="en-US" smtClean="0"/>
               <a:t>Two Slides</a:t>
             </a:r>
+            <a:endParaRPr lang="en-US"/>
           </a:p>
           <a:p>
             <a:pPr lvl="0"/>
             <a:r>
-              <a:rPr lang="en-US"/>
+              <a:rPr lang="en-US" smtClean="0"/>
               <a:t>New Section</a:t>
             </a:r>
+            <a:endParaRPr lang="en-US"/>
           </a:p>
           <a:p>
             <a:pPr lvl="0"/>
             <a:r>
-              <a:rPr lang="en-US"/>
+              <a:rPr lang="en-US" smtClean="0"/>
               <a:t>Same Name</a:t>
             </a:r>
+            <a:endParaRPr lang="en-US"/>
           </a:p>
           <a:p>
             <a:pPr lvl="0"/>
             <a:r>
-              <a:rPr lang="en-US" sz="4400">
+              <a:rPr lang="en-US" sz="4400" smtClean="0">
                 <a:solidFill>
                   <a:srgbClr val="1F497D">
                     <a:lumMod val="60000"/>
@@ -14927,11 +15224,20 @@
               </a:rPr>
               <a:t>New Section</a:t>
             </a:r>
+            <a:endParaRPr lang="en-US" sz="4400">
+              <a:solidFill>
+                <a:srgbClr val="1F497D">
+                  <a:lumMod val="60000"/>
+                  <a:lumOff val="40000"/>
+                </a:srgbClr>
+              </a:solidFill>
+              <a:latin typeface="Arial Black" pitchFamily="34" charset="0"/>
+            </a:endParaRPr>
           </a:p>
           <a:p>
             <a:pPr lvl="0"/>
             <a:r>
-              <a:rPr lang="ja-JP" altLang="en-US" sz="2800" b="0" i="1" u="sng">
+              <a:rPr lang="ja-JP" altLang="en-US" sz="2800" b="0" i="1" u="sng" smtClean="0">
                 <a:solidFill>
                   <a:srgbClr val="000000"/>
                 </a:solidFill>
@@ -14939,13 +15245,18 @@
               <a:t>あいうえお</a:t>
             </a:r>
             <a:r>
-              <a:rPr lang="en-US" sz="2800" b="0" i="1" u="sng">
+              <a:rPr lang="en-US" sz="2800" b="0" i="1" u="sng" smtClean="0">
                 <a:solidFill>
                   <a:srgbClr val="000000"/>
                 </a:solidFill>
               </a:rPr>
               <a:t>kl)(*&amp;%$#@85v_+)0_@#%L:CF]1</a:t>
             </a:r>
+            <a:endParaRPr lang="en-US" sz="2800" b="0" i="1" u="sng">
+              <a:solidFill>
+                <a:srgbClr val="000000"/>
+              </a:solidFill>
+            </a:endParaRPr>
           </a:p>
           <a:p>
             <a:endParaRPr lang="en-US" dirty="0"/>
@@ -15442,6 +15753,13 @@
   <p:clrMapOvr>
     <a:masterClrMapping/>
   </p:clrMapOvr>
+  <p:timing>
+    <p:tnLst>
+      <p:par>
+        <p:cTn id="1" dur="indefinite" restart="never" nodeType="tmRoot"/>
+      </p:par>
+    </p:tnLst>
+  </p:timing>
 </p:sld>
 </file>
 
@@ -15472,6 +15790,13 @@
   <p:clrMapOvr>
     <a:masterClrMapping/>
   </p:clrMapOvr>
+  <p:timing>
+    <p:tnLst>
+      <p:par>
+        <p:cTn id="1" dur="indefinite" restart="never" nodeType="tmRoot"/>
+      </p:par>
+    </p:tnLst>
+  </p:timing>
 </p:sld>
 </file>
 
@@ -15759,35 +16084,39 @@
           <a:p>
             <a:pPr lvl="0"/>
             <a:r>
-              <a:rPr lang="en-US"/>
+              <a:rPr lang="en-US" smtClean="0"/>
               <a:t>One Slide</a:t>
             </a:r>
+            <a:endParaRPr lang="en-US"/>
           </a:p>
           <a:p>
             <a:pPr lvl="0"/>
             <a:r>
-              <a:rPr lang="en-US"/>
+              <a:rPr lang="en-US" smtClean="0"/>
               <a:t>Two Slides</a:t>
             </a:r>
+            <a:endParaRPr lang="en-US"/>
           </a:p>
           <a:p>
             <a:pPr lvl="0"/>
             <a:r>
-              <a:rPr lang="en-US"/>
+              <a:rPr lang="en-US" smtClean="0"/>
               <a:t>New Section</a:t>
             </a:r>
+            <a:endParaRPr lang="en-US"/>
           </a:p>
           <a:p>
             <a:pPr lvl="0"/>
             <a:r>
-              <a:rPr lang="en-US"/>
+              <a:rPr lang="en-US" smtClean="0"/>
               <a:t>Same Name</a:t>
             </a:r>
+            <a:endParaRPr lang="en-US"/>
           </a:p>
           <a:p>
             <a:pPr lvl="0"/>
             <a:r>
-              <a:rPr lang="en-US" sz="4400">
+              <a:rPr lang="en-US" sz="4400" smtClean="0">
                 <a:solidFill>
                   <a:srgbClr val="1F497D">
                     <a:lumMod val="60000"/>
@@ -15798,11 +16127,20 @@
               </a:rPr>
               <a:t>New Section</a:t>
             </a:r>
+            <a:endParaRPr lang="en-US" sz="4400">
+              <a:solidFill>
+                <a:srgbClr val="1F497D">
+                  <a:lumMod val="60000"/>
+                  <a:lumOff val="40000"/>
+                </a:srgbClr>
+              </a:solidFill>
+              <a:latin typeface="Arial Black" pitchFamily="34" charset="0"/>
+            </a:endParaRPr>
           </a:p>
           <a:p>
             <a:pPr lvl="0"/>
             <a:r>
-              <a:rPr lang="ja-JP" altLang="en-US" sz="2800" b="0" i="1" u="sng">
+              <a:rPr lang="ja-JP" altLang="en-US" sz="2800" b="0" i="1" u="sng" smtClean="0">
                 <a:solidFill>
                   <a:srgbClr val="000000"/>
                 </a:solidFill>
@@ -15810,13 +16148,18 @@
               <a:t>あいうえお</a:t>
             </a:r>
             <a:r>
-              <a:rPr lang="en-US" sz="2800" b="0" i="1" u="sng">
+              <a:rPr lang="en-US" sz="2800" b="0" i="1" u="sng" smtClean="0">
                 <a:solidFill>
                   <a:srgbClr val="000000"/>
                 </a:solidFill>
               </a:rPr>
               <a:t>kl)(*&amp;%$#@85v_+)0_@#%L:CF]1</a:t>
             </a:r>
+            <a:endParaRPr lang="en-US" sz="2800" b="0" i="1" u="sng">
+              <a:solidFill>
+                <a:srgbClr val="000000"/>
+              </a:solidFill>
+            </a:endParaRPr>
           </a:p>
           <a:p>
             <a:endParaRPr lang="en-US"/>
@@ -16561,42 +16904,47 @@
           <a:p>
             <a:pPr lvl="0"/>
             <a:r>
-              <a:rPr lang="en-US"/>
+              <a:rPr lang="en-US" smtClean="0"/>
               <a:t>One Slide</a:t>
             </a:r>
+            <a:endParaRPr lang="en-US"/>
           </a:p>
           <a:p>
             <a:pPr lvl="0"/>
             <a:r>
-              <a:rPr lang="en-US"/>
+              <a:rPr lang="en-US" smtClean="0"/>
               <a:t>Two Slides</a:t>
             </a:r>
+            <a:endParaRPr lang="en-US"/>
           </a:p>
           <a:p>
             <a:pPr lvl="0"/>
             <a:r>
-              <a:rPr lang="en-US"/>
+              <a:rPr lang="en-US" smtClean="0"/>
               <a:t>New Section</a:t>
             </a:r>
+            <a:endParaRPr lang="en-US"/>
           </a:p>
           <a:p>
             <a:pPr lvl="0"/>
             <a:r>
-              <a:rPr lang="en-US"/>
+              <a:rPr lang="en-US" smtClean="0"/>
               <a:t>Same Name</a:t>
             </a:r>
+            <a:endParaRPr lang="en-US"/>
           </a:p>
           <a:p>
             <a:pPr lvl="0"/>
             <a:r>
-              <a:rPr lang="en-US"/>
+              <a:rPr lang="en-US" smtClean="0"/>
               <a:t>New Section</a:t>
             </a:r>
+            <a:endParaRPr lang="en-US"/>
           </a:p>
           <a:p>
             <a:pPr lvl="0"/>
             <a:r>
-              <a:rPr lang="ja-JP" altLang="en-US" sz="4400">
+              <a:rPr lang="ja-JP" altLang="en-US" sz="4400" smtClean="0">
                 <a:solidFill>
                   <a:srgbClr val="1F497D">
                     <a:lumMod val="60000"/>
@@ -16608,7 +16956,7 @@
               <a:t>あいうえお</a:t>
             </a:r>
             <a:r>
-              <a:rPr lang="en-US" sz="4400">
+              <a:rPr lang="en-US" sz="4400" smtClean="0">
                 <a:solidFill>
                   <a:srgbClr val="1F497D">
                     <a:lumMod val="60000"/>
@@ -16619,6 +16967,15 @@
               </a:rPr>
               <a:t>kl)(*&amp;%$#@85v_+)0_@#%L:CF]1</a:t>
             </a:r>
+            <a:endParaRPr lang="en-US" sz="4400">
+              <a:solidFill>
+                <a:srgbClr val="1F497D">
+                  <a:lumMod val="60000"/>
+                  <a:lumOff val="40000"/>
+                </a:srgbClr>
+              </a:solidFill>
+              <a:latin typeface="Arial Black" pitchFamily="34" charset="0"/>
+            </a:endParaRPr>
           </a:p>
           <a:p>
             <a:endParaRPr lang="en-US"/>
@@ -17114,6 +17471,13 @@
   <p:clrMapOvr>
     <a:masterClrMapping/>
   </p:clrMapOvr>
+  <p:timing>
+    <p:tnLst>
+      <p:par>
+        <p:cTn id="1" dur="indefinite" restart="never" nodeType="tmRoot"/>
+      </p:par>
+    </p:tnLst>
+  </p:timing>
 </p:sld>
 </file>
 
@@ -17401,42 +17765,47 @@
           <a:p>
             <a:pPr lvl="0"/>
             <a:r>
-              <a:rPr lang="en-US"/>
+              <a:rPr lang="en-US" smtClean="0"/>
               <a:t>One Slide</a:t>
             </a:r>
+            <a:endParaRPr lang="en-US"/>
           </a:p>
           <a:p>
             <a:pPr lvl="0"/>
             <a:r>
-              <a:rPr lang="en-US"/>
+              <a:rPr lang="en-US" smtClean="0"/>
               <a:t>Two Slides</a:t>
             </a:r>
+            <a:endParaRPr lang="en-US"/>
           </a:p>
           <a:p>
             <a:pPr lvl="0"/>
             <a:r>
-              <a:rPr lang="en-US"/>
+              <a:rPr lang="en-US" smtClean="0"/>
               <a:t>New Section</a:t>
             </a:r>
+            <a:endParaRPr lang="en-US"/>
           </a:p>
           <a:p>
             <a:pPr lvl="0"/>
             <a:r>
-              <a:rPr lang="en-US"/>
+              <a:rPr lang="en-US" smtClean="0"/>
               <a:t>Same Name</a:t>
             </a:r>
+            <a:endParaRPr lang="en-US"/>
           </a:p>
           <a:p>
             <a:pPr lvl="0"/>
             <a:r>
-              <a:rPr lang="en-US"/>
+              <a:rPr lang="en-US" smtClean="0"/>
               <a:t>New Section</a:t>
             </a:r>
+            <a:endParaRPr lang="en-US"/>
           </a:p>
           <a:p>
             <a:pPr lvl="0"/>
             <a:r>
-              <a:rPr lang="ja-JP" altLang="en-US" sz="4400">
+              <a:rPr lang="ja-JP" altLang="en-US" sz="4400" smtClean="0">
                 <a:solidFill>
                   <a:srgbClr val="1F497D">
                     <a:lumMod val="60000"/>
@@ -17448,7 +17817,7 @@
               <a:t>あいうえお</a:t>
             </a:r>
             <a:r>
-              <a:rPr lang="en-US" sz="4400">
+              <a:rPr lang="en-US" sz="4400" smtClean="0">
                 <a:solidFill>
                   <a:srgbClr val="1F497D">
                     <a:lumMod val="60000"/>
@@ -17459,6 +17828,15 @@
               </a:rPr>
               <a:t>kl)(*&amp;%$#@85v_+)0_@#%L:CF]1</a:t>
             </a:r>
+            <a:endParaRPr lang="en-US" sz="4400">
+              <a:solidFill>
+                <a:srgbClr val="1F497D">
+                  <a:lumMod val="60000"/>
+                  <a:lumOff val="40000"/>
+                </a:srgbClr>
+              </a:solidFill>
+              <a:latin typeface="Arial Black" pitchFamily="34" charset="0"/>
+            </a:endParaRPr>
           </a:p>
           <a:p>
             <a:endParaRPr lang="en-US"/>
@@ -18203,48 +18581,54 @@
           <a:p>
             <a:pPr lvl="0"/>
             <a:r>
-              <a:rPr lang="en-US"/>
+              <a:rPr lang="en-US" smtClean="0"/>
               <a:t>One Slide</a:t>
             </a:r>
+            <a:endParaRPr lang="en-US"/>
           </a:p>
           <a:p>
             <a:pPr lvl="0"/>
             <a:r>
-              <a:rPr lang="en-US"/>
+              <a:rPr lang="en-US" smtClean="0"/>
               <a:t>Two Slides</a:t>
             </a:r>
+            <a:endParaRPr lang="en-US"/>
           </a:p>
           <a:p>
             <a:pPr lvl="0"/>
             <a:r>
-              <a:rPr lang="en-US"/>
+              <a:rPr lang="en-US" smtClean="0"/>
               <a:t>New Section</a:t>
             </a:r>
+            <a:endParaRPr lang="en-US"/>
           </a:p>
           <a:p>
             <a:pPr lvl="0"/>
             <a:r>
-              <a:rPr lang="en-US"/>
+              <a:rPr lang="en-US" smtClean="0"/>
               <a:t>Same Name</a:t>
             </a:r>
+            <a:endParaRPr lang="en-US"/>
           </a:p>
           <a:p>
             <a:pPr lvl="0"/>
             <a:r>
-              <a:rPr lang="en-US"/>
+              <a:rPr lang="en-US" smtClean="0"/>
               <a:t>New Section</a:t>
             </a:r>
+            <a:endParaRPr lang="en-US"/>
           </a:p>
           <a:p>
             <a:pPr lvl="0"/>
             <a:r>
-              <a:rPr lang="ja-JP" altLang="en-US"/>
+              <a:rPr lang="ja-JP" altLang="en-US" smtClean="0"/>
               <a:t>あいうえお</a:t>
             </a:r>
             <a:r>
-              <a:rPr lang="en-US"/>
+              <a:rPr lang="en-US" smtClean="0"/>
               <a:t>kl)(*&amp;%$#@85v_+)0_@#%L:CF]1</a:t>
             </a:r>
+            <a:endParaRPr lang="en-US"/>
           </a:p>
           <a:p>
             <a:endParaRPr lang="en-US" dirty="0"/>
@@ -18585,13 +18969,13 @@
   <p:clrMapOvr>
     <a:masterClrMapping/>
   </p:clrMapOvr>
-  <mc:AlternateContent xmlns:mc="http://schemas.openxmlformats.org/markup-compatibility/2006" xmlns:p14="http://schemas.microsoft.com/office/powerpoint/2010/main">
-    <mc:Choice Requires="p14">
+  <mc:AlternateContent xmlns:mc="http://schemas.openxmlformats.org/markup-compatibility/2006">
+    <mc:Choice xmlns:p14="http://schemas.microsoft.com/office/powerpoint/2010/main" Requires="p14">
       <p:transition p14:dur="250">
         <p:fade/>
       </p:transition>
     </mc:Choice>
-    <mc:Fallback xmlns="">
+    <mc:Fallback>
       <p:transition>
         <p:fade/>
       </p:transition>
@@ -18726,7 +19110,7 @@
         <p:nvPicPr>
           <p:cNvPr id="2" name="Picture 1"/>
           <p:cNvPicPr>
-            <a:picLocks noChangeAspect="1"/>
+            <a:picLocks/>
           </p:cNvPicPr>
           <p:nvPr/>
         </p:nvPicPr>
@@ -18744,8 +19128,8 @@
         </p:blipFill>
         <p:spPr>
           <a:xfrm>
-            <a:off x="0" y="1029202"/>
-            <a:ext cx="9144000" cy="4799596"/>
+            <a:off x="649224" y="992124"/>
+            <a:ext cx="7845552" cy="4873752"/>
           </a:xfrm>
           <a:prstGeom prst="rect">
             <a:avLst/>
@@ -18755,13 +19139,21 @@
     </p:spTree>
     <p:extLst>
       <p:ext uri="{BB962C8B-B14F-4D97-AF65-F5344CB8AC3E}">
-        <p14:creationId xmlns:p14="http://schemas.microsoft.com/office/powerpoint/2010/main" val="1376441204"/>
+        <p14:creationId xmlns:p14="http://schemas.microsoft.com/office/powerpoint/2010/main" val="3731948990"/>
       </p:ext>
     </p:extLst>
   </p:cSld>
   <p:clrMapOvr>
     <a:masterClrMapping/>
   </p:clrMapOvr>
+  <mc:AlternateContent xmlns:mc="http://schemas.openxmlformats.org/markup-compatibility/2006">
+    <mc:Choice xmlns:p14="http://schemas.microsoft.com/office/powerpoint/2010/main" Requires="p14">
+      <p:transition spd="slow" p14:dur="2000"/>
+    </mc:Choice>
+    <mc:Fallback>
+      <p:transition spd="slow"/>
+    </mc:Fallback>
+  </mc:AlternateContent>
 </p:sld>
 </file>
 
@@ -19049,62 +19441,87 @@
           <a:p>
             <a:pPr lvl="0"/>
             <a:r>
-              <a:rPr lang="en-US" sz="2800" b="0" i="1" u="sng">
+              <a:rPr lang="en-US" sz="2800" b="0" i="1" u="sng" smtClean="0">
                 <a:solidFill>
                   <a:srgbClr val="000000"/>
                 </a:solidFill>
               </a:rPr>
               <a:t>One Slide</a:t>
             </a:r>
+            <a:endParaRPr lang="en-US" sz="2800" b="0" i="1" u="sng">
+              <a:solidFill>
+                <a:srgbClr val="000000"/>
+              </a:solidFill>
+            </a:endParaRPr>
           </a:p>
           <a:p>
             <a:pPr lvl="0"/>
             <a:r>
-              <a:rPr lang="en-US" sz="2800" b="0" i="1" u="sng">
+              <a:rPr lang="en-US" sz="2800" b="0" i="1" u="sng" smtClean="0">
                 <a:solidFill>
                   <a:srgbClr val="000000"/>
                 </a:solidFill>
               </a:rPr>
               <a:t>Two Slides</a:t>
             </a:r>
+            <a:endParaRPr lang="en-US" sz="2800" b="0" i="1" u="sng">
+              <a:solidFill>
+                <a:srgbClr val="000000"/>
+              </a:solidFill>
+            </a:endParaRPr>
           </a:p>
           <a:p>
             <a:pPr lvl="0"/>
             <a:r>
-              <a:rPr lang="en-US" sz="2800" b="0" i="1" u="sng">
+              <a:rPr lang="en-US" sz="2800" b="0" i="1" u="sng" smtClean="0">
                 <a:solidFill>
                   <a:srgbClr val="000000"/>
                 </a:solidFill>
               </a:rPr>
               <a:t>New Section</a:t>
             </a:r>
+            <a:endParaRPr lang="en-US" sz="2800" b="0" i="1" u="sng">
+              <a:solidFill>
+                <a:srgbClr val="000000"/>
+              </a:solidFill>
+            </a:endParaRPr>
           </a:p>
           <a:p>
             <a:pPr lvl="0"/>
             <a:r>
-              <a:rPr lang="en-US" sz="2800" b="0" i="1" u="sng">
+              <a:rPr lang="en-US" sz="2800" b="0" i="1" u="sng" smtClean="0">
                 <a:solidFill>
                   <a:srgbClr val="000000"/>
                 </a:solidFill>
               </a:rPr>
               <a:t>Same Name</a:t>
             </a:r>
+            <a:endParaRPr lang="en-US" sz="2800" b="0" i="1" u="sng">
+              <a:solidFill>
+                <a:srgbClr val="000000"/>
+              </a:solidFill>
+            </a:endParaRPr>
           </a:p>
           <a:p>
             <a:pPr lvl="0"/>
             <a:r>
-              <a:rPr lang="en-US" sz="2800" b="0" i="1" u="sng">
+              <a:rPr lang="en-US" sz="2800" b="0" i="1" u="sng" smtClean="0">
                 <a:solidFill>
                   <a:srgbClr val="000000"/>
                 </a:solidFill>
               </a:rPr>
               <a:t>New Section</a:t>
             </a:r>
+            <a:endParaRPr lang="en-US" sz="2800" b="0" i="1" u="sng">
+              <a:solidFill>
+                <a:srgbClr val="000000"/>
+              </a:solidFill>
+            </a:endParaRPr>
           </a:p>
           <a:p>
             <a:pPr lvl="0"/>
             <a:r>
-              <a:rPr lang="ja-JP" altLang="en-US" sz="2800" b="0" i="1" u="sng">
+              <a:rPr lang="ja-JP" altLang="en-US" sz="2800" b="0" i="1" u="sng" smtClean="0">
                 <a:solidFill>
                   <a:srgbClr val="000000"/>
                 </a:solidFill>
@@ -19112,13 +19529,18 @@
               <a:t>あいうえお</a:t>
             </a:r>
             <a:r>
-              <a:rPr lang="en-US" sz="2800" b="0" i="1" u="sng">
+              <a:rPr lang="en-US" sz="2800" b="0" i="1" u="sng" smtClean="0">
                 <a:solidFill>
                   <a:srgbClr val="000000"/>
                 </a:solidFill>
               </a:rPr>
               <a:t>kl)(*&amp;%$#@85v_+)0_@#%L:CF]1</a:t>
             </a:r>
+            <a:endParaRPr lang="en-US" sz="2800" b="0" i="1" u="sng">
+              <a:solidFill>
+                <a:srgbClr val="000000"/>
+              </a:solidFill>
+            </a:endParaRPr>
           </a:p>
           <a:p>
             <a:endParaRPr lang="en-US" dirty="0"/>
@@ -19459,6 +19881,14 @@
   <p:clrMapOvr>
     <a:masterClrMapping/>
   </p:clrMapOvr>
+  <mc:AlternateContent xmlns:mc="http://schemas.openxmlformats.org/markup-compatibility/2006">
+    <mc:Choice xmlns:p14="http://schemas.microsoft.com/office/powerpoint/2010/main" Requires="p14">
+      <p:transition spd="slow" p14:dur="2000"/>
+    </mc:Choice>
+    <mc:Fallback>
+      <p:transition spd="slow"/>
+    </mc:Fallback>
+  </mc:AlternateContent>
   <p:timing>
     <p:tnLst>
       <p:par>
@@ -19851,7 +20281,7 @@
           <a:p>
             <a:pPr lvl="0"/>
             <a:r>
-              <a:rPr lang="en-US" sz="4400">
+              <a:rPr lang="en-US" sz="4400" smtClean="0">
                 <a:solidFill>
                   <a:srgbClr val="1F497D">
                     <a:lumMod val="60000"/>
@@ -19862,55 +20292,84 @@
               </a:rPr>
               <a:t>One Slide</a:t>
             </a:r>
+            <a:endParaRPr lang="en-US" sz="4400">
+              <a:solidFill>
+                <a:srgbClr val="1F497D">
+                  <a:lumMod val="60000"/>
+                  <a:lumOff val="40000"/>
+                </a:srgbClr>
+              </a:solidFill>
+              <a:latin typeface="Arial Black" pitchFamily="34" charset="0"/>
+            </a:endParaRPr>
           </a:p>
           <a:p>
             <a:pPr lvl="0"/>
             <a:r>
-              <a:rPr lang="en-US" sz="2800" b="0" i="1" u="sng">
+              <a:rPr lang="en-US" sz="2800" b="0" i="1" u="sng" smtClean="0">
                 <a:solidFill>
                   <a:srgbClr val="000000"/>
                 </a:solidFill>
               </a:rPr>
               <a:t>Two Slides</a:t>
             </a:r>
+            <a:endParaRPr lang="en-US" sz="2800" b="0" i="1" u="sng">
+              <a:solidFill>
+                <a:srgbClr val="000000"/>
+              </a:solidFill>
+            </a:endParaRPr>
           </a:p>
           <a:p>
             <a:pPr lvl="0"/>
             <a:r>
-              <a:rPr lang="en-US" sz="2800" b="0" i="1" u="sng">
+              <a:rPr lang="en-US" sz="2800" b="0" i="1" u="sng" smtClean="0">
                 <a:solidFill>
                   <a:srgbClr val="000000"/>
                 </a:solidFill>
               </a:rPr>
               <a:t>New Section</a:t>
             </a:r>
+            <a:endParaRPr lang="en-US" sz="2800" b="0" i="1" u="sng">
+              <a:solidFill>
+                <a:srgbClr val="000000"/>
+              </a:solidFill>
+            </a:endParaRPr>
           </a:p>
           <a:p>
             <a:pPr lvl="0"/>
             <a:r>
-              <a:rPr lang="en-US" sz="2800" b="0" i="1" u="sng">
+              <a:rPr lang="en-US" sz="2800" b="0" i="1" u="sng" smtClean="0">
                 <a:solidFill>
                   <a:srgbClr val="000000"/>
                 </a:solidFill>
               </a:rPr>
               <a:t>Same Name</a:t>
             </a:r>
+            <a:endParaRPr lang="en-US" sz="2800" b="0" i="1" u="sng">
+              <a:solidFill>
+                <a:srgbClr val="000000"/>
+              </a:solidFill>
+            </a:endParaRPr>
           </a:p>
           <a:p>
             <a:pPr lvl="0"/>
             <a:r>
-              <a:rPr lang="en-US" sz="2800" b="0" i="1" u="sng">
+              <a:rPr lang="en-US" sz="2800" b="0" i="1" u="sng" smtClean="0">
                 <a:solidFill>
                   <a:srgbClr val="000000"/>
                 </a:solidFill>
               </a:rPr>
               <a:t>New Section</a:t>
             </a:r>
+            <a:endParaRPr lang="en-US" sz="2800" b="0" i="1" u="sng">
+              <a:solidFill>
+                <a:srgbClr val="000000"/>
+              </a:solidFill>
+            </a:endParaRPr>
           </a:p>
           <a:p>
             <a:pPr lvl="0"/>
             <a:r>
-              <a:rPr lang="ja-JP" altLang="en-US" sz="2800" b="0" i="1" u="sng">
+              <a:rPr lang="ja-JP" altLang="en-US" sz="2800" b="0" i="1" u="sng" smtClean="0">
                 <a:solidFill>
                   <a:srgbClr val="000000"/>
                 </a:solidFill>
@@ -19918,13 +20377,18 @@
               <a:t>あいうえお</a:t>
             </a:r>
             <a:r>
-              <a:rPr lang="en-US" sz="2800" b="0" i="1" u="sng">
+              <a:rPr lang="en-US" sz="2800" b="0" i="1" u="sng" smtClean="0">
                 <a:solidFill>
                   <a:srgbClr val="000000"/>
                 </a:solidFill>
               </a:rPr>
               <a:t>kl)(*&amp;%$#@85v_+)0_@#%L:CF]1</a:t>
             </a:r>
+            <a:endParaRPr lang="en-US" sz="2800" b="0" i="1" u="sng">
+              <a:solidFill>
+                <a:srgbClr val="000000"/>
+              </a:solidFill>
+            </a:endParaRPr>
           </a:p>
           <a:p>
             <a:endParaRPr lang="en-US"/>
@@ -20436,7 +20900,7 @@
           <a:p>
             <a:pPr algn="l"/>
             <a:r>
-              <a:rPr lang="en-US" sz="7200" dirty="0">
+              <a:rPr lang="en-US" sz="7200" dirty="0" smtClean="0">
                 <a:solidFill>
                   <a:schemeClr val="bg1"/>
                 </a:solidFill>
@@ -20474,7 +20938,7 @@
           <a:lstStyle/>
           <a:p>
             <a:r>
-              <a:rPr lang="en-US" sz="2400" b="1" dirty="0">
+              <a:rPr lang="en-US" sz="2400" b="1" dirty="0" smtClean="0">
                 <a:solidFill>
                   <a:schemeClr val="bg1"/>
                 </a:solidFill>
@@ -20488,7 +20952,7 @@
               <a:buChar char="•"/>
             </a:pPr>
             <a:r>
-              <a:rPr lang="en-US" sz="2400" dirty="0">
+              <a:rPr lang="en-US" sz="2400" dirty="0" smtClean="0">
                 <a:solidFill>
                   <a:schemeClr val="bg1"/>
                 </a:solidFill>
@@ -20508,6 +20972,13 @@
   <p:clrMapOvr>
     <a:masterClrMapping/>
   </p:clrMapOvr>
+  <p:timing>
+    <p:tnLst>
+      <p:par>
+        <p:cTn id="1" dur="indefinite" restart="never" nodeType="tmRoot"/>
+      </p:par>
+    </p:tnLst>
+  </p:timing>
 </p:sld>
 </file>
 
@@ -20795,7 +21266,7 @@
           <a:p>
             <a:pPr lvl="0"/>
             <a:r>
-              <a:rPr lang="en-US" sz="4400">
+              <a:rPr lang="en-US" sz="4400" smtClean="0">
                 <a:solidFill>
                   <a:srgbClr val="1F497D">
                     <a:lumMod val="60000"/>
@@ -20806,55 +21277,84 @@
               </a:rPr>
               <a:t>One Slide</a:t>
             </a:r>
+            <a:endParaRPr lang="en-US" sz="4400">
+              <a:solidFill>
+                <a:srgbClr val="1F497D">
+                  <a:lumMod val="60000"/>
+                  <a:lumOff val="40000"/>
+                </a:srgbClr>
+              </a:solidFill>
+              <a:latin typeface="Arial Black" pitchFamily="34" charset="0"/>
+            </a:endParaRPr>
           </a:p>
           <a:p>
             <a:pPr lvl="0"/>
             <a:r>
-              <a:rPr lang="en-US" sz="2800" b="0" i="1" u="sng">
+              <a:rPr lang="en-US" sz="2800" b="0" i="1" u="sng" smtClean="0">
                 <a:solidFill>
                   <a:srgbClr val="000000"/>
                 </a:solidFill>
               </a:rPr>
               <a:t>Two Slides</a:t>
             </a:r>
+            <a:endParaRPr lang="en-US" sz="2800" b="0" i="1" u="sng">
+              <a:solidFill>
+                <a:srgbClr val="000000"/>
+              </a:solidFill>
+            </a:endParaRPr>
           </a:p>
           <a:p>
             <a:pPr lvl="0"/>
             <a:r>
-              <a:rPr lang="en-US" sz="2800" b="0" i="1" u="sng">
+              <a:rPr lang="en-US" sz="2800" b="0" i="1" u="sng" smtClean="0">
                 <a:solidFill>
                   <a:srgbClr val="000000"/>
                 </a:solidFill>
               </a:rPr>
               <a:t>New Section</a:t>
             </a:r>
+            <a:endParaRPr lang="en-US" sz="2800" b="0" i="1" u="sng">
+              <a:solidFill>
+                <a:srgbClr val="000000"/>
+              </a:solidFill>
+            </a:endParaRPr>
           </a:p>
           <a:p>
             <a:pPr lvl="0"/>
             <a:r>
-              <a:rPr lang="en-US" sz="2800" b="0" i="1" u="sng">
+              <a:rPr lang="en-US" sz="2800" b="0" i="1" u="sng" smtClean="0">
                 <a:solidFill>
                   <a:srgbClr val="000000"/>
                 </a:solidFill>
               </a:rPr>
               <a:t>Same Name</a:t>
             </a:r>
+            <a:endParaRPr lang="en-US" sz="2800" b="0" i="1" u="sng">
+              <a:solidFill>
+                <a:srgbClr val="000000"/>
+              </a:solidFill>
+            </a:endParaRPr>
           </a:p>
           <a:p>
             <a:pPr lvl="0"/>
             <a:r>
-              <a:rPr lang="en-US" sz="2800" b="0" i="1" u="sng">
+              <a:rPr lang="en-US" sz="2800" b="0" i="1" u="sng" smtClean="0">
                 <a:solidFill>
                   <a:srgbClr val="000000"/>
                 </a:solidFill>
               </a:rPr>
               <a:t>New Section</a:t>
             </a:r>
+            <a:endParaRPr lang="en-US" sz="2800" b="0" i="1" u="sng">
+              <a:solidFill>
+                <a:srgbClr val="000000"/>
+              </a:solidFill>
+            </a:endParaRPr>
           </a:p>
           <a:p>
             <a:pPr lvl="0"/>
             <a:r>
-              <a:rPr lang="ja-JP" altLang="en-US" sz="2800" b="0" i="1" u="sng">
+              <a:rPr lang="ja-JP" altLang="en-US" sz="2800" b="0" i="1" u="sng" smtClean="0">
                 <a:solidFill>
                   <a:srgbClr val="000000"/>
                 </a:solidFill>
@@ -20862,13 +21362,18 @@
               <a:t>あいうえお</a:t>
             </a:r>
             <a:r>
-              <a:rPr lang="en-US" sz="2800" b="0" i="1" u="sng">
+              <a:rPr lang="en-US" sz="2800" b="0" i="1" u="sng" smtClean="0">
                 <a:solidFill>
                   <a:srgbClr val="000000"/>
                 </a:solidFill>
               </a:rPr>
               <a:t>kl)(*&amp;%$#@85v_+)0_@#%L:CF]1</a:t>
             </a:r>
+            <a:endParaRPr lang="en-US" sz="2800" b="0" i="1" u="sng">
+              <a:solidFill>
+                <a:srgbClr val="000000"/>
+              </a:solidFill>
+            </a:endParaRPr>
           </a:p>
           <a:p>
             <a:endParaRPr lang="en-US"/>
@@ -21653,14 +22158,15 @@
           <a:p>
             <a:pPr lvl="0"/>
             <a:r>
-              <a:rPr lang="en-US"/>
+              <a:rPr lang="en-US" smtClean="0"/>
               <a:t>One Slide</a:t>
             </a:r>
+            <a:endParaRPr lang="en-US"/>
           </a:p>
           <a:p>
             <a:pPr lvl="0"/>
             <a:r>
-              <a:rPr lang="en-US" sz="4400">
+              <a:rPr lang="en-US" sz="4400" smtClean="0">
                 <a:solidFill>
                   <a:srgbClr val="1F497D">
                     <a:lumMod val="60000"/>
@@ -21671,44 +22177,68 @@
               </a:rPr>
               <a:t>Two Slides</a:t>
             </a:r>
+            <a:endParaRPr lang="en-US" sz="4400">
+              <a:solidFill>
+                <a:srgbClr val="1F497D">
+                  <a:lumMod val="60000"/>
+                  <a:lumOff val="40000"/>
+                </a:srgbClr>
+              </a:solidFill>
+              <a:latin typeface="Arial Black" pitchFamily="34" charset="0"/>
+            </a:endParaRPr>
           </a:p>
           <a:p>
             <a:pPr lvl="0"/>
             <a:r>
-              <a:rPr lang="en-US" sz="2800" b="0" i="1" u="sng">
+              <a:rPr lang="en-US" sz="2800" b="0" i="1" u="sng" smtClean="0">
                 <a:solidFill>
                   <a:srgbClr val="000000"/>
                 </a:solidFill>
               </a:rPr>
               <a:t>New Section</a:t>
             </a:r>
+            <a:endParaRPr lang="en-US" sz="2800" b="0" i="1" u="sng">
+              <a:solidFill>
+                <a:srgbClr val="000000"/>
+              </a:solidFill>
+            </a:endParaRPr>
           </a:p>
           <a:p>
             <a:pPr lvl="0"/>
             <a:r>
-              <a:rPr lang="en-US" sz="2800" b="0" i="1" u="sng">
+              <a:rPr lang="en-US" sz="2800" b="0" i="1" u="sng" smtClean="0">
                 <a:solidFill>
                   <a:srgbClr val="000000"/>
                 </a:solidFill>
               </a:rPr>
               <a:t>Same Name</a:t>
             </a:r>
+            <a:endParaRPr lang="en-US" sz="2800" b="0" i="1" u="sng">
+              <a:solidFill>
+                <a:srgbClr val="000000"/>
+              </a:solidFill>
+            </a:endParaRPr>
           </a:p>
           <a:p>
             <a:pPr lvl="0"/>
             <a:r>
-              <a:rPr lang="en-US" sz="2800" b="0" i="1" u="sng">
+              <a:rPr lang="en-US" sz="2800" b="0" i="1" u="sng" smtClean="0">
                 <a:solidFill>
                   <a:srgbClr val="000000"/>
                 </a:solidFill>
               </a:rPr>
               <a:t>New Section</a:t>
             </a:r>
+            <a:endParaRPr lang="en-US" sz="2800" b="0" i="1" u="sng">
+              <a:solidFill>
+                <a:srgbClr val="000000"/>
+              </a:solidFill>
+            </a:endParaRPr>
           </a:p>
           <a:p>
             <a:pPr lvl="0"/>
             <a:r>
-              <a:rPr lang="ja-JP" altLang="en-US" sz="2800" b="0" i="1" u="sng">
+              <a:rPr lang="ja-JP" altLang="en-US" sz="2800" b="0" i="1" u="sng" smtClean="0">
                 <a:solidFill>
                   <a:srgbClr val="000000"/>
                 </a:solidFill>
@@ -21716,13 +22246,18 @@
               <a:t>あいうえお</a:t>
             </a:r>
             <a:r>
-              <a:rPr lang="en-US" sz="2800" b="0" i="1" u="sng">
+              <a:rPr lang="en-US" sz="2800" b="0" i="1" u="sng" smtClean="0">
                 <a:solidFill>
                   <a:srgbClr val="000000"/>
                 </a:solidFill>
               </a:rPr>
               <a:t>kl)(*&amp;%$#@85v_+)0_@#%L:CF]1</a:t>
             </a:r>
+            <a:endParaRPr lang="en-US" sz="2800" b="0" i="1" u="sng">
+              <a:solidFill>
+                <a:srgbClr val="000000"/>
+              </a:solidFill>
+            </a:endParaRPr>
           </a:p>
           <a:p>
             <a:endParaRPr lang="en-US"/>
@@ -22293,7 +22828,7 @@
           <a:lstStyle/>
           <a:p>
             <a:r>
-              <a:rPr lang="en-US" sz="6000" dirty="0"/>
+              <a:rPr lang="en-US" sz="6000" dirty="0" smtClean="0"/>
               <a:t>Test Image</a:t>
             </a:r>
             <a:endParaRPr lang="en-SG" sz="6000" dirty="0"/>
@@ -22310,6 +22845,13 @@
   <p:clrMapOvr>
     <a:masterClrMapping/>
   </p:clrMapOvr>
+  <p:timing>
+    <p:tnLst>
+      <p:par>
+        <p:cTn id="1" dur="indefinite" restart="never" nodeType="tmRoot"/>
+      </p:par>
+    </p:tnLst>
+  </p:timing>
 </p:sld>
 </file>
 
@@ -22597,14 +23139,15 @@
           <a:p>
             <a:pPr lvl="0"/>
             <a:r>
-              <a:rPr lang="en-US"/>
+              <a:rPr lang="en-US" smtClean="0"/>
               <a:t>One Slide</a:t>
             </a:r>
+            <a:endParaRPr lang="en-US"/>
           </a:p>
           <a:p>
             <a:pPr lvl="0"/>
             <a:r>
-              <a:rPr lang="en-US" sz="4400">
+              <a:rPr lang="en-US" sz="4400" smtClean="0">
                 <a:solidFill>
                   <a:srgbClr val="1F497D">
                     <a:lumMod val="60000"/>
@@ -22615,44 +23158,68 @@
               </a:rPr>
               <a:t>Two Slides</a:t>
             </a:r>
+            <a:endParaRPr lang="en-US" sz="4400">
+              <a:solidFill>
+                <a:srgbClr val="1F497D">
+                  <a:lumMod val="60000"/>
+                  <a:lumOff val="40000"/>
+                </a:srgbClr>
+              </a:solidFill>
+              <a:latin typeface="Arial Black" pitchFamily="34" charset="0"/>
+            </a:endParaRPr>
           </a:p>
           <a:p>
             <a:pPr lvl="0"/>
             <a:r>
-              <a:rPr lang="en-US" sz="2800" b="0" i="1" u="sng">
+              <a:rPr lang="en-US" sz="2800" b="0" i="1" u="sng" smtClean="0">
                 <a:solidFill>
                   <a:srgbClr val="000000"/>
                 </a:solidFill>
               </a:rPr>
               <a:t>New Section</a:t>
             </a:r>
+            <a:endParaRPr lang="en-US" sz="2800" b="0" i="1" u="sng">
+              <a:solidFill>
+                <a:srgbClr val="000000"/>
+              </a:solidFill>
+            </a:endParaRPr>
           </a:p>
           <a:p>
             <a:pPr lvl="0"/>
             <a:r>
-              <a:rPr lang="en-US" sz="2800" b="0" i="1" u="sng">
+              <a:rPr lang="en-US" sz="2800" b="0" i="1" u="sng" smtClean="0">
                 <a:solidFill>
                   <a:srgbClr val="000000"/>
                 </a:solidFill>
               </a:rPr>
               <a:t>Same Name</a:t>
             </a:r>
+            <a:endParaRPr lang="en-US" sz="2800" b="0" i="1" u="sng">
+              <a:solidFill>
+                <a:srgbClr val="000000"/>
+              </a:solidFill>
+            </a:endParaRPr>
           </a:p>
           <a:p>
             <a:pPr lvl="0"/>
             <a:r>
-              <a:rPr lang="en-US" sz="2800" b="0" i="1" u="sng">
+              <a:rPr lang="en-US" sz="2800" b="0" i="1" u="sng" smtClean="0">
                 <a:solidFill>
                   <a:srgbClr val="000000"/>
                 </a:solidFill>
               </a:rPr>
               <a:t>New Section</a:t>
             </a:r>
+            <a:endParaRPr lang="en-US" sz="2800" b="0" i="1" u="sng">
+              <a:solidFill>
+                <a:srgbClr val="000000"/>
+              </a:solidFill>
+            </a:endParaRPr>
           </a:p>
           <a:p>
             <a:pPr lvl="0"/>
             <a:r>
-              <a:rPr lang="ja-JP" altLang="en-US" sz="2800" b="0" i="1" u="sng">
+              <a:rPr lang="ja-JP" altLang="en-US" sz="2800" b="0" i="1" u="sng" smtClean="0">
                 <a:solidFill>
                   <a:srgbClr val="000000"/>
                 </a:solidFill>
@@ -22660,13 +23227,18 @@
               <a:t>あいうえお</a:t>
             </a:r>
             <a:r>
-              <a:rPr lang="en-US" sz="2800" b="0" i="1" u="sng">
+              <a:rPr lang="en-US" sz="2800" b="0" i="1" u="sng" smtClean="0">
                 <a:solidFill>
                   <a:srgbClr val="000000"/>
                 </a:solidFill>
               </a:rPr>
               <a:t>kl)(*&amp;%$#@85v_+)0_@#%L:CF]1</a:t>
             </a:r>
+            <a:endParaRPr lang="en-US" sz="2800" b="0" i="1" u="sng">
+              <a:solidFill>
+                <a:srgbClr val="000000"/>
+              </a:solidFill>
+            </a:endParaRPr>
           </a:p>
           <a:p>
             <a:endParaRPr lang="en-US" dirty="0"/>
